--- a/ppt/1-Python面向对象课程介绍.pptx
+++ b/ppt/1-Python面向对象课程介绍.pptx
@@ -1,22 +1,22 @@
 
 <file path=ppt/presentation.xml><?xml version="1.0" encoding="utf-8"?>
-<p:presentation xmlns:a="http://schemas.openxmlformats.org/drawingml/2006/main" xmlns:r="http://schemas.openxmlformats.org/officeDocument/2006/relationships" xmlns:mc="http://schemas.openxmlformats.org/markup-compatibility/2006" xmlns:mv="urn:schemas-microsoft-com:mac:vml" xmlns:p="http://schemas.openxmlformats.org/presentationml/2006/main" xmlns:c="http://schemas.openxmlformats.org/drawingml/2006/chart" xmlns:dgm="http://schemas.openxmlformats.org/drawingml/2006/diagram" xmlns:o="urn:schemas-microsoft-com:office:office" xmlns:v="urn:schemas-microsoft-com:vml" xmlns:pvml="urn:schemas-microsoft-com:office:powerpoint" xmlns:com="http://schemas.openxmlformats.org/drawingml/2006/compatibility" xmlns:p14="http://schemas.microsoft.com/office/powerpoint/2010/main" autoCompressPictures="0" strictFirstAndLastChars="0" saveSubsetFonts="1">
+<p:presentation xmlns:a="http://schemas.openxmlformats.org/drawingml/2006/main" xmlns:r="http://schemas.openxmlformats.org/officeDocument/2006/relationships" xmlns:p="http://schemas.openxmlformats.org/presentationml/2006/main" strictFirstAndLastChars="0" saveSubsetFonts="1" autoCompressPictures="0">
   <p:sldMasterIdLst>
-    <p:sldMasterId id="2147483659" r:id="rId3"/>
+    <p:sldMasterId id="2147483648" r:id="rId1"/>
   </p:sldMasterIdLst>
   <p:notesMasterIdLst>
     <p:notesMasterId r:id="rId4"/>
   </p:notesMasterIdLst>
   <p:sldIdLst>
-    <p:sldId id="256" r:id="rId5"/>
-    <p:sldId id="257" r:id="rId6"/>
-    <p:sldId id="258" r:id="rId7"/>
-    <p:sldId id="259" r:id="rId8"/>
+    <p:sldId id="256" r:id="rId3"/>
+    <p:sldId id="257" r:id="rId5"/>
+    <p:sldId id="258" r:id="rId6"/>
+    <p:sldId id="259" r:id="rId7"/>
   </p:sldIdLst>
-  <p:sldSz cy="5143500" cx="9144000"/>
+  <p:sldSz cx="9144000" cy="5143500"/>
   <p:notesSz cx="6858000" cy="9144000"/>
   <p:defaultTextStyle>
-    <a:defPPr lvl="0" marR="0" rtl="0" algn="l">
+    <a:defPPr marR="0" lvl="0" algn="l" rtl="0">
       <a:lnSpc>
         <a:spcPct val="100000"/>
       </a:lnSpc>
@@ -27,7 +27,7 @@
         <a:spcPts val="0"/>
       </a:spcAft>
     </a:defPPr>
-    <a:lvl1pPr lvl="0" marR="0" rtl="0" algn="l">
+    <a:lvl1pPr marR="0" lvl="0" algn="l" rtl="0">
       <a:lnSpc>
         <a:spcPct val="100000"/>
       </a:lnSpc>
@@ -38,7 +38,7 @@
         <a:spcPts val="0"/>
       </a:spcAft>
       <a:buNone/>
-      <a:defRPr b="0" i="0" sz="1400" u="none" cap="none" strike="noStrike">
+      <a:defRPr sz="1400" b="0" i="0" u="none" strike="noStrike" cap="none">
         <a:solidFill>
           <a:srgbClr val="000000"/>
         </a:solidFill>
@@ -48,7 +48,7 @@
         <a:sym typeface="Arial"/>
       </a:defRPr>
     </a:lvl1pPr>
-    <a:lvl2pPr lvl="1" marR="0" rtl="0" algn="l">
+    <a:lvl2pPr marR="0" lvl="1" algn="l" rtl="0">
       <a:lnSpc>
         <a:spcPct val="100000"/>
       </a:lnSpc>
@@ -59,7 +59,7 @@
         <a:spcPts val="0"/>
       </a:spcAft>
       <a:buNone/>
-      <a:defRPr b="0" i="0" sz="1400" u="none" cap="none" strike="noStrike">
+      <a:defRPr sz="1400" b="0" i="0" u="none" strike="noStrike" cap="none">
         <a:solidFill>
           <a:srgbClr val="000000"/>
         </a:solidFill>
@@ -69,7 +69,7 @@
         <a:sym typeface="Arial"/>
       </a:defRPr>
     </a:lvl2pPr>
-    <a:lvl3pPr lvl="2" marR="0" rtl="0" algn="l">
+    <a:lvl3pPr marR="0" lvl="2" algn="l" rtl="0">
       <a:lnSpc>
         <a:spcPct val="100000"/>
       </a:lnSpc>
@@ -80,7 +80,7 @@
         <a:spcPts val="0"/>
       </a:spcAft>
       <a:buNone/>
-      <a:defRPr b="0" i="0" sz="1400" u="none" cap="none" strike="noStrike">
+      <a:defRPr sz="1400" b="0" i="0" u="none" strike="noStrike" cap="none">
         <a:solidFill>
           <a:srgbClr val="000000"/>
         </a:solidFill>
@@ -90,7 +90,7 @@
         <a:sym typeface="Arial"/>
       </a:defRPr>
     </a:lvl3pPr>
-    <a:lvl4pPr lvl="3" marR="0" rtl="0" algn="l">
+    <a:lvl4pPr marR="0" lvl="3" algn="l" rtl="0">
       <a:lnSpc>
         <a:spcPct val="100000"/>
       </a:lnSpc>
@@ -101,7 +101,7 @@
         <a:spcPts val="0"/>
       </a:spcAft>
       <a:buNone/>
-      <a:defRPr b="0" i="0" sz="1400" u="none" cap="none" strike="noStrike">
+      <a:defRPr sz="1400" b="0" i="0" u="none" strike="noStrike" cap="none">
         <a:solidFill>
           <a:srgbClr val="000000"/>
         </a:solidFill>
@@ -111,7 +111,7 @@
         <a:sym typeface="Arial"/>
       </a:defRPr>
     </a:lvl4pPr>
-    <a:lvl5pPr lvl="4" marR="0" rtl="0" algn="l">
+    <a:lvl5pPr marR="0" lvl="4" algn="l" rtl="0">
       <a:lnSpc>
         <a:spcPct val="100000"/>
       </a:lnSpc>
@@ -122,7 +122,7 @@
         <a:spcPts val="0"/>
       </a:spcAft>
       <a:buNone/>
-      <a:defRPr b="0" i="0" sz="1400" u="none" cap="none" strike="noStrike">
+      <a:defRPr sz="1400" b="0" i="0" u="none" strike="noStrike" cap="none">
         <a:solidFill>
           <a:srgbClr val="000000"/>
         </a:solidFill>
@@ -132,7 +132,7 @@
         <a:sym typeface="Arial"/>
       </a:defRPr>
     </a:lvl5pPr>
-    <a:lvl6pPr lvl="5" marR="0" rtl="0" algn="l">
+    <a:lvl6pPr marR="0" lvl="5" algn="l" rtl="0">
       <a:lnSpc>
         <a:spcPct val="100000"/>
       </a:lnSpc>
@@ -143,7 +143,7 @@
         <a:spcPts val="0"/>
       </a:spcAft>
       <a:buNone/>
-      <a:defRPr b="0" i="0" sz="1400" u="none" cap="none" strike="noStrike">
+      <a:defRPr sz="1400" b="0" i="0" u="none" strike="noStrike" cap="none">
         <a:solidFill>
           <a:srgbClr val="000000"/>
         </a:solidFill>
@@ -153,7 +153,7 @@
         <a:sym typeface="Arial"/>
       </a:defRPr>
     </a:lvl6pPr>
-    <a:lvl7pPr lvl="6" marR="0" rtl="0" algn="l">
+    <a:lvl7pPr marR="0" lvl="6" algn="l" rtl="0">
       <a:lnSpc>
         <a:spcPct val="100000"/>
       </a:lnSpc>
@@ -164,7 +164,7 @@
         <a:spcPts val="0"/>
       </a:spcAft>
       <a:buNone/>
-      <a:defRPr b="0" i="0" sz="1400" u="none" cap="none" strike="noStrike">
+      <a:defRPr sz="1400" b="0" i="0" u="none" strike="noStrike" cap="none">
         <a:solidFill>
           <a:srgbClr val="000000"/>
         </a:solidFill>
@@ -174,7 +174,7 @@
         <a:sym typeface="Arial"/>
       </a:defRPr>
     </a:lvl7pPr>
-    <a:lvl8pPr lvl="7" marR="0" rtl="0" algn="l">
+    <a:lvl8pPr marR="0" lvl="7" algn="l" rtl="0">
       <a:lnSpc>
         <a:spcPct val="100000"/>
       </a:lnSpc>
@@ -185,7 +185,7 @@
         <a:spcPts val="0"/>
       </a:spcAft>
       <a:buNone/>
-      <a:defRPr b="0" i="0" sz="1400" u="none" cap="none" strike="noStrike">
+      <a:defRPr sz="1400" b="0" i="0" u="none" strike="noStrike" cap="none">
         <a:solidFill>
           <a:srgbClr val="000000"/>
         </a:solidFill>
@@ -195,7 +195,7 @@
         <a:sym typeface="Arial"/>
       </a:defRPr>
     </a:lvl8pPr>
-    <a:lvl9pPr lvl="8" marR="0" rtl="0" algn="l">
+    <a:lvl9pPr marR="0" lvl="8" algn="l" rtl="0">
       <a:lnSpc>
         <a:spcPct val="100000"/>
       </a:lnSpc>
@@ -206,7 +206,7 @@
         <a:spcPts val="0"/>
       </a:spcAft>
       <a:buNone/>
-      <a:defRPr b="0" i="0" sz="1400" u="none" cap="none" strike="noStrike">
+      <a:defRPr sz="1400" b="0" i="0" u="none" strike="noStrike" cap="none">
         <a:solidFill>
           <a:srgbClr val="000000"/>
         </a:solidFill>
@@ -221,13 +221,14 @@
 </file>
 
 <file path=ppt/notesMasters/notesMaster1.xml><?xml version="1.0" encoding="utf-8"?>
-<p:notesMaster xmlns:a="http://schemas.openxmlformats.org/drawingml/2006/main" xmlns:r="http://schemas.openxmlformats.org/officeDocument/2006/relationships" xmlns:mc="http://schemas.openxmlformats.org/markup-compatibility/2006" xmlns:mv="urn:schemas-microsoft-com:mac:vml" xmlns:p="http://schemas.openxmlformats.org/presentationml/2006/main" xmlns:c="http://schemas.openxmlformats.org/drawingml/2006/chart" xmlns:dgm="http://schemas.openxmlformats.org/drawingml/2006/diagram" xmlns:o="urn:schemas-microsoft-com:office:office" xmlns:v="urn:schemas-microsoft-com:vml" xmlns:pvml="urn:schemas-microsoft-com:office:powerpoint" xmlns:com="http://schemas.openxmlformats.org/drawingml/2006/compatibility" xmlns:p14="http://schemas.microsoft.com/office/powerpoint/2010/main">
+<p:notesMaster xmlns:a="http://schemas.openxmlformats.org/drawingml/2006/main" xmlns:r="http://schemas.openxmlformats.org/officeDocument/2006/relationships" xmlns:p="http://schemas.openxmlformats.org/presentationml/2006/main">
   <p:cSld>
     <p:bg>
       <p:bgPr>
         <a:solidFill>
           <a:schemeClr val="lt1"/>
         </a:solidFill>
+        <a:effectLst/>
       </p:bgPr>
     </p:bg>
     <p:spTree>
@@ -249,7 +250,7 @@
           <p:cNvPr id="3" name="Shape 3"/>
           <p:cNvSpPr/>
           <p:nvPr>
-            <p:ph idx="2" type="sldImg"/>
+            <p:ph type="sldImg" idx="2"/>
           </p:nvPr>
         </p:nvSpPr>
         <p:spPr>
@@ -258,8 +259,12 @@
             <a:ext cx="6096075" cy="3429000"/>
           </a:xfrm>
           <a:custGeom>
+            <a:avLst/>
+            <a:gdLst/>
+            <a:ahLst/>
+            <a:cxnLst/>
             <a:pathLst>
-              <a:path extrusionOk="0" h="120000" w="120000">
+              <a:path w="120000" h="120000" extrusionOk="0">
                 <a:moveTo>
                   <a:pt x="0" y="0"/>
                 </a:moveTo>
@@ -277,14 +282,14 @@
             </a:pathLst>
           </a:custGeom>
           <a:noFill/>
-          <a:ln cap="flat" cmpd="sng" w="9525">
+          <a:ln w="9525" cap="flat" cmpd="sng">
             <a:solidFill>
               <a:srgbClr val="000000"/>
             </a:solidFill>
             <a:prstDash val="solid"/>
             <a:round/>
-            <a:headEnd len="med" w="med" type="none"/>
-            <a:tailEnd len="med" w="med" type="none"/>
+            <a:headEnd type="none" w="med" len="med"/>
+            <a:tailEnd type="none" w="med" len="med"/>
           </a:ln>
         </p:spPr>
       </p:sp>
@@ -293,7 +298,7 @@
           <p:cNvPr id="4" name="Shape 4"/>
           <p:cNvSpPr txBox="1"/>
           <p:nvPr>
-            <p:ph idx="1" type="body"/>
+            <p:ph type="body" idx="1"/>
           </p:nvPr>
         </p:nvSpPr>
         <p:spPr>
@@ -310,14 +315,14 @@
           </a:ln>
         </p:spPr>
         <p:txBody>
-          <a:bodyPr anchorCtr="0" anchor="t" bIns="91425" lIns="91425" rIns="91425" tIns="91425"/>
+          <a:bodyPr lIns="91425" tIns="91425" rIns="91425" bIns="91425" anchor="t" anchorCtr="0"/>
           <a:lstStyle>
-            <a:lvl1pPr indent="0" lvl="0" marL="0" marR="0" rtl="0" algn="l">
-              <a:spcBef>
-                <a:spcPts val="0"/>
-              </a:spcBef>
-              <a:buNone/>
-              <a:defRPr b="0" i="0" sz="1100" u="none" cap="none" strike="noStrike">
+            <a:lvl1pPr marL="0" marR="0" lvl="0" indent="0" algn="l" rtl="0">
+              <a:spcBef>
+                <a:spcPts val="0"/>
+              </a:spcBef>
+              <a:buNone/>
+              <a:defRPr sz="1100" b="0" i="0" u="none" strike="noStrike" cap="none">
                 <a:solidFill>
                   <a:schemeClr val="dk1"/>
                 </a:solidFill>
@@ -327,12 +332,12 @@
                 <a:sym typeface="Arial"/>
               </a:defRPr>
             </a:lvl1pPr>
-            <a:lvl2pPr indent="0" lvl="1" marL="457200" marR="0" rtl="0" algn="l">
-              <a:spcBef>
-                <a:spcPts val="0"/>
-              </a:spcBef>
-              <a:buNone/>
-              <a:defRPr b="0" i="0" sz="1100" u="none" cap="none" strike="noStrike">
+            <a:lvl2pPr marL="457200" marR="0" lvl="1" indent="0" algn="l" rtl="0">
+              <a:spcBef>
+                <a:spcPts val="0"/>
+              </a:spcBef>
+              <a:buNone/>
+              <a:defRPr sz="1100" b="0" i="0" u="none" strike="noStrike" cap="none">
                 <a:solidFill>
                   <a:schemeClr val="dk1"/>
                 </a:solidFill>
@@ -342,12 +347,12 @@
                 <a:sym typeface="Arial"/>
               </a:defRPr>
             </a:lvl2pPr>
-            <a:lvl3pPr indent="0" lvl="2" marL="914400" marR="0" rtl="0" algn="l">
-              <a:spcBef>
-                <a:spcPts val="0"/>
-              </a:spcBef>
-              <a:buNone/>
-              <a:defRPr b="0" i="0" sz="1100" u="none" cap="none" strike="noStrike">
+            <a:lvl3pPr marL="914400" marR="0" lvl="2" indent="0" algn="l" rtl="0">
+              <a:spcBef>
+                <a:spcPts val="0"/>
+              </a:spcBef>
+              <a:buNone/>
+              <a:defRPr sz="1100" b="0" i="0" u="none" strike="noStrike" cap="none">
                 <a:solidFill>
                   <a:schemeClr val="dk1"/>
                 </a:solidFill>
@@ -357,12 +362,12 @@
                 <a:sym typeface="Arial"/>
               </a:defRPr>
             </a:lvl3pPr>
-            <a:lvl4pPr indent="0" lvl="3" marL="1371600" marR="0" rtl="0" algn="l">
-              <a:spcBef>
-                <a:spcPts val="0"/>
-              </a:spcBef>
-              <a:buNone/>
-              <a:defRPr b="0" i="0" sz="1100" u="none" cap="none" strike="noStrike">
+            <a:lvl4pPr marL="1371600" marR="0" lvl="3" indent="0" algn="l" rtl="0">
+              <a:spcBef>
+                <a:spcPts val="0"/>
+              </a:spcBef>
+              <a:buNone/>
+              <a:defRPr sz="1100" b="0" i="0" u="none" strike="noStrike" cap="none">
                 <a:solidFill>
                   <a:schemeClr val="dk1"/>
                 </a:solidFill>
@@ -372,12 +377,12 @@
                 <a:sym typeface="Arial"/>
               </a:defRPr>
             </a:lvl4pPr>
-            <a:lvl5pPr indent="0" lvl="4" marL="1828800" marR="0" rtl="0" algn="l">
-              <a:spcBef>
-                <a:spcPts val="0"/>
-              </a:spcBef>
-              <a:buNone/>
-              <a:defRPr b="0" i="0" sz="1100" u="none" cap="none" strike="noStrike">
+            <a:lvl5pPr marL="1828800" marR="0" lvl="4" indent="0" algn="l" rtl="0">
+              <a:spcBef>
+                <a:spcPts val="0"/>
+              </a:spcBef>
+              <a:buNone/>
+              <a:defRPr sz="1100" b="0" i="0" u="none" strike="noStrike" cap="none">
                 <a:solidFill>
                   <a:schemeClr val="dk1"/>
                 </a:solidFill>
@@ -387,12 +392,12 @@
                 <a:sym typeface="Arial"/>
               </a:defRPr>
             </a:lvl5pPr>
-            <a:lvl6pPr indent="0" lvl="5" marL="2286000" marR="0" rtl="0" algn="l">
-              <a:spcBef>
-                <a:spcPts val="0"/>
-              </a:spcBef>
-              <a:buNone/>
-              <a:defRPr b="0" i="0" sz="1100" u="none" cap="none" strike="noStrike">
+            <a:lvl6pPr marL="2286000" marR="0" lvl="5" indent="0" algn="l" rtl="0">
+              <a:spcBef>
+                <a:spcPts val="0"/>
+              </a:spcBef>
+              <a:buNone/>
+              <a:defRPr sz="1100" b="0" i="0" u="none" strike="noStrike" cap="none">
                 <a:solidFill>
                   <a:schemeClr val="dk1"/>
                 </a:solidFill>
@@ -402,12 +407,12 @@
                 <a:sym typeface="Arial"/>
               </a:defRPr>
             </a:lvl6pPr>
-            <a:lvl7pPr indent="0" lvl="6" marL="2743200" marR="0" rtl="0" algn="l">
-              <a:spcBef>
-                <a:spcPts val="0"/>
-              </a:spcBef>
-              <a:buNone/>
-              <a:defRPr b="0" i="0" sz="1100" u="none" cap="none" strike="noStrike">
+            <a:lvl7pPr marL="2743200" marR="0" lvl="6" indent="0" algn="l" rtl="0">
+              <a:spcBef>
+                <a:spcPts val="0"/>
+              </a:spcBef>
+              <a:buNone/>
+              <a:defRPr sz="1100" b="0" i="0" u="none" strike="noStrike" cap="none">
                 <a:solidFill>
                   <a:schemeClr val="dk1"/>
                 </a:solidFill>
@@ -417,12 +422,12 @@
                 <a:sym typeface="Arial"/>
               </a:defRPr>
             </a:lvl7pPr>
-            <a:lvl8pPr indent="0" lvl="7" marL="3200400" marR="0" rtl="0" algn="l">
-              <a:spcBef>
-                <a:spcPts val="0"/>
-              </a:spcBef>
-              <a:buNone/>
-              <a:defRPr b="0" i="0" sz="1100" u="none" cap="none" strike="noStrike">
+            <a:lvl8pPr marL="3200400" marR="0" lvl="7" indent="0" algn="l" rtl="0">
+              <a:spcBef>
+                <a:spcPts val="0"/>
+              </a:spcBef>
+              <a:buNone/>
+              <a:defRPr sz="1100" b="0" i="0" u="none" strike="noStrike" cap="none">
                 <a:solidFill>
                   <a:schemeClr val="dk1"/>
                 </a:solidFill>
@@ -432,12 +437,12 @@
                 <a:sym typeface="Arial"/>
               </a:defRPr>
             </a:lvl8pPr>
-            <a:lvl9pPr indent="0" lvl="8" marL="3657600" marR="0" rtl="0" algn="l">
-              <a:spcBef>
-                <a:spcPts val="0"/>
-              </a:spcBef>
-              <a:buNone/>
-              <a:defRPr b="0" i="0" sz="1100" u="none" cap="none" strike="noStrike">
+            <a:lvl9pPr marL="3657600" marR="0" lvl="8" indent="0" algn="l" rtl="0">
+              <a:spcBef>
+                <a:spcPts val="0"/>
+              </a:spcBef>
+              <a:buNone/>
+              <a:defRPr sz="1100" b="0" i="0" u="none" strike="noStrike" cap="none">
                 <a:solidFill>
                   <a:schemeClr val="dk1"/>
                 </a:solidFill>
@@ -453,12 +458,13 @@
       </p:sp>
     </p:spTree>
   </p:cSld>
-  <p:clrMap accent1="accent1" accent2="accent2" accent3="accent3" accent4="accent4" accent5="accent5" accent6="accent6" bg1="lt1" bg2="dk2" tx1="dk1" tx2="lt2" folHlink="folHlink" hlink="hlink"/>
+  <p:clrMap bg1="lt1" tx1="dk1" bg2="dk2" tx2="lt2" accent1="accent1" accent2="accent2" accent3="accent3" accent4="accent4" accent5="accent5" accent6="accent6" hlink="hlink" folHlink="folHlink"/>
+  <p:notesStyle/>
 </p:notesMaster>
 </file>
 
 <file path=ppt/notesSlides/notesSlide1.xml><?xml version="1.0" encoding="utf-8"?>
-<p:notes xmlns:a="http://schemas.openxmlformats.org/drawingml/2006/main" xmlns:r="http://schemas.openxmlformats.org/officeDocument/2006/relationships" xmlns:mc="http://schemas.openxmlformats.org/markup-compatibility/2006" xmlns:mv="urn:schemas-microsoft-com:mac:vml" xmlns:p="http://schemas.openxmlformats.org/presentationml/2006/main" xmlns:c="http://schemas.openxmlformats.org/drawingml/2006/chart" xmlns:dgm="http://schemas.openxmlformats.org/drawingml/2006/diagram" xmlns:o="urn:schemas-microsoft-com:office:office" xmlns:v="urn:schemas-microsoft-com:vml" xmlns:pvml="urn:schemas-microsoft-com:office:powerpoint" xmlns:com="http://schemas.openxmlformats.org/drawingml/2006/compatibility" xmlns:p14="http://schemas.microsoft.com/office/powerpoint/2010/main" showMasterPhAnim="0" showMasterSp="0">
+<p:notes xmlns:a="http://schemas.openxmlformats.org/drawingml/2006/main" xmlns:r="http://schemas.openxmlformats.org/officeDocument/2006/relationships" xmlns:p="http://schemas.openxmlformats.org/presentationml/2006/main" showMasterPhAnim="0" showMasterSp="0">
   <p:cSld>
     <p:spTree>
       <p:nvGrpSpPr>
@@ -479,7 +485,7 @@
           <p:cNvPr id="51" name="Shape 51"/>
           <p:cNvSpPr/>
           <p:nvPr>
-            <p:ph idx="2" type="sldImg"/>
+            <p:ph type="sldImg" idx="2"/>
           </p:nvPr>
         </p:nvSpPr>
         <p:spPr>
@@ -488,8 +494,12 @@
             <a:ext cx="6096000" cy="3429000"/>
           </a:xfrm>
           <a:custGeom>
+            <a:avLst/>
+            <a:gdLst/>
+            <a:ahLst/>
+            <a:cxnLst/>
             <a:pathLst>
-              <a:path extrusionOk="0" h="120000" w="120000">
+              <a:path w="120000" h="120000" extrusionOk="0">
                 <a:moveTo>
                   <a:pt x="0" y="0"/>
                 </a:moveTo>
@@ -507,14 +517,14 @@
             </a:pathLst>
           </a:custGeom>
           <a:noFill/>
-          <a:ln cap="flat" cmpd="sng" w="9525">
+          <a:ln w="9525" cap="flat" cmpd="sng">
             <a:solidFill>
               <a:srgbClr val="000000"/>
             </a:solidFill>
             <a:prstDash val="solid"/>
             <a:round/>
-            <a:headEnd len="med" w="med" type="none"/>
-            <a:tailEnd len="med" w="med" type="none"/>
+            <a:headEnd type="none" w="med" len="med"/>
+            <a:tailEnd type="none" w="med" len="med"/>
           </a:ln>
         </p:spPr>
       </p:sp>
@@ -523,7 +533,7 @@
           <p:cNvPr id="52" name="Shape 52"/>
           <p:cNvSpPr txBox="1"/>
           <p:nvPr>
-            <p:ph idx="1" type="body"/>
+            <p:ph type="body" idx="1"/>
           </p:nvPr>
         </p:nvSpPr>
         <p:spPr>
@@ -540,12 +550,12 @@
           </a:ln>
         </p:spPr>
         <p:txBody>
-          <a:bodyPr anchorCtr="0" anchor="t" bIns="91425" lIns="91425" rIns="91425" tIns="91425">
+          <a:bodyPr lIns="91425" tIns="91425" rIns="91425" bIns="91425" anchor="t" anchorCtr="0">
             <a:noAutofit/>
           </a:bodyPr>
           <a:lstStyle/>
           <a:p>
-            <a:pPr indent="0" lvl="0" marL="0" marR="0" rtl="0" algn="l">
+            <a:pPr marL="0" marR="0" lvl="0" indent="0" algn="l" rtl="0">
               <a:spcBef>
                 <a:spcPts val="0"/>
               </a:spcBef>
@@ -556,10 +566,7 @@
               <a:buFont typeface="Arial"/>
               <a:buNone/>
             </a:pPr>
-            <a:r>
-              <a:t/>
-            </a:r>
-            <a:endParaRPr b="0" i="0" sz="1100" u="none" cap="none" strike="noStrike">
+            <a:endParaRPr sz="1100" b="0" i="0" u="none" strike="noStrike" cap="none">
               <a:solidFill>
                 <a:schemeClr val="dk1"/>
               </a:solidFill>
@@ -580,7 +587,7 @@
 </file>
 
 <file path=ppt/notesSlides/notesSlide2.xml><?xml version="1.0" encoding="utf-8"?>
-<p:notes xmlns:a="http://schemas.openxmlformats.org/drawingml/2006/main" xmlns:r="http://schemas.openxmlformats.org/officeDocument/2006/relationships" xmlns:mc="http://schemas.openxmlformats.org/markup-compatibility/2006" xmlns:mv="urn:schemas-microsoft-com:mac:vml" xmlns:p="http://schemas.openxmlformats.org/presentationml/2006/main" xmlns:c="http://schemas.openxmlformats.org/drawingml/2006/chart" xmlns:dgm="http://schemas.openxmlformats.org/drawingml/2006/diagram" xmlns:o="urn:schemas-microsoft-com:office:office" xmlns:v="urn:schemas-microsoft-com:vml" xmlns:pvml="urn:schemas-microsoft-com:office:powerpoint" xmlns:com="http://schemas.openxmlformats.org/drawingml/2006/compatibility" xmlns:p14="http://schemas.microsoft.com/office/powerpoint/2010/main" showMasterPhAnim="0" showMasterSp="0">
+<p:notes xmlns:a="http://schemas.openxmlformats.org/drawingml/2006/main" xmlns:r="http://schemas.openxmlformats.org/officeDocument/2006/relationships" xmlns:p="http://schemas.openxmlformats.org/presentationml/2006/main" showMasterPhAnim="0" showMasterSp="0">
   <p:cSld>
     <p:spTree>
       <p:nvGrpSpPr>
@@ -601,7 +608,7 @@
           <p:cNvPr id="57" name="Shape 57"/>
           <p:cNvSpPr/>
           <p:nvPr>
-            <p:ph idx="2" type="sldImg"/>
+            <p:ph type="sldImg" idx="2"/>
           </p:nvPr>
         </p:nvSpPr>
         <p:spPr>
@@ -610,8 +617,12 @@
             <a:ext cx="6096000" cy="3429000"/>
           </a:xfrm>
           <a:custGeom>
+            <a:avLst/>
+            <a:gdLst/>
+            <a:ahLst/>
+            <a:cxnLst/>
             <a:pathLst>
-              <a:path extrusionOk="0" h="120000" w="120000">
+              <a:path w="120000" h="120000" extrusionOk="0">
                 <a:moveTo>
                   <a:pt x="0" y="0"/>
                 </a:moveTo>
@@ -629,14 +640,14 @@
             </a:pathLst>
           </a:custGeom>
           <a:noFill/>
-          <a:ln cap="flat" cmpd="sng" w="9525">
+          <a:ln w="9525" cap="flat" cmpd="sng">
             <a:solidFill>
               <a:srgbClr val="000000"/>
             </a:solidFill>
             <a:prstDash val="solid"/>
             <a:round/>
-            <a:headEnd len="med" w="med" type="none"/>
-            <a:tailEnd len="med" w="med" type="none"/>
+            <a:headEnd type="none" w="med" len="med"/>
+            <a:tailEnd type="none" w="med" len="med"/>
           </a:ln>
         </p:spPr>
       </p:sp>
@@ -645,7 +656,7 @@
           <p:cNvPr id="58" name="Shape 58"/>
           <p:cNvSpPr txBox="1"/>
           <p:nvPr>
-            <p:ph idx="1" type="body"/>
+            <p:ph type="body" idx="1"/>
           </p:nvPr>
         </p:nvSpPr>
         <p:spPr>
@@ -662,12 +673,12 @@
           </a:ln>
         </p:spPr>
         <p:txBody>
-          <a:bodyPr anchorCtr="0" anchor="t" bIns="91425" lIns="91425" rIns="91425" tIns="91425">
+          <a:bodyPr lIns="91425" tIns="91425" rIns="91425" bIns="91425" anchor="t" anchorCtr="0">
             <a:noAutofit/>
           </a:bodyPr>
           <a:lstStyle/>
           <a:p>
-            <a:pPr indent="0" lvl="0" marL="0" marR="0" rtl="0" algn="l">
+            <a:pPr marL="0" marR="0" lvl="0" indent="0" algn="l" rtl="0">
               <a:spcBef>
                 <a:spcPts val="0"/>
               </a:spcBef>
@@ -679,7 +690,7 @@
               <a:buNone/>
             </a:pPr>
             <a:r>
-              <a:rPr b="0" i="0" lang="en-GB" sz="1100" u="none" cap="none" strike="noStrike">
+              <a:rPr lang="en-GB" sz="1100" b="0" i="0" u="none" strike="noStrike" cap="none">
                 <a:solidFill>
                   <a:schemeClr val="dk1"/>
                 </a:solidFill>
@@ -690,6 +701,15 @@
               </a:rPr>
               <a:t>我们要说的不是大自然里面的对象</a:t>
             </a:r>
+            <a:endParaRPr lang="en-GB" sz="1100" b="0" i="0" u="none" strike="noStrike" cap="none">
+              <a:solidFill>
+                <a:schemeClr val="dk1"/>
+              </a:solidFill>
+              <a:latin typeface="Arial"/>
+              <a:ea typeface="Arial"/>
+              <a:cs typeface="Arial"/>
+              <a:sym typeface="Arial"/>
+            </a:endParaRPr>
           </a:p>
         </p:txBody>
       </p:sp>
@@ -702,7 +722,7 @@
 </file>
 
 <file path=ppt/notesSlides/notesSlide3.xml><?xml version="1.0" encoding="utf-8"?>
-<p:notes xmlns:a="http://schemas.openxmlformats.org/drawingml/2006/main" xmlns:r="http://schemas.openxmlformats.org/officeDocument/2006/relationships" xmlns:mc="http://schemas.openxmlformats.org/markup-compatibility/2006" xmlns:mv="urn:schemas-microsoft-com:mac:vml" xmlns:p="http://schemas.openxmlformats.org/presentationml/2006/main" xmlns:c="http://schemas.openxmlformats.org/drawingml/2006/chart" xmlns:dgm="http://schemas.openxmlformats.org/drawingml/2006/diagram" xmlns:o="urn:schemas-microsoft-com:office:office" xmlns:v="urn:schemas-microsoft-com:vml" xmlns:pvml="urn:schemas-microsoft-com:office:powerpoint" xmlns:com="http://schemas.openxmlformats.org/drawingml/2006/compatibility" xmlns:p14="http://schemas.microsoft.com/office/powerpoint/2010/main" showMasterPhAnim="0" showMasterSp="0">
+<p:notes xmlns:a="http://schemas.openxmlformats.org/drawingml/2006/main" xmlns:r="http://schemas.openxmlformats.org/officeDocument/2006/relationships" xmlns:p="http://schemas.openxmlformats.org/presentationml/2006/main" showMasterPhAnim="0" showMasterSp="0">
   <p:cSld>
     <p:spTree>
       <p:nvGrpSpPr>
@@ -723,7 +743,7 @@
           <p:cNvPr id="62" name="Shape 62"/>
           <p:cNvSpPr/>
           <p:nvPr>
-            <p:ph idx="2" type="sldImg"/>
+            <p:ph type="sldImg" idx="2"/>
           </p:nvPr>
         </p:nvSpPr>
         <p:spPr>
@@ -732,8 +752,12 @@
             <a:ext cx="6096000" cy="3429000"/>
           </a:xfrm>
           <a:custGeom>
+            <a:avLst/>
+            <a:gdLst/>
+            <a:ahLst/>
+            <a:cxnLst/>
             <a:pathLst>
-              <a:path extrusionOk="0" h="120000" w="120000">
+              <a:path w="120000" h="120000" extrusionOk="0">
                 <a:moveTo>
                   <a:pt x="0" y="0"/>
                 </a:moveTo>
@@ -751,14 +775,14 @@
             </a:pathLst>
           </a:custGeom>
           <a:noFill/>
-          <a:ln cap="flat" cmpd="sng" w="9525">
+          <a:ln w="9525" cap="flat" cmpd="sng">
             <a:solidFill>
               <a:srgbClr val="000000"/>
             </a:solidFill>
             <a:prstDash val="solid"/>
             <a:round/>
-            <a:headEnd len="med" w="med" type="none"/>
-            <a:tailEnd len="med" w="med" type="none"/>
+            <a:headEnd type="none" w="med" len="med"/>
+            <a:tailEnd type="none" w="med" len="med"/>
           </a:ln>
         </p:spPr>
       </p:sp>
@@ -767,7 +791,7 @@
           <p:cNvPr id="63" name="Shape 63"/>
           <p:cNvSpPr txBox="1"/>
           <p:nvPr>
-            <p:ph idx="1" type="body"/>
+            <p:ph type="body" idx="1"/>
           </p:nvPr>
         </p:nvSpPr>
         <p:spPr>
@@ -784,12 +808,12 @@
           </a:ln>
         </p:spPr>
         <p:txBody>
-          <a:bodyPr anchorCtr="0" anchor="t" bIns="91425" lIns="91425" rIns="91425" tIns="91425">
+          <a:bodyPr lIns="91425" tIns="91425" rIns="91425" bIns="91425" anchor="t" anchorCtr="0">
             <a:noAutofit/>
           </a:bodyPr>
           <a:lstStyle/>
           <a:p>
-            <a:pPr indent="0" lvl="0" marL="0" marR="0" rtl="0" algn="l">
+            <a:pPr marL="0" marR="0" lvl="0" indent="0" algn="l" rtl="0">
               <a:spcBef>
                 <a:spcPts val="0"/>
               </a:spcBef>
@@ -801,7 +825,7 @@
               <a:buNone/>
             </a:pPr>
             <a:r>
-              <a:rPr b="0" i="0" lang="en-GB" sz="1100" u="none" cap="none" strike="noStrike">
+              <a:rPr lang="en-GB" sz="1100" b="0" i="0" u="none" strike="noStrike" cap="none">
                 <a:solidFill>
                   <a:schemeClr val="dk1"/>
                 </a:solidFill>
@@ -812,6 +836,15 @@
               </a:rPr>
               <a:t>而是在软件开发里的面向对象。面向对象是目前在程序开发里使用的最主流的编程思想。它把对象作为程序的基本单元，把数据和一些功能封装在里面，能够实现很好的复用性，灵活性和扩展性</a:t>
             </a:r>
+            <a:endParaRPr lang="en-GB" sz="1100" b="0" i="0" u="none" strike="noStrike" cap="none">
+              <a:solidFill>
+                <a:schemeClr val="dk1"/>
+              </a:solidFill>
+              <a:latin typeface="Arial"/>
+              <a:ea typeface="Arial"/>
+              <a:cs typeface="Arial"/>
+              <a:sym typeface="Arial"/>
+            </a:endParaRPr>
           </a:p>
         </p:txBody>
       </p:sp>
@@ -824,7 +857,7 @@
 </file>
 
 <file path=ppt/notesSlides/notesSlide4.xml><?xml version="1.0" encoding="utf-8"?>
-<p:notes xmlns:a="http://schemas.openxmlformats.org/drawingml/2006/main" xmlns:r="http://schemas.openxmlformats.org/officeDocument/2006/relationships" xmlns:mc="http://schemas.openxmlformats.org/markup-compatibility/2006" xmlns:mv="urn:schemas-microsoft-com:mac:vml" xmlns:p="http://schemas.openxmlformats.org/presentationml/2006/main" xmlns:c="http://schemas.openxmlformats.org/drawingml/2006/chart" xmlns:dgm="http://schemas.openxmlformats.org/drawingml/2006/diagram" xmlns:o="urn:schemas-microsoft-com:office:office" xmlns:v="urn:schemas-microsoft-com:vml" xmlns:pvml="urn:schemas-microsoft-com:office:powerpoint" xmlns:com="http://schemas.openxmlformats.org/drawingml/2006/compatibility" xmlns:p14="http://schemas.microsoft.com/office/powerpoint/2010/main" showMasterPhAnim="0" showMasterSp="0">
+<p:notes xmlns:a="http://schemas.openxmlformats.org/drawingml/2006/main" xmlns:r="http://schemas.openxmlformats.org/officeDocument/2006/relationships" xmlns:p="http://schemas.openxmlformats.org/presentationml/2006/main" showMasterPhAnim="0" showMasterSp="0">
   <p:cSld>
     <p:spTree>
       <p:nvGrpSpPr>
@@ -845,7 +878,7 @@
           <p:cNvPr id="68" name="Shape 68"/>
           <p:cNvSpPr/>
           <p:nvPr>
-            <p:ph idx="2" type="sldImg"/>
+            <p:ph type="sldImg" idx="2"/>
           </p:nvPr>
         </p:nvSpPr>
         <p:spPr>
@@ -854,8 +887,12 @@
             <a:ext cx="6096000" cy="3429000"/>
           </a:xfrm>
           <a:custGeom>
+            <a:avLst/>
+            <a:gdLst/>
+            <a:ahLst/>
+            <a:cxnLst/>
             <a:pathLst>
-              <a:path extrusionOk="0" h="120000" w="120000">
+              <a:path w="120000" h="120000" extrusionOk="0">
                 <a:moveTo>
                   <a:pt x="0" y="0"/>
                 </a:moveTo>
@@ -873,14 +910,14 @@
             </a:pathLst>
           </a:custGeom>
           <a:noFill/>
-          <a:ln cap="flat" cmpd="sng" w="9525">
+          <a:ln w="9525" cap="flat" cmpd="sng">
             <a:solidFill>
               <a:srgbClr val="000000"/>
             </a:solidFill>
             <a:prstDash val="solid"/>
             <a:round/>
-            <a:headEnd len="med" w="med" type="none"/>
-            <a:tailEnd len="med" w="med" type="none"/>
+            <a:headEnd type="none" w="med" len="med"/>
+            <a:tailEnd type="none" w="med" len="med"/>
           </a:ln>
         </p:spPr>
       </p:sp>
@@ -889,7 +926,7 @@
           <p:cNvPr id="69" name="Shape 69"/>
           <p:cNvSpPr txBox="1"/>
           <p:nvPr>
-            <p:ph idx="1" type="body"/>
+            <p:ph type="body" idx="1"/>
           </p:nvPr>
         </p:nvSpPr>
         <p:spPr>
@@ -906,12 +943,12 @@
           </a:ln>
         </p:spPr>
         <p:txBody>
-          <a:bodyPr anchorCtr="0" anchor="t" bIns="91425" lIns="91425" rIns="91425" tIns="91425">
+          <a:bodyPr lIns="91425" tIns="91425" rIns="91425" bIns="91425" anchor="t" anchorCtr="0">
             <a:noAutofit/>
           </a:bodyPr>
           <a:lstStyle/>
           <a:p>
-            <a:pPr indent="0" lvl="0" marL="0" marR="0" rtl="0" algn="l">
+            <a:pPr marL="0" marR="0" lvl="0" indent="0" algn="l" rtl="0">
               <a:spcBef>
                 <a:spcPts val="0"/>
               </a:spcBef>
@@ -922,10 +959,7 @@
               <a:buFont typeface="Arial"/>
               <a:buNone/>
             </a:pPr>
-            <a:r>
-              <a:t/>
-            </a:r>
-            <a:endParaRPr b="0" i="0" sz="1100" u="none" cap="none" strike="noStrike">
+            <a:endParaRPr sz="1100" b="0" i="0" u="none" strike="noStrike" cap="none">
               <a:solidFill>
                 <a:schemeClr val="dk1"/>
               </a:solidFill>
@@ -946,7 +980,7 @@
 </file>
 
 <file path=ppt/slideLayouts/slideLayout1.xml><?xml version="1.0" encoding="utf-8"?>
-<p:sldLayout xmlns:a="http://schemas.openxmlformats.org/drawingml/2006/main" xmlns:r="http://schemas.openxmlformats.org/officeDocument/2006/relationships" xmlns:mc="http://schemas.openxmlformats.org/markup-compatibility/2006" xmlns:mv="urn:schemas-microsoft-com:mac:vml" xmlns:p="http://schemas.openxmlformats.org/presentationml/2006/main" xmlns:c="http://schemas.openxmlformats.org/drawingml/2006/chart" xmlns:dgm="http://schemas.openxmlformats.org/drawingml/2006/diagram" xmlns:o="urn:schemas-microsoft-com:office:office" xmlns:v="urn:schemas-microsoft-com:vml" xmlns:pvml="urn:schemas-microsoft-com:office:powerpoint" xmlns:com="http://schemas.openxmlformats.org/drawingml/2006/compatibility" xmlns:p14="http://schemas.microsoft.com/office/powerpoint/2010/main" type="title">
+<p:sldLayout xmlns:a="http://schemas.openxmlformats.org/drawingml/2006/main" xmlns:r="http://schemas.openxmlformats.org/officeDocument/2006/relationships" xmlns:p="http://schemas.openxmlformats.org/presentationml/2006/main" type="title">
   <p:cSld name="Title slide">
     <p:spTree>
       <p:nvGrpSpPr>
@@ -984,9 +1018,9 @@
           </a:ln>
         </p:spPr>
         <p:txBody>
-          <a:bodyPr anchorCtr="0" anchor="b" bIns="91425" lIns="91425" rIns="91425" tIns="91425"/>
+          <a:bodyPr lIns="91425" tIns="91425" rIns="91425" bIns="91425" anchor="b" anchorCtr="0"/>
           <a:lstStyle>
-            <a:lvl1pPr indent="0" lvl="0" marL="0" marR="0" rtl="0" algn="ctr">
+            <a:lvl1pPr marL="0" marR="0" lvl="0" indent="0" algn="ctr" rtl="0">
               <a:lnSpc>
                 <a:spcPct val="100000"/>
               </a:lnSpc>
@@ -1001,7 +1035,7 @@
               </a:buClr>
               <a:buFont typeface="Arial"/>
               <a:buNone/>
-              <a:defRPr b="0" i="0" sz="5200" u="none" cap="none" strike="noStrike">
+              <a:defRPr sz="5200" b="0" i="0" u="none" strike="noStrike" cap="none">
                 <a:solidFill>
                   <a:schemeClr val="dk1"/>
                 </a:solidFill>
@@ -1011,7 +1045,7 @@
                 <a:sym typeface="Arial"/>
               </a:defRPr>
             </a:lvl1pPr>
-            <a:lvl2pPr indent="0" lvl="1" algn="ctr">
+            <a:lvl2pPr lvl="1" indent="0" algn="ctr">
               <a:spcBef>
                 <a:spcPts val="0"/>
               </a:spcBef>
@@ -1026,7 +1060,7 @@
                 </a:solidFill>
               </a:defRPr>
             </a:lvl2pPr>
-            <a:lvl3pPr indent="0" lvl="2" algn="ctr">
+            <a:lvl3pPr lvl="2" indent="0" algn="ctr">
               <a:spcBef>
                 <a:spcPts val="0"/>
               </a:spcBef>
@@ -1041,7 +1075,7 @@
                 </a:solidFill>
               </a:defRPr>
             </a:lvl3pPr>
-            <a:lvl4pPr indent="0" lvl="3" algn="ctr">
+            <a:lvl4pPr lvl="3" indent="0" algn="ctr">
               <a:spcBef>
                 <a:spcPts val="0"/>
               </a:spcBef>
@@ -1056,7 +1090,7 @@
                 </a:solidFill>
               </a:defRPr>
             </a:lvl4pPr>
-            <a:lvl5pPr indent="0" lvl="4" algn="ctr">
+            <a:lvl5pPr lvl="4" indent="0" algn="ctr">
               <a:spcBef>
                 <a:spcPts val="0"/>
               </a:spcBef>
@@ -1071,7 +1105,7 @@
                 </a:solidFill>
               </a:defRPr>
             </a:lvl5pPr>
-            <a:lvl6pPr indent="0" lvl="5" algn="ctr">
+            <a:lvl6pPr lvl="5" indent="0" algn="ctr">
               <a:spcBef>
                 <a:spcPts val="0"/>
               </a:spcBef>
@@ -1086,7 +1120,7 @@
                 </a:solidFill>
               </a:defRPr>
             </a:lvl6pPr>
-            <a:lvl7pPr indent="0" lvl="6" algn="ctr">
+            <a:lvl7pPr lvl="6" indent="0" algn="ctr">
               <a:spcBef>
                 <a:spcPts val="0"/>
               </a:spcBef>
@@ -1101,7 +1135,7 @@
                 </a:solidFill>
               </a:defRPr>
             </a:lvl7pPr>
-            <a:lvl8pPr indent="0" lvl="7" algn="ctr">
+            <a:lvl8pPr lvl="7" indent="0" algn="ctr">
               <a:spcBef>
                 <a:spcPts val="0"/>
               </a:spcBef>
@@ -1116,7 +1150,7 @@
                 </a:solidFill>
               </a:defRPr>
             </a:lvl8pPr>
-            <a:lvl9pPr indent="0" lvl="8" algn="ctr">
+            <a:lvl9pPr lvl="8" indent="0" algn="ctr">
               <a:spcBef>
                 <a:spcPts val="0"/>
               </a:spcBef>
@@ -1140,7 +1174,7 @@
           <p:cNvPr id="11" name="Shape 11"/>
           <p:cNvSpPr txBox="1"/>
           <p:nvPr>
-            <p:ph idx="1" type="subTitle"/>
+            <p:ph type="subTitle" idx="1"/>
           </p:nvPr>
         </p:nvSpPr>
         <p:spPr>
@@ -1157,9 +1191,9 @@
           </a:ln>
         </p:spPr>
         <p:txBody>
-          <a:bodyPr anchorCtr="0" anchor="t" bIns="91425" lIns="91425" rIns="91425" tIns="91425"/>
+          <a:bodyPr lIns="91425" tIns="91425" rIns="91425" bIns="91425" anchor="t" anchorCtr="0"/>
           <a:lstStyle>
-            <a:lvl1pPr indent="0" lvl="0" marL="0" marR="0" rtl="0" algn="ctr">
+            <a:lvl1pPr marL="0" marR="0" lvl="0" indent="0" algn="ctr" rtl="0">
               <a:lnSpc>
                 <a:spcPct val="100000"/>
               </a:lnSpc>
@@ -1174,7 +1208,7 @@
               </a:buClr>
               <a:buFont typeface="Arial"/>
               <a:buNone/>
-              <a:defRPr b="0" i="0" sz="2800" u="none" cap="none" strike="noStrike">
+              <a:defRPr sz="2800" b="0" i="0" u="none" strike="noStrike" cap="none">
                 <a:solidFill>
                   <a:schemeClr val="dk2"/>
                 </a:solidFill>
@@ -1184,7 +1218,7 @@
                 <a:sym typeface="Arial"/>
               </a:defRPr>
             </a:lvl1pPr>
-            <a:lvl2pPr indent="0" lvl="1" marL="457200" marR="0" rtl="0" algn="ctr">
+            <a:lvl2pPr marL="457200" marR="0" lvl="1" indent="0" algn="ctr" rtl="0">
               <a:lnSpc>
                 <a:spcPct val="100000"/>
               </a:lnSpc>
@@ -1199,7 +1233,7 @@
               </a:buClr>
               <a:buFont typeface="Arial"/>
               <a:buNone/>
-              <a:defRPr b="0" i="0" sz="2800" u="none" cap="none" strike="noStrike">
+              <a:defRPr sz="2800" b="0" i="0" u="none" strike="noStrike" cap="none">
                 <a:solidFill>
                   <a:schemeClr val="dk2"/>
                 </a:solidFill>
@@ -1209,7 +1243,7 @@
                 <a:sym typeface="Arial"/>
               </a:defRPr>
             </a:lvl2pPr>
-            <a:lvl3pPr indent="0" lvl="2" marL="914400" marR="0" rtl="0" algn="ctr">
+            <a:lvl3pPr marL="914400" marR="0" lvl="2" indent="0" algn="ctr" rtl="0">
               <a:lnSpc>
                 <a:spcPct val="100000"/>
               </a:lnSpc>
@@ -1224,7 +1258,7 @@
               </a:buClr>
               <a:buFont typeface="Arial"/>
               <a:buNone/>
-              <a:defRPr b="0" i="0" sz="2800" u="none" cap="none" strike="noStrike">
+              <a:defRPr sz="2800" b="0" i="0" u="none" strike="noStrike" cap="none">
                 <a:solidFill>
                   <a:schemeClr val="dk2"/>
                 </a:solidFill>
@@ -1234,7 +1268,7 @@
                 <a:sym typeface="Arial"/>
               </a:defRPr>
             </a:lvl3pPr>
-            <a:lvl4pPr indent="0" lvl="3" marL="1371600" marR="0" rtl="0" algn="ctr">
+            <a:lvl4pPr marL="1371600" marR="0" lvl="3" indent="0" algn="ctr" rtl="0">
               <a:lnSpc>
                 <a:spcPct val="100000"/>
               </a:lnSpc>
@@ -1249,7 +1283,7 @@
               </a:buClr>
               <a:buFont typeface="Arial"/>
               <a:buNone/>
-              <a:defRPr b="0" i="0" sz="2800" u="none" cap="none" strike="noStrike">
+              <a:defRPr sz="2800" b="0" i="0" u="none" strike="noStrike" cap="none">
                 <a:solidFill>
                   <a:schemeClr val="dk2"/>
                 </a:solidFill>
@@ -1259,7 +1293,7 @@
                 <a:sym typeface="Arial"/>
               </a:defRPr>
             </a:lvl4pPr>
-            <a:lvl5pPr indent="0" lvl="4" marL="1828800" marR="0" rtl="0" algn="ctr">
+            <a:lvl5pPr marL="1828800" marR="0" lvl="4" indent="0" algn="ctr" rtl="0">
               <a:lnSpc>
                 <a:spcPct val="100000"/>
               </a:lnSpc>
@@ -1274,7 +1308,7 @@
               </a:buClr>
               <a:buFont typeface="Arial"/>
               <a:buNone/>
-              <a:defRPr b="0" i="0" sz="2800" u="none" cap="none" strike="noStrike">
+              <a:defRPr sz="2800" b="0" i="0" u="none" strike="noStrike" cap="none">
                 <a:solidFill>
                   <a:schemeClr val="dk2"/>
                 </a:solidFill>
@@ -1284,7 +1318,7 @@
                 <a:sym typeface="Arial"/>
               </a:defRPr>
             </a:lvl5pPr>
-            <a:lvl6pPr indent="0" lvl="5" marL="2286000" marR="0" rtl="0" algn="ctr">
+            <a:lvl6pPr marL="2286000" marR="0" lvl="5" indent="0" algn="ctr" rtl="0">
               <a:lnSpc>
                 <a:spcPct val="100000"/>
               </a:lnSpc>
@@ -1299,7 +1333,7 @@
               </a:buClr>
               <a:buFont typeface="Arial"/>
               <a:buNone/>
-              <a:defRPr b="0" i="0" sz="2800" u="none" cap="none" strike="noStrike">
+              <a:defRPr sz="2800" b="0" i="0" u="none" strike="noStrike" cap="none">
                 <a:solidFill>
                   <a:schemeClr val="dk2"/>
                 </a:solidFill>
@@ -1309,7 +1343,7 @@
                 <a:sym typeface="Arial"/>
               </a:defRPr>
             </a:lvl6pPr>
-            <a:lvl7pPr indent="0" lvl="6" marL="2743200" marR="0" rtl="0" algn="ctr">
+            <a:lvl7pPr marL="2743200" marR="0" lvl="6" indent="0" algn="ctr" rtl="0">
               <a:lnSpc>
                 <a:spcPct val="100000"/>
               </a:lnSpc>
@@ -1324,7 +1358,7 @@
               </a:buClr>
               <a:buFont typeface="Arial"/>
               <a:buNone/>
-              <a:defRPr b="0" i="0" sz="2800" u="none" cap="none" strike="noStrike">
+              <a:defRPr sz="2800" b="0" i="0" u="none" strike="noStrike" cap="none">
                 <a:solidFill>
                   <a:schemeClr val="dk2"/>
                 </a:solidFill>
@@ -1334,7 +1368,7 @@
                 <a:sym typeface="Arial"/>
               </a:defRPr>
             </a:lvl7pPr>
-            <a:lvl8pPr indent="0" lvl="7" marL="3200400" marR="0" rtl="0" algn="ctr">
+            <a:lvl8pPr marL="3200400" marR="0" lvl="7" indent="0" algn="ctr" rtl="0">
               <a:lnSpc>
                 <a:spcPct val="100000"/>
               </a:lnSpc>
@@ -1349,7 +1383,7 @@
               </a:buClr>
               <a:buFont typeface="Arial"/>
               <a:buNone/>
-              <a:defRPr b="0" i="0" sz="2800" u="none" cap="none" strike="noStrike">
+              <a:defRPr sz="2800" b="0" i="0" u="none" strike="noStrike" cap="none">
                 <a:solidFill>
                   <a:schemeClr val="dk2"/>
                 </a:solidFill>
@@ -1359,7 +1393,7 @@
                 <a:sym typeface="Arial"/>
               </a:defRPr>
             </a:lvl8pPr>
-            <a:lvl9pPr indent="0" lvl="8" marL="3657600" marR="0" rtl="0" algn="ctr">
+            <a:lvl9pPr marL="3657600" marR="0" lvl="8" indent="0" algn="ctr" rtl="0">
               <a:lnSpc>
                 <a:spcPct val="100000"/>
               </a:lnSpc>
@@ -1374,7 +1408,7 @@
               </a:buClr>
               <a:buFont typeface="Arial"/>
               <a:buNone/>
-              <a:defRPr b="0" i="0" sz="2800" u="none" cap="none" strike="noStrike">
+              <a:defRPr sz="2800" b="0" i="0" u="none" strike="noStrike" cap="none">
                 <a:solidFill>
                   <a:schemeClr val="dk2"/>
                 </a:solidFill>
@@ -1393,7 +1427,7 @@
           <p:cNvPr id="12" name="Shape 12"/>
           <p:cNvSpPr txBox="1"/>
           <p:nvPr>
-            <p:ph idx="12" type="sldNum"/>
+            <p:ph type="sldNum" idx="12"/>
           </p:nvPr>
         </p:nvSpPr>
         <p:spPr>
@@ -1410,12 +1444,12 @@
           </a:ln>
         </p:spPr>
         <p:txBody>
-          <a:bodyPr anchorCtr="0" anchor="ctr" bIns="91425" lIns="91425" rIns="91425" tIns="91425">
+          <a:bodyPr lIns="91425" tIns="91425" rIns="91425" bIns="91425" anchor="ctr" anchorCtr="0">
             <a:noAutofit/>
           </a:bodyPr>
           <a:lstStyle/>
           <a:p>
-            <a:pPr indent="0" lvl="0" marL="0" marR="0" rtl="0" algn="l">
+            <a:pPr marL="0" marR="0" lvl="0" indent="0" algn="l" rtl="0">
               <a:lnSpc>
                 <a:spcPct val="100000"/>
               </a:lnSpc>
@@ -1433,7 +1467,7 @@
               <a:buNone/>
             </a:pPr>
             <a:fld id="{00000000-1234-1234-1234-123412341234}" type="slidenum">
-              <a:rPr b="0" i="0" lang="en-GB" sz="1400" u="none" cap="none" strike="noStrike">
+              <a:rPr lang="en-GB" sz="1400" b="0" i="0" u="none" strike="noStrike" cap="none">
                 <a:solidFill>
                   <a:srgbClr val="000000"/>
                 </a:solidFill>
@@ -1442,8 +1476,16 @@
                 <a:cs typeface="Arial"/>
                 <a:sym typeface="Arial"/>
               </a:rPr>
-              <a:t>‹#›</a:t>
             </a:fld>
+            <a:endParaRPr lang="en-GB" sz="1400" b="0" i="0" u="none" strike="noStrike" cap="none">
+              <a:solidFill>
+                <a:srgbClr val="000000"/>
+              </a:solidFill>
+              <a:latin typeface="Arial"/>
+              <a:ea typeface="Arial"/>
+              <a:cs typeface="Arial"/>
+              <a:sym typeface="Arial"/>
+            </a:endParaRPr>
           </a:p>
         </p:txBody>
       </p:sp>
@@ -1456,7 +1498,7 @@
 </file>
 
 <file path=ppt/slideLayouts/slideLayout10.xml><?xml version="1.0" encoding="utf-8"?>
-<p:sldLayout xmlns:a="http://schemas.openxmlformats.org/drawingml/2006/main" xmlns:r="http://schemas.openxmlformats.org/officeDocument/2006/relationships" xmlns:mc="http://schemas.openxmlformats.org/markup-compatibility/2006" xmlns:mv="urn:schemas-microsoft-com:mac:vml" xmlns:p="http://schemas.openxmlformats.org/presentationml/2006/main" xmlns:c="http://schemas.openxmlformats.org/drawingml/2006/chart" xmlns:dgm="http://schemas.openxmlformats.org/drawingml/2006/diagram" xmlns:o="urn:schemas-microsoft-com:office:office" xmlns:v="urn:schemas-microsoft-com:vml" xmlns:pvml="urn:schemas-microsoft-com:office:powerpoint" xmlns:com="http://schemas.openxmlformats.org/drawingml/2006/compatibility" xmlns:p14="http://schemas.microsoft.com/office/powerpoint/2010/main">
+<p:sldLayout xmlns:a="http://schemas.openxmlformats.org/drawingml/2006/main" xmlns:r="http://schemas.openxmlformats.org/officeDocument/2006/relationships" xmlns:p="http://schemas.openxmlformats.org/presentationml/2006/main">
   <p:cSld name="Big number">
     <p:spTree>
       <p:nvGrpSpPr>
@@ -1494,9 +1536,9 @@
           </a:ln>
         </p:spPr>
         <p:txBody>
-          <a:bodyPr anchorCtr="0" anchor="b" bIns="91425" lIns="91425" rIns="91425" tIns="91425"/>
+          <a:bodyPr lIns="91425" tIns="91425" rIns="91425" bIns="91425" anchor="b" anchorCtr="0"/>
           <a:lstStyle>
-            <a:lvl1pPr indent="0" lvl="0" marL="0" marR="0" rtl="0" algn="ctr">
+            <a:lvl1pPr marL="0" marR="0" lvl="0" indent="0" algn="ctr" rtl="0">
               <a:lnSpc>
                 <a:spcPct val="100000"/>
               </a:lnSpc>
@@ -1511,7 +1553,7 @@
               </a:buClr>
               <a:buFont typeface="Arial"/>
               <a:buNone/>
-              <a:defRPr b="0" i="0" sz="12000" u="none" cap="none" strike="noStrike">
+              <a:defRPr sz="12000" b="0" i="0" u="none" strike="noStrike" cap="none">
                 <a:solidFill>
                   <a:schemeClr val="dk1"/>
                 </a:solidFill>
@@ -1521,7 +1563,7 @@
                 <a:sym typeface="Arial"/>
               </a:defRPr>
             </a:lvl1pPr>
-            <a:lvl2pPr indent="0" lvl="1" algn="ctr">
+            <a:lvl2pPr lvl="1" indent="0" algn="ctr">
               <a:spcBef>
                 <a:spcPts val="0"/>
               </a:spcBef>
@@ -1536,7 +1578,7 @@
                 </a:solidFill>
               </a:defRPr>
             </a:lvl2pPr>
-            <a:lvl3pPr indent="0" lvl="2" algn="ctr">
+            <a:lvl3pPr lvl="2" indent="0" algn="ctr">
               <a:spcBef>
                 <a:spcPts val="0"/>
               </a:spcBef>
@@ -1551,7 +1593,7 @@
                 </a:solidFill>
               </a:defRPr>
             </a:lvl3pPr>
-            <a:lvl4pPr indent="0" lvl="3" algn="ctr">
+            <a:lvl4pPr lvl="3" indent="0" algn="ctr">
               <a:spcBef>
                 <a:spcPts val="0"/>
               </a:spcBef>
@@ -1566,7 +1608,7 @@
                 </a:solidFill>
               </a:defRPr>
             </a:lvl4pPr>
-            <a:lvl5pPr indent="0" lvl="4" algn="ctr">
+            <a:lvl5pPr lvl="4" indent="0" algn="ctr">
               <a:spcBef>
                 <a:spcPts val="0"/>
               </a:spcBef>
@@ -1581,7 +1623,7 @@
                 </a:solidFill>
               </a:defRPr>
             </a:lvl5pPr>
-            <a:lvl6pPr indent="0" lvl="5" algn="ctr">
+            <a:lvl6pPr lvl="5" indent="0" algn="ctr">
               <a:spcBef>
                 <a:spcPts val="0"/>
               </a:spcBef>
@@ -1596,7 +1638,7 @@
                 </a:solidFill>
               </a:defRPr>
             </a:lvl6pPr>
-            <a:lvl7pPr indent="0" lvl="6" algn="ctr">
+            <a:lvl7pPr lvl="6" indent="0" algn="ctr">
               <a:spcBef>
                 <a:spcPts val="0"/>
               </a:spcBef>
@@ -1611,7 +1653,7 @@
                 </a:solidFill>
               </a:defRPr>
             </a:lvl7pPr>
-            <a:lvl8pPr indent="0" lvl="7" algn="ctr">
+            <a:lvl8pPr lvl="7" indent="0" algn="ctr">
               <a:spcBef>
                 <a:spcPts val="0"/>
               </a:spcBef>
@@ -1626,7 +1668,7 @@
                 </a:solidFill>
               </a:defRPr>
             </a:lvl8pPr>
-            <a:lvl9pPr indent="0" lvl="8" algn="ctr">
+            <a:lvl9pPr lvl="8" indent="0" algn="ctr">
               <a:spcBef>
                 <a:spcPts val="0"/>
               </a:spcBef>
@@ -1650,7 +1692,7 @@
           <p:cNvPr id="46" name="Shape 46"/>
           <p:cNvSpPr txBox="1"/>
           <p:nvPr>
-            <p:ph idx="1" type="body"/>
+            <p:ph type="body" idx="1"/>
           </p:nvPr>
         </p:nvSpPr>
         <p:spPr>
@@ -1667,9 +1709,9 @@
           </a:ln>
         </p:spPr>
         <p:txBody>
-          <a:bodyPr anchorCtr="0" anchor="t" bIns="91425" lIns="91425" rIns="91425" tIns="91425"/>
+          <a:bodyPr lIns="91425" tIns="91425" rIns="91425" bIns="91425" anchor="t" anchorCtr="0"/>
           <a:lstStyle>
-            <a:lvl1pPr indent="0" lvl="0" marL="0" marR="0" rtl="0" algn="ctr">
+            <a:lvl1pPr marL="0" marR="0" lvl="0" indent="0" algn="ctr" rtl="0">
               <a:lnSpc>
                 <a:spcPct val="115000"/>
               </a:lnSpc>
@@ -1684,7 +1726,7 @@
               </a:buClr>
               <a:buFont typeface="Arial"/>
               <a:buNone/>
-              <a:defRPr b="0" i="0" sz="1800" u="none" cap="none" strike="noStrike">
+              <a:defRPr sz="1800" b="0" i="0" u="none" strike="noStrike" cap="none">
                 <a:solidFill>
                   <a:schemeClr val="dk2"/>
                 </a:solidFill>
@@ -1694,7 +1736,7 @@
                 <a:sym typeface="Arial"/>
               </a:defRPr>
             </a:lvl1pPr>
-            <a:lvl2pPr indent="0" lvl="1" marL="457200" marR="0" rtl="0" algn="ctr">
+            <a:lvl2pPr marL="457200" marR="0" lvl="1" indent="0" algn="ctr" rtl="0">
               <a:lnSpc>
                 <a:spcPct val="115000"/>
               </a:lnSpc>
@@ -1709,7 +1751,7 @@
               </a:buClr>
               <a:buFont typeface="Arial"/>
               <a:buNone/>
-              <a:defRPr b="0" i="0" sz="1400" u="none" cap="none" strike="noStrike">
+              <a:defRPr sz="1400" b="0" i="0" u="none" strike="noStrike" cap="none">
                 <a:solidFill>
                   <a:schemeClr val="dk2"/>
                 </a:solidFill>
@@ -1719,7 +1761,7 @@
                 <a:sym typeface="Arial"/>
               </a:defRPr>
             </a:lvl2pPr>
-            <a:lvl3pPr indent="0" lvl="2" marL="914400" marR="0" rtl="0" algn="ctr">
+            <a:lvl3pPr marL="914400" marR="0" lvl="2" indent="0" algn="ctr" rtl="0">
               <a:lnSpc>
                 <a:spcPct val="115000"/>
               </a:lnSpc>
@@ -1734,7 +1776,7 @@
               </a:buClr>
               <a:buFont typeface="Arial"/>
               <a:buNone/>
-              <a:defRPr b="0" i="0" sz="1400" u="none" cap="none" strike="noStrike">
+              <a:defRPr sz="1400" b="0" i="0" u="none" strike="noStrike" cap="none">
                 <a:solidFill>
                   <a:schemeClr val="dk2"/>
                 </a:solidFill>
@@ -1744,7 +1786,7 @@
                 <a:sym typeface="Arial"/>
               </a:defRPr>
             </a:lvl3pPr>
-            <a:lvl4pPr indent="0" lvl="3" marL="1371600" marR="0" rtl="0" algn="ctr">
+            <a:lvl4pPr marL="1371600" marR="0" lvl="3" indent="0" algn="ctr" rtl="0">
               <a:lnSpc>
                 <a:spcPct val="115000"/>
               </a:lnSpc>
@@ -1759,7 +1801,7 @@
               </a:buClr>
               <a:buFont typeface="Arial"/>
               <a:buNone/>
-              <a:defRPr b="0" i="0" sz="1400" u="none" cap="none" strike="noStrike">
+              <a:defRPr sz="1400" b="0" i="0" u="none" strike="noStrike" cap="none">
                 <a:solidFill>
                   <a:schemeClr val="dk2"/>
                 </a:solidFill>
@@ -1769,7 +1811,7 @@
                 <a:sym typeface="Arial"/>
               </a:defRPr>
             </a:lvl4pPr>
-            <a:lvl5pPr indent="0" lvl="4" marL="1828800" marR="0" rtl="0" algn="ctr">
+            <a:lvl5pPr marL="1828800" marR="0" lvl="4" indent="0" algn="ctr" rtl="0">
               <a:lnSpc>
                 <a:spcPct val="115000"/>
               </a:lnSpc>
@@ -1784,7 +1826,7 @@
               </a:buClr>
               <a:buFont typeface="Arial"/>
               <a:buNone/>
-              <a:defRPr b="0" i="0" sz="1400" u="none" cap="none" strike="noStrike">
+              <a:defRPr sz="1400" b="0" i="0" u="none" strike="noStrike" cap="none">
                 <a:solidFill>
                   <a:schemeClr val="dk2"/>
                 </a:solidFill>
@@ -1794,7 +1836,7 @@
                 <a:sym typeface="Arial"/>
               </a:defRPr>
             </a:lvl5pPr>
-            <a:lvl6pPr indent="0" lvl="5" marL="2286000" marR="0" rtl="0" algn="ctr">
+            <a:lvl6pPr marL="2286000" marR="0" lvl="5" indent="0" algn="ctr" rtl="0">
               <a:lnSpc>
                 <a:spcPct val="115000"/>
               </a:lnSpc>
@@ -1809,7 +1851,7 @@
               </a:buClr>
               <a:buFont typeface="Arial"/>
               <a:buNone/>
-              <a:defRPr b="0" i="0" sz="1400" u="none" cap="none" strike="noStrike">
+              <a:defRPr sz="1400" b="0" i="0" u="none" strike="noStrike" cap="none">
                 <a:solidFill>
                   <a:schemeClr val="dk2"/>
                 </a:solidFill>
@@ -1819,7 +1861,7 @@
                 <a:sym typeface="Arial"/>
               </a:defRPr>
             </a:lvl6pPr>
-            <a:lvl7pPr indent="0" lvl="6" marL="2743200" marR="0" rtl="0" algn="ctr">
+            <a:lvl7pPr marL="2743200" marR="0" lvl="6" indent="0" algn="ctr" rtl="0">
               <a:lnSpc>
                 <a:spcPct val="115000"/>
               </a:lnSpc>
@@ -1834,7 +1876,7 @@
               </a:buClr>
               <a:buFont typeface="Arial"/>
               <a:buNone/>
-              <a:defRPr b="0" i="0" sz="1400" u="none" cap="none" strike="noStrike">
+              <a:defRPr sz="1400" b="0" i="0" u="none" strike="noStrike" cap="none">
                 <a:solidFill>
                   <a:schemeClr val="dk2"/>
                 </a:solidFill>
@@ -1844,7 +1886,7 @@
                 <a:sym typeface="Arial"/>
               </a:defRPr>
             </a:lvl7pPr>
-            <a:lvl8pPr indent="0" lvl="7" marL="3200400" marR="0" rtl="0" algn="ctr">
+            <a:lvl8pPr marL="3200400" marR="0" lvl="7" indent="0" algn="ctr" rtl="0">
               <a:lnSpc>
                 <a:spcPct val="115000"/>
               </a:lnSpc>
@@ -1859,7 +1901,7 @@
               </a:buClr>
               <a:buFont typeface="Arial"/>
               <a:buNone/>
-              <a:defRPr b="0" i="0" sz="1400" u="none" cap="none" strike="noStrike">
+              <a:defRPr sz="1400" b="0" i="0" u="none" strike="noStrike" cap="none">
                 <a:solidFill>
                   <a:schemeClr val="dk2"/>
                 </a:solidFill>
@@ -1869,7 +1911,7 @@
                 <a:sym typeface="Arial"/>
               </a:defRPr>
             </a:lvl8pPr>
-            <a:lvl9pPr indent="0" lvl="8" marL="3657600" marR="0" rtl="0" algn="ctr">
+            <a:lvl9pPr marL="3657600" marR="0" lvl="8" indent="0" algn="ctr" rtl="0">
               <a:lnSpc>
                 <a:spcPct val="115000"/>
               </a:lnSpc>
@@ -1884,7 +1926,7 @@
               </a:buClr>
               <a:buFont typeface="Arial"/>
               <a:buNone/>
-              <a:defRPr b="0" i="0" sz="1400" u="none" cap="none" strike="noStrike">
+              <a:defRPr sz="1400" b="0" i="0" u="none" strike="noStrike" cap="none">
                 <a:solidFill>
                   <a:schemeClr val="dk2"/>
                 </a:solidFill>
@@ -1903,7 +1945,7 @@
           <p:cNvPr id="47" name="Shape 47"/>
           <p:cNvSpPr txBox="1"/>
           <p:nvPr>
-            <p:ph idx="12" type="sldNum"/>
+            <p:ph type="sldNum" idx="12"/>
           </p:nvPr>
         </p:nvSpPr>
         <p:spPr>
@@ -1920,12 +1962,12 @@
           </a:ln>
         </p:spPr>
         <p:txBody>
-          <a:bodyPr anchorCtr="0" anchor="ctr" bIns="91425" lIns="91425" rIns="91425" tIns="91425">
+          <a:bodyPr lIns="91425" tIns="91425" rIns="91425" bIns="91425" anchor="ctr" anchorCtr="0">
             <a:noAutofit/>
           </a:bodyPr>
           <a:lstStyle/>
           <a:p>
-            <a:pPr indent="0" lvl="0" marL="0" marR="0" rtl="0" algn="l">
+            <a:pPr marL="0" marR="0" lvl="0" indent="0" algn="l" rtl="0">
               <a:lnSpc>
                 <a:spcPct val="100000"/>
               </a:lnSpc>
@@ -1943,7 +1985,7 @@
               <a:buNone/>
             </a:pPr>
             <a:fld id="{00000000-1234-1234-1234-123412341234}" type="slidenum">
-              <a:rPr b="0" i="0" lang="en-GB" sz="1400" u="none" cap="none" strike="noStrike">
+              <a:rPr lang="en-GB" sz="1400" b="0" i="0" u="none" strike="noStrike" cap="none">
                 <a:solidFill>
                   <a:srgbClr val="000000"/>
                 </a:solidFill>
@@ -1952,8 +1994,16 @@
                 <a:cs typeface="Arial"/>
                 <a:sym typeface="Arial"/>
               </a:rPr>
-              <a:t>‹#›</a:t>
             </a:fld>
+            <a:endParaRPr lang="en-GB" sz="1400" b="0" i="0" u="none" strike="noStrike" cap="none">
+              <a:solidFill>
+                <a:srgbClr val="000000"/>
+              </a:solidFill>
+              <a:latin typeface="Arial"/>
+              <a:ea typeface="Arial"/>
+              <a:cs typeface="Arial"/>
+              <a:sym typeface="Arial"/>
+            </a:endParaRPr>
           </a:p>
         </p:txBody>
       </p:sp>
@@ -1966,7 +2016,7 @@
 </file>
 
 <file path=ppt/slideLayouts/slideLayout11.xml><?xml version="1.0" encoding="utf-8"?>
-<p:sldLayout xmlns:a="http://schemas.openxmlformats.org/drawingml/2006/main" xmlns:r="http://schemas.openxmlformats.org/officeDocument/2006/relationships" xmlns:mc="http://schemas.openxmlformats.org/markup-compatibility/2006" xmlns:mv="urn:schemas-microsoft-com:mac:vml" xmlns:p="http://schemas.openxmlformats.org/presentationml/2006/main" xmlns:c="http://schemas.openxmlformats.org/drawingml/2006/chart" xmlns:dgm="http://schemas.openxmlformats.org/drawingml/2006/diagram" xmlns:o="urn:schemas-microsoft-com:office:office" xmlns:v="urn:schemas-microsoft-com:vml" xmlns:pvml="urn:schemas-microsoft-com:office:powerpoint" xmlns:com="http://schemas.openxmlformats.org/drawingml/2006/compatibility" xmlns:p14="http://schemas.microsoft.com/office/powerpoint/2010/main" type="blank">
+<p:sldLayout xmlns:a="http://schemas.openxmlformats.org/drawingml/2006/main" xmlns:r="http://schemas.openxmlformats.org/officeDocument/2006/relationships" xmlns:p="http://schemas.openxmlformats.org/presentationml/2006/main" type="blank">
   <p:cSld name="Blank">
     <p:spTree>
       <p:nvGrpSpPr>
@@ -1987,7 +2037,7 @@
           <p:cNvPr id="49" name="Shape 49"/>
           <p:cNvSpPr txBox="1"/>
           <p:nvPr>
-            <p:ph idx="12" type="sldNum"/>
+            <p:ph type="sldNum" idx="12"/>
           </p:nvPr>
         </p:nvSpPr>
         <p:spPr>
@@ -2004,12 +2054,12 @@
           </a:ln>
         </p:spPr>
         <p:txBody>
-          <a:bodyPr anchorCtr="0" anchor="ctr" bIns="91425" lIns="91425" rIns="91425" tIns="91425">
+          <a:bodyPr lIns="91425" tIns="91425" rIns="91425" bIns="91425" anchor="ctr" anchorCtr="0">
             <a:noAutofit/>
           </a:bodyPr>
           <a:lstStyle/>
           <a:p>
-            <a:pPr indent="0" lvl="0" marL="0" marR="0" rtl="0" algn="l">
+            <a:pPr marL="0" marR="0" lvl="0" indent="0" algn="l" rtl="0">
               <a:lnSpc>
                 <a:spcPct val="100000"/>
               </a:lnSpc>
@@ -2027,7 +2077,7 @@
               <a:buNone/>
             </a:pPr>
             <a:fld id="{00000000-1234-1234-1234-123412341234}" type="slidenum">
-              <a:rPr b="0" i="0" lang="en-GB" sz="1400" u="none" cap="none" strike="noStrike">
+              <a:rPr lang="en-GB" sz="1400" b="0" i="0" u="none" strike="noStrike" cap="none">
                 <a:solidFill>
                   <a:srgbClr val="000000"/>
                 </a:solidFill>
@@ -2036,8 +2086,16 @@
                 <a:cs typeface="Arial"/>
                 <a:sym typeface="Arial"/>
               </a:rPr>
-              <a:t>‹#›</a:t>
             </a:fld>
+            <a:endParaRPr lang="en-GB" sz="1400" b="0" i="0" u="none" strike="noStrike" cap="none">
+              <a:solidFill>
+                <a:srgbClr val="000000"/>
+              </a:solidFill>
+              <a:latin typeface="Arial"/>
+              <a:ea typeface="Arial"/>
+              <a:cs typeface="Arial"/>
+              <a:sym typeface="Arial"/>
+            </a:endParaRPr>
           </a:p>
         </p:txBody>
       </p:sp>
@@ -2050,7 +2108,7 @@
 </file>
 
 <file path=ppt/slideLayouts/slideLayout2.xml><?xml version="1.0" encoding="utf-8"?>
-<p:sldLayout xmlns:a="http://schemas.openxmlformats.org/drawingml/2006/main" xmlns:r="http://schemas.openxmlformats.org/officeDocument/2006/relationships" xmlns:mc="http://schemas.openxmlformats.org/markup-compatibility/2006" xmlns:mv="urn:schemas-microsoft-com:mac:vml" xmlns:p="http://schemas.openxmlformats.org/presentationml/2006/main" xmlns:c="http://schemas.openxmlformats.org/drawingml/2006/chart" xmlns:dgm="http://schemas.openxmlformats.org/drawingml/2006/diagram" xmlns:o="urn:schemas-microsoft-com:office:office" xmlns:v="urn:schemas-microsoft-com:vml" xmlns:pvml="urn:schemas-microsoft-com:office:powerpoint" xmlns:com="http://schemas.openxmlformats.org/drawingml/2006/compatibility" xmlns:p14="http://schemas.microsoft.com/office/powerpoint/2010/main" type="tx">
+<p:sldLayout xmlns:a="http://schemas.openxmlformats.org/drawingml/2006/main" xmlns:r="http://schemas.openxmlformats.org/officeDocument/2006/relationships" xmlns:p="http://schemas.openxmlformats.org/presentationml/2006/main" type="tx">
   <p:cSld name="Title and body">
     <p:spTree>
       <p:nvGrpSpPr>
@@ -2088,9 +2146,9 @@
           </a:ln>
         </p:spPr>
         <p:txBody>
-          <a:bodyPr anchorCtr="0" anchor="t" bIns="91425" lIns="91425" rIns="91425" tIns="91425"/>
+          <a:bodyPr lIns="91425" tIns="91425" rIns="91425" bIns="91425" anchor="t" anchorCtr="0"/>
           <a:lstStyle>
-            <a:lvl1pPr indent="0" lvl="0" marL="0" marR="0" rtl="0" algn="l">
+            <a:lvl1pPr marL="0" marR="0" lvl="0" indent="0" algn="l" rtl="0">
               <a:lnSpc>
                 <a:spcPct val="100000"/>
               </a:lnSpc>
@@ -2105,7 +2163,7 @@
               </a:buClr>
               <a:buFont typeface="Arial"/>
               <a:buNone/>
-              <a:defRPr b="0" i="0" sz="2800" u="none" cap="none" strike="noStrike">
+              <a:defRPr sz="2800" b="0" i="0" u="none" strike="noStrike" cap="none">
                 <a:solidFill>
                   <a:schemeClr val="dk1"/>
                 </a:solidFill>
@@ -2115,7 +2173,7 @@
                 <a:sym typeface="Arial"/>
               </a:defRPr>
             </a:lvl1pPr>
-            <a:lvl2pPr indent="0" lvl="1">
+            <a:lvl2pPr lvl="1" indent="0">
               <a:spcBef>
                 <a:spcPts val="0"/>
               </a:spcBef>
@@ -2130,7 +2188,7 @@
                 </a:solidFill>
               </a:defRPr>
             </a:lvl2pPr>
-            <a:lvl3pPr indent="0" lvl="2">
+            <a:lvl3pPr lvl="2" indent="0">
               <a:spcBef>
                 <a:spcPts val="0"/>
               </a:spcBef>
@@ -2145,7 +2203,7 @@
                 </a:solidFill>
               </a:defRPr>
             </a:lvl3pPr>
-            <a:lvl4pPr indent="0" lvl="3">
+            <a:lvl4pPr lvl="3" indent="0">
               <a:spcBef>
                 <a:spcPts val="0"/>
               </a:spcBef>
@@ -2160,7 +2218,7 @@
                 </a:solidFill>
               </a:defRPr>
             </a:lvl4pPr>
-            <a:lvl5pPr indent="0" lvl="4">
+            <a:lvl5pPr lvl="4" indent="0">
               <a:spcBef>
                 <a:spcPts val="0"/>
               </a:spcBef>
@@ -2175,7 +2233,7 @@
                 </a:solidFill>
               </a:defRPr>
             </a:lvl5pPr>
-            <a:lvl6pPr indent="0" lvl="5">
+            <a:lvl6pPr lvl="5" indent="0">
               <a:spcBef>
                 <a:spcPts val="0"/>
               </a:spcBef>
@@ -2190,7 +2248,7 @@
                 </a:solidFill>
               </a:defRPr>
             </a:lvl6pPr>
-            <a:lvl7pPr indent="0" lvl="6">
+            <a:lvl7pPr lvl="6" indent="0">
               <a:spcBef>
                 <a:spcPts val="0"/>
               </a:spcBef>
@@ -2205,7 +2263,7 @@
                 </a:solidFill>
               </a:defRPr>
             </a:lvl7pPr>
-            <a:lvl8pPr indent="0" lvl="7">
+            <a:lvl8pPr lvl="7" indent="0">
               <a:spcBef>
                 <a:spcPts val="0"/>
               </a:spcBef>
@@ -2220,7 +2278,7 @@
                 </a:solidFill>
               </a:defRPr>
             </a:lvl8pPr>
-            <a:lvl9pPr indent="0" lvl="8">
+            <a:lvl9pPr lvl="8" indent="0">
               <a:spcBef>
                 <a:spcPts val="0"/>
               </a:spcBef>
@@ -2244,7 +2302,7 @@
           <p:cNvPr id="15" name="Shape 15"/>
           <p:cNvSpPr txBox="1"/>
           <p:nvPr>
-            <p:ph idx="1" type="body"/>
+            <p:ph type="body" idx="1"/>
           </p:nvPr>
         </p:nvSpPr>
         <p:spPr>
@@ -2261,9 +2319,9 @@
           </a:ln>
         </p:spPr>
         <p:txBody>
-          <a:bodyPr anchorCtr="0" anchor="t" bIns="91425" lIns="91425" rIns="91425" tIns="91425"/>
+          <a:bodyPr lIns="91425" tIns="91425" rIns="91425" bIns="91425" anchor="t" anchorCtr="0"/>
           <a:lstStyle>
-            <a:lvl1pPr indent="0" lvl="0" marL="0" marR="0" rtl="0" algn="l">
+            <a:lvl1pPr marL="0" marR="0" lvl="0" indent="0" algn="l" rtl="0">
               <a:lnSpc>
                 <a:spcPct val="115000"/>
               </a:lnSpc>
@@ -2278,7 +2336,7 @@
               </a:buClr>
               <a:buFont typeface="Arial"/>
               <a:buNone/>
-              <a:defRPr b="0" i="0" sz="1800" u="none" cap="none" strike="noStrike">
+              <a:defRPr sz="1800" b="0" i="0" u="none" strike="noStrike" cap="none">
                 <a:solidFill>
                   <a:schemeClr val="dk2"/>
                 </a:solidFill>
@@ -2288,7 +2346,7 @@
                 <a:sym typeface="Arial"/>
               </a:defRPr>
             </a:lvl1pPr>
-            <a:lvl2pPr indent="0" lvl="1" marL="457200" marR="0" rtl="0" algn="l">
+            <a:lvl2pPr marL="457200" marR="0" lvl="1" indent="0" algn="l" rtl="0">
               <a:lnSpc>
                 <a:spcPct val="115000"/>
               </a:lnSpc>
@@ -2303,7 +2361,7 @@
               </a:buClr>
               <a:buFont typeface="Arial"/>
               <a:buNone/>
-              <a:defRPr b="0" i="0" sz="1400" u="none" cap="none" strike="noStrike">
+              <a:defRPr sz="1400" b="0" i="0" u="none" strike="noStrike" cap="none">
                 <a:solidFill>
                   <a:schemeClr val="dk2"/>
                 </a:solidFill>
@@ -2313,7 +2371,7 @@
                 <a:sym typeface="Arial"/>
               </a:defRPr>
             </a:lvl2pPr>
-            <a:lvl3pPr indent="0" lvl="2" marL="914400" marR="0" rtl="0" algn="l">
+            <a:lvl3pPr marL="914400" marR="0" lvl="2" indent="0" algn="l" rtl="0">
               <a:lnSpc>
                 <a:spcPct val="115000"/>
               </a:lnSpc>
@@ -2328,7 +2386,7 @@
               </a:buClr>
               <a:buFont typeface="Arial"/>
               <a:buNone/>
-              <a:defRPr b="0" i="0" sz="1400" u="none" cap="none" strike="noStrike">
+              <a:defRPr sz="1400" b="0" i="0" u="none" strike="noStrike" cap="none">
                 <a:solidFill>
                   <a:schemeClr val="dk2"/>
                 </a:solidFill>
@@ -2338,7 +2396,7 @@
                 <a:sym typeface="Arial"/>
               </a:defRPr>
             </a:lvl3pPr>
-            <a:lvl4pPr indent="0" lvl="3" marL="1371600" marR="0" rtl="0" algn="l">
+            <a:lvl4pPr marL="1371600" marR="0" lvl="3" indent="0" algn="l" rtl="0">
               <a:lnSpc>
                 <a:spcPct val="115000"/>
               </a:lnSpc>
@@ -2353,7 +2411,7 @@
               </a:buClr>
               <a:buFont typeface="Arial"/>
               <a:buNone/>
-              <a:defRPr b="0" i="0" sz="1400" u="none" cap="none" strike="noStrike">
+              <a:defRPr sz="1400" b="0" i="0" u="none" strike="noStrike" cap="none">
                 <a:solidFill>
                   <a:schemeClr val="dk2"/>
                 </a:solidFill>
@@ -2363,7 +2421,7 @@
                 <a:sym typeface="Arial"/>
               </a:defRPr>
             </a:lvl4pPr>
-            <a:lvl5pPr indent="0" lvl="4" marL="1828800" marR="0" rtl="0" algn="l">
+            <a:lvl5pPr marL="1828800" marR="0" lvl="4" indent="0" algn="l" rtl="0">
               <a:lnSpc>
                 <a:spcPct val="115000"/>
               </a:lnSpc>
@@ -2378,7 +2436,7 @@
               </a:buClr>
               <a:buFont typeface="Arial"/>
               <a:buNone/>
-              <a:defRPr b="0" i="0" sz="1400" u="none" cap="none" strike="noStrike">
+              <a:defRPr sz="1400" b="0" i="0" u="none" strike="noStrike" cap="none">
                 <a:solidFill>
                   <a:schemeClr val="dk2"/>
                 </a:solidFill>
@@ -2388,7 +2446,7 @@
                 <a:sym typeface="Arial"/>
               </a:defRPr>
             </a:lvl5pPr>
-            <a:lvl6pPr indent="0" lvl="5" marL="2286000" marR="0" rtl="0" algn="l">
+            <a:lvl6pPr marL="2286000" marR="0" lvl="5" indent="0" algn="l" rtl="0">
               <a:lnSpc>
                 <a:spcPct val="115000"/>
               </a:lnSpc>
@@ -2403,7 +2461,7 @@
               </a:buClr>
               <a:buFont typeface="Arial"/>
               <a:buNone/>
-              <a:defRPr b="0" i="0" sz="1400" u="none" cap="none" strike="noStrike">
+              <a:defRPr sz="1400" b="0" i="0" u="none" strike="noStrike" cap="none">
                 <a:solidFill>
                   <a:schemeClr val="dk2"/>
                 </a:solidFill>
@@ -2413,7 +2471,7 @@
                 <a:sym typeface="Arial"/>
               </a:defRPr>
             </a:lvl6pPr>
-            <a:lvl7pPr indent="0" lvl="6" marL="2743200" marR="0" rtl="0" algn="l">
+            <a:lvl7pPr marL="2743200" marR="0" lvl="6" indent="0" algn="l" rtl="0">
               <a:lnSpc>
                 <a:spcPct val="115000"/>
               </a:lnSpc>
@@ -2428,7 +2486,7 @@
               </a:buClr>
               <a:buFont typeface="Arial"/>
               <a:buNone/>
-              <a:defRPr b="0" i="0" sz="1400" u="none" cap="none" strike="noStrike">
+              <a:defRPr sz="1400" b="0" i="0" u="none" strike="noStrike" cap="none">
                 <a:solidFill>
                   <a:schemeClr val="dk2"/>
                 </a:solidFill>
@@ -2438,7 +2496,7 @@
                 <a:sym typeface="Arial"/>
               </a:defRPr>
             </a:lvl7pPr>
-            <a:lvl8pPr indent="0" lvl="7" marL="3200400" marR="0" rtl="0" algn="l">
+            <a:lvl8pPr marL="3200400" marR="0" lvl="7" indent="0" algn="l" rtl="0">
               <a:lnSpc>
                 <a:spcPct val="115000"/>
               </a:lnSpc>
@@ -2453,7 +2511,7 @@
               </a:buClr>
               <a:buFont typeface="Arial"/>
               <a:buNone/>
-              <a:defRPr b="0" i="0" sz="1400" u="none" cap="none" strike="noStrike">
+              <a:defRPr sz="1400" b="0" i="0" u="none" strike="noStrike" cap="none">
                 <a:solidFill>
                   <a:schemeClr val="dk2"/>
                 </a:solidFill>
@@ -2463,7 +2521,7 @@
                 <a:sym typeface="Arial"/>
               </a:defRPr>
             </a:lvl8pPr>
-            <a:lvl9pPr indent="0" lvl="8" marL="3657600" marR="0" rtl="0" algn="l">
+            <a:lvl9pPr marL="3657600" marR="0" lvl="8" indent="0" algn="l" rtl="0">
               <a:lnSpc>
                 <a:spcPct val="115000"/>
               </a:lnSpc>
@@ -2478,7 +2536,7 @@
               </a:buClr>
               <a:buFont typeface="Arial"/>
               <a:buNone/>
-              <a:defRPr b="0" i="0" sz="1400" u="none" cap="none" strike="noStrike">
+              <a:defRPr sz="1400" b="0" i="0" u="none" strike="noStrike" cap="none">
                 <a:solidFill>
                   <a:schemeClr val="dk2"/>
                 </a:solidFill>
@@ -2497,7 +2555,7 @@
           <p:cNvPr id="16" name="Shape 16"/>
           <p:cNvSpPr txBox="1"/>
           <p:nvPr>
-            <p:ph idx="12" type="sldNum"/>
+            <p:ph type="sldNum" idx="12"/>
           </p:nvPr>
         </p:nvSpPr>
         <p:spPr>
@@ -2514,12 +2572,12 @@
           </a:ln>
         </p:spPr>
         <p:txBody>
-          <a:bodyPr anchorCtr="0" anchor="ctr" bIns="91425" lIns="91425" rIns="91425" tIns="91425">
+          <a:bodyPr lIns="91425" tIns="91425" rIns="91425" bIns="91425" anchor="ctr" anchorCtr="0">
             <a:noAutofit/>
           </a:bodyPr>
           <a:lstStyle/>
           <a:p>
-            <a:pPr indent="0" lvl="0" marL="0" marR="0" rtl="0" algn="l">
+            <a:pPr marL="0" marR="0" lvl="0" indent="0" algn="l" rtl="0">
               <a:lnSpc>
                 <a:spcPct val="100000"/>
               </a:lnSpc>
@@ -2537,7 +2595,7 @@
               <a:buNone/>
             </a:pPr>
             <a:fld id="{00000000-1234-1234-1234-123412341234}" type="slidenum">
-              <a:rPr b="0" i="0" lang="en-GB" sz="1400" u="none" cap="none" strike="noStrike">
+              <a:rPr lang="en-GB" sz="1400" b="0" i="0" u="none" strike="noStrike" cap="none">
                 <a:solidFill>
                   <a:srgbClr val="000000"/>
                 </a:solidFill>
@@ -2546,8 +2604,16 @@
                 <a:cs typeface="Arial"/>
                 <a:sym typeface="Arial"/>
               </a:rPr>
-              <a:t>‹#›</a:t>
             </a:fld>
+            <a:endParaRPr lang="en-GB" sz="1400" b="0" i="0" u="none" strike="noStrike" cap="none">
+              <a:solidFill>
+                <a:srgbClr val="000000"/>
+              </a:solidFill>
+              <a:latin typeface="Arial"/>
+              <a:ea typeface="Arial"/>
+              <a:cs typeface="Arial"/>
+              <a:sym typeface="Arial"/>
+            </a:endParaRPr>
           </a:p>
         </p:txBody>
       </p:sp>
@@ -2560,7 +2626,7 @@
 </file>
 
 <file path=ppt/slideLayouts/slideLayout3.xml><?xml version="1.0" encoding="utf-8"?>
-<p:sldLayout xmlns:a="http://schemas.openxmlformats.org/drawingml/2006/main" xmlns:r="http://schemas.openxmlformats.org/officeDocument/2006/relationships" xmlns:mc="http://schemas.openxmlformats.org/markup-compatibility/2006" xmlns:mv="urn:schemas-microsoft-com:mac:vml" xmlns:p="http://schemas.openxmlformats.org/presentationml/2006/main" xmlns:c="http://schemas.openxmlformats.org/drawingml/2006/chart" xmlns:dgm="http://schemas.openxmlformats.org/drawingml/2006/diagram" xmlns:o="urn:schemas-microsoft-com:office:office" xmlns:v="urn:schemas-microsoft-com:vml" xmlns:pvml="urn:schemas-microsoft-com:office:powerpoint" xmlns:com="http://schemas.openxmlformats.org/drawingml/2006/compatibility" xmlns:p14="http://schemas.microsoft.com/office/powerpoint/2010/main" type="secHead">
+<p:sldLayout xmlns:a="http://schemas.openxmlformats.org/drawingml/2006/main" xmlns:r="http://schemas.openxmlformats.org/officeDocument/2006/relationships" xmlns:p="http://schemas.openxmlformats.org/presentationml/2006/main" type="secHead">
   <p:cSld name="Section header">
     <p:spTree>
       <p:nvGrpSpPr>
@@ -2598,9 +2664,9 @@
           </a:ln>
         </p:spPr>
         <p:txBody>
-          <a:bodyPr anchorCtr="0" anchor="ctr" bIns="91425" lIns="91425" rIns="91425" tIns="91425"/>
+          <a:bodyPr lIns="91425" tIns="91425" rIns="91425" bIns="91425" anchor="ctr" anchorCtr="0"/>
           <a:lstStyle>
-            <a:lvl1pPr indent="0" lvl="0" marL="0" marR="0" rtl="0" algn="ctr">
+            <a:lvl1pPr marL="0" marR="0" lvl="0" indent="0" algn="ctr" rtl="0">
               <a:lnSpc>
                 <a:spcPct val="100000"/>
               </a:lnSpc>
@@ -2615,7 +2681,7 @@
               </a:buClr>
               <a:buFont typeface="Arial"/>
               <a:buNone/>
-              <a:defRPr b="0" i="0" sz="3600" u="none" cap="none" strike="noStrike">
+              <a:defRPr sz="3600" b="0" i="0" u="none" strike="noStrike" cap="none">
                 <a:solidFill>
                   <a:schemeClr val="dk1"/>
                 </a:solidFill>
@@ -2625,7 +2691,7 @@
                 <a:sym typeface="Arial"/>
               </a:defRPr>
             </a:lvl1pPr>
-            <a:lvl2pPr indent="0" lvl="1" algn="ctr">
+            <a:lvl2pPr lvl="1" indent="0" algn="ctr">
               <a:spcBef>
                 <a:spcPts val="0"/>
               </a:spcBef>
@@ -2640,7 +2706,7 @@
                 </a:solidFill>
               </a:defRPr>
             </a:lvl2pPr>
-            <a:lvl3pPr indent="0" lvl="2" algn="ctr">
+            <a:lvl3pPr lvl="2" indent="0" algn="ctr">
               <a:spcBef>
                 <a:spcPts val="0"/>
               </a:spcBef>
@@ -2655,7 +2721,7 @@
                 </a:solidFill>
               </a:defRPr>
             </a:lvl3pPr>
-            <a:lvl4pPr indent="0" lvl="3" algn="ctr">
+            <a:lvl4pPr lvl="3" indent="0" algn="ctr">
               <a:spcBef>
                 <a:spcPts val="0"/>
               </a:spcBef>
@@ -2670,7 +2736,7 @@
                 </a:solidFill>
               </a:defRPr>
             </a:lvl4pPr>
-            <a:lvl5pPr indent="0" lvl="4" algn="ctr">
+            <a:lvl5pPr lvl="4" indent="0" algn="ctr">
               <a:spcBef>
                 <a:spcPts val="0"/>
               </a:spcBef>
@@ -2685,7 +2751,7 @@
                 </a:solidFill>
               </a:defRPr>
             </a:lvl5pPr>
-            <a:lvl6pPr indent="0" lvl="5" algn="ctr">
+            <a:lvl6pPr lvl="5" indent="0" algn="ctr">
               <a:spcBef>
                 <a:spcPts val="0"/>
               </a:spcBef>
@@ -2700,7 +2766,7 @@
                 </a:solidFill>
               </a:defRPr>
             </a:lvl6pPr>
-            <a:lvl7pPr indent="0" lvl="6" algn="ctr">
+            <a:lvl7pPr lvl="6" indent="0" algn="ctr">
               <a:spcBef>
                 <a:spcPts val="0"/>
               </a:spcBef>
@@ -2715,7 +2781,7 @@
                 </a:solidFill>
               </a:defRPr>
             </a:lvl7pPr>
-            <a:lvl8pPr indent="0" lvl="7" algn="ctr">
+            <a:lvl8pPr lvl="7" indent="0" algn="ctr">
               <a:spcBef>
                 <a:spcPts val="0"/>
               </a:spcBef>
@@ -2730,7 +2796,7 @@
                 </a:solidFill>
               </a:defRPr>
             </a:lvl8pPr>
-            <a:lvl9pPr indent="0" lvl="8" algn="ctr">
+            <a:lvl9pPr lvl="8" indent="0" algn="ctr">
               <a:spcBef>
                 <a:spcPts val="0"/>
               </a:spcBef>
@@ -2754,7 +2820,7 @@
           <p:cNvPr id="19" name="Shape 19"/>
           <p:cNvSpPr txBox="1"/>
           <p:nvPr>
-            <p:ph idx="12" type="sldNum"/>
+            <p:ph type="sldNum" idx="12"/>
           </p:nvPr>
         </p:nvSpPr>
         <p:spPr>
@@ -2771,12 +2837,12 @@
           </a:ln>
         </p:spPr>
         <p:txBody>
-          <a:bodyPr anchorCtr="0" anchor="ctr" bIns="91425" lIns="91425" rIns="91425" tIns="91425">
+          <a:bodyPr lIns="91425" tIns="91425" rIns="91425" bIns="91425" anchor="ctr" anchorCtr="0">
             <a:noAutofit/>
           </a:bodyPr>
           <a:lstStyle/>
           <a:p>
-            <a:pPr indent="0" lvl="0" marL="0" marR="0" rtl="0" algn="l">
+            <a:pPr marL="0" marR="0" lvl="0" indent="0" algn="l" rtl="0">
               <a:lnSpc>
                 <a:spcPct val="100000"/>
               </a:lnSpc>
@@ -2794,7 +2860,7 @@
               <a:buNone/>
             </a:pPr>
             <a:fld id="{00000000-1234-1234-1234-123412341234}" type="slidenum">
-              <a:rPr b="0" i="0" lang="en-GB" sz="1400" u="none" cap="none" strike="noStrike">
+              <a:rPr lang="en-GB" sz="1400" b="0" i="0" u="none" strike="noStrike" cap="none">
                 <a:solidFill>
                   <a:srgbClr val="000000"/>
                 </a:solidFill>
@@ -2803,8 +2869,16 @@
                 <a:cs typeface="Arial"/>
                 <a:sym typeface="Arial"/>
               </a:rPr>
-              <a:t>‹#›</a:t>
             </a:fld>
+            <a:endParaRPr lang="en-GB" sz="1400" b="0" i="0" u="none" strike="noStrike" cap="none">
+              <a:solidFill>
+                <a:srgbClr val="000000"/>
+              </a:solidFill>
+              <a:latin typeface="Arial"/>
+              <a:ea typeface="Arial"/>
+              <a:cs typeface="Arial"/>
+              <a:sym typeface="Arial"/>
+            </a:endParaRPr>
           </a:p>
         </p:txBody>
       </p:sp>
@@ -2817,7 +2891,7 @@
 </file>
 
 <file path=ppt/slideLayouts/slideLayout4.xml><?xml version="1.0" encoding="utf-8"?>
-<p:sldLayout xmlns:a="http://schemas.openxmlformats.org/drawingml/2006/main" xmlns:r="http://schemas.openxmlformats.org/officeDocument/2006/relationships" xmlns:mc="http://schemas.openxmlformats.org/markup-compatibility/2006" xmlns:mv="urn:schemas-microsoft-com:mac:vml" xmlns:p="http://schemas.openxmlformats.org/presentationml/2006/main" xmlns:c="http://schemas.openxmlformats.org/drawingml/2006/chart" xmlns:dgm="http://schemas.openxmlformats.org/drawingml/2006/diagram" xmlns:o="urn:schemas-microsoft-com:office:office" xmlns:v="urn:schemas-microsoft-com:vml" xmlns:pvml="urn:schemas-microsoft-com:office:powerpoint" xmlns:com="http://schemas.openxmlformats.org/drawingml/2006/compatibility" xmlns:p14="http://schemas.microsoft.com/office/powerpoint/2010/main" type="twoColTx">
+<p:sldLayout xmlns:a="http://schemas.openxmlformats.org/drawingml/2006/main" xmlns:r="http://schemas.openxmlformats.org/officeDocument/2006/relationships" xmlns:p="http://schemas.openxmlformats.org/presentationml/2006/main" type="twoColTx">
   <p:cSld name="Title and two columns">
     <p:spTree>
       <p:nvGrpSpPr>
@@ -2855,9 +2929,9 @@
           </a:ln>
         </p:spPr>
         <p:txBody>
-          <a:bodyPr anchorCtr="0" anchor="t" bIns="91425" lIns="91425" rIns="91425" tIns="91425"/>
+          <a:bodyPr lIns="91425" tIns="91425" rIns="91425" bIns="91425" anchor="t" anchorCtr="0"/>
           <a:lstStyle>
-            <a:lvl1pPr indent="0" lvl="0" marL="0" marR="0" rtl="0" algn="l">
+            <a:lvl1pPr marL="0" marR="0" lvl="0" indent="0" algn="l" rtl="0">
               <a:lnSpc>
                 <a:spcPct val="100000"/>
               </a:lnSpc>
@@ -2872,7 +2946,7 @@
               </a:buClr>
               <a:buFont typeface="Arial"/>
               <a:buNone/>
-              <a:defRPr b="0" i="0" sz="2800" u="none" cap="none" strike="noStrike">
+              <a:defRPr sz="2800" b="0" i="0" u="none" strike="noStrike" cap="none">
                 <a:solidFill>
                   <a:schemeClr val="dk1"/>
                 </a:solidFill>
@@ -2882,7 +2956,7 @@
                 <a:sym typeface="Arial"/>
               </a:defRPr>
             </a:lvl1pPr>
-            <a:lvl2pPr indent="0" lvl="1">
+            <a:lvl2pPr lvl="1" indent="0">
               <a:spcBef>
                 <a:spcPts val="0"/>
               </a:spcBef>
@@ -2897,7 +2971,7 @@
                 </a:solidFill>
               </a:defRPr>
             </a:lvl2pPr>
-            <a:lvl3pPr indent="0" lvl="2">
+            <a:lvl3pPr lvl="2" indent="0">
               <a:spcBef>
                 <a:spcPts val="0"/>
               </a:spcBef>
@@ -2912,7 +2986,7 @@
                 </a:solidFill>
               </a:defRPr>
             </a:lvl3pPr>
-            <a:lvl4pPr indent="0" lvl="3">
+            <a:lvl4pPr lvl="3" indent="0">
               <a:spcBef>
                 <a:spcPts val="0"/>
               </a:spcBef>
@@ -2927,7 +3001,7 @@
                 </a:solidFill>
               </a:defRPr>
             </a:lvl4pPr>
-            <a:lvl5pPr indent="0" lvl="4">
+            <a:lvl5pPr lvl="4" indent="0">
               <a:spcBef>
                 <a:spcPts val="0"/>
               </a:spcBef>
@@ -2942,7 +3016,7 @@
                 </a:solidFill>
               </a:defRPr>
             </a:lvl5pPr>
-            <a:lvl6pPr indent="0" lvl="5">
+            <a:lvl6pPr lvl="5" indent="0">
               <a:spcBef>
                 <a:spcPts val="0"/>
               </a:spcBef>
@@ -2957,7 +3031,7 @@
                 </a:solidFill>
               </a:defRPr>
             </a:lvl6pPr>
-            <a:lvl7pPr indent="0" lvl="6">
+            <a:lvl7pPr lvl="6" indent="0">
               <a:spcBef>
                 <a:spcPts val="0"/>
               </a:spcBef>
@@ -2972,7 +3046,7 @@
                 </a:solidFill>
               </a:defRPr>
             </a:lvl7pPr>
-            <a:lvl8pPr indent="0" lvl="7">
+            <a:lvl8pPr lvl="7" indent="0">
               <a:spcBef>
                 <a:spcPts val="0"/>
               </a:spcBef>
@@ -2987,7 +3061,7 @@
                 </a:solidFill>
               </a:defRPr>
             </a:lvl8pPr>
-            <a:lvl9pPr indent="0" lvl="8">
+            <a:lvl9pPr lvl="8" indent="0">
               <a:spcBef>
                 <a:spcPts val="0"/>
               </a:spcBef>
@@ -3011,7 +3085,7 @@
           <p:cNvPr id="22" name="Shape 22"/>
           <p:cNvSpPr txBox="1"/>
           <p:nvPr>
-            <p:ph idx="1" type="body"/>
+            <p:ph type="body" idx="1"/>
           </p:nvPr>
         </p:nvSpPr>
         <p:spPr>
@@ -3028,9 +3102,9 @@
           </a:ln>
         </p:spPr>
         <p:txBody>
-          <a:bodyPr anchorCtr="0" anchor="t" bIns="91425" lIns="91425" rIns="91425" tIns="91425"/>
+          <a:bodyPr lIns="91425" tIns="91425" rIns="91425" bIns="91425" anchor="t" anchorCtr="0"/>
           <a:lstStyle>
-            <a:lvl1pPr indent="0" lvl="0" marL="0" marR="0" rtl="0" algn="l">
+            <a:lvl1pPr marL="0" marR="0" lvl="0" indent="0" algn="l" rtl="0">
               <a:lnSpc>
                 <a:spcPct val="115000"/>
               </a:lnSpc>
@@ -3045,7 +3119,7 @@
               </a:buClr>
               <a:buFont typeface="Arial"/>
               <a:buNone/>
-              <a:defRPr b="0" i="0" sz="1400" u="none" cap="none" strike="noStrike">
+              <a:defRPr sz="1400" b="0" i="0" u="none" strike="noStrike" cap="none">
                 <a:solidFill>
                   <a:schemeClr val="dk2"/>
                 </a:solidFill>
@@ -3055,7 +3129,7 @@
                 <a:sym typeface="Arial"/>
               </a:defRPr>
             </a:lvl1pPr>
-            <a:lvl2pPr indent="0" lvl="1" marL="457200" marR="0" rtl="0" algn="l">
+            <a:lvl2pPr marL="457200" marR="0" lvl="1" indent="0" algn="l" rtl="0">
               <a:lnSpc>
                 <a:spcPct val="115000"/>
               </a:lnSpc>
@@ -3070,7 +3144,7 @@
               </a:buClr>
               <a:buFont typeface="Arial"/>
               <a:buNone/>
-              <a:defRPr b="0" i="0" sz="1200" u="none" cap="none" strike="noStrike">
+              <a:defRPr sz="1200" b="0" i="0" u="none" strike="noStrike" cap="none">
                 <a:solidFill>
                   <a:schemeClr val="dk2"/>
                 </a:solidFill>
@@ -3080,7 +3154,7 @@
                 <a:sym typeface="Arial"/>
               </a:defRPr>
             </a:lvl2pPr>
-            <a:lvl3pPr indent="0" lvl="2" marL="914400" marR="0" rtl="0" algn="l">
+            <a:lvl3pPr marL="914400" marR="0" lvl="2" indent="0" algn="l" rtl="0">
               <a:lnSpc>
                 <a:spcPct val="115000"/>
               </a:lnSpc>
@@ -3095,7 +3169,7 @@
               </a:buClr>
               <a:buFont typeface="Arial"/>
               <a:buNone/>
-              <a:defRPr b="0" i="0" sz="1200" u="none" cap="none" strike="noStrike">
+              <a:defRPr sz="1200" b="0" i="0" u="none" strike="noStrike" cap="none">
                 <a:solidFill>
                   <a:schemeClr val="dk2"/>
                 </a:solidFill>
@@ -3105,7 +3179,7 @@
                 <a:sym typeface="Arial"/>
               </a:defRPr>
             </a:lvl3pPr>
-            <a:lvl4pPr indent="0" lvl="3" marL="1371600" marR="0" rtl="0" algn="l">
+            <a:lvl4pPr marL="1371600" marR="0" lvl="3" indent="0" algn="l" rtl="0">
               <a:lnSpc>
                 <a:spcPct val="115000"/>
               </a:lnSpc>
@@ -3120,7 +3194,7 @@
               </a:buClr>
               <a:buFont typeface="Arial"/>
               <a:buNone/>
-              <a:defRPr b="0" i="0" sz="1200" u="none" cap="none" strike="noStrike">
+              <a:defRPr sz="1200" b="0" i="0" u="none" strike="noStrike" cap="none">
                 <a:solidFill>
                   <a:schemeClr val="dk2"/>
                 </a:solidFill>
@@ -3130,7 +3204,7 @@
                 <a:sym typeface="Arial"/>
               </a:defRPr>
             </a:lvl4pPr>
-            <a:lvl5pPr indent="0" lvl="4" marL="1828800" marR="0" rtl="0" algn="l">
+            <a:lvl5pPr marL="1828800" marR="0" lvl="4" indent="0" algn="l" rtl="0">
               <a:lnSpc>
                 <a:spcPct val="115000"/>
               </a:lnSpc>
@@ -3145,7 +3219,7 @@
               </a:buClr>
               <a:buFont typeface="Arial"/>
               <a:buNone/>
-              <a:defRPr b="0" i="0" sz="1200" u="none" cap="none" strike="noStrike">
+              <a:defRPr sz="1200" b="0" i="0" u="none" strike="noStrike" cap="none">
                 <a:solidFill>
                   <a:schemeClr val="dk2"/>
                 </a:solidFill>
@@ -3155,7 +3229,7 @@
                 <a:sym typeface="Arial"/>
               </a:defRPr>
             </a:lvl5pPr>
-            <a:lvl6pPr indent="0" lvl="5" marL="2286000" marR="0" rtl="0" algn="l">
+            <a:lvl6pPr marL="2286000" marR="0" lvl="5" indent="0" algn="l" rtl="0">
               <a:lnSpc>
                 <a:spcPct val="115000"/>
               </a:lnSpc>
@@ -3170,7 +3244,7 @@
               </a:buClr>
               <a:buFont typeface="Arial"/>
               <a:buNone/>
-              <a:defRPr b="0" i="0" sz="1200" u="none" cap="none" strike="noStrike">
+              <a:defRPr sz="1200" b="0" i="0" u="none" strike="noStrike" cap="none">
                 <a:solidFill>
                   <a:schemeClr val="dk2"/>
                 </a:solidFill>
@@ -3180,7 +3254,7 @@
                 <a:sym typeface="Arial"/>
               </a:defRPr>
             </a:lvl6pPr>
-            <a:lvl7pPr indent="0" lvl="6" marL="2743200" marR="0" rtl="0" algn="l">
+            <a:lvl7pPr marL="2743200" marR="0" lvl="6" indent="0" algn="l" rtl="0">
               <a:lnSpc>
                 <a:spcPct val="115000"/>
               </a:lnSpc>
@@ -3195,7 +3269,7 @@
               </a:buClr>
               <a:buFont typeface="Arial"/>
               <a:buNone/>
-              <a:defRPr b="0" i="0" sz="1200" u="none" cap="none" strike="noStrike">
+              <a:defRPr sz="1200" b="0" i="0" u="none" strike="noStrike" cap="none">
                 <a:solidFill>
                   <a:schemeClr val="dk2"/>
                 </a:solidFill>
@@ -3205,7 +3279,7 @@
                 <a:sym typeface="Arial"/>
               </a:defRPr>
             </a:lvl7pPr>
-            <a:lvl8pPr indent="0" lvl="7" marL="3200400" marR="0" rtl="0" algn="l">
+            <a:lvl8pPr marL="3200400" marR="0" lvl="7" indent="0" algn="l" rtl="0">
               <a:lnSpc>
                 <a:spcPct val="115000"/>
               </a:lnSpc>
@@ -3220,7 +3294,7 @@
               </a:buClr>
               <a:buFont typeface="Arial"/>
               <a:buNone/>
-              <a:defRPr b="0" i="0" sz="1200" u="none" cap="none" strike="noStrike">
+              <a:defRPr sz="1200" b="0" i="0" u="none" strike="noStrike" cap="none">
                 <a:solidFill>
                   <a:schemeClr val="dk2"/>
                 </a:solidFill>
@@ -3230,7 +3304,7 @@
                 <a:sym typeface="Arial"/>
               </a:defRPr>
             </a:lvl8pPr>
-            <a:lvl9pPr indent="0" lvl="8" marL="3657600" marR="0" rtl="0" algn="l">
+            <a:lvl9pPr marL="3657600" marR="0" lvl="8" indent="0" algn="l" rtl="0">
               <a:lnSpc>
                 <a:spcPct val="115000"/>
               </a:lnSpc>
@@ -3245,7 +3319,7 @@
               </a:buClr>
               <a:buFont typeface="Arial"/>
               <a:buNone/>
-              <a:defRPr b="0" i="0" sz="1200" u="none" cap="none" strike="noStrike">
+              <a:defRPr sz="1200" b="0" i="0" u="none" strike="noStrike" cap="none">
                 <a:solidFill>
                   <a:schemeClr val="dk2"/>
                 </a:solidFill>
@@ -3264,7 +3338,7 @@
           <p:cNvPr id="23" name="Shape 23"/>
           <p:cNvSpPr txBox="1"/>
           <p:nvPr>
-            <p:ph idx="2" type="body"/>
+            <p:ph type="body" idx="2"/>
           </p:nvPr>
         </p:nvSpPr>
         <p:spPr>
@@ -3281,9 +3355,9 @@
           </a:ln>
         </p:spPr>
         <p:txBody>
-          <a:bodyPr anchorCtr="0" anchor="t" bIns="91425" lIns="91425" rIns="91425" tIns="91425"/>
+          <a:bodyPr lIns="91425" tIns="91425" rIns="91425" bIns="91425" anchor="t" anchorCtr="0"/>
           <a:lstStyle>
-            <a:lvl1pPr indent="0" lvl="0" marL="0" marR="0" rtl="0" algn="l">
+            <a:lvl1pPr marL="0" marR="0" lvl="0" indent="0" algn="l" rtl="0">
               <a:lnSpc>
                 <a:spcPct val="115000"/>
               </a:lnSpc>
@@ -3298,7 +3372,7 @@
               </a:buClr>
               <a:buFont typeface="Arial"/>
               <a:buNone/>
-              <a:defRPr b="0" i="0" sz="1400" u="none" cap="none" strike="noStrike">
+              <a:defRPr sz="1400" b="0" i="0" u="none" strike="noStrike" cap="none">
                 <a:solidFill>
                   <a:schemeClr val="dk2"/>
                 </a:solidFill>
@@ -3308,7 +3382,7 @@
                 <a:sym typeface="Arial"/>
               </a:defRPr>
             </a:lvl1pPr>
-            <a:lvl2pPr indent="0" lvl="1" marL="457200" marR="0" rtl="0" algn="l">
+            <a:lvl2pPr marL="457200" marR="0" lvl="1" indent="0" algn="l" rtl="0">
               <a:lnSpc>
                 <a:spcPct val="115000"/>
               </a:lnSpc>
@@ -3323,7 +3397,7 @@
               </a:buClr>
               <a:buFont typeface="Arial"/>
               <a:buNone/>
-              <a:defRPr b="0" i="0" sz="1200" u="none" cap="none" strike="noStrike">
+              <a:defRPr sz="1200" b="0" i="0" u="none" strike="noStrike" cap="none">
                 <a:solidFill>
                   <a:schemeClr val="dk2"/>
                 </a:solidFill>
@@ -3333,7 +3407,7 @@
                 <a:sym typeface="Arial"/>
               </a:defRPr>
             </a:lvl2pPr>
-            <a:lvl3pPr indent="0" lvl="2" marL="914400" marR="0" rtl="0" algn="l">
+            <a:lvl3pPr marL="914400" marR="0" lvl="2" indent="0" algn="l" rtl="0">
               <a:lnSpc>
                 <a:spcPct val="115000"/>
               </a:lnSpc>
@@ -3348,7 +3422,7 @@
               </a:buClr>
               <a:buFont typeface="Arial"/>
               <a:buNone/>
-              <a:defRPr b="0" i="0" sz="1200" u="none" cap="none" strike="noStrike">
+              <a:defRPr sz="1200" b="0" i="0" u="none" strike="noStrike" cap="none">
                 <a:solidFill>
                   <a:schemeClr val="dk2"/>
                 </a:solidFill>
@@ -3358,7 +3432,7 @@
                 <a:sym typeface="Arial"/>
               </a:defRPr>
             </a:lvl3pPr>
-            <a:lvl4pPr indent="0" lvl="3" marL="1371600" marR="0" rtl="0" algn="l">
+            <a:lvl4pPr marL="1371600" marR="0" lvl="3" indent="0" algn="l" rtl="0">
               <a:lnSpc>
                 <a:spcPct val="115000"/>
               </a:lnSpc>
@@ -3373,7 +3447,7 @@
               </a:buClr>
               <a:buFont typeface="Arial"/>
               <a:buNone/>
-              <a:defRPr b="0" i="0" sz="1200" u="none" cap="none" strike="noStrike">
+              <a:defRPr sz="1200" b="0" i="0" u="none" strike="noStrike" cap="none">
                 <a:solidFill>
                   <a:schemeClr val="dk2"/>
                 </a:solidFill>
@@ -3383,7 +3457,7 @@
                 <a:sym typeface="Arial"/>
               </a:defRPr>
             </a:lvl4pPr>
-            <a:lvl5pPr indent="0" lvl="4" marL="1828800" marR="0" rtl="0" algn="l">
+            <a:lvl5pPr marL="1828800" marR="0" lvl="4" indent="0" algn="l" rtl="0">
               <a:lnSpc>
                 <a:spcPct val="115000"/>
               </a:lnSpc>
@@ -3398,7 +3472,7 @@
               </a:buClr>
               <a:buFont typeface="Arial"/>
               <a:buNone/>
-              <a:defRPr b="0" i="0" sz="1200" u="none" cap="none" strike="noStrike">
+              <a:defRPr sz="1200" b="0" i="0" u="none" strike="noStrike" cap="none">
                 <a:solidFill>
                   <a:schemeClr val="dk2"/>
                 </a:solidFill>
@@ -3408,7 +3482,7 @@
                 <a:sym typeface="Arial"/>
               </a:defRPr>
             </a:lvl5pPr>
-            <a:lvl6pPr indent="0" lvl="5" marL="2286000" marR="0" rtl="0" algn="l">
+            <a:lvl6pPr marL="2286000" marR="0" lvl="5" indent="0" algn="l" rtl="0">
               <a:lnSpc>
                 <a:spcPct val="115000"/>
               </a:lnSpc>
@@ -3423,7 +3497,7 @@
               </a:buClr>
               <a:buFont typeface="Arial"/>
               <a:buNone/>
-              <a:defRPr b="0" i="0" sz="1200" u="none" cap="none" strike="noStrike">
+              <a:defRPr sz="1200" b="0" i="0" u="none" strike="noStrike" cap="none">
                 <a:solidFill>
                   <a:schemeClr val="dk2"/>
                 </a:solidFill>
@@ -3433,7 +3507,7 @@
                 <a:sym typeface="Arial"/>
               </a:defRPr>
             </a:lvl6pPr>
-            <a:lvl7pPr indent="0" lvl="6" marL="2743200" marR="0" rtl="0" algn="l">
+            <a:lvl7pPr marL="2743200" marR="0" lvl="6" indent="0" algn="l" rtl="0">
               <a:lnSpc>
                 <a:spcPct val="115000"/>
               </a:lnSpc>
@@ -3448,7 +3522,7 @@
               </a:buClr>
               <a:buFont typeface="Arial"/>
               <a:buNone/>
-              <a:defRPr b="0" i="0" sz="1200" u="none" cap="none" strike="noStrike">
+              <a:defRPr sz="1200" b="0" i="0" u="none" strike="noStrike" cap="none">
                 <a:solidFill>
                   <a:schemeClr val="dk2"/>
                 </a:solidFill>
@@ -3458,7 +3532,7 @@
                 <a:sym typeface="Arial"/>
               </a:defRPr>
             </a:lvl7pPr>
-            <a:lvl8pPr indent="0" lvl="7" marL="3200400" marR="0" rtl="0" algn="l">
+            <a:lvl8pPr marL="3200400" marR="0" lvl="7" indent="0" algn="l" rtl="0">
               <a:lnSpc>
                 <a:spcPct val="115000"/>
               </a:lnSpc>
@@ -3473,7 +3547,7 @@
               </a:buClr>
               <a:buFont typeface="Arial"/>
               <a:buNone/>
-              <a:defRPr b="0" i="0" sz="1200" u="none" cap="none" strike="noStrike">
+              <a:defRPr sz="1200" b="0" i="0" u="none" strike="noStrike" cap="none">
                 <a:solidFill>
                   <a:schemeClr val="dk2"/>
                 </a:solidFill>
@@ -3483,7 +3557,7 @@
                 <a:sym typeface="Arial"/>
               </a:defRPr>
             </a:lvl8pPr>
-            <a:lvl9pPr indent="0" lvl="8" marL="3657600" marR="0" rtl="0" algn="l">
+            <a:lvl9pPr marL="3657600" marR="0" lvl="8" indent="0" algn="l" rtl="0">
               <a:lnSpc>
                 <a:spcPct val="115000"/>
               </a:lnSpc>
@@ -3498,7 +3572,7 @@
               </a:buClr>
               <a:buFont typeface="Arial"/>
               <a:buNone/>
-              <a:defRPr b="0" i="0" sz="1200" u="none" cap="none" strike="noStrike">
+              <a:defRPr sz="1200" b="0" i="0" u="none" strike="noStrike" cap="none">
                 <a:solidFill>
                   <a:schemeClr val="dk2"/>
                 </a:solidFill>
@@ -3517,7 +3591,7 @@
           <p:cNvPr id="24" name="Shape 24"/>
           <p:cNvSpPr txBox="1"/>
           <p:nvPr>
-            <p:ph idx="12" type="sldNum"/>
+            <p:ph type="sldNum" idx="12"/>
           </p:nvPr>
         </p:nvSpPr>
         <p:spPr>
@@ -3534,12 +3608,12 @@
           </a:ln>
         </p:spPr>
         <p:txBody>
-          <a:bodyPr anchorCtr="0" anchor="ctr" bIns="91425" lIns="91425" rIns="91425" tIns="91425">
+          <a:bodyPr lIns="91425" tIns="91425" rIns="91425" bIns="91425" anchor="ctr" anchorCtr="0">
             <a:noAutofit/>
           </a:bodyPr>
           <a:lstStyle/>
           <a:p>
-            <a:pPr indent="0" lvl="0" marL="0" marR="0" rtl="0" algn="l">
+            <a:pPr marL="0" marR="0" lvl="0" indent="0" algn="l" rtl="0">
               <a:lnSpc>
                 <a:spcPct val="100000"/>
               </a:lnSpc>
@@ -3557,7 +3631,7 @@
               <a:buNone/>
             </a:pPr>
             <a:fld id="{00000000-1234-1234-1234-123412341234}" type="slidenum">
-              <a:rPr b="0" i="0" lang="en-GB" sz="1400" u="none" cap="none" strike="noStrike">
+              <a:rPr lang="en-GB" sz="1400" b="0" i="0" u="none" strike="noStrike" cap="none">
                 <a:solidFill>
                   <a:srgbClr val="000000"/>
                 </a:solidFill>
@@ -3566,8 +3640,16 @@
                 <a:cs typeface="Arial"/>
                 <a:sym typeface="Arial"/>
               </a:rPr>
-              <a:t>‹#›</a:t>
             </a:fld>
+            <a:endParaRPr lang="en-GB" sz="1400" b="0" i="0" u="none" strike="noStrike" cap="none">
+              <a:solidFill>
+                <a:srgbClr val="000000"/>
+              </a:solidFill>
+              <a:latin typeface="Arial"/>
+              <a:ea typeface="Arial"/>
+              <a:cs typeface="Arial"/>
+              <a:sym typeface="Arial"/>
+            </a:endParaRPr>
           </a:p>
         </p:txBody>
       </p:sp>
@@ -3580,7 +3662,7 @@
 </file>
 
 <file path=ppt/slideLayouts/slideLayout5.xml><?xml version="1.0" encoding="utf-8"?>
-<p:sldLayout xmlns:a="http://schemas.openxmlformats.org/drawingml/2006/main" xmlns:r="http://schemas.openxmlformats.org/officeDocument/2006/relationships" xmlns:mc="http://schemas.openxmlformats.org/markup-compatibility/2006" xmlns:mv="urn:schemas-microsoft-com:mac:vml" xmlns:p="http://schemas.openxmlformats.org/presentationml/2006/main" xmlns:c="http://schemas.openxmlformats.org/drawingml/2006/chart" xmlns:dgm="http://schemas.openxmlformats.org/drawingml/2006/diagram" xmlns:o="urn:schemas-microsoft-com:office:office" xmlns:v="urn:schemas-microsoft-com:vml" xmlns:pvml="urn:schemas-microsoft-com:office:powerpoint" xmlns:com="http://schemas.openxmlformats.org/drawingml/2006/compatibility" xmlns:p14="http://schemas.microsoft.com/office/powerpoint/2010/main" type="titleOnly">
+<p:sldLayout xmlns:a="http://schemas.openxmlformats.org/drawingml/2006/main" xmlns:r="http://schemas.openxmlformats.org/officeDocument/2006/relationships" xmlns:p="http://schemas.openxmlformats.org/presentationml/2006/main" type="titleOnly">
   <p:cSld name="Title only">
     <p:spTree>
       <p:nvGrpSpPr>
@@ -3618,9 +3700,9 @@
           </a:ln>
         </p:spPr>
         <p:txBody>
-          <a:bodyPr anchorCtr="0" anchor="t" bIns="91425" lIns="91425" rIns="91425" tIns="91425"/>
+          <a:bodyPr lIns="91425" tIns="91425" rIns="91425" bIns="91425" anchor="t" anchorCtr="0"/>
           <a:lstStyle>
-            <a:lvl1pPr indent="0" lvl="0" marL="0" marR="0" rtl="0" algn="l">
+            <a:lvl1pPr marL="0" marR="0" lvl="0" indent="0" algn="l" rtl="0">
               <a:lnSpc>
                 <a:spcPct val="100000"/>
               </a:lnSpc>
@@ -3635,7 +3717,7 @@
               </a:buClr>
               <a:buFont typeface="Arial"/>
               <a:buNone/>
-              <a:defRPr b="0" i="0" sz="2800" u="none" cap="none" strike="noStrike">
+              <a:defRPr sz="2800" b="0" i="0" u="none" strike="noStrike" cap="none">
                 <a:solidFill>
                   <a:schemeClr val="dk1"/>
                 </a:solidFill>
@@ -3645,7 +3727,7 @@
                 <a:sym typeface="Arial"/>
               </a:defRPr>
             </a:lvl1pPr>
-            <a:lvl2pPr indent="0" lvl="1">
+            <a:lvl2pPr lvl="1" indent="0">
               <a:spcBef>
                 <a:spcPts val="0"/>
               </a:spcBef>
@@ -3660,7 +3742,7 @@
                 </a:solidFill>
               </a:defRPr>
             </a:lvl2pPr>
-            <a:lvl3pPr indent="0" lvl="2">
+            <a:lvl3pPr lvl="2" indent="0">
               <a:spcBef>
                 <a:spcPts val="0"/>
               </a:spcBef>
@@ -3675,7 +3757,7 @@
                 </a:solidFill>
               </a:defRPr>
             </a:lvl3pPr>
-            <a:lvl4pPr indent="0" lvl="3">
+            <a:lvl4pPr lvl="3" indent="0">
               <a:spcBef>
                 <a:spcPts val="0"/>
               </a:spcBef>
@@ -3690,7 +3772,7 @@
                 </a:solidFill>
               </a:defRPr>
             </a:lvl4pPr>
-            <a:lvl5pPr indent="0" lvl="4">
+            <a:lvl5pPr lvl="4" indent="0">
               <a:spcBef>
                 <a:spcPts val="0"/>
               </a:spcBef>
@@ -3705,7 +3787,7 @@
                 </a:solidFill>
               </a:defRPr>
             </a:lvl5pPr>
-            <a:lvl6pPr indent="0" lvl="5">
+            <a:lvl6pPr lvl="5" indent="0">
               <a:spcBef>
                 <a:spcPts val="0"/>
               </a:spcBef>
@@ -3720,7 +3802,7 @@
                 </a:solidFill>
               </a:defRPr>
             </a:lvl6pPr>
-            <a:lvl7pPr indent="0" lvl="6">
+            <a:lvl7pPr lvl="6" indent="0">
               <a:spcBef>
                 <a:spcPts val="0"/>
               </a:spcBef>
@@ -3735,7 +3817,7 @@
                 </a:solidFill>
               </a:defRPr>
             </a:lvl7pPr>
-            <a:lvl8pPr indent="0" lvl="7">
+            <a:lvl8pPr lvl="7" indent="0">
               <a:spcBef>
                 <a:spcPts val="0"/>
               </a:spcBef>
@@ -3750,7 +3832,7 @@
                 </a:solidFill>
               </a:defRPr>
             </a:lvl8pPr>
-            <a:lvl9pPr indent="0" lvl="8">
+            <a:lvl9pPr lvl="8" indent="0">
               <a:spcBef>
                 <a:spcPts val="0"/>
               </a:spcBef>
@@ -3774,7 +3856,7 @@
           <p:cNvPr id="27" name="Shape 27"/>
           <p:cNvSpPr txBox="1"/>
           <p:nvPr>
-            <p:ph idx="12" type="sldNum"/>
+            <p:ph type="sldNum" idx="12"/>
           </p:nvPr>
         </p:nvSpPr>
         <p:spPr>
@@ -3791,12 +3873,12 @@
           </a:ln>
         </p:spPr>
         <p:txBody>
-          <a:bodyPr anchorCtr="0" anchor="ctr" bIns="91425" lIns="91425" rIns="91425" tIns="91425">
+          <a:bodyPr lIns="91425" tIns="91425" rIns="91425" bIns="91425" anchor="ctr" anchorCtr="0">
             <a:noAutofit/>
           </a:bodyPr>
           <a:lstStyle/>
           <a:p>
-            <a:pPr indent="0" lvl="0" marL="0" marR="0" rtl="0" algn="l">
+            <a:pPr marL="0" marR="0" lvl="0" indent="0" algn="l" rtl="0">
               <a:lnSpc>
                 <a:spcPct val="100000"/>
               </a:lnSpc>
@@ -3814,7 +3896,7 @@
               <a:buNone/>
             </a:pPr>
             <a:fld id="{00000000-1234-1234-1234-123412341234}" type="slidenum">
-              <a:rPr b="0" i="0" lang="en-GB" sz="1400" u="none" cap="none" strike="noStrike">
+              <a:rPr lang="en-GB" sz="1400" b="0" i="0" u="none" strike="noStrike" cap="none">
                 <a:solidFill>
                   <a:srgbClr val="000000"/>
                 </a:solidFill>
@@ -3823,8 +3905,16 @@
                 <a:cs typeface="Arial"/>
                 <a:sym typeface="Arial"/>
               </a:rPr>
-              <a:t>‹#›</a:t>
             </a:fld>
+            <a:endParaRPr lang="en-GB" sz="1400" b="0" i="0" u="none" strike="noStrike" cap="none">
+              <a:solidFill>
+                <a:srgbClr val="000000"/>
+              </a:solidFill>
+              <a:latin typeface="Arial"/>
+              <a:ea typeface="Arial"/>
+              <a:cs typeface="Arial"/>
+              <a:sym typeface="Arial"/>
+            </a:endParaRPr>
           </a:p>
         </p:txBody>
       </p:sp>
@@ -3837,7 +3927,7 @@
 </file>
 
 <file path=ppt/slideLayouts/slideLayout6.xml><?xml version="1.0" encoding="utf-8"?>
-<p:sldLayout xmlns:a="http://schemas.openxmlformats.org/drawingml/2006/main" xmlns:r="http://schemas.openxmlformats.org/officeDocument/2006/relationships" xmlns:mc="http://schemas.openxmlformats.org/markup-compatibility/2006" xmlns:mv="urn:schemas-microsoft-com:mac:vml" xmlns:p="http://schemas.openxmlformats.org/presentationml/2006/main" xmlns:c="http://schemas.openxmlformats.org/drawingml/2006/chart" xmlns:dgm="http://schemas.openxmlformats.org/drawingml/2006/diagram" xmlns:o="urn:schemas-microsoft-com:office:office" xmlns:v="urn:schemas-microsoft-com:vml" xmlns:pvml="urn:schemas-microsoft-com:office:powerpoint" xmlns:com="http://schemas.openxmlformats.org/drawingml/2006/compatibility" xmlns:p14="http://schemas.microsoft.com/office/powerpoint/2010/main">
+<p:sldLayout xmlns:a="http://schemas.openxmlformats.org/drawingml/2006/main" xmlns:r="http://schemas.openxmlformats.org/officeDocument/2006/relationships" xmlns:p="http://schemas.openxmlformats.org/presentationml/2006/main">
   <p:cSld name="One column text">
     <p:spTree>
       <p:nvGrpSpPr>
@@ -3875,9 +3965,9 @@
           </a:ln>
         </p:spPr>
         <p:txBody>
-          <a:bodyPr anchorCtr="0" anchor="b" bIns="91425" lIns="91425" rIns="91425" tIns="91425"/>
+          <a:bodyPr lIns="91425" tIns="91425" rIns="91425" bIns="91425" anchor="b" anchorCtr="0"/>
           <a:lstStyle>
-            <a:lvl1pPr indent="0" lvl="0" marL="0" marR="0" rtl="0" algn="l">
+            <a:lvl1pPr marL="0" marR="0" lvl="0" indent="0" algn="l" rtl="0">
               <a:lnSpc>
                 <a:spcPct val="100000"/>
               </a:lnSpc>
@@ -3892,7 +3982,7 @@
               </a:buClr>
               <a:buFont typeface="Arial"/>
               <a:buNone/>
-              <a:defRPr b="0" i="0" sz="2400" u="none" cap="none" strike="noStrike">
+              <a:defRPr sz="2400" b="0" i="0" u="none" strike="noStrike" cap="none">
                 <a:solidFill>
                   <a:schemeClr val="dk1"/>
                 </a:solidFill>
@@ -3902,7 +3992,7 @@
                 <a:sym typeface="Arial"/>
               </a:defRPr>
             </a:lvl1pPr>
-            <a:lvl2pPr indent="0" lvl="1">
+            <a:lvl2pPr lvl="1" indent="0">
               <a:spcBef>
                 <a:spcPts val="0"/>
               </a:spcBef>
@@ -3917,7 +4007,7 @@
                 </a:solidFill>
               </a:defRPr>
             </a:lvl2pPr>
-            <a:lvl3pPr indent="0" lvl="2">
+            <a:lvl3pPr lvl="2" indent="0">
               <a:spcBef>
                 <a:spcPts val="0"/>
               </a:spcBef>
@@ -3932,7 +4022,7 @@
                 </a:solidFill>
               </a:defRPr>
             </a:lvl3pPr>
-            <a:lvl4pPr indent="0" lvl="3">
+            <a:lvl4pPr lvl="3" indent="0">
               <a:spcBef>
                 <a:spcPts val="0"/>
               </a:spcBef>
@@ -3947,7 +4037,7 @@
                 </a:solidFill>
               </a:defRPr>
             </a:lvl4pPr>
-            <a:lvl5pPr indent="0" lvl="4">
+            <a:lvl5pPr lvl="4" indent="0">
               <a:spcBef>
                 <a:spcPts val="0"/>
               </a:spcBef>
@@ -3962,7 +4052,7 @@
                 </a:solidFill>
               </a:defRPr>
             </a:lvl5pPr>
-            <a:lvl6pPr indent="0" lvl="5">
+            <a:lvl6pPr lvl="5" indent="0">
               <a:spcBef>
                 <a:spcPts val="0"/>
               </a:spcBef>
@@ -3977,7 +4067,7 @@
                 </a:solidFill>
               </a:defRPr>
             </a:lvl6pPr>
-            <a:lvl7pPr indent="0" lvl="6">
+            <a:lvl7pPr lvl="6" indent="0">
               <a:spcBef>
                 <a:spcPts val="0"/>
               </a:spcBef>
@@ -3992,7 +4082,7 @@
                 </a:solidFill>
               </a:defRPr>
             </a:lvl7pPr>
-            <a:lvl8pPr indent="0" lvl="7">
+            <a:lvl8pPr lvl="7" indent="0">
               <a:spcBef>
                 <a:spcPts val="0"/>
               </a:spcBef>
@@ -4007,7 +4097,7 @@
                 </a:solidFill>
               </a:defRPr>
             </a:lvl8pPr>
-            <a:lvl9pPr indent="0" lvl="8">
+            <a:lvl9pPr lvl="8" indent="0">
               <a:spcBef>
                 <a:spcPts val="0"/>
               </a:spcBef>
@@ -4031,7 +4121,7 @@
           <p:cNvPr id="30" name="Shape 30"/>
           <p:cNvSpPr txBox="1"/>
           <p:nvPr>
-            <p:ph idx="1" type="body"/>
+            <p:ph type="body" idx="1"/>
           </p:nvPr>
         </p:nvSpPr>
         <p:spPr>
@@ -4048,9 +4138,9 @@
           </a:ln>
         </p:spPr>
         <p:txBody>
-          <a:bodyPr anchorCtr="0" anchor="t" bIns="91425" lIns="91425" rIns="91425" tIns="91425"/>
+          <a:bodyPr lIns="91425" tIns="91425" rIns="91425" bIns="91425" anchor="t" anchorCtr="0"/>
           <a:lstStyle>
-            <a:lvl1pPr indent="0" lvl="0" marL="0" marR="0" rtl="0" algn="l">
+            <a:lvl1pPr marL="0" marR="0" lvl="0" indent="0" algn="l" rtl="0">
               <a:lnSpc>
                 <a:spcPct val="115000"/>
               </a:lnSpc>
@@ -4065,7 +4155,7 @@
               </a:buClr>
               <a:buFont typeface="Arial"/>
               <a:buNone/>
-              <a:defRPr b="0" i="0" sz="1200" u="none" cap="none" strike="noStrike">
+              <a:defRPr sz="1200" b="0" i="0" u="none" strike="noStrike" cap="none">
                 <a:solidFill>
                   <a:schemeClr val="dk2"/>
                 </a:solidFill>
@@ -4075,7 +4165,7 @@
                 <a:sym typeface="Arial"/>
               </a:defRPr>
             </a:lvl1pPr>
-            <a:lvl2pPr indent="0" lvl="1" marL="457200" marR="0" rtl="0" algn="l">
+            <a:lvl2pPr marL="457200" marR="0" lvl="1" indent="0" algn="l" rtl="0">
               <a:lnSpc>
                 <a:spcPct val="115000"/>
               </a:lnSpc>
@@ -4090,7 +4180,7 @@
               </a:buClr>
               <a:buFont typeface="Arial"/>
               <a:buNone/>
-              <a:defRPr b="0" i="0" sz="1200" u="none" cap="none" strike="noStrike">
+              <a:defRPr sz="1200" b="0" i="0" u="none" strike="noStrike" cap="none">
                 <a:solidFill>
                   <a:schemeClr val="dk2"/>
                 </a:solidFill>
@@ -4100,7 +4190,7 @@
                 <a:sym typeface="Arial"/>
               </a:defRPr>
             </a:lvl2pPr>
-            <a:lvl3pPr indent="0" lvl="2" marL="914400" marR="0" rtl="0" algn="l">
+            <a:lvl3pPr marL="914400" marR="0" lvl="2" indent="0" algn="l" rtl="0">
               <a:lnSpc>
                 <a:spcPct val="115000"/>
               </a:lnSpc>
@@ -4115,7 +4205,7 @@
               </a:buClr>
               <a:buFont typeface="Arial"/>
               <a:buNone/>
-              <a:defRPr b="0" i="0" sz="1200" u="none" cap="none" strike="noStrike">
+              <a:defRPr sz="1200" b="0" i="0" u="none" strike="noStrike" cap="none">
                 <a:solidFill>
                   <a:schemeClr val="dk2"/>
                 </a:solidFill>
@@ -4125,7 +4215,7 @@
                 <a:sym typeface="Arial"/>
               </a:defRPr>
             </a:lvl3pPr>
-            <a:lvl4pPr indent="0" lvl="3" marL="1371600" marR="0" rtl="0" algn="l">
+            <a:lvl4pPr marL="1371600" marR="0" lvl="3" indent="0" algn="l" rtl="0">
               <a:lnSpc>
                 <a:spcPct val="115000"/>
               </a:lnSpc>
@@ -4140,7 +4230,7 @@
               </a:buClr>
               <a:buFont typeface="Arial"/>
               <a:buNone/>
-              <a:defRPr b="0" i="0" sz="1200" u="none" cap="none" strike="noStrike">
+              <a:defRPr sz="1200" b="0" i="0" u="none" strike="noStrike" cap="none">
                 <a:solidFill>
                   <a:schemeClr val="dk2"/>
                 </a:solidFill>
@@ -4150,7 +4240,7 @@
                 <a:sym typeface="Arial"/>
               </a:defRPr>
             </a:lvl4pPr>
-            <a:lvl5pPr indent="0" lvl="4" marL="1828800" marR="0" rtl="0" algn="l">
+            <a:lvl5pPr marL="1828800" marR="0" lvl="4" indent="0" algn="l" rtl="0">
               <a:lnSpc>
                 <a:spcPct val="115000"/>
               </a:lnSpc>
@@ -4165,7 +4255,7 @@
               </a:buClr>
               <a:buFont typeface="Arial"/>
               <a:buNone/>
-              <a:defRPr b="0" i="0" sz="1200" u="none" cap="none" strike="noStrike">
+              <a:defRPr sz="1200" b="0" i="0" u="none" strike="noStrike" cap="none">
                 <a:solidFill>
                   <a:schemeClr val="dk2"/>
                 </a:solidFill>
@@ -4175,7 +4265,7 @@
                 <a:sym typeface="Arial"/>
               </a:defRPr>
             </a:lvl5pPr>
-            <a:lvl6pPr indent="0" lvl="5" marL="2286000" marR="0" rtl="0" algn="l">
+            <a:lvl6pPr marL="2286000" marR="0" lvl="5" indent="0" algn="l" rtl="0">
               <a:lnSpc>
                 <a:spcPct val="115000"/>
               </a:lnSpc>
@@ -4190,7 +4280,7 @@
               </a:buClr>
               <a:buFont typeface="Arial"/>
               <a:buNone/>
-              <a:defRPr b="0" i="0" sz="1200" u="none" cap="none" strike="noStrike">
+              <a:defRPr sz="1200" b="0" i="0" u="none" strike="noStrike" cap="none">
                 <a:solidFill>
                   <a:schemeClr val="dk2"/>
                 </a:solidFill>
@@ -4200,7 +4290,7 @@
                 <a:sym typeface="Arial"/>
               </a:defRPr>
             </a:lvl6pPr>
-            <a:lvl7pPr indent="0" lvl="6" marL="2743200" marR="0" rtl="0" algn="l">
+            <a:lvl7pPr marL="2743200" marR="0" lvl="6" indent="0" algn="l" rtl="0">
               <a:lnSpc>
                 <a:spcPct val="115000"/>
               </a:lnSpc>
@@ -4215,7 +4305,7 @@
               </a:buClr>
               <a:buFont typeface="Arial"/>
               <a:buNone/>
-              <a:defRPr b="0" i="0" sz="1200" u="none" cap="none" strike="noStrike">
+              <a:defRPr sz="1200" b="0" i="0" u="none" strike="noStrike" cap="none">
                 <a:solidFill>
                   <a:schemeClr val="dk2"/>
                 </a:solidFill>
@@ -4225,7 +4315,7 @@
                 <a:sym typeface="Arial"/>
               </a:defRPr>
             </a:lvl7pPr>
-            <a:lvl8pPr indent="0" lvl="7" marL="3200400" marR="0" rtl="0" algn="l">
+            <a:lvl8pPr marL="3200400" marR="0" lvl="7" indent="0" algn="l" rtl="0">
               <a:lnSpc>
                 <a:spcPct val="115000"/>
               </a:lnSpc>
@@ -4240,7 +4330,7 @@
               </a:buClr>
               <a:buFont typeface="Arial"/>
               <a:buNone/>
-              <a:defRPr b="0" i="0" sz="1200" u="none" cap="none" strike="noStrike">
+              <a:defRPr sz="1200" b="0" i="0" u="none" strike="noStrike" cap="none">
                 <a:solidFill>
                   <a:schemeClr val="dk2"/>
                 </a:solidFill>
@@ -4250,7 +4340,7 @@
                 <a:sym typeface="Arial"/>
               </a:defRPr>
             </a:lvl8pPr>
-            <a:lvl9pPr indent="0" lvl="8" marL="3657600" marR="0" rtl="0" algn="l">
+            <a:lvl9pPr marL="3657600" marR="0" lvl="8" indent="0" algn="l" rtl="0">
               <a:lnSpc>
                 <a:spcPct val="115000"/>
               </a:lnSpc>
@@ -4265,7 +4355,7 @@
               </a:buClr>
               <a:buFont typeface="Arial"/>
               <a:buNone/>
-              <a:defRPr b="0" i="0" sz="1200" u="none" cap="none" strike="noStrike">
+              <a:defRPr sz="1200" b="0" i="0" u="none" strike="noStrike" cap="none">
                 <a:solidFill>
                   <a:schemeClr val="dk2"/>
                 </a:solidFill>
@@ -4284,7 +4374,7 @@
           <p:cNvPr id="31" name="Shape 31"/>
           <p:cNvSpPr txBox="1"/>
           <p:nvPr>
-            <p:ph idx="12" type="sldNum"/>
+            <p:ph type="sldNum" idx="12"/>
           </p:nvPr>
         </p:nvSpPr>
         <p:spPr>
@@ -4301,12 +4391,12 @@
           </a:ln>
         </p:spPr>
         <p:txBody>
-          <a:bodyPr anchorCtr="0" anchor="ctr" bIns="91425" lIns="91425" rIns="91425" tIns="91425">
+          <a:bodyPr lIns="91425" tIns="91425" rIns="91425" bIns="91425" anchor="ctr" anchorCtr="0">
             <a:noAutofit/>
           </a:bodyPr>
           <a:lstStyle/>
           <a:p>
-            <a:pPr indent="0" lvl="0" marL="0" marR="0" rtl="0" algn="l">
+            <a:pPr marL="0" marR="0" lvl="0" indent="0" algn="l" rtl="0">
               <a:lnSpc>
                 <a:spcPct val="100000"/>
               </a:lnSpc>
@@ -4324,7 +4414,7 @@
               <a:buNone/>
             </a:pPr>
             <a:fld id="{00000000-1234-1234-1234-123412341234}" type="slidenum">
-              <a:rPr b="0" i="0" lang="en-GB" sz="1400" u="none" cap="none" strike="noStrike">
+              <a:rPr lang="en-GB" sz="1400" b="0" i="0" u="none" strike="noStrike" cap="none">
                 <a:solidFill>
                   <a:srgbClr val="000000"/>
                 </a:solidFill>
@@ -4333,8 +4423,16 @@
                 <a:cs typeface="Arial"/>
                 <a:sym typeface="Arial"/>
               </a:rPr>
-              <a:t>‹#›</a:t>
             </a:fld>
+            <a:endParaRPr lang="en-GB" sz="1400" b="0" i="0" u="none" strike="noStrike" cap="none">
+              <a:solidFill>
+                <a:srgbClr val="000000"/>
+              </a:solidFill>
+              <a:latin typeface="Arial"/>
+              <a:ea typeface="Arial"/>
+              <a:cs typeface="Arial"/>
+              <a:sym typeface="Arial"/>
+            </a:endParaRPr>
           </a:p>
         </p:txBody>
       </p:sp>
@@ -4347,7 +4445,7 @@
 </file>
 
 <file path=ppt/slideLayouts/slideLayout7.xml><?xml version="1.0" encoding="utf-8"?>
-<p:sldLayout xmlns:a="http://schemas.openxmlformats.org/drawingml/2006/main" xmlns:r="http://schemas.openxmlformats.org/officeDocument/2006/relationships" xmlns:mc="http://schemas.openxmlformats.org/markup-compatibility/2006" xmlns:mv="urn:schemas-microsoft-com:mac:vml" xmlns:p="http://schemas.openxmlformats.org/presentationml/2006/main" xmlns:c="http://schemas.openxmlformats.org/drawingml/2006/chart" xmlns:dgm="http://schemas.openxmlformats.org/drawingml/2006/diagram" xmlns:o="urn:schemas-microsoft-com:office:office" xmlns:v="urn:schemas-microsoft-com:vml" xmlns:pvml="urn:schemas-microsoft-com:office:powerpoint" xmlns:com="http://schemas.openxmlformats.org/drawingml/2006/compatibility" xmlns:p14="http://schemas.microsoft.com/office/powerpoint/2010/main">
+<p:sldLayout xmlns:a="http://schemas.openxmlformats.org/drawingml/2006/main" xmlns:r="http://schemas.openxmlformats.org/officeDocument/2006/relationships" xmlns:p="http://schemas.openxmlformats.org/presentationml/2006/main">
   <p:cSld name="Main point">
     <p:spTree>
       <p:nvGrpSpPr>
@@ -4385,9 +4483,9 @@
           </a:ln>
         </p:spPr>
         <p:txBody>
-          <a:bodyPr anchorCtr="0" anchor="ctr" bIns="91425" lIns="91425" rIns="91425" tIns="91425"/>
+          <a:bodyPr lIns="91425" tIns="91425" rIns="91425" bIns="91425" anchor="ctr" anchorCtr="0"/>
           <a:lstStyle>
-            <a:lvl1pPr indent="0" lvl="0" marL="0" marR="0" rtl="0" algn="l">
+            <a:lvl1pPr marL="0" marR="0" lvl="0" indent="0" algn="l" rtl="0">
               <a:lnSpc>
                 <a:spcPct val="100000"/>
               </a:lnSpc>
@@ -4402,7 +4500,7 @@
               </a:buClr>
               <a:buFont typeface="Arial"/>
               <a:buNone/>
-              <a:defRPr b="0" i="0" sz="4800" u="none" cap="none" strike="noStrike">
+              <a:defRPr sz="4800" b="0" i="0" u="none" strike="noStrike" cap="none">
                 <a:solidFill>
                   <a:schemeClr val="dk1"/>
                 </a:solidFill>
@@ -4412,7 +4510,7 @@
                 <a:sym typeface="Arial"/>
               </a:defRPr>
             </a:lvl1pPr>
-            <a:lvl2pPr indent="0" lvl="1">
+            <a:lvl2pPr lvl="1" indent="0">
               <a:spcBef>
                 <a:spcPts val="0"/>
               </a:spcBef>
@@ -4427,7 +4525,7 @@
                 </a:solidFill>
               </a:defRPr>
             </a:lvl2pPr>
-            <a:lvl3pPr indent="0" lvl="2">
+            <a:lvl3pPr lvl="2" indent="0">
               <a:spcBef>
                 <a:spcPts val="0"/>
               </a:spcBef>
@@ -4442,7 +4540,7 @@
                 </a:solidFill>
               </a:defRPr>
             </a:lvl3pPr>
-            <a:lvl4pPr indent="0" lvl="3">
+            <a:lvl4pPr lvl="3" indent="0">
               <a:spcBef>
                 <a:spcPts val="0"/>
               </a:spcBef>
@@ -4457,7 +4555,7 @@
                 </a:solidFill>
               </a:defRPr>
             </a:lvl4pPr>
-            <a:lvl5pPr indent="0" lvl="4">
+            <a:lvl5pPr lvl="4" indent="0">
               <a:spcBef>
                 <a:spcPts val="0"/>
               </a:spcBef>
@@ -4472,7 +4570,7 @@
                 </a:solidFill>
               </a:defRPr>
             </a:lvl5pPr>
-            <a:lvl6pPr indent="0" lvl="5">
+            <a:lvl6pPr lvl="5" indent="0">
               <a:spcBef>
                 <a:spcPts val="0"/>
               </a:spcBef>
@@ -4487,7 +4585,7 @@
                 </a:solidFill>
               </a:defRPr>
             </a:lvl6pPr>
-            <a:lvl7pPr indent="0" lvl="6">
+            <a:lvl7pPr lvl="6" indent="0">
               <a:spcBef>
                 <a:spcPts val="0"/>
               </a:spcBef>
@@ -4502,7 +4600,7 @@
                 </a:solidFill>
               </a:defRPr>
             </a:lvl7pPr>
-            <a:lvl8pPr indent="0" lvl="7">
+            <a:lvl8pPr lvl="7" indent="0">
               <a:spcBef>
                 <a:spcPts val="0"/>
               </a:spcBef>
@@ -4517,7 +4615,7 @@
                 </a:solidFill>
               </a:defRPr>
             </a:lvl8pPr>
-            <a:lvl9pPr indent="0" lvl="8">
+            <a:lvl9pPr lvl="8" indent="0">
               <a:spcBef>
                 <a:spcPts val="0"/>
               </a:spcBef>
@@ -4541,7 +4639,7 @@
           <p:cNvPr id="34" name="Shape 34"/>
           <p:cNvSpPr txBox="1"/>
           <p:nvPr>
-            <p:ph idx="12" type="sldNum"/>
+            <p:ph type="sldNum" idx="12"/>
           </p:nvPr>
         </p:nvSpPr>
         <p:spPr>
@@ -4558,12 +4656,12 @@
           </a:ln>
         </p:spPr>
         <p:txBody>
-          <a:bodyPr anchorCtr="0" anchor="ctr" bIns="91425" lIns="91425" rIns="91425" tIns="91425">
+          <a:bodyPr lIns="91425" tIns="91425" rIns="91425" bIns="91425" anchor="ctr" anchorCtr="0">
             <a:noAutofit/>
           </a:bodyPr>
           <a:lstStyle/>
           <a:p>
-            <a:pPr indent="0" lvl="0" marL="0" marR="0" rtl="0" algn="l">
+            <a:pPr marL="0" marR="0" lvl="0" indent="0" algn="l" rtl="0">
               <a:lnSpc>
                 <a:spcPct val="100000"/>
               </a:lnSpc>
@@ -4581,7 +4679,7 @@
               <a:buNone/>
             </a:pPr>
             <a:fld id="{00000000-1234-1234-1234-123412341234}" type="slidenum">
-              <a:rPr b="0" i="0" lang="en-GB" sz="1400" u="none" cap="none" strike="noStrike">
+              <a:rPr lang="en-GB" sz="1400" b="0" i="0" u="none" strike="noStrike" cap="none">
                 <a:solidFill>
                   <a:srgbClr val="000000"/>
                 </a:solidFill>
@@ -4590,8 +4688,16 @@
                 <a:cs typeface="Arial"/>
                 <a:sym typeface="Arial"/>
               </a:rPr>
-              <a:t>‹#›</a:t>
             </a:fld>
+            <a:endParaRPr lang="en-GB" sz="1400" b="0" i="0" u="none" strike="noStrike" cap="none">
+              <a:solidFill>
+                <a:srgbClr val="000000"/>
+              </a:solidFill>
+              <a:latin typeface="Arial"/>
+              <a:ea typeface="Arial"/>
+              <a:cs typeface="Arial"/>
+              <a:sym typeface="Arial"/>
+            </a:endParaRPr>
           </a:p>
         </p:txBody>
       </p:sp>
@@ -4604,7 +4710,7 @@
 </file>
 
 <file path=ppt/slideLayouts/slideLayout8.xml><?xml version="1.0" encoding="utf-8"?>
-<p:sldLayout xmlns:a="http://schemas.openxmlformats.org/drawingml/2006/main" xmlns:r="http://schemas.openxmlformats.org/officeDocument/2006/relationships" xmlns:mc="http://schemas.openxmlformats.org/markup-compatibility/2006" xmlns:mv="urn:schemas-microsoft-com:mac:vml" xmlns:p="http://schemas.openxmlformats.org/presentationml/2006/main" xmlns:c="http://schemas.openxmlformats.org/drawingml/2006/chart" xmlns:dgm="http://schemas.openxmlformats.org/drawingml/2006/diagram" xmlns:o="urn:schemas-microsoft-com:office:office" xmlns:v="urn:schemas-microsoft-com:vml" xmlns:pvml="urn:schemas-microsoft-com:office:powerpoint" xmlns:com="http://schemas.openxmlformats.org/drawingml/2006/compatibility" xmlns:p14="http://schemas.microsoft.com/office/powerpoint/2010/main">
+<p:sldLayout xmlns:a="http://schemas.openxmlformats.org/drawingml/2006/main" xmlns:r="http://schemas.openxmlformats.org/officeDocument/2006/relationships" xmlns:p="http://schemas.openxmlformats.org/presentationml/2006/main">
   <p:cSld name="Section title and description">
     <p:spTree>
       <p:nvGrpSpPr>
@@ -4642,12 +4748,12 @@
           </a:ln>
         </p:spPr>
         <p:txBody>
-          <a:bodyPr anchorCtr="0" anchor="ctr" bIns="91425" lIns="91425" rIns="91425" tIns="91425">
+          <a:bodyPr lIns="91425" tIns="91425" rIns="91425" bIns="91425" anchor="ctr" anchorCtr="0">
             <a:noAutofit/>
           </a:bodyPr>
           <a:lstStyle/>
           <a:p>
-            <a:pPr indent="0" lvl="0" marL="0" marR="0" rtl="0" algn="l">
+            <a:pPr marL="0" marR="0" lvl="0" indent="0" algn="l" rtl="0">
               <a:lnSpc>
                 <a:spcPct val="100000"/>
               </a:lnSpc>
@@ -4663,10 +4769,7 @@
               <a:buFont typeface="Arial"/>
               <a:buNone/>
             </a:pPr>
-            <a:r>
-              <a:t/>
-            </a:r>
-            <a:endParaRPr b="0" i="0" sz="1400" u="none" cap="none" strike="noStrike">
+            <a:endParaRPr sz="1400" b="0" i="0" u="none" strike="noStrike" cap="none">
               <a:solidFill>
                 <a:srgbClr val="000000"/>
               </a:solidFill>
@@ -4700,9 +4803,9 @@
           </a:ln>
         </p:spPr>
         <p:txBody>
-          <a:bodyPr anchorCtr="0" anchor="b" bIns="91425" lIns="91425" rIns="91425" tIns="91425"/>
+          <a:bodyPr lIns="91425" tIns="91425" rIns="91425" bIns="91425" anchor="b" anchorCtr="0"/>
           <a:lstStyle>
-            <a:lvl1pPr indent="0" lvl="0" marL="0" marR="0" rtl="0" algn="ctr">
+            <a:lvl1pPr marL="0" marR="0" lvl="0" indent="0" algn="ctr" rtl="0">
               <a:lnSpc>
                 <a:spcPct val="100000"/>
               </a:lnSpc>
@@ -4717,7 +4820,7 @@
               </a:buClr>
               <a:buFont typeface="Arial"/>
               <a:buNone/>
-              <a:defRPr b="0" i="0" sz="4200" u="none" cap="none" strike="noStrike">
+              <a:defRPr sz="4200" b="0" i="0" u="none" strike="noStrike" cap="none">
                 <a:solidFill>
                   <a:schemeClr val="dk1"/>
                 </a:solidFill>
@@ -4727,7 +4830,7 @@
                 <a:sym typeface="Arial"/>
               </a:defRPr>
             </a:lvl1pPr>
-            <a:lvl2pPr indent="0" lvl="1" algn="ctr">
+            <a:lvl2pPr lvl="1" indent="0" algn="ctr">
               <a:spcBef>
                 <a:spcPts val="0"/>
               </a:spcBef>
@@ -4742,7 +4845,7 @@
                 </a:solidFill>
               </a:defRPr>
             </a:lvl2pPr>
-            <a:lvl3pPr indent="0" lvl="2" algn="ctr">
+            <a:lvl3pPr lvl="2" indent="0" algn="ctr">
               <a:spcBef>
                 <a:spcPts val="0"/>
               </a:spcBef>
@@ -4757,7 +4860,7 @@
                 </a:solidFill>
               </a:defRPr>
             </a:lvl3pPr>
-            <a:lvl4pPr indent="0" lvl="3" algn="ctr">
+            <a:lvl4pPr lvl="3" indent="0" algn="ctr">
               <a:spcBef>
                 <a:spcPts val="0"/>
               </a:spcBef>
@@ -4772,7 +4875,7 @@
                 </a:solidFill>
               </a:defRPr>
             </a:lvl4pPr>
-            <a:lvl5pPr indent="0" lvl="4" algn="ctr">
+            <a:lvl5pPr lvl="4" indent="0" algn="ctr">
               <a:spcBef>
                 <a:spcPts val="0"/>
               </a:spcBef>
@@ -4787,7 +4890,7 @@
                 </a:solidFill>
               </a:defRPr>
             </a:lvl5pPr>
-            <a:lvl6pPr indent="0" lvl="5" algn="ctr">
+            <a:lvl6pPr lvl="5" indent="0" algn="ctr">
               <a:spcBef>
                 <a:spcPts val="0"/>
               </a:spcBef>
@@ -4802,7 +4905,7 @@
                 </a:solidFill>
               </a:defRPr>
             </a:lvl6pPr>
-            <a:lvl7pPr indent="0" lvl="6" algn="ctr">
+            <a:lvl7pPr lvl="6" indent="0" algn="ctr">
               <a:spcBef>
                 <a:spcPts val="0"/>
               </a:spcBef>
@@ -4817,7 +4920,7 @@
                 </a:solidFill>
               </a:defRPr>
             </a:lvl7pPr>
-            <a:lvl8pPr indent="0" lvl="7" algn="ctr">
+            <a:lvl8pPr lvl="7" indent="0" algn="ctr">
               <a:spcBef>
                 <a:spcPts val="0"/>
               </a:spcBef>
@@ -4832,7 +4935,7 @@
                 </a:solidFill>
               </a:defRPr>
             </a:lvl8pPr>
-            <a:lvl9pPr indent="0" lvl="8" algn="ctr">
+            <a:lvl9pPr lvl="8" indent="0" algn="ctr">
               <a:spcBef>
                 <a:spcPts val="0"/>
               </a:spcBef>
@@ -4856,7 +4959,7 @@
           <p:cNvPr id="38" name="Shape 38"/>
           <p:cNvSpPr txBox="1"/>
           <p:nvPr>
-            <p:ph idx="1" type="subTitle"/>
+            <p:ph type="subTitle" idx="1"/>
           </p:nvPr>
         </p:nvSpPr>
         <p:spPr>
@@ -4873,9 +4976,9 @@
           </a:ln>
         </p:spPr>
         <p:txBody>
-          <a:bodyPr anchorCtr="0" anchor="t" bIns="91425" lIns="91425" rIns="91425" tIns="91425"/>
+          <a:bodyPr lIns="91425" tIns="91425" rIns="91425" bIns="91425" anchor="t" anchorCtr="0"/>
           <a:lstStyle>
-            <a:lvl1pPr indent="0" lvl="0" marL="0" marR="0" rtl="0" algn="ctr">
+            <a:lvl1pPr marL="0" marR="0" lvl="0" indent="0" algn="ctr" rtl="0">
               <a:lnSpc>
                 <a:spcPct val="100000"/>
               </a:lnSpc>
@@ -4890,7 +4993,7 @@
               </a:buClr>
               <a:buFont typeface="Arial"/>
               <a:buNone/>
-              <a:defRPr b="0" i="0" sz="2100" u="none" cap="none" strike="noStrike">
+              <a:defRPr sz="2100" b="0" i="0" u="none" strike="noStrike" cap="none">
                 <a:solidFill>
                   <a:schemeClr val="dk2"/>
                 </a:solidFill>
@@ -4900,7 +5003,7 @@
                 <a:sym typeface="Arial"/>
               </a:defRPr>
             </a:lvl1pPr>
-            <a:lvl2pPr indent="0" lvl="1" marL="457200" marR="0" rtl="0" algn="ctr">
+            <a:lvl2pPr marL="457200" marR="0" lvl="1" indent="0" algn="ctr" rtl="0">
               <a:lnSpc>
                 <a:spcPct val="100000"/>
               </a:lnSpc>
@@ -4915,7 +5018,7 @@
               </a:buClr>
               <a:buFont typeface="Arial"/>
               <a:buNone/>
-              <a:defRPr b="0" i="0" sz="2100" u="none" cap="none" strike="noStrike">
+              <a:defRPr sz="2100" b="0" i="0" u="none" strike="noStrike" cap="none">
                 <a:solidFill>
                   <a:schemeClr val="dk2"/>
                 </a:solidFill>
@@ -4925,7 +5028,7 @@
                 <a:sym typeface="Arial"/>
               </a:defRPr>
             </a:lvl2pPr>
-            <a:lvl3pPr indent="0" lvl="2" marL="914400" marR="0" rtl="0" algn="ctr">
+            <a:lvl3pPr marL="914400" marR="0" lvl="2" indent="0" algn="ctr" rtl="0">
               <a:lnSpc>
                 <a:spcPct val="100000"/>
               </a:lnSpc>
@@ -4940,7 +5043,7 @@
               </a:buClr>
               <a:buFont typeface="Arial"/>
               <a:buNone/>
-              <a:defRPr b="0" i="0" sz="2100" u="none" cap="none" strike="noStrike">
+              <a:defRPr sz="2100" b="0" i="0" u="none" strike="noStrike" cap="none">
                 <a:solidFill>
                   <a:schemeClr val="dk2"/>
                 </a:solidFill>
@@ -4950,7 +5053,7 @@
                 <a:sym typeface="Arial"/>
               </a:defRPr>
             </a:lvl3pPr>
-            <a:lvl4pPr indent="0" lvl="3" marL="1371600" marR="0" rtl="0" algn="ctr">
+            <a:lvl4pPr marL="1371600" marR="0" lvl="3" indent="0" algn="ctr" rtl="0">
               <a:lnSpc>
                 <a:spcPct val="100000"/>
               </a:lnSpc>
@@ -4965,7 +5068,7 @@
               </a:buClr>
               <a:buFont typeface="Arial"/>
               <a:buNone/>
-              <a:defRPr b="0" i="0" sz="2100" u="none" cap="none" strike="noStrike">
+              <a:defRPr sz="2100" b="0" i="0" u="none" strike="noStrike" cap="none">
                 <a:solidFill>
                   <a:schemeClr val="dk2"/>
                 </a:solidFill>
@@ -4975,7 +5078,7 @@
                 <a:sym typeface="Arial"/>
               </a:defRPr>
             </a:lvl4pPr>
-            <a:lvl5pPr indent="0" lvl="4" marL="1828800" marR="0" rtl="0" algn="ctr">
+            <a:lvl5pPr marL="1828800" marR="0" lvl="4" indent="0" algn="ctr" rtl="0">
               <a:lnSpc>
                 <a:spcPct val="100000"/>
               </a:lnSpc>
@@ -4990,7 +5093,7 @@
               </a:buClr>
               <a:buFont typeface="Arial"/>
               <a:buNone/>
-              <a:defRPr b="0" i="0" sz="2100" u="none" cap="none" strike="noStrike">
+              <a:defRPr sz="2100" b="0" i="0" u="none" strike="noStrike" cap="none">
                 <a:solidFill>
                   <a:schemeClr val="dk2"/>
                 </a:solidFill>
@@ -5000,7 +5103,7 @@
                 <a:sym typeface="Arial"/>
               </a:defRPr>
             </a:lvl5pPr>
-            <a:lvl6pPr indent="0" lvl="5" marL="2286000" marR="0" rtl="0" algn="ctr">
+            <a:lvl6pPr marL="2286000" marR="0" lvl="5" indent="0" algn="ctr" rtl="0">
               <a:lnSpc>
                 <a:spcPct val="100000"/>
               </a:lnSpc>
@@ -5015,7 +5118,7 @@
               </a:buClr>
               <a:buFont typeface="Arial"/>
               <a:buNone/>
-              <a:defRPr b="0" i="0" sz="2100" u="none" cap="none" strike="noStrike">
+              <a:defRPr sz="2100" b="0" i="0" u="none" strike="noStrike" cap="none">
                 <a:solidFill>
                   <a:schemeClr val="dk2"/>
                 </a:solidFill>
@@ -5025,7 +5128,7 @@
                 <a:sym typeface="Arial"/>
               </a:defRPr>
             </a:lvl6pPr>
-            <a:lvl7pPr indent="0" lvl="6" marL="2743200" marR="0" rtl="0" algn="ctr">
+            <a:lvl7pPr marL="2743200" marR="0" lvl="6" indent="0" algn="ctr" rtl="0">
               <a:lnSpc>
                 <a:spcPct val="100000"/>
               </a:lnSpc>
@@ -5040,7 +5143,7 @@
               </a:buClr>
               <a:buFont typeface="Arial"/>
               <a:buNone/>
-              <a:defRPr b="0" i="0" sz="2100" u="none" cap="none" strike="noStrike">
+              <a:defRPr sz="2100" b="0" i="0" u="none" strike="noStrike" cap="none">
                 <a:solidFill>
                   <a:schemeClr val="dk2"/>
                 </a:solidFill>
@@ -5050,7 +5153,7 @@
                 <a:sym typeface="Arial"/>
               </a:defRPr>
             </a:lvl7pPr>
-            <a:lvl8pPr indent="0" lvl="7" marL="3200400" marR="0" rtl="0" algn="ctr">
+            <a:lvl8pPr marL="3200400" marR="0" lvl="7" indent="0" algn="ctr" rtl="0">
               <a:lnSpc>
                 <a:spcPct val="100000"/>
               </a:lnSpc>
@@ -5065,7 +5168,7 @@
               </a:buClr>
               <a:buFont typeface="Arial"/>
               <a:buNone/>
-              <a:defRPr b="0" i="0" sz="2100" u="none" cap="none" strike="noStrike">
+              <a:defRPr sz="2100" b="0" i="0" u="none" strike="noStrike" cap="none">
                 <a:solidFill>
                   <a:schemeClr val="dk2"/>
                 </a:solidFill>
@@ -5075,7 +5178,7 @@
                 <a:sym typeface="Arial"/>
               </a:defRPr>
             </a:lvl8pPr>
-            <a:lvl9pPr indent="0" lvl="8" marL="3657600" marR="0" rtl="0" algn="ctr">
+            <a:lvl9pPr marL="3657600" marR="0" lvl="8" indent="0" algn="ctr" rtl="0">
               <a:lnSpc>
                 <a:spcPct val="100000"/>
               </a:lnSpc>
@@ -5090,7 +5193,7 @@
               </a:buClr>
               <a:buFont typeface="Arial"/>
               <a:buNone/>
-              <a:defRPr b="0" i="0" sz="2100" u="none" cap="none" strike="noStrike">
+              <a:defRPr sz="2100" b="0" i="0" u="none" strike="noStrike" cap="none">
                 <a:solidFill>
                   <a:schemeClr val="dk2"/>
                 </a:solidFill>
@@ -5109,7 +5212,7 @@
           <p:cNvPr id="39" name="Shape 39"/>
           <p:cNvSpPr txBox="1"/>
           <p:nvPr>
-            <p:ph idx="2" type="body"/>
+            <p:ph type="body" idx="2"/>
           </p:nvPr>
         </p:nvSpPr>
         <p:spPr>
@@ -5126,9 +5229,9 @@
           </a:ln>
         </p:spPr>
         <p:txBody>
-          <a:bodyPr anchorCtr="0" anchor="ctr" bIns="91425" lIns="91425" rIns="91425" tIns="91425"/>
+          <a:bodyPr lIns="91425" tIns="91425" rIns="91425" bIns="91425" anchor="ctr" anchorCtr="0"/>
           <a:lstStyle>
-            <a:lvl1pPr indent="0" lvl="0" marL="0" marR="0" rtl="0" algn="l">
+            <a:lvl1pPr marL="0" marR="0" lvl="0" indent="0" algn="l" rtl="0">
               <a:lnSpc>
                 <a:spcPct val="115000"/>
               </a:lnSpc>
@@ -5143,7 +5246,7 @@
               </a:buClr>
               <a:buFont typeface="Arial"/>
               <a:buNone/>
-              <a:defRPr b="0" i="0" sz="1800" u="none" cap="none" strike="noStrike">
+              <a:defRPr sz="1800" b="0" i="0" u="none" strike="noStrike" cap="none">
                 <a:solidFill>
                   <a:schemeClr val="dk2"/>
                 </a:solidFill>
@@ -5153,7 +5256,7 @@
                 <a:sym typeface="Arial"/>
               </a:defRPr>
             </a:lvl1pPr>
-            <a:lvl2pPr indent="0" lvl="1" marL="457200" marR="0" rtl="0" algn="l">
+            <a:lvl2pPr marL="457200" marR="0" lvl="1" indent="0" algn="l" rtl="0">
               <a:lnSpc>
                 <a:spcPct val="115000"/>
               </a:lnSpc>
@@ -5168,7 +5271,7 @@
               </a:buClr>
               <a:buFont typeface="Arial"/>
               <a:buNone/>
-              <a:defRPr b="0" i="0" sz="1400" u="none" cap="none" strike="noStrike">
+              <a:defRPr sz="1400" b="0" i="0" u="none" strike="noStrike" cap="none">
                 <a:solidFill>
                   <a:schemeClr val="dk2"/>
                 </a:solidFill>
@@ -5178,7 +5281,7 @@
                 <a:sym typeface="Arial"/>
               </a:defRPr>
             </a:lvl2pPr>
-            <a:lvl3pPr indent="0" lvl="2" marL="914400" marR="0" rtl="0" algn="l">
+            <a:lvl3pPr marL="914400" marR="0" lvl="2" indent="0" algn="l" rtl="0">
               <a:lnSpc>
                 <a:spcPct val="115000"/>
               </a:lnSpc>
@@ -5193,7 +5296,7 @@
               </a:buClr>
               <a:buFont typeface="Arial"/>
               <a:buNone/>
-              <a:defRPr b="0" i="0" sz="1400" u="none" cap="none" strike="noStrike">
+              <a:defRPr sz="1400" b="0" i="0" u="none" strike="noStrike" cap="none">
                 <a:solidFill>
                   <a:schemeClr val="dk2"/>
                 </a:solidFill>
@@ -5203,7 +5306,7 @@
                 <a:sym typeface="Arial"/>
               </a:defRPr>
             </a:lvl3pPr>
-            <a:lvl4pPr indent="0" lvl="3" marL="1371600" marR="0" rtl="0" algn="l">
+            <a:lvl4pPr marL="1371600" marR="0" lvl="3" indent="0" algn="l" rtl="0">
               <a:lnSpc>
                 <a:spcPct val="115000"/>
               </a:lnSpc>
@@ -5218,7 +5321,7 @@
               </a:buClr>
               <a:buFont typeface="Arial"/>
               <a:buNone/>
-              <a:defRPr b="0" i="0" sz="1400" u="none" cap="none" strike="noStrike">
+              <a:defRPr sz="1400" b="0" i="0" u="none" strike="noStrike" cap="none">
                 <a:solidFill>
                   <a:schemeClr val="dk2"/>
                 </a:solidFill>
@@ -5228,7 +5331,7 @@
                 <a:sym typeface="Arial"/>
               </a:defRPr>
             </a:lvl4pPr>
-            <a:lvl5pPr indent="0" lvl="4" marL="1828800" marR="0" rtl="0" algn="l">
+            <a:lvl5pPr marL="1828800" marR="0" lvl="4" indent="0" algn="l" rtl="0">
               <a:lnSpc>
                 <a:spcPct val="115000"/>
               </a:lnSpc>
@@ -5243,7 +5346,7 @@
               </a:buClr>
               <a:buFont typeface="Arial"/>
               <a:buNone/>
-              <a:defRPr b="0" i="0" sz="1400" u="none" cap="none" strike="noStrike">
+              <a:defRPr sz="1400" b="0" i="0" u="none" strike="noStrike" cap="none">
                 <a:solidFill>
                   <a:schemeClr val="dk2"/>
                 </a:solidFill>
@@ -5253,7 +5356,7 @@
                 <a:sym typeface="Arial"/>
               </a:defRPr>
             </a:lvl5pPr>
-            <a:lvl6pPr indent="0" lvl="5" marL="2286000" marR="0" rtl="0" algn="l">
+            <a:lvl6pPr marL="2286000" marR="0" lvl="5" indent="0" algn="l" rtl="0">
               <a:lnSpc>
                 <a:spcPct val="115000"/>
               </a:lnSpc>
@@ -5268,7 +5371,7 @@
               </a:buClr>
               <a:buFont typeface="Arial"/>
               <a:buNone/>
-              <a:defRPr b="0" i="0" sz="1400" u="none" cap="none" strike="noStrike">
+              <a:defRPr sz="1400" b="0" i="0" u="none" strike="noStrike" cap="none">
                 <a:solidFill>
                   <a:schemeClr val="dk2"/>
                 </a:solidFill>
@@ -5278,7 +5381,7 @@
                 <a:sym typeface="Arial"/>
               </a:defRPr>
             </a:lvl6pPr>
-            <a:lvl7pPr indent="0" lvl="6" marL="2743200" marR="0" rtl="0" algn="l">
+            <a:lvl7pPr marL="2743200" marR="0" lvl="6" indent="0" algn="l" rtl="0">
               <a:lnSpc>
                 <a:spcPct val="115000"/>
               </a:lnSpc>
@@ -5293,7 +5396,7 @@
               </a:buClr>
               <a:buFont typeface="Arial"/>
               <a:buNone/>
-              <a:defRPr b="0" i="0" sz="1400" u="none" cap="none" strike="noStrike">
+              <a:defRPr sz="1400" b="0" i="0" u="none" strike="noStrike" cap="none">
                 <a:solidFill>
                   <a:schemeClr val="dk2"/>
                 </a:solidFill>
@@ -5303,7 +5406,7 @@
                 <a:sym typeface="Arial"/>
               </a:defRPr>
             </a:lvl7pPr>
-            <a:lvl8pPr indent="0" lvl="7" marL="3200400" marR="0" rtl="0" algn="l">
+            <a:lvl8pPr marL="3200400" marR="0" lvl="7" indent="0" algn="l" rtl="0">
               <a:lnSpc>
                 <a:spcPct val="115000"/>
               </a:lnSpc>
@@ -5318,7 +5421,7 @@
               </a:buClr>
               <a:buFont typeface="Arial"/>
               <a:buNone/>
-              <a:defRPr b="0" i="0" sz="1400" u="none" cap="none" strike="noStrike">
+              <a:defRPr sz="1400" b="0" i="0" u="none" strike="noStrike" cap="none">
                 <a:solidFill>
                   <a:schemeClr val="dk2"/>
                 </a:solidFill>
@@ -5328,7 +5431,7 @@
                 <a:sym typeface="Arial"/>
               </a:defRPr>
             </a:lvl8pPr>
-            <a:lvl9pPr indent="0" lvl="8" marL="3657600" marR="0" rtl="0" algn="l">
+            <a:lvl9pPr marL="3657600" marR="0" lvl="8" indent="0" algn="l" rtl="0">
               <a:lnSpc>
                 <a:spcPct val="115000"/>
               </a:lnSpc>
@@ -5343,7 +5446,7 @@
               </a:buClr>
               <a:buFont typeface="Arial"/>
               <a:buNone/>
-              <a:defRPr b="0" i="0" sz="1400" u="none" cap="none" strike="noStrike">
+              <a:defRPr sz="1400" b="0" i="0" u="none" strike="noStrike" cap="none">
                 <a:solidFill>
                   <a:schemeClr val="dk2"/>
                 </a:solidFill>
@@ -5362,7 +5465,7 @@
           <p:cNvPr id="40" name="Shape 40"/>
           <p:cNvSpPr txBox="1"/>
           <p:nvPr>
-            <p:ph idx="12" type="sldNum"/>
+            <p:ph type="sldNum" idx="12"/>
           </p:nvPr>
         </p:nvSpPr>
         <p:spPr>
@@ -5379,12 +5482,12 @@
           </a:ln>
         </p:spPr>
         <p:txBody>
-          <a:bodyPr anchorCtr="0" anchor="ctr" bIns="91425" lIns="91425" rIns="91425" tIns="91425">
+          <a:bodyPr lIns="91425" tIns="91425" rIns="91425" bIns="91425" anchor="ctr" anchorCtr="0">
             <a:noAutofit/>
           </a:bodyPr>
           <a:lstStyle/>
           <a:p>
-            <a:pPr indent="0" lvl="0" marL="0" marR="0" rtl="0" algn="l">
+            <a:pPr marL="0" marR="0" lvl="0" indent="0" algn="l" rtl="0">
               <a:lnSpc>
                 <a:spcPct val="100000"/>
               </a:lnSpc>
@@ -5402,7 +5505,7 @@
               <a:buNone/>
             </a:pPr>
             <a:fld id="{00000000-1234-1234-1234-123412341234}" type="slidenum">
-              <a:rPr b="0" i="0" lang="en-GB" sz="1400" u="none" cap="none" strike="noStrike">
+              <a:rPr lang="en-GB" sz="1400" b="0" i="0" u="none" strike="noStrike" cap="none">
                 <a:solidFill>
                   <a:srgbClr val="000000"/>
                 </a:solidFill>
@@ -5411,8 +5514,16 @@
                 <a:cs typeface="Arial"/>
                 <a:sym typeface="Arial"/>
               </a:rPr>
-              <a:t>‹#›</a:t>
             </a:fld>
+            <a:endParaRPr lang="en-GB" sz="1400" b="0" i="0" u="none" strike="noStrike" cap="none">
+              <a:solidFill>
+                <a:srgbClr val="000000"/>
+              </a:solidFill>
+              <a:latin typeface="Arial"/>
+              <a:ea typeface="Arial"/>
+              <a:cs typeface="Arial"/>
+              <a:sym typeface="Arial"/>
+            </a:endParaRPr>
           </a:p>
         </p:txBody>
       </p:sp>
@@ -5425,7 +5536,7 @@
 </file>
 
 <file path=ppt/slideLayouts/slideLayout9.xml><?xml version="1.0" encoding="utf-8"?>
-<p:sldLayout xmlns:a="http://schemas.openxmlformats.org/drawingml/2006/main" xmlns:r="http://schemas.openxmlformats.org/officeDocument/2006/relationships" xmlns:mc="http://schemas.openxmlformats.org/markup-compatibility/2006" xmlns:mv="urn:schemas-microsoft-com:mac:vml" xmlns:p="http://schemas.openxmlformats.org/presentationml/2006/main" xmlns:c="http://schemas.openxmlformats.org/drawingml/2006/chart" xmlns:dgm="http://schemas.openxmlformats.org/drawingml/2006/diagram" xmlns:o="urn:schemas-microsoft-com:office:office" xmlns:v="urn:schemas-microsoft-com:vml" xmlns:pvml="urn:schemas-microsoft-com:office:powerpoint" xmlns:com="http://schemas.openxmlformats.org/drawingml/2006/compatibility" xmlns:p14="http://schemas.microsoft.com/office/powerpoint/2010/main">
+<p:sldLayout xmlns:a="http://schemas.openxmlformats.org/drawingml/2006/main" xmlns:r="http://schemas.openxmlformats.org/officeDocument/2006/relationships" xmlns:p="http://schemas.openxmlformats.org/presentationml/2006/main">
   <p:cSld name="Caption">
     <p:spTree>
       <p:nvGrpSpPr>
@@ -5446,7 +5557,7 @@
           <p:cNvPr id="42" name="Shape 42"/>
           <p:cNvSpPr txBox="1"/>
           <p:nvPr>
-            <p:ph idx="1" type="body"/>
+            <p:ph type="body" idx="1"/>
           </p:nvPr>
         </p:nvSpPr>
         <p:spPr>
@@ -5463,9 +5574,9 @@
           </a:ln>
         </p:spPr>
         <p:txBody>
-          <a:bodyPr anchorCtr="0" anchor="ctr" bIns="91425" lIns="91425" rIns="91425" tIns="91425"/>
+          <a:bodyPr lIns="91425" tIns="91425" rIns="91425" bIns="91425" anchor="ctr" anchorCtr="0"/>
           <a:lstStyle>
-            <a:lvl1pPr indent="0" lvl="0" marL="0" marR="0" rtl="0" algn="l">
+            <a:lvl1pPr marL="0" marR="0" lvl="0" indent="0" algn="l" rtl="0">
               <a:lnSpc>
                 <a:spcPct val="100000"/>
               </a:lnSpc>
@@ -5480,7 +5591,7 @@
               </a:buClr>
               <a:buFont typeface="Arial"/>
               <a:buNone/>
-              <a:defRPr b="0" i="0" sz="1800" u="none" cap="none" strike="noStrike">
+              <a:defRPr sz="1800" b="0" i="0" u="none" strike="noStrike" cap="none">
                 <a:solidFill>
                   <a:schemeClr val="dk2"/>
                 </a:solidFill>
@@ -5490,7 +5601,7 @@
                 <a:sym typeface="Arial"/>
               </a:defRPr>
             </a:lvl1pPr>
-            <a:lvl2pPr indent="0" lvl="1" marL="457200" marR="0" rtl="0" algn="l">
+            <a:lvl2pPr marL="457200" marR="0" lvl="1" indent="0" algn="l" rtl="0">
               <a:lnSpc>
                 <a:spcPct val="115000"/>
               </a:lnSpc>
@@ -5505,7 +5616,7 @@
               </a:buClr>
               <a:buFont typeface="Arial"/>
               <a:buNone/>
-              <a:defRPr b="0" i="0" sz="1400" u="none" cap="none" strike="noStrike">
+              <a:defRPr sz="1400" b="0" i="0" u="none" strike="noStrike" cap="none">
                 <a:solidFill>
                   <a:schemeClr val="dk2"/>
                 </a:solidFill>
@@ -5515,7 +5626,7 @@
                 <a:sym typeface="Arial"/>
               </a:defRPr>
             </a:lvl2pPr>
-            <a:lvl3pPr indent="0" lvl="2" marL="914400" marR="0" rtl="0" algn="l">
+            <a:lvl3pPr marL="914400" marR="0" lvl="2" indent="0" algn="l" rtl="0">
               <a:lnSpc>
                 <a:spcPct val="115000"/>
               </a:lnSpc>
@@ -5530,7 +5641,7 @@
               </a:buClr>
               <a:buFont typeface="Arial"/>
               <a:buNone/>
-              <a:defRPr b="0" i="0" sz="1400" u="none" cap="none" strike="noStrike">
+              <a:defRPr sz="1400" b="0" i="0" u="none" strike="noStrike" cap="none">
                 <a:solidFill>
                   <a:schemeClr val="dk2"/>
                 </a:solidFill>
@@ -5540,7 +5651,7 @@
                 <a:sym typeface="Arial"/>
               </a:defRPr>
             </a:lvl3pPr>
-            <a:lvl4pPr indent="0" lvl="3" marL="1371600" marR="0" rtl="0" algn="l">
+            <a:lvl4pPr marL="1371600" marR="0" lvl="3" indent="0" algn="l" rtl="0">
               <a:lnSpc>
                 <a:spcPct val="115000"/>
               </a:lnSpc>
@@ -5555,7 +5666,7 @@
               </a:buClr>
               <a:buFont typeface="Arial"/>
               <a:buNone/>
-              <a:defRPr b="0" i="0" sz="1400" u="none" cap="none" strike="noStrike">
+              <a:defRPr sz="1400" b="0" i="0" u="none" strike="noStrike" cap="none">
                 <a:solidFill>
                   <a:schemeClr val="dk2"/>
                 </a:solidFill>
@@ -5565,7 +5676,7 @@
                 <a:sym typeface="Arial"/>
               </a:defRPr>
             </a:lvl4pPr>
-            <a:lvl5pPr indent="0" lvl="4" marL="1828800" marR="0" rtl="0" algn="l">
+            <a:lvl5pPr marL="1828800" marR="0" lvl="4" indent="0" algn="l" rtl="0">
               <a:lnSpc>
                 <a:spcPct val="115000"/>
               </a:lnSpc>
@@ -5580,7 +5691,7 @@
               </a:buClr>
               <a:buFont typeface="Arial"/>
               <a:buNone/>
-              <a:defRPr b="0" i="0" sz="1400" u="none" cap="none" strike="noStrike">
+              <a:defRPr sz="1400" b="0" i="0" u="none" strike="noStrike" cap="none">
                 <a:solidFill>
                   <a:schemeClr val="dk2"/>
                 </a:solidFill>
@@ -5590,7 +5701,7 @@
                 <a:sym typeface="Arial"/>
               </a:defRPr>
             </a:lvl5pPr>
-            <a:lvl6pPr indent="0" lvl="5" marL="2286000" marR="0" rtl="0" algn="l">
+            <a:lvl6pPr marL="2286000" marR="0" lvl="5" indent="0" algn="l" rtl="0">
               <a:lnSpc>
                 <a:spcPct val="115000"/>
               </a:lnSpc>
@@ -5605,7 +5716,7 @@
               </a:buClr>
               <a:buFont typeface="Arial"/>
               <a:buNone/>
-              <a:defRPr b="0" i="0" sz="1400" u="none" cap="none" strike="noStrike">
+              <a:defRPr sz="1400" b="0" i="0" u="none" strike="noStrike" cap="none">
                 <a:solidFill>
                   <a:schemeClr val="dk2"/>
                 </a:solidFill>
@@ -5615,7 +5726,7 @@
                 <a:sym typeface="Arial"/>
               </a:defRPr>
             </a:lvl6pPr>
-            <a:lvl7pPr indent="0" lvl="6" marL="2743200" marR="0" rtl="0" algn="l">
+            <a:lvl7pPr marL="2743200" marR="0" lvl="6" indent="0" algn="l" rtl="0">
               <a:lnSpc>
                 <a:spcPct val="115000"/>
               </a:lnSpc>
@@ -5630,7 +5741,7 @@
               </a:buClr>
               <a:buFont typeface="Arial"/>
               <a:buNone/>
-              <a:defRPr b="0" i="0" sz="1400" u="none" cap="none" strike="noStrike">
+              <a:defRPr sz="1400" b="0" i="0" u="none" strike="noStrike" cap="none">
                 <a:solidFill>
                   <a:schemeClr val="dk2"/>
                 </a:solidFill>
@@ -5640,7 +5751,7 @@
                 <a:sym typeface="Arial"/>
               </a:defRPr>
             </a:lvl7pPr>
-            <a:lvl8pPr indent="0" lvl="7" marL="3200400" marR="0" rtl="0" algn="l">
+            <a:lvl8pPr marL="3200400" marR="0" lvl="7" indent="0" algn="l" rtl="0">
               <a:lnSpc>
                 <a:spcPct val="115000"/>
               </a:lnSpc>
@@ -5655,7 +5766,7 @@
               </a:buClr>
               <a:buFont typeface="Arial"/>
               <a:buNone/>
-              <a:defRPr b="0" i="0" sz="1400" u="none" cap="none" strike="noStrike">
+              <a:defRPr sz="1400" b="0" i="0" u="none" strike="noStrike" cap="none">
                 <a:solidFill>
                   <a:schemeClr val="dk2"/>
                 </a:solidFill>
@@ -5665,7 +5776,7 @@
                 <a:sym typeface="Arial"/>
               </a:defRPr>
             </a:lvl8pPr>
-            <a:lvl9pPr indent="0" lvl="8" marL="3657600" marR="0" rtl="0" algn="l">
+            <a:lvl9pPr marL="3657600" marR="0" lvl="8" indent="0" algn="l" rtl="0">
               <a:lnSpc>
                 <a:spcPct val="115000"/>
               </a:lnSpc>
@@ -5680,7 +5791,7 @@
               </a:buClr>
               <a:buFont typeface="Arial"/>
               <a:buNone/>
-              <a:defRPr b="0" i="0" sz="1400" u="none" cap="none" strike="noStrike">
+              <a:defRPr sz="1400" b="0" i="0" u="none" strike="noStrike" cap="none">
                 <a:solidFill>
                   <a:schemeClr val="dk2"/>
                 </a:solidFill>
@@ -5699,7 +5810,7 @@
           <p:cNvPr id="43" name="Shape 43"/>
           <p:cNvSpPr txBox="1"/>
           <p:nvPr>
-            <p:ph idx="12" type="sldNum"/>
+            <p:ph type="sldNum" idx="12"/>
           </p:nvPr>
         </p:nvSpPr>
         <p:spPr>
@@ -5716,12 +5827,12 @@
           </a:ln>
         </p:spPr>
         <p:txBody>
-          <a:bodyPr anchorCtr="0" anchor="ctr" bIns="91425" lIns="91425" rIns="91425" tIns="91425">
+          <a:bodyPr lIns="91425" tIns="91425" rIns="91425" bIns="91425" anchor="ctr" anchorCtr="0">
             <a:noAutofit/>
           </a:bodyPr>
           <a:lstStyle/>
           <a:p>
-            <a:pPr indent="0" lvl="0" marL="0" marR="0" rtl="0" algn="l">
+            <a:pPr marL="0" marR="0" lvl="0" indent="0" algn="l" rtl="0">
               <a:lnSpc>
                 <a:spcPct val="100000"/>
               </a:lnSpc>
@@ -5739,7 +5850,7 @@
               <a:buNone/>
             </a:pPr>
             <a:fld id="{00000000-1234-1234-1234-123412341234}" type="slidenum">
-              <a:rPr b="0" i="0" lang="en-GB" sz="1400" u="none" cap="none" strike="noStrike">
+              <a:rPr lang="en-GB" sz="1400" b="0" i="0" u="none" strike="noStrike" cap="none">
                 <a:solidFill>
                   <a:srgbClr val="000000"/>
                 </a:solidFill>
@@ -5748,8 +5859,16 @@
                 <a:cs typeface="Arial"/>
                 <a:sym typeface="Arial"/>
               </a:rPr>
-              <a:t>‹#›</a:t>
             </a:fld>
+            <a:endParaRPr lang="en-GB" sz="1400" b="0" i="0" u="none" strike="noStrike" cap="none">
+              <a:solidFill>
+                <a:srgbClr val="000000"/>
+              </a:solidFill>
+              <a:latin typeface="Arial"/>
+              <a:ea typeface="Arial"/>
+              <a:cs typeface="Arial"/>
+              <a:sym typeface="Arial"/>
+            </a:endParaRPr>
           </a:p>
         </p:txBody>
       </p:sp>
@@ -5762,13 +5881,14 @@
 </file>
 
 <file path=ppt/slideMasters/slideMaster1.xml><?xml version="1.0" encoding="utf-8"?>
-<p:sldMaster xmlns:a="http://schemas.openxmlformats.org/drawingml/2006/main" xmlns:r="http://schemas.openxmlformats.org/officeDocument/2006/relationships" xmlns:mc="http://schemas.openxmlformats.org/markup-compatibility/2006" xmlns:mv="urn:schemas-microsoft-com:mac:vml" xmlns:p="http://schemas.openxmlformats.org/presentationml/2006/main" xmlns:c="http://schemas.openxmlformats.org/drawingml/2006/chart" xmlns:dgm="http://schemas.openxmlformats.org/drawingml/2006/diagram" xmlns:o="urn:schemas-microsoft-com:office:office" xmlns:v="urn:schemas-microsoft-com:vml" xmlns:pvml="urn:schemas-microsoft-com:office:powerpoint" xmlns:com="http://schemas.openxmlformats.org/drawingml/2006/compatibility" xmlns:p14="http://schemas.microsoft.com/office/powerpoint/2010/main">
+<p:sldMaster xmlns:a="http://schemas.openxmlformats.org/drawingml/2006/main" xmlns:r="http://schemas.openxmlformats.org/officeDocument/2006/relationships" xmlns:p="http://schemas.openxmlformats.org/presentationml/2006/main">
   <p:cSld>
     <p:bg>
       <p:bgPr>
         <a:solidFill>
           <a:schemeClr val="lt1"/>
         </a:solidFill>
+        <a:effectLst/>
       </p:bgPr>
     </p:bg>
     <p:spTree>
@@ -5807,9 +5927,9 @@
           </a:ln>
         </p:spPr>
         <p:txBody>
-          <a:bodyPr anchorCtr="0" anchor="t" bIns="91425" lIns="91425" rIns="91425" tIns="91425"/>
+          <a:bodyPr lIns="91425" tIns="91425" rIns="91425" bIns="91425" anchor="t" anchorCtr="0"/>
           <a:lstStyle>
-            <a:lvl1pPr indent="0" lvl="0" marL="0" marR="0" rtl="0" algn="l">
+            <a:lvl1pPr marL="0" marR="0" lvl="0" indent="0" algn="l" rtl="0">
               <a:lnSpc>
                 <a:spcPct val="100000"/>
               </a:lnSpc>
@@ -5824,7 +5944,7 @@
               </a:buClr>
               <a:buFont typeface="Arial"/>
               <a:buNone/>
-              <a:defRPr b="0" i="0" sz="2800" u="none" cap="none" strike="noStrike">
+              <a:defRPr sz="2800" b="0" i="0" u="none" strike="noStrike" cap="none">
                 <a:solidFill>
                   <a:schemeClr val="dk1"/>
                 </a:solidFill>
@@ -5834,7 +5954,7 @@
                 <a:sym typeface="Arial"/>
               </a:defRPr>
             </a:lvl1pPr>
-            <a:lvl2pPr indent="0" lvl="1">
+            <a:lvl2pPr lvl="1" indent="0">
               <a:spcBef>
                 <a:spcPts val="0"/>
               </a:spcBef>
@@ -5849,7 +5969,7 @@
                 </a:solidFill>
               </a:defRPr>
             </a:lvl2pPr>
-            <a:lvl3pPr indent="0" lvl="2">
+            <a:lvl3pPr lvl="2" indent="0">
               <a:spcBef>
                 <a:spcPts val="0"/>
               </a:spcBef>
@@ -5864,7 +5984,7 @@
                 </a:solidFill>
               </a:defRPr>
             </a:lvl3pPr>
-            <a:lvl4pPr indent="0" lvl="3">
+            <a:lvl4pPr lvl="3" indent="0">
               <a:spcBef>
                 <a:spcPts val="0"/>
               </a:spcBef>
@@ -5879,7 +5999,7 @@
                 </a:solidFill>
               </a:defRPr>
             </a:lvl4pPr>
-            <a:lvl5pPr indent="0" lvl="4">
+            <a:lvl5pPr lvl="4" indent="0">
               <a:spcBef>
                 <a:spcPts val="0"/>
               </a:spcBef>
@@ -5894,7 +6014,7 @@
                 </a:solidFill>
               </a:defRPr>
             </a:lvl5pPr>
-            <a:lvl6pPr indent="0" lvl="5">
+            <a:lvl6pPr lvl="5" indent="0">
               <a:spcBef>
                 <a:spcPts val="0"/>
               </a:spcBef>
@@ -5909,7 +6029,7 @@
                 </a:solidFill>
               </a:defRPr>
             </a:lvl6pPr>
-            <a:lvl7pPr indent="0" lvl="6">
+            <a:lvl7pPr lvl="6" indent="0">
               <a:spcBef>
                 <a:spcPts val="0"/>
               </a:spcBef>
@@ -5924,7 +6044,7 @@
                 </a:solidFill>
               </a:defRPr>
             </a:lvl7pPr>
-            <a:lvl8pPr indent="0" lvl="7">
+            <a:lvl8pPr lvl="7" indent="0">
               <a:spcBef>
                 <a:spcPts val="0"/>
               </a:spcBef>
@@ -5939,7 +6059,7 @@
                 </a:solidFill>
               </a:defRPr>
             </a:lvl8pPr>
-            <a:lvl9pPr indent="0" lvl="8">
+            <a:lvl9pPr lvl="8" indent="0">
               <a:spcBef>
                 <a:spcPts val="0"/>
               </a:spcBef>
@@ -5963,7 +6083,7 @@
           <p:cNvPr id="7" name="Shape 7"/>
           <p:cNvSpPr txBox="1"/>
           <p:nvPr>
-            <p:ph idx="1" type="body"/>
+            <p:ph type="body" idx="1"/>
           </p:nvPr>
         </p:nvSpPr>
         <p:spPr>
@@ -5980,9 +6100,9 @@
           </a:ln>
         </p:spPr>
         <p:txBody>
-          <a:bodyPr anchorCtr="0" anchor="t" bIns="91425" lIns="91425" rIns="91425" tIns="91425"/>
+          <a:bodyPr lIns="91425" tIns="91425" rIns="91425" bIns="91425" anchor="t" anchorCtr="0"/>
           <a:lstStyle>
-            <a:lvl1pPr indent="0" lvl="0" marL="0" marR="0" rtl="0" algn="l">
+            <a:lvl1pPr marL="0" marR="0" lvl="0" indent="0" algn="l" rtl="0">
               <a:lnSpc>
                 <a:spcPct val="115000"/>
               </a:lnSpc>
@@ -5997,7 +6117,7 @@
               </a:buClr>
               <a:buFont typeface="Arial"/>
               <a:buNone/>
-              <a:defRPr b="0" i="0" sz="1800" u="none" cap="none" strike="noStrike">
+              <a:defRPr sz="1800" b="0" i="0" u="none" strike="noStrike" cap="none">
                 <a:solidFill>
                   <a:schemeClr val="dk2"/>
                 </a:solidFill>
@@ -6007,7 +6127,7 @@
                 <a:sym typeface="Arial"/>
               </a:defRPr>
             </a:lvl1pPr>
-            <a:lvl2pPr indent="0" lvl="1" marL="457200" marR="0" rtl="0" algn="l">
+            <a:lvl2pPr marL="457200" marR="0" lvl="1" indent="0" algn="l" rtl="0">
               <a:lnSpc>
                 <a:spcPct val="115000"/>
               </a:lnSpc>
@@ -6022,7 +6142,7 @@
               </a:buClr>
               <a:buFont typeface="Arial"/>
               <a:buNone/>
-              <a:defRPr b="0" i="0" sz="1400" u="none" cap="none" strike="noStrike">
+              <a:defRPr sz="1400" b="0" i="0" u="none" strike="noStrike" cap="none">
                 <a:solidFill>
                   <a:schemeClr val="dk2"/>
                 </a:solidFill>
@@ -6032,7 +6152,7 @@
                 <a:sym typeface="Arial"/>
               </a:defRPr>
             </a:lvl2pPr>
-            <a:lvl3pPr indent="0" lvl="2" marL="914400" marR="0" rtl="0" algn="l">
+            <a:lvl3pPr marL="914400" marR="0" lvl="2" indent="0" algn="l" rtl="0">
               <a:lnSpc>
                 <a:spcPct val="115000"/>
               </a:lnSpc>
@@ -6047,7 +6167,7 @@
               </a:buClr>
               <a:buFont typeface="Arial"/>
               <a:buNone/>
-              <a:defRPr b="0" i="0" sz="1400" u="none" cap="none" strike="noStrike">
+              <a:defRPr sz="1400" b="0" i="0" u="none" strike="noStrike" cap="none">
                 <a:solidFill>
                   <a:schemeClr val="dk2"/>
                 </a:solidFill>
@@ -6057,7 +6177,7 @@
                 <a:sym typeface="Arial"/>
               </a:defRPr>
             </a:lvl3pPr>
-            <a:lvl4pPr indent="0" lvl="3" marL="1371600" marR="0" rtl="0" algn="l">
+            <a:lvl4pPr marL="1371600" marR="0" lvl="3" indent="0" algn="l" rtl="0">
               <a:lnSpc>
                 <a:spcPct val="115000"/>
               </a:lnSpc>
@@ -6072,7 +6192,7 @@
               </a:buClr>
               <a:buFont typeface="Arial"/>
               <a:buNone/>
-              <a:defRPr b="0" i="0" sz="1400" u="none" cap="none" strike="noStrike">
+              <a:defRPr sz="1400" b="0" i="0" u="none" strike="noStrike" cap="none">
                 <a:solidFill>
                   <a:schemeClr val="dk2"/>
                 </a:solidFill>
@@ -6082,7 +6202,7 @@
                 <a:sym typeface="Arial"/>
               </a:defRPr>
             </a:lvl4pPr>
-            <a:lvl5pPr indent="0" lvl="4" marL="1828800" marR="0" rtl="0" algn="l">
+            <a:lvl5pPr marL="1828800" marR="0" lvl="4" indent="0" algn="l" rtl="0">
               <a:lnSpc>
                 <a:spcPct val="115000"/>
               </a:lnSpc>
@@ -6097,7 +6217,7 @@
               </a:buClr>
               <a:buFont typeface="Arial"/>
               <a:buNone/>
-              <a:defRPr b="0" i="0" sz="1400" u="none" cap="none" strike="noStrike">
+              <a:defRPr sz="1400" b="0" i="0" u="none" strike="noStrike" cap="none">
                 <a:solidFill>
                   <a:schemeClr val="dk2"/>
                 </a:solidFill>
@@ -6107,7 +6227,7 @@
                 <a:sym typeface="Arial"/>
               </a:defRPr>
             </a:lvl5pPr>
-            <a:lvl6pPr indent="0" lvl="5" marL="2286000" marR="0" rtl="0" algn="l">
+            <a:lvl6pPr marL="2286000" marR="0" lvl="5" indent="0" algn="l" rtl="0">
               <a:lnSpc>
                 <a:spcPct val="115000"/>
               </a:lnSpc>
@@ -6122,7 +6242,7 @@
               </a:buClr>
               <a:buFont typeface="Arial"/>
               <a:buNone/>
-              <a:defRPr b="0" i="0" sz="1400" u="none" cap="none" strike="noStrike">
+              <a:defRPr sz="1400" b="0" i="0" u="none" strike="noStrike" cap="none">
                 <a:solidFill>
                   <a:schemeClr val="dk2"/>
                 </a:solidFill>
@@ -6132,7 +6252,7 @@
                 <a:sym typeface="Arial"/>
               </a:defRPr>
             </a:lvl6pPr>
-            <a:lvl7pPr indent="0" lvl="6" marL="2743200" marR="0" rtl="0" algn="l">
+            <a:lvl7pPr marL="2743200" marR="0" lvl="6" indent="0" algn="l" rtl="0">
               <a:lnSpc>
                 <a:spcPct val="115000"/>
               </a:lnSpc>
@@ -6147,7 +6267,7 @@
               </a:buClr>
               <a:buFont typeface="Arial"/>
               <a:buNone/>
-              <a:defRPr b="0" i="0" sz="1400" u="none" cap="none" strike="noStrike">
+              <a:defRPr sz="1400" b="0" i="0" u="none" strike="noStrike" cap="none">
                 <a:solidFill>
                   <a:schemeClr val="dk2"/>
                 </a:solidFill>
@@ -6157,7 +6277,7 @@
                 <a:sym typeface="Arial"/>
               </a:defRPr>
             </a:lvl7pPr>
-            <a:lvl8pPr indent="0" lvl="7" marL="3200400" marR="0" rtl="0" algn="l">
+            <a:lvl8pPr marL="3200400" marR="0" lvl="7" indent="0" algn="l" rtl="0">
               <a:lnSpc>
                 <a:spcPct val="115000"/>
               </a:lnSpc>
@@ -6172,7 +6292,7 @@
               </a:buClr>
               <a:buFont typeface="Arial"/>
               <a:buNone/>
-              <a:defRPr b="0" i="0" sz="1400" u="none" cap="none" strike="noStrike">
+              <a:defRPr sz="1400" b="0" i="0" u="none" strike="noStrike" cap="none">
                 <a:solidFill>
                   <a:schemeClr val="dk2"/>
                 </a:solidFill>
@@ -6182,7 +6302,7 @@
                 <a:sym typeface="Arial"/>
               </a:defRPr>
             </a:lvl8pPr>
-            <a:lvl9pPr indent="0" lvl="8" marL="3657600" marR="0" rtl="0" algn="l">
+            <a:lvl9pPr marL="3657600" marR="0" lvl="8" indent="0" algn="l" rtl="0">
               <a:lnSpc>
                 <a:spcPct val="115000"/>
               </a:lnSpc>
@@ -6197,7 +6317,7 @@
               </a:buClr>
               <a:buFont typeface="Arial"/>
               <a:buNone/>
-              <a:defRPr b="0" i="0" sz="1400" u="none" cap="none" strike="noStrike">
+              <a:defRPr sz="1400" b="0" i="0" u="none" strike="noStrike" cap="none">
                 <a:solidFill>
                   <a:schemeClr val="dk2"/>
                 </a:solidFill>
@@ -6216,7 +6336,7 @@
           <p:cNvPr id="8" name="Shape 8"/>
           <p:cNvSpPr txBox="1"/>
           <p:nvPr>
-            <p:ph idx="12" type="sldNum"/>
+            <p:ph type="sldNum" idx="12"/>
           </p:nvPr>
         </p:nvSpPr>
         <p:spPr>
@@ -6233,12 +6353,12 @@
           </a:ln>
         </p:spPr>
         <p:txBody>
-          <a:bodyPr anchorCtr="0" anchor="ctr" bIns="91425" lIns="91425" rIns="91425" tIns="91425">
+          <a:bodyPr lIns="91425" tIns="91425" rIns="91425" bIns="91425" anchor="ctr" anchorCtr="0">
             <a:noAutofit/>
           </a:bodyPr>
           <a:lstStyle/>
           <a:p>
-            <a:pPr indent="0" lvl="0" marL="0" marR="0" rtl="0" algn="r">
+            <a:pPr marL="0" marR="0" lvl="0" indent="0" algn="r" rtl="0">
               <a:lnSpc>
                 <a:spcPct val="100000"/>
               </a:lnSpc>
@@ -6256,7 +6376,7 @@
               <a:buNone/>
             </a:pPr>
             <a:fld id="{00000000-1234-1234-1234-123412341234}" type="slidenum">
-              <a:rPr b="0" i="0" lang="en-GB" sz="1000" u="none" cap="none" strike="noStrike">
+              <a:rPr lang="en-GB" sz="1000" b="0" i="0" u="none" strike="noStrike" cap="none">
                 <a:solidFill>
                   <a:schemeClr val="dk2"/>
                 </a:solidFill>
@@ -6265,31 +6385,39 @@
                 <a:cs typeface="Arial"/>
                 <a:sym typeface="Arial"/>
               </a:rPr>
-              <a:t>‹#›</a:t>
             </a:fld>
+            <a:endParaRPr lang="en-GB" sz="1000" b="0" i="0" u="none" strike="noStrike" cap="none">
+              <a:solidFill>
+                <a:schemeClr val="dk2"/>
+              </a:solidFill>
+              <a:latin typeface="Arial"/>
+              <a:ea typeface="Arial"/>
+              <a:cs typeface="Arial"/>
+              <a:sym typeface="Arial"/>
+            </a:endParaRPr>
           </a:p>
         </p:txBody>
       </p:sp>
     </p:spTree>
   </p:cSld>
-  <p:clrMap accent1="accent1" accent2="accent2" accent3="accent3" accent4="accent4" accent5="accent5" accent6="accent6" bg1="lt1" bg2="dk2" tx1="dk1" tx2="lt2" folHlink="folHlink" hlink="hlink"/>
+  <p:clrMap bg1="lt1" tx1="dk1" bg2="dk2" tx2="lt2" accent1="accent1" accent2="accent2" accent3="accent3" accent4="accent4" accent5="accent5" accent6="accent6" hlink="hlink" folHlink="folHlink"/>
   <p:sldLayoutIdLst>
-    <p:sldLayoutId id="2147483648" r:id="rId1"/>
-    <p:sldLayoutId id="2147483649" r:id="rId2"/>
-    <p:sldLayoutId id="2147483650" r:id="rId3"/>
-    <p:sldLayoutId id="2147483651" r:id="rId4"/>
-    <p:sldLayoutId id="2147483652" r:id="rId5"/>
-    <p:sldLayoutId id="2147483653" r:id="rId6"/>
-    <p:sldLayoutId id="2147483654" r:id="rId7"/>
-    <p:sldLayoutId id="2147483655" r:id="rId8"/>
-    <p:sldLayoutId id="2147483656" r:id="rId9"/>
-    <p:sldLayoutId id="2147483657" r:id="rId10"/>
-    <p:sldLayoutId id="2147483658" r:id="rId11"/>
+    <p:sldLayoutId id="2147483649" r:id="rId1"/>
+    <p:sldLayoutId id="2147483650" r:id="rId2"/>
+    <p:sldLayoutId id="2147483651" r:id="rId3"/>
+    <p:sldLayoutId id="2147483652" r:id="rId4"/>
+    <p:sldLayoutId id="2147483653" r:id="rId5"/>
+    <p:sldLayoutId id="2147483654" r:id="rId6"/>
+    <p:sldLayoutId id="2147483655" r:id="rId7"/>
+    <p:sldLayoutId id="2147483656" r:id="rId8"/>
+    <p:sldLayoutId id="2147483657" r:id="rId9"/>
+    <p:sldLayoutId id="2147483658" r:id="rId10"/>
+    <p:sldLayoutId id="2147483659" r:id="rId11"/>
   </p:sldLayoutIdLst>
-  <p:hf dt="0" ftr="0" hdr="0" sldNum="0"/>
+  <p:hf sldNum="0" hdr="0" ftr="0" dt="0"/>
   <p:txStyles>
     <p:titleStyle>
-      <a:defPPr lvl="0" marR="0" rtl="0" algn="l">
+      <a:defPPr marR="0" lvl="0" algn="l" rtl="0">
         <a:lnSpc>
           <a:spcPct val="100000"/>
         </a:lnSpc>
@@ -6300,7 +6428,7 @@
           <a:spcPts val="0"/>
         </a:spcAft>
       </a:defPPr>
-      <a:lvl1pPr lvl="0" marR="0" rtl="0" algn="l">
+      <a:lvl1pPr marR="0" lvl="0" algn="l" rtl="0">
         <a:lnSpc>
           <a:spcPct val="100000"/>
         </a:lnSpc>
@@ -6311,7 +6439,7 @@
           <a:spcPts val="0"/>
         </a:spcAft>
         <a:buNone/>
-        <a:defRPr b="0" i="0" sz="1400" u="none" cap="none" strike="noStrike">
+        <a:defRPr sz="1400" b="0" i="0" u="none" strike="noStrike" cap="none">
           <a:solidFill>
             <a:srgbClr val="000000"/>
           </a:solidFill>
@@ -6323,7 +6451,7 @@
       </a:lvl1pPr>
     </p:titleStyle>
     <p:bodyStyle>
-      <a:defPPr lvl="0" marR="0" rtl="0" algn="l">
+      <a:defPPr marR="0" lvl="0" algn="l" rtl="0">
         <a:lnSpc>
           <a:spcPct val="100000"/>
         </a:lnSpc>
@@ -6334,7 +6462,7 @@
           <a:spcPts val="0"/>
         </a:spcAft>
       </a:defPPr>
-      <a:lvl1pPr lvl="0" marR="0" rtl="0" algn="l">
+      <a:lvl1pPr marR="0" lvl="0" algn="l" rtl="0">
         <a:lnSpc>
           <a:spcPct val="100000"/>
         </a:lnSpc>
@@ -6345,7 +6473,7 @@
           <a:spcPts val="0"/>
         </a:spcAft>
         <a:buNone/>
-        <a:defRPr b="0" i="0" sz="1400" u="none" cap="none" strike="noStrike">
+        <a:defRPr sz="1400" b="0" i="0" u="none" strike="noStrike" cap="none">
           <a:solidFill>
             <a:srgbClr val="000000"/>
           </a:solidFill>
@@ -6355,7 +6483,7 @@
           <a:sym typeface="Arial"/>
         </a:defRPr>
       </a:lvl1pPr>
-      <a:lvl2pPr lvl="1" marR="0" rtl="0" algn="l">
+      <a:lvl2pPr marR="0" lvl="1" algn="l" rtl="0">
         <a:lnSpc>
           <a:spcPct val="100000"/>
         </a:lnSpc>
@@ -6366,7 +6494,7 @@
           <a:spcPts val="0"/>
         </a:spcAft>
         <a:buNone/>
-        <a:defRPr b="0" i="0" sz="1400" u="none" cap="none" strike="noStrike">
+        <a:defRPr sz="1400" b="0" i="0" u="none" strike="noStrike" cap="none">
           <a:solidFill>
             <a:srgbClr val="000000"/>
           </a:solidFill>
@@ -6376,7 +6504,7 @@
           <a:sym typeface="Arial"/>
         </a:defRPr>
       </a:lvl2pPr>
-      <a:lvl3pPr lvl="2" marR="0" rtl="0" algn="l">
+      <a:lvl3pPr marR="0" lvl="2" algn="l" rtl="0">
         <a:lnSpc>
           <a:spcPct val="100000"/>
         </a:lnSpc>
@@ -6387,7 +6515,7 @@
           <a:spcPts val="0"/>
         </a:spcAft>
         <a:buNone/>
-        <a:defRPr b="0" i="0" sz="1400" u="none" cap="none" strike="noStrike">
+        <a:defRPr sz="1400" b="0" i="0" u="none" strike="noStrike" cap="none">
           <a:solidFill>
             <a:srgbClr val="000000"/>
           </a:solidFill>
@@ -6397,7 +6525,7 @@
           <a:sym typeface="Arial"/>
         </a:defRPr>
       </a:lvl3pPr>
-      <a:lvl4pPr lvl="3" marR="0" rtl="0" algn="l">
+      <a:lvl4pPr marR="0" lvl="3" algn="l" rtl="0">
         <a:lnSpc>
           <a:spcPct val="100000"/>
         </a:lnSpc>
@@ -6408,7 +6536,7 @@
           <a:spcPts val="0"/>
         </a:spcAft>
         <a:buNone/>
-        <a:defRPr b="0" i="0" sz="1400" u="none" cap="none" strike="noStrike">
+        <a:defRPr sz="1400" b="0" i="0" u="none" strike="noStrike" cap="none">
           <a:solidFill>
             <a:srgbClr val="000000"/>
           </a:solidFill>
@@ -6418,7 +6546,7 @@
           <a:sym typeface="Arial"/>
         </a:defRPr>
       </a:lvl4pPr>
-      <a:lvl5pPr lvl="4" marR="0" rtl="0" algn="l">
+      <a:lvl5pPr marR="0" lvl="4" algn="l" rtl="0">
         <a:lnSpc>
           <a:spcPct val="100000"/>
         </a:lnSpc>
@@ -6429,7 +6557,7 @@
           <a:spcPts val="0"/>
         </a:spcAft>
         <a:buNone/>
-        <a:defRPr b="0" i="0" sz="1400" u="none" cap="none" strike="noStrike">
+        <a:defRPr sz="1400" b="0" i="0" u="none" strike="noStrike" cap="none">
           <a:solidFill>
             <a:srgbClr val="000000"/>
           </a:solidFill>
@@ -6439,7 +6567,7 @@
           <a:sym typeface="Arial"/>
         </a:defRPr>
       </a:lvl5pPr>
-      <a:lvl6pPr lvl="5" marR="0" rtl="0" algn="l">
+      <a:lvl6pPr marR="0" lvl="5" algn="l" rtl="0">
         <a:lnSpc>
           <a:spcPct val="100000"/>
         </a:lnSpc>
@@ -6450,7 +6578,7 @@
           <a:spcPts val="0"/>
         </a:spcAft>
         <a:buNone/>
-        <a:defRPr b="0" i="0" sz="1400" u="none" cap="none" strike="noStrike">
+        <a:defRPr sz="1400" b="0" i="0" u="none" strike="noStrike" cap="none">
           <a:solidFill>
             <a:srgbClr val="000000"/>
           </a:solidFill>
@@ -6460,7 +6588,7 @@
           <a:sym typeface="Arial"/>
         </a:defRPr>
       </a:lvl6pPr>
-      <a:lvl7pPr lvl="6" marR="0" rtl="0" algn="l">
+      <a:lvl7pPr marR="0" lvl="6" algn="l" rtl="0">
         <a:lnSpc>
           <a:spcPct val="100000"/>
         </a:lnSpc>
@@ -6471,7 +6599,7 @@
           <a:spcPts val="0"/>
         </a:spcAft>
         <a:buNone/>
-        <a:defRPr b="0" i="0" sz="1400" u="none" cap="none" strike="noStrike">
+        <a:defRPr sz="1400" b="0" i="0" u="none" strike="noStrike" cap="none">
           <a:solidFill>
             <a:srgbClr val="000000"/>
           </a:solidFill>
@@ -6481,7 +6609,7 @@
           <a:sym typeface="Arial"/>
         </a:defRPr>
       </a:lvl7pPr>
-      <a:lvl8pPr lvl="7" marR="0" rtl="0" algn="l">
+      <a:lvl8pPr marR="0" lvl="7" algn="l" rtl="0">
         <a:lnSpc>
           <a:spcPct val="100000"/>
         </a:lnSpc>
@@ -6492,7 +6620,7 @@
           <a:spcPts val="0"/>
         </a:spcAft>
         <a:buNone/>
-        <a:defRPr b="0" i="0" sz="1400" u="none" cap="none" strike="noStrike">
+        <a:defRPr sz="1400" b="0" i="0" u="none" strike="noStrike" cap="none">
           <a:solidFill>
             <a:srgbClr val="000000"/>
           </a:solidFill>
@@ -6502,7 +6630,7 @@
           <a:sym typeface="Arial"/>
         </a:defRPr>
       </a:lvl8pPr>
-      <a:lvl9pPr lvl="8" marR="0" rtl="0" algn="l">
+      <a:lvl9pPr marR="0" lvl="8" algn="l" rtl="0">
         <a:lnSpc>
           <a:spcPct val="100000"/>
         </a:lnSpc>
@@ -6513,7 +6641,7 @@
           <a:spcPts val="0"/>
         </a:spcAft>
         <a:buNone/>
-        <a:defRPr b="0" i="0" sz="1400" u="none" cap="none" strike="noStrike">
+        <a:defRPr sz="1400" b="0" i="0" u="none" strike="noStrike" cap="none">
           <a:solidFill>
             <a:srgbClr val="000000"/>
           </a:solidFill>
@@ -6525,7 +6653,7 @@
       </a:lvl9pPr>
     </p:bodyStyle>
     <p:otherStyle>
-      <a:defPPr lvl="0" marR="0" rtl="0" algn="l">
+      <a:defPPr marR="0" lvl="0" algn="l" rtl="0">
         <a:lnSpc>
           <a:spcPct val="100000"/>
         </a:lnSpc>
@@ -6536,7 +6664,7 @@
           <a:spcPts val="0"/>
         </a:spcAft>
       </a:defPPr>
-      <a:lvl1pPr lvl="0" marR="0" rtl="0" algn="l">
+      <a:lvl1pPr marR="0" lvl="0" algn="l" rtl="0">
         <a:lnSpc>
           <a:spcPct val="100000"/>
         </a:lnSpc>
@@ -6547,7 +6675,7 @@
           <a:spcPts val="0"/>
         </a:spcAft>
         <a:buNone/>
-        <a:defRPr b="0" i="0" sz="1400" u="none" cap="none" strike="noStrike">
+        <a:defRPr sz="1400" b="0" i="0" u="none" strike="noStrike" cap="none">
           <a:solidFill>
             <a:srgbClr val="000000"/>
           </a:solidFill>
@@ -6557,7 +6685,7 @@
           <a:sym typeface="Arial"/>
         </a:defRPr>
       </a:lvl1pPr>
-      <a:lvl2pPr lvl="1" marR="0" rtl="0" algn="l">
+      <a:lvl2pPr marR="0" lvl="1" algn="l" rtl="0">
         <a:lnSpc>
           <a:spcPct val="100000"/>
         </a:lnSpc>
@@ -6568,7 +6696,7 @@
           <a:spcPts val="0"/>
         </a:spcAft>
         <a:buNone/>
-        <a:defRPr b="0" i="0" sz="1400" u="none" cap="none" strike="noStrike">
+        <a:defRPr sz="1400" b="0" i="0" u="none" strike="noStrike" cap="none">
           <a:solidFill>
             <a:srgbClr val="000000"/>
           </a:solidFill>
@@ -6578,7 +6706,7 @@
           <a:sym typeface="Arial"/>
         </a:defRPr>
       </a:lvl2pPr>
-      <a:lvl3pPr lvl="2" marR="0" rtl="0" algn="l">
+      <a:lvl3pPr marR="0" lvl="2" algn="l" rtl="0">
         <a:lnSpc>
           <a:spcPct val="100000"/>
         </a:lnSpc>
@@ -6589,7 +6717,7 @@
           <a:spcPts val="0"/>
         </a:spcAft>
         <a:buNone/>
-        <a:defRPr b="0" i="0" sz="1400" u="none" cap="none" strike="noStrike">
+        <a:defRPr sz="1400" b="0" i="0" u="none" strike="noStrike" cap="none">
           <a:solidFill>
             <a:srgbClr val="000000"/>
           </a:solidFill>
@@ -6599,7 +6727,7 @@
           <a:sym typeface="Arial"/>
         </a:defRPr>
       </a:lvl3pPr>
-      <a:lvl4pPr lvl="3" marR="0" rtl="0" algn="l">
+      <a:lvl4pPr marR="0" lvl="3" algn="l" rtl="0">
         <a:lnSpc>
           <a:spcPct val="100000"/>
         </a:lnSpc>
@@ -6610,7 +6738,7 @@
           <a:spcPts val="0"/>
         </a:spcAft>
         <a:buNone/>
-        <a:defRPr b="0" i="0" sz="1400" u="none" cap="none" strike="noStrike">
+        <a:defRPr sz="1400" b="0" i="0" u="none" strike="noStrike" cap="none">
           <a:solidFill>
             <a:srgbClr val="000000"/>
           </a:solidFill>
@@ -6620,7 +6748,7 @@
           <a:sym typeface="Arial"/>
         </a:defRPr>
       </a:lvl4pPr>
-      <a:lvl5pPr lvl="4" marR="0" rtl="0" algn="l">
+      <a:lvl5pPr marR="0" lvl="4" algn="l" rtl="0">
         <a:lnSpc>
           <a:spcPct val="100000"/>
         </a:lnSpc>
@@ -6631,7 +6759,7 @@
           <a:spcPts val="0"/>
         </a:spcAft>
         <a:buNone/>
-        <a:defRPr b="0" i="0" sz="1400" u="none" cap="none" strike="noStrike">
+        <a:defRPr sz="1400" b="0" i="0" u="none" strike="noStrike" cap="none">
           <a:solidFill>
             <a:srgbClr val="000000"/>
           </a:solidFill>
@@ -6641,7 +6769,7 @@
           <a:sym typeface="Arial"/>
         </a:defRPr>
       </a:lvl5pPr>
-      <a:lvl6pPr lvl="5" marR="0" rtl="0" algn="l">
+      <a:lvl6pPr marR="0" lvl="5" algn="l" rtl="0">
         <a:lnSpc>
           <a:spcPct val="100000"/>
         </a:lnSpc>
@@ -6652,7 +6780,7 @@
           <a:spcPts val="0"/>
         </a:spcAft>
         <a:buNone/>
-        <a:defRPr b="0" i="0" sz="1400" u="none" cap="none" strike="noStrike">
+        <a:defRPr sz="1400" b="0" i="0" u="none" strike="noStrike" cap="none">
           <a:solidFill>
             <a:srgbClr val="000000"/>
           </a:solidFill>
@@ -6662,7 +6790,7 @@
           <a:sym typeface="Arial"/>
         </a:defRPr>
       </a:lvl6pPr>
-      <a:lvl7pPr lvl="6" marR="0" rtl="0" algn="l">
+      <a:lvl7pPr marR="0" lvl="6" algn="l" rtl="0">
         <a:lnSpc>
           <a:spcPct val="100000"/>
         </a:lnSpc>
@@ -6673,7 +6801,7 @@
           <a:spcPts val="0"/>
         </a:spcAft>
         <a:buNone/>
-        <a:defRPr b="0" i="0" sz="1400" u="none" cap="none" strike="noStrike">
+        <a:defRPr sz="1400" b="0" i="0" u="none" strike="noStrike" cap="none">
           <a:solidFill>
             <a:srgbClr val="000000"/>
           </a:solidFill>
@@ -6683,7 +6811,7 @@
           <a:sym typeface="Arial"/>
         </a:defRPr>
       </a:lvl7pPr>
-      <a:lvl8pPr lvl="7" marR="0" rtl="0" algn="l">
+      <a:lvl8pPr marR="0" lvl="7" algn="l" rtl="0">
         <a:lnSpc>
           <a:spcPct val="100000"/>
         </a:lnSpc>
@@ -6694,7 +6822,7 @@
           <a:spcPts val="0"/>
         </a:spcAft>
         <a:buNone/>
-        <a:defRPr b="0" i="0" sz="1400" u="none" cap="none" strike="noStrike">
+        <a:defRPr sz="1400" b="0" i="0" u="none" strike="noStrike" cap="none">
           <a:solidFill>
             <a:srgbClr val="000000"/>
           </a:solidFill>
@@ -6704,7 +6832,7 @@
           <a:sym typeface="Arial"/>
         </a:defRPr>
       </a:lvl8pPr>
-      <a:lvl9pPr lvl="8" marR="0" rtl="0" algn="l">
+      <a:lvl9pPr marR="0" lvl="8" algn="l" rtl="0">
         <a:lnSpc>
           <a:spcPct val="100000"/>
         </a:lnSpc>
@@ -6715,7 +6843,7 @@
           <a:spcPts val="0"/>
         </a:spcAft>
         <a:buNone/>
-        <a:defRPr b="0" i="0" sz="1400" u="none" cap="none" strike="noStrike">
+        <a:defRPr sz="1400" b="0" i="0" u="none" strike="noStrike" cap="none">
           <a:solidFill>
             <a:srgbClr val="000000"/>
           </a:solidFill>
@@ -6731,7 +6859,7 @@
 </file>
 
 <file path=ppt/slides/slide1.xml><?xml version="1.0" encoding="utf-8"?>
-<p:sld xmlns:a="http://schemas.openxmlformats.org/drawingml/2006/main" xmlns:r="http://schemas.openxmlformats.org/officeDocument/2006/relationships" xmlns:mc="http://schemas.openxmlformats.org/markup-compatibility/2006" xmlns:mv="urn:schemas-microsoft-com:mac:vml" xmlns:p="http://schemas.openxmlformats.org/presentationml/2006/main" xmlns:c="http://schemas.openxmlformats.org/drawingml/2006/chart" xmlns:dgm="http://schemas.openxmlformats.org/drawingml/2006/diagram" xmlns:o="urn:schemas-microsoft-com:office:office" xmlns:v="urn:schemas-microsoft-com:vml" xmlns:pvml="urn:schemas-microsoft-com:office:powerpoint" xmlns:com="http://schemas.openxmlformats.org/drawingml/2006/compatibility" xmlns:p14="http://schemas.microsoft.com/office/powerpoint/2010/main">
+<p:sld xmlns:a="http://schemas.openxmlformats.org/drawingml/2006/main" xmlns:r="http://schemas.openxmlformats.org/officeDocument/2006/relationships" xmlns:p="http://schemas.openxmlformats.org/presentationml/2006/main">
   <p:cSld>
     <p:spTree>
       <p:nvGrpSpPr>
@@ -6769,12 +6897,12 @@
           </a:ln>
         </p:spPr>
         <p:txBody>
-          <a:bodyPr anchorCtr="0" anchor="b" bIns="91425" lIns="91425" rIns="91425" tIns="91425">
+          <a:bodyPr lIns="91425" tIns="91425" rIns="91425" bIns="91425" anchor="b" anchorCtr="0">
             <a:noAutofit/>
           </a:bodyPr>
           <a:lstStyle/>
           <a:p>
-            <a:pPr indent="0" lvl="0" marL="0" marR="0" rtl="0" algn="ctr">
+            <a:pPr marL="0" marR="0" lvl="0" indent="0" algn="ctr" rtl="0">
               <a:lnSpc>
                 <a:spcPct val="100000"/>
               </a:lnSpc>
@@ -6792,17 +6920,26 @@
               <a:buNone/>
             </a:pPr>
             <a:r>
-              <a:rPr b="1" i="0" lang="en-GB" sz="3000" u="none" cap="none" strike="noStrike">
+              <a:rPr lang="en-GB" sz="3000" b="1" i="0" u="none" strike="noStrike" cap="none">
                 <a:solidFill>
                   <a:srgbClr val="C9394A"/>
                 </a:solidFill>
-                <a:latin typeface="Arial"/>
-                <a:ea typeface="Arial"/>
+                <a:latin typeface="微软雅黑" charset="0"/>
+                <a:ea typeface="微软雅黑" charset="0"/>
                 <a:cs typeface="Arial"/>
                 <a:sym typeface="Arial"/>
               </a:rPr>
               <a:t>Python面向对象</a:t>
             </a:r>
+            <a:endParaRPr lang="en-GB" sz="3000" b="1" i="0" u="none" strike="noStrike" cap="none">
+              <a:solidFill>
+                <a:srgbClr val="C9394A"/>
+              </a:solidFill>
+              <a:latin typeface="微软雅黑" charset="0"/>
+              <a:ea typeface="微软雅黑" charset="0"/>
+              <a:cs typeface="Arial"/>
+              <a:sym typeface="Arial"/>
+            </a:endParaRPr>
           </a:p>
         </p:txBody>
       </p:sp>
@@ -6811,7 +6948,7 @@
           <p:cNvPr id="55" name="Shape 55"/>
           <p:cNvSpPr txBox="1"/>
           <p:nvPr>
-            <p:ph idx="1" type="subTitle"/>
+            <p:ph type="subTitle" idx="1"/>
           </p:nvPr>
         </p:nvSpPr>
         <p:spPr>
@@ -6828,12 +6965,12 @@
           </a:ln>
         </p:spPr>
         <p:txBody>
-          <a:bodyPr anchorCtr="0" anchor="t" bIns="91425" lIns="91425" rIns="91425" tIns="91425">
+          <a:bodyPr lIns="91425" tIns="91425" rIns="91425" bIns="91425" anchor="t" anchorCtr="0">
             <a:noAutofit/>
           </a:bodyPr>
           <a:lstStyle/>
           <a:p>
-            <a:pPr indent="457200" lvl="0" marL="5943600" marR="0" rtl="0" algn="l">
+            <a:pPr marL="5943600" marR="0" lvl="0" indent="457200" algn="l" rtl="0">
               <a:lnSpc>
                 <a:spcPct val="100000"/>
               </a:lnSpc>
@@ -6851,17 +6988,26 @@
               <a:buNone/>
             </a:pPr>
             <a:r>
-              <a:rPr b="0" i="0" lang="en-GB" sz="2000" u="none" cap="none" strike="noStrike">
-                <a:solidFill>
-                  <a:schemeClr val="dk2"/>
-                </a:solidFill>
-                <a:latin typeface="Arial"/>
-                <a:ea typeface="Arial"/>
+              <a:rPr lang="en-GB" sz="2000" b="0" i="0" u="none" strike="noStrike" cap="none">
+                <a:solidFill>
+                  <a:schemeClr val="dk2"/>
+                </a:solidFill>
+                <a:latin typeface="微软雅黑" charset="0"/>
+                <a:ea typeface="微软雅黑" charset="0"/>
                 <a:cs typeface="Arial"/>
                 <a:sym typeface="Arial"/>
               </a:rPr>
               <a:t>By 剑圣</a:t>
             </a:r>
+            <a:endParaRPr lang="en-GB" sz="2000" b="0" i="0" u="none" strike="noStrike" cap="none">
+              <a:solidFill>
+                <a:schemeClr val="dk2"/>
+              </a:solidFill>
+              <a:latin typeface="微软雅黑" charset="0"/>
+              <a:ea typeface="微软雅黑" charset="0"/>
+              <a:cs typeface="Arial"/>
+              <a:sym typeface="Arial"/>
+            </a:endParaRPr>
           </a:p>
         </p:txBody>
       </p:sp>
@@ -6877,7 +7023,7 @@
 </file>
 
 <file path=ppt/slides/slide2.xml><?xml version="1.0" encoding="utf-8"?>
-<p:sld xmlns:a="http://schemas.openxmlformats.org/drawingml/2006/main" xmlns:r="http://schemas.openxmlformats.org/officeDocument/2006/relationships" xmlns:mc="http://schemas.openxmlformats.org/markup-compatibility/2006" xmlns:mv="urn:schemas-microsoft-com:mac:vml" xmlns:p="http://schemas.openxmlformats.org/presentationml/2006/main" xmlns:c="http://schemas.openxmlformats.org/drawingml/2006/chart" xmlns:dgm="http://schemas.openxmlformats.org/drawingml/2006/diagram" xmlns:o="urn:schemas-microsoft-com:office:office" xmlns:v="urn:schemas-microsoft-com:vml" xmlns:pvml="urn:schemas-microsoft-com:office:powerpoint" xmlns:com="http://schemas.openxmlformats.org/drawingml/2006/compatibility" xmlns:p14="http://schemas.microsoft.com/office/powerpoint/2010/main">
+<p:sld xmlns:a="http://schemas.openxmlformats.org/drawingml/2006/main" xmlns:r="http://schemas.openxmlformats.org/officeDocument/2006/relationships" xmlns:p="http://schemas.openxmlformats.org/presentationml/2006/main">
   <p:cSld>
     <p:spTree>
       <p:nvGrpSpPr>
@@ -6900,11 +7046,11 @@
           <p:nvPr/>
         </p:nvPicPr>
         <p:blipFill rotWithShape="1">
-          <a:blip r:embed="rId3">
-            <a:alphaModFix/>
-          </a:blip>
-          <a:srcRect b="0" l="0" r="0" t="0"/>
-          <a:stretch/>
+          <a:blip r:embed="rId1"/>
+          <a:srcRect/>
+          <a:stretch>
+            <a:fillRect/>
+          </a:stretch>
         </p:blipFill>
         <p:spPr>
           <a:xfrm>
@@ -6932,7 +7078,7 @@
 </file>
 
 <file path=ppt/slides/slide3.xml><?xml version="1.0" encoding="utf-8"?>
-<p:sld xmlns:a="http://schemas.openxmlformats.org/drawingml/2006/main" xmlns:r="http://schemas.openxmlformats.org/officeDocument/2006/relationships" xmlns:mc="http://schemas.openxmlformats.org/markup-compatibility/2006" xmlns:mv="urn:schemas-microsoft-com:mac:vml" xmlns:p="http://schemas.openxmlformats.org/presentationml/2006/main" xmlns:c="http://schemas.openxmlformats.org/drawingml/2006/chart" xmlns:dgm="http://schemas.openxmlformats.org/drawingml/2006/diagram" xmlns:o="urn:schemas-microsoft-com:office:office" xmlns:v="urn:schemas-microsoft-com:vml" xmlns:pvml="urn:schemas-microsoft-com:office:powerpoint" xmlns:com="http://schemas.openxmlformats.org/drawingml/2006/compatibility" xmlns:p14="http://schemas.microsoft.com/office/powerpoint/2010/main">
+<p:sld xmlns:a="http://schemas.openxmlformats.org/drawingml/2006/main" xmlns:r="http://schemas.openxmlformats.org/officeDocument/2006/relationships" xmlns:p="http://schemas.openxmlformats.org/presentationml/2006/main">
   <p:cSld>
     <p:spTree>
       <p:nvGrpSpPr>
@@ -6955,11 +7101,11 @@
           <p:nvPr/>
         </p:nvPicPr>
         <p:blipFill rotWithShape="1">
-          <a:blip r:embed="rId3">
-            <a:alphaModFix/>
-          </a:blip>
-          <a:srcRect b="0" l="0" r="0" t="0"/>
-          <a:stretch/>
+          <a:blip r:embed="rId1"/>
+          <a:srcRect/>
+          <a:stretch>
+            <a:fillRect/>
+          </a:stretch>
         </p:blipFill>
         <p:spPr>
           <a:xfrm>
@@ -6997,12 +7143,12 @@
           </a:ln>
         </p:spPr>
         <p:txBody>
-          <a:bodyPr anchorCtr="0" anchor="t" bIns="91425" lIns="91425" rIns="91425" tIns="91425">
+          <a:bodyPr lIns="91425" tIns="91425" rIns="91425" bIns="91425" anchor="t" anchorCtr="0">
             <a:noAutofit/>
           </a:bodyPr>
           <a:lstStyle/>
           <a:p>
-            <a:pPr indent="0" lvl="0" marL="0" marR="0" rtl="0" algn="l">
+            <a:pPr marL="0" marR="0" lvl="0" indent="0" algn="l" rtl="0">
               <a:lnSpc>
                 <a:spcPct val="100000"/>
               </a:lnSpc>
@@ -7020,17 +7166,26 @@
               <a:buNone/>
             </a:pPr>
             <a:r>
-              <a:rPr b="0" i="0" lang="en-GB" sz="3000" u="none" cap="none" strike="noStrike">
+              <a:rPr lang="en-GB" sz="3000" b="0" i="0" u="none" strike="noStrike" cap="none">
                 <a:solidFill>
                   <a:srgbClr val="C9394A"/>
                 </a:solidFill>
-                <a:latin typeface="Arial"/>
-                <a:ea typeface="Arial"/>
+                <a:latin typeface="微软雅黑" charset="0"/>
+                <a:ea typeface="微软雅黑" charset="0"/>
                 <a:cs typeface="Arial"/>
                 <a:sym typeface="Arial"/>
               </a:rPr>
               <a:t>Object Oriented Programming</a:t>
             </a:r>
+            <a:endParaRPr lang="en-GB" sz="3000" b="0" i="0" u="none" strike="noStrike" cap="none">
+              <a:solidFill>
+                <a:srgbClr val="C9394A"/>
+              </a:solidFill>
+              <a:latin typeface="微软雅黑" charset="0"/>
+              <a:ea typeface="微软雅黑" charset="0"/>
+              <a:cs typeface="Arial"/>
+              <a:sym typeface="Arial"/>
+            </a:endParaRPr>
           </a:p>
         </p:txBody>
       </p:sp>
@@ -7046,7 +7201,7 @@
 </file>
 
 <file path=ppt/slides/slide4.xml><?xml version="1.0" encoding="utf-8"?>
-<p:sld xmlns:a="http://schemas.openxmlformats.org/drawingml/2006/main" xmlns:r="http://schemas.openxmlformats.org/officeDocument/2006/relationships" xmlns:mc="http://schemas.openxmlformats.org/markup-compatibility/2006" xmlns:mv="urn:schemas-microsoft-com:mac:vml" xmlns:p="http://schemas.openxmlformats.org/presentationml/2006/main" xmlns:c="http://schemas.openxmlformats.org/drawingml/2006/chart" xmlns:dgm="http://schemas.openxmlformats.org/drawingml/2006/diagram" xmlns:o="urn:schemas-microsoft-com:office:office" xmlns:v="urn:schemas-microsoft-com:vml" xmlns:pvml="urn:schemas-microsoft-com:office:powerpoint" xmlns:com="http://schemas.openxmlformats.org/drawingml/2006/compatibility" xmlns:p14="http://schemas.microsoft.com/office/powerpoint/2010/main">
+<p:sld xmlns:a="http://schemas.openxmlformats.org/drawingml/2006/main" xmlns:r="http://schemas.openxmlformats.org/officeDocument/2006/relationships" xmlns:p="http://schemas.openxmlformats.org/presentationml/2006/main">
   <p:cSld>
     <p:spTree>
       <p:nvGrpSpPr>
@@ -7084,12 +7239,12 @@
           </a:ln>
         </p:spPr>
         <p:txBody>
-          <a:bodyPr anchorCtr="0" anchor="t" bIns="91425" lIns="91425" rIns="91425" tIns="91425">
+          <a:bodyPr lIns="91425" tIns="91425" rIns="91425" bIns="91425" anchor="t" anchorCtr="0">
             <a:noAutofit/>
           </a:bodyPr>
           <a:lstStyle/>
           <a:p>
-            <a:pPr indent="0" lvl="0" marL="0" marR="0" rtl="0" algn="ctr">
+            <a:pPr marL="0" marR="0" lvl="0" indent="0" algn="ctr" rtl="0">
               <a:lnSpc>
                 <a:spcPct val="100000"/>
               </a:lnSpc>
@@ -7107,17 +7262,26 @@
               <a:buNone/>
             </a:pPr>
             <a:r>
-              <a:rPr b="1" i="0" lang="en-GB" sz="3000" u="none" cap="none" strike="noStrike">
-                <a:solidFill>
-                  <a:srgbClr val="C9394A"/>
-                </a:solidFill>
-                <a:latin typeface="Arial"/>
-                <a:ea typeface="Arial"/>
+              <a:rPr lang="en-GB" sz="3000" b="1" i="0" u="none" strike="noStrike" cap="none">
+                <a:solidFill>
+                  <a:srgbClr val="C00000"/>
+                </a:solidFill>
+                <a:latin typeface="微软雅黑" charset="0"/>
+                <a:ea typeface="微软雅黑" charset="0"/>
                 <a:cs typeface="Arial"/>
                 <a:sym typeface="Arial"/>
               </a:rPr>
               <a:t>课程内容</a:t>
             </a:r>
+            <a:endParaRPr lang="en-GB" sz="3000" b="1" i="0" u="none" strike="noStrike" cap="none">
+              <a:solidFill>
+                <a:srgbClr val="C00000"/>
+              </a:solidFill>
+              <a:latin typeface="微软雅黑" charset="0"/>
+              <a:ea typeface="微软雅黑" charset="0"/>
+              <a:cs typeface="Arial"/>
+              <a:sym typeface="Arial"/>
+            </a:endParaRPr>
           </a:p>
         </p:txBody>
       </p:sp>
@@ -7126,7 +7290,7 @@
           <p:cNvPr id="72" name="Shape 72"/>
           <p:cNvSpPr txBox="1"/>
           <p:nvPr>
-            <p:ph idx="1" type="body"/>
+            <p:ph type="body" idx="1"/>
           </p:nvPr>
         </p:nvSpPr>
         <p:spPr>
@@ -7143,12 +7307,12 @@
           </a:ln>
         </p:spPr>
         <p:txBody>
-          <a:bodyPr anchorCtr="0" anchor="t" bIns="91425" lIns="91425" rIns="91425" tIns="91425">
+          <a:bodyPr lIns="91425" tIns="91425" rIns="91425" bIns="91425" anchor="t" anchorCtr="0">
             <a:noAutofit/>
           </a:bodyPr>
           <a:lstStyle/>
           <a:p>
-            <a:pPr indent="-228600" lvl="0" marL="457200" marR="0" rtl="0" algn="l">
+            <a:pPr marL="571500" marR="0" lvl="0" indent="-342900" algn="l" rtl="0">
               <a:lnSpc>
                 <a:spcPct val="115000"/>
               </a:lnSpc>
@@ -7162,11 +7326,11 @@
                 <a:schemeClr val="dk2"/>
               </a:buClr>
               <a:buSzPct val="25000"/>
-              <a:buFont typeface="Arial"/>
-              <a:buNone/>
+              <a:buFont typeface="Wingdings" charset="0"/>
+              <a:buChar char="l"/>
             </a:pPr>
             <a:r>
-              <a:rPr b="0" i="0" lang="en-GB" sz="2200" u="none" cap="none" strike="noStrike">
+              <a:rPr lang="en-GB" sz="2200" b="0" i="0" u="none" strike="noStrike" cap="none">
                 <a:solidFill>
                   <a:srgbClr val="262626"/>
                 </a:solidFill>
@@ -7175,23 +7339,32 @@
                 <a:cs typeface="Arial"/>
                 <a:sym typeface="Arial"/>
               </a:rPr>
-              <a:t>         </a:t>
+              <a:t> </a:t>
             </a:r>
             <a:r>
-              <a:rPr b="1" i="0" lang="en-GB" sz="2200" u="none" cap="none" strike="noStrike">
+              <a:rPr lang="en-GB" sz="2200" i="0" u="none" strike="noStrike" cap="none">
                 <a:solidFill>
                   <a:srgbClr val="262626"/>
                 </a:solidFill>
-                <a:latin typeface="Arial"/>
-                <a:ea typeface="Arial"/>
+                <a:latin typeface="微软雅黑" charset="0"/>
+                <a:ea typeface="微软雅黑" charset="0"/>
                 <a:cs typeface="Arial"/>
                 <a:sym typeface="Arial"/>
               </a:rPr>
               <a:t>面向对象理论</a:t>
             </a:r>
+            <a:endParaRPr lang="en-GB" sz="2200" i="0" u="none" strike="noStrike" cap="none">
+              <a:solidFill>
+                <a:srgbClr val="262626"/>
+              </a:solidFill>
+              <a:latin typeface="微软雅黑" charset="0"/>
+              <a:ea typeface="微软雅黑" charset="0"/>
+              <a:cs typeface="Arial"/>
+              <a:sym typeface="Arial"/>
+            </a:endParaRPr>
           </a:p>
           <a:p>
-            <a:pPr indent="-228600" lvl="0" marL="457200" marR="0" rtl="0" algn="l">
+            <a:pPr marL="571500" marR="0" lvl="0" indent="-342900" algn="l" rtl="0">
               <a:lnSpc>
                 <a:spcPct val="115000"/>
               </a:lnSpc>
@@ -7205,24 +7378,33 @@
                 <a:schemeClr val="dk2"/>
               </a:buClr>
               <a:buSzPct val="25000"/>
-              <a:buFont typeface="Arial"/>
-              <a:buNone/>
+              <a:buFont typeface="Wingdings" charset="0"/>
+              <a:buChar char="l"/>
             </a:pPr>
             <a:r>
-              <a:rPr b="1" i="0" lang="en-GB" sz="2200" u="none" cap="none" strike="noStrike">
+              <a:rPr lang="en-GB" sz="2200" i="0" u="none" strike="noStrike" cap="none">
                 <a:solidFill>
                   <a:srgbClr val="262626"/>
                 </a:solidFill>
-                <a:latin typeface="Arial"/>
-                <a:ea typeface="Arial"/>
+                <a:latin typeface="微软雅黑" charset="0"/>
+                <a:ea typeface="微软雅黑" charset="0"/>
                 <a:cs typeface="Arial"/>
                 <a:sym typeface="Arial"/>
               </a:rPr>
-              <a:t>        Python面向对象基础</a:t>
+              <a:t>Python面向对象基础</a:t>
             </a:r>
+            <a:endParaRPr lang="en-GB" sz="2200" i="0" u="none" strike="noStrike" cap="none">
+              <a:solidFill>
+                <a:srgbClr val="262626"/>
+              </a:solidFill>
+              <a:latin typeface="微软雅黑" charset="0"/>
+              <a:ea typeface="微软雅黑" charset="0"/>
+              <a:cs typeface="Arial"/>
+              <a:sym typeface="Arial"/>
+            </a:endParaRPr>
           </a:p>
           <a:p>
-            <a:pPr indent="-228600" lvl="0" marL="457200" marR="0" rtl="0" algn="l">
+            <a:pPr marL="571500" marR="0" lvl="0" indent="-342900" algn="l" rtl="0">
               <a:lnSpc>
                 <a:spcPct val="115000"/>
               </a:lnSpc>
@@ -7236,21 +7418,30 @@
                 <a:schemeClr val="dk2"/>
               </a:buClr>
               <a:buSzPct val="25000"/>
-              <a:buFont typeface="Arial"/>
-              <a:buNone/>
+              <a:buFont typeface="Wingdings" charset="0"/>
+              <a:buChar char="l"/>
             </a:pPr>
             <a:r>
-              <a:rPr b="1" i="0" lang="en-GB" sz="2200" u="none" cap="none" strike="noStrike">
+              <a:rPr lang="en-GB" sz="2200" i="0" u="none" strike="noStrike" cap="none">
                 <a:solidFill>
                   <a:srgbClr val="262626"/>
                 </a:solidFill>
-                <a:latin typeface="Arial"/>
-                <a:ea typeface="Arial"/>
+                <a:latin typeface="微软雅黑" charset="0"/>
+                <a:ea typeface="微软雅黑" charset="0"/>
                 <a:cs typeface="Arial"/>
                 <a:sym typeface="Arial"/>
               </a:rPr>
-              <a:t>        深入Python面向对象</a:t>
+              <a:t>深入Python面向对象</a:t>
             </a:r>
+            <a:endParaRPr lang="en-GB" sz="2200" i="0" u="none" strike="noStrike" cap="none">
+              <a:solidFill>
+                <a:srgbClr val="262626"/>
+              </a:solidFill>
+              <a:latin typeface="微软雅黑" charset="0"/>
+              <a:ea typeface="微软雅黑" charset="0"/>
+              <a:cs typeface="Arial"/>
+              <a:sym typeface="Arial"/>
+            </a:endParaRPr>
           </a:p>
         </p:txBody>
       </p:sp>
@@ -7266,7 +7457,293 @@
 </file>
 
 <file path=ppt/theme/theme1.xml><?xml version="1.0" encoding="utf-8"?>
-<a:theme xmlns:a="http://schemas.openxmlformats.org/drawingml/2006/main" xmlns:r="http://schemas.openxmlformats.org/officeDocument/2006/relationships" name="Custom Theme">
+<a:theme xmlns:a="http://schemas.openxmlformats.org/drawingml/2006/main" name="simple-light-2">
+  <a:themeElements>
+    <a:clrScheme name="Simple Light">
+      <a:dk1>
+        <a:srgbClr val="000000"/>
+      </a:dk1>
+      <a:lt1>
+        <a:srgbClr val="FFFFFF"/>
+      </a:lt1>
+      <a:dk2>
+        <a:srgbClr val="595959"/>
+      </a:dk2>
+      <a:lt2>
+        <a:srgbClr val="EEEEEE"/>
+      </a:lt2>
+      <a:accent1>
+        <a:srgbClr val="FFAB40"/>
+      </a:accent1>
+      <a:accent2>
+        <a:srgbClr val="212121"/>
+      </a:accent2>
+      <a:accent3>
+        <a:srgbClr val="78909C"/>
+      </a:accent3>
+      <a:accent4>
+        <a:srgbClr val="FFAB40"/>
+      </a:accent4>
+      <a:accent5>
+        <a:srgbClr val="0097A7"/>
+      </a:accent5>
+      <a:accent6>
+        <a:srgbClr val="EEFF41"/>
+      </a:accent6>
+      <a:hlink>
+        <a:srgbClr val="0097A7"/>
+      </a:hlink>
+      <a:folHlink>
+        <a:srgbClr val="0097A7"/>
+      </a:folHlink>
+    </a:clrScheme>
+    <a:fontScheme name="Office">
+      <a:majorFont>
+        <a:latin typeface="Arial"/>
+        <a:ea typeface=""/>
+        <a:cs typeface=""/>
+        <a:font script="Jpan" typeface="ＭＳ Ｐゴシック"/>
+        <a:font script="Hang" typeface="맑은 고딕"/>
+        <a:font script="Hans" typeface="宋体"/>
+        <a:font script="Hant" typeface="新細明體"/>
+        <a:font script="Arab" typeface="Times New Roman"/>
+        <a:font script="Hebr" typeface="Times New Roman"/>
+        <a:font script="Thai" typeface="Angsana New"/>
+        <a:font script="Ethi" typeface="Nyala"/>
+        <a:font script="Beng" typeface="Vrinda"/>
+        <a:font script="Gujr" typeface="Shruti"/>
+        <a:font script="Khmr" typeface="MoolBoran"/>
+        <a:font script="Knda" typeface="Tunga"/>
+        <a:font script="Guru" typeface="Raavi"/>
+        <a:font script="Cans" typeface="Euphemia"/>
+        <a:font script="Cher" typeface="Plantagenet Cherokee"/>
+        <a:font script="Yiii" typeface="Microsoft Yi Baiti"/>
+        <a:font script="Tibt" typeface="Microsoft Himalaya"/>
+        <a:font script="Thaa" typeface="MV Boli"/>
+        <a:font script="Deva" typeface="Mangal"/>
+        <a:font script="Telu" typeface="Gautami"/>
+        <a:font script="Taml" typeface="Latha"/>
+        <a:font script="Syrc" typeface="Estrangelo Edessa"/>
+        <a:font script="Orya" typeface="Kalinga"/>
+        <a:font script="Mlym" typeface="Kartika"/>
+        <a:font script="Laoo" typeface="DokChampa"/>
+        <a:font script="Sinh" typeface="Iskoola Pota"/>
+        <a:font script="Mong" typeface="Mongolian Baiti"/>
+        <a:font script="Viet" typeface="Times New Roman"/>
+        <a:font script="Uigh" typeface="Microsoft Uighur"/>
+        <a:font script="Geor" typeface="Sylfaen"/>
+      </a:majorFont>
+      <a:minorFont>
+        <a:latin typeface="Arial"/>
+        <a:ea typeface=""/>
+        <a:cs typeface=""/>
+        <a:font script="Jpan" typeface="ＭＳ Ｐゴシック"/>
+        <a:font script="Hang" typeface="맑은 고딕"/>
+        <a:font script="Hans" typeface="宋体"/>
+        <a:font script="Hant" typeface="新細明體"/>
+        <a:font script="Arab" typeface="Arial"/>
+        <a:font script="Hebr" typeface="Arial"/>
+        <a:font script="Thai" typeface="Cordia New"/>
+        <a:font script="Ethi" typeface="Nyala"/>
+        <a:font script="Beng" typeface="Vrinda"/>
+        <a:font script="Gujr" typeface="Shruti"/>
+        <a:font script="Khmr" typeface="DaunPenh"/>
+        <a:font script="Knda" typeface="Tunga"/>
+        <a:font script="Guru" typeface="Raavi"/>
+        <a:font script="Cans" typeface="Euphemia"/>
+        <a:font script="Cher" typeface="Plantagenet Cherokee"/>
+        <a:font script="Yiii" typeface="Microsoft Yi Baiti"/>
+        <a:font script="Tibt" typeface="Microsoft Himalaya"/>
+        <a:font script="Thaa" typeface="MV Boli"/>
+        <a:font script="Deva" typeface="Mangal"/>
+        <a:font script="Telu" typeface="Gautami"/>
+        <a:font script="Taml" typeface="Latha"/>
+        <a:font script="Syrc" typeface="Estrangelo Edessa"/>
+        <a:font script="Orya" typeface="Kalinga"/>
+        <a:font script="Mlym" typeface="Kartika"/>
+        <a:font script="Laoo" typeface="DokChampa"/>
+        <a:font script="Sinh" typeface="Iskoola Pota"/>
+        <a:font script="Mong" typeface="Mongolian Baiti"/>
+        <a:font script="Viet" typeface="Arial"/>
+        <a:font script="Uigh" typeface="Microsoft Uighur"/>
+        <a:font script="Geor" typeface="Sylfaen"/>
+      </a:minorFont>
+    </a:fontScheme>
+    <a:fmtScheme name="Office">
+      <a:fillStyleLst>
+        <a:solidFill>
+          <a:schemeClr val="phClr"/>
+        </a:solidFill>
+        <a:gradFill rotWithShape="1">
+          <a:gsLst>
+            <a:gs pos="0">
+              <a:schemeClr val="phClr">
+                <a:tint val="50000"/>
+                <a:satMod val="300000"/>
+              </a:schemeClr>
+            </a:gs>
+            <a:gs pos="35000">
+              <a:schemeClr val="phClr">
+                <a:tint val="37000"/>
+                <a:satMod val="300000"/>
+              </a:schemeClr>
+            </a:gs>
+            <a:gs pos="100000">
+              <a:schemeClr val="phClr">
+                <a:tint val="15000"/>
+                <a:satMod val="350000"/>
+              </a:schemeClr>
+            </a:gs>
+          </a:gsLst>
+          <a:lin ang="16200000" scaled="1"/>
+        </a:gradFill>
+        <a:gradFill rotWithShape="1">
+          <a:gsLst>
+            <a:gs pos="0">
+              <a:schemeClr val="phClr">
+                <a:tint val="100000"/>
+                <a:shade val="100000"/>
+                <a:satMod val="130000"/>
+              </a:schemeClr>
+            </a:gs>
+            <a:gs pos="100000">
+              <a:schemeClr val="phClr">
+                <a:tint val="50000"/>
+                <a:shade val="100000"/>
+                <a:satMod val="350000"/>
+              </a:schemeClr>
+            </a:gs>
+          </a:gsLst>
+          <a:lin ang="16200000" scaled="0"/>
+        </a:gradFill>
+      </a:fillStyleLst>
+      <a:lnStyleLst>
+        <a:ln w="9525" cap="flat" cmpd="sng" algn="ctr">
+          <a:solidFill>
+            <a:schemeClr val="phClr">
+              <a:shade val="95000"/>
+              <a:satMod val="105000"/>
+            </a:schemeClr>
+          </a:solidFill>
+          <a:prstDash val="solid"/>
+        </a:ln>
+        <a:ln w="25400" cap="flat" cmpd="sng" algn="ctr">
+          <a:solidFill>
+            <a:schemeClr val="phClr"/>
+          </a:solidFill>
+          <a:prstDash val="solid"/>
+        </a:ln>
+        <a:ln w="38100" cap="flat" cmpd="sng" algn="ctr">
+          <a:solidFill>
+            <a:schemeClr val="phClr"/>
+          </a:solidFill>
+          <a:prstDash val="solid"/>
+        </a:ln>
+      </a:lnStyleLst>
+      <a:effectStyleLst>
+        <a:effectStyle>
+          <a:effectLst>
+            <a:outerShdw blurRad="40000" dist="20000" dir="5400000" rotWithShape="0">
+              <a:srgbClr val="000000">
+                <a:alpha val="38000"/>
+              </a:srgbClr>
+            </a:outerShdw>
+          </a:effectLst>
+        </a:effectStyle>
+        <a:effectStyle>
+          <a:effectLst>
+            <a:outerShdw blurRad="40000" dist="23000" dir="5400000" rotWithShape="0">
+              <a:srgbClr val="000000">
+                <a:alpha val="35000"/>
+              </a:srgbClr>
+            </a:outerShdw>
+          </a:effectLst>
+        </a:effectStyle>
+        <a:effectStyle>
+          <a:effectLst>
+            <a:outerShdw blurRad="40000" dist="23000" dir="5400000" rotWithShape="0">
+              <a:srgbClr val="000000">
+                <a:alpha val="35000"/>
+              </a:srgbClr>
+            </a:outerShdw>
+          </a:effectLst>
+          <a:scene3d>
+            <a:camera prst="orthographicFront">
+              <a:rot lat="0" lon="0" rev="0"/>
+            </a:camera>
+            <a:lightRig rig="threePt" dir="t">
+              <a:rot lat="0" lon="0" rev="1200000"/>
+            </a:lightRig>
+          </a:scene3d>
+          <a:sp3d>
+            <a:bevelT w="63500" h="25400"/>
+          </a:sp3d>
+        </a:effectStyle>
+      </a:effectStyleLst>
+      <a:bgFillStyleLst>
+        <a:solidFill>
+          <a:schemeClr val="phClr"/>
+        </a:solidFill>
+        <a:gradFill rotWithShape="1">
+          <a:gsLst>
+            <a:gs pos="0">
+              <a:schemeClr val="phClr">
+                <a:tint val="40000"/>
+                <a:satMod val="350000"/>
+              </a:schemeClr>
+            </a:gs>
+            <a:gs pos="40000">
+              <a:schemeClr val="phClr">
+                <a:tint val="45000"/>
+                <a:shade val="99000"/>
+                <a:satMod val="350000"/>
+              </a:schemeClr>
+            </a:gs>
+            <a:gs pos="100000">
+              <a:schemeClr val="phClr">
+                <a:shade val="20000"/>
+                <a:satMod val="255000"/>
+              </a:schemeClr>
+            </a:gs>
+          </a:gsLst>
+          <a:path path="circle">
+            <a:fillToRect l="50000" t="-80000" r="50000" b="180000"/>
+          </a:path>
+        </a:gradFill>
+        <a:gradFill rotWithShape="1">
+          <a:gsLst>
+            <a:gs pos="0">
+              <a:schemeClr val="phClr">
+                <a:tint val="80000"/>
+                <a:satMod val="300000"/>
+              </a:schemeClr>
+            </a:gs>
+            <a:gs pos="100000">
+              <a:schemeClr val="phClr">
+                <a:shade val="30000"/>
+                <a:satMod val="200000"/>
+              </a:schemeClr>
+            </a:gs>
+          </a:gsLst>
+          <a:path path="circle">
+            <a:fillToRect l="50000" t="50000" r="50000" b="50000"/>
+          </a:path>
+        </a:gradFill>
+      </a:bgFillStyleLst>
+    </a:fmtScheme>
+  </a:themeElements>
+  <a:objectDefaults/>
+  <a:extraClrSchemeLst/>
+  <a:extLst>
+    <a:ext uri="{05A4C25C-085E-4340-85A3-A5531E510DB2}">
+      <thm15:themeFamily xmlns:thm15="http://schemas.microsoft.com/office/thememl/2012/main" name="Office Theme" id="{62F939B6-93AF-4DB8-9C6B-D6C7DFDC589F}" vid="{4A3C46E8-61CC-4603-A589-7422A47A8E4A}"/>
+    </a:ext>
+  </a:extLst>
+</a:theme>
+</file>
+
+<file path=ppt/theme/theme2.xml><?xml version="1.0" encoding="utf-8"?>
+<a:theme xmlns:a="http://schemas.openxmlformats.org/drawingml/2006/main" name="Custom Theme">
   <a:themeElements>
     <a:clrScheme name="Default">
       <a:dk1>
@@ -7541,284 +8018,12 @@
       </a:bgFillStyleLst>
     </a:fmtScheme>
   </a:themeElements>
-</a:theme>
-</file>
-
-<file path=ppt/theme/theme2.xml><?xml version="1.0" encoding="utf-8"?>
-<a:theme xmlns:a="http://schemas.openxmlformats.org/drawingml/2006/main" xmlns:r="http://schemas.openxmlformats.org/officeDocument/2006/relationships" name="simple-light-2">
-  <a:themeElements>
-    <a:clrScheme name="Simple Light">
-      <a:dk1>
-        <a:srgbClr val="000000"/>
-      </a:dk1>
-      <a:lt1>
-        <a:srgbClr val="FFFFFF"/>
-      </a:lt1>
-      <a:dk2>
-        <a:srgbClr val="595959"/>
-      </a:dk2>
-      <a:lt2>
-        <a:srgbClr val="EEEEEE"/>
-      </a:lt2>
-      <a:accent1>
-        <a:srgbClr val="FFAB40"/>
-      </a:accent1>
-      <a:accent2>
-        <a:srgbClr val="212121"/>
-      </a:accent2>
-      <a:accent3>
-        <a:srgbClr val="78909C"/>
-      </a:accent3>
-      <a:accent4>
-        <a:srgbClr val="FFAB40"/>
-      </a:accent4>
-      <a:accent5>
-        <a:srgbClr val="0097A7"/>
-      </a:accent5>
-      <a:accent6>
-        <a:srgbClr val="EEFF41"/>
-      </a:accent6>
-      <a:hlink>
-        <a:srgbClr val="0097A7"/>
-      </a:hlink>
-      <a:folHlink>
-        <a:srgbClr val="0097A7"/>
-      </a:folHlink>
-    </a:clrScheme>
-    <a:fontScheme name="Office">
-      <a:majorFont>
-        <a:latin typeface="Arial"/>
-        <a:ea typeface=""/>
-        <a:cs typeface=""/>
-        <a:font script="Jpan" typeface="ＭＳ Ｐゴシック"/>
-        <a:font script="Hang" typeface="맑은 고딕"/>
-        <a:font script="Hans" typeface="宋体"/>
-        <a:font script="Hant" typeface="新細明體"/>
-        <a:font script="Arab" typeface="Times New Roman"/>
-        <a:font script="Hebr" typeface="Times New Roman"/>
-        <a:font script="Thai" typeface="Angsana New"/>
-        <a:font script="Ethi" typeface="Nyala"/>
-        <a:font script="Beng" typeface="Vrinda"/>
-        <a:font script="Gujr" typeface="Shruti"/>
-        <a:font script="Khmr" typeface="MoolBoran"/>
-        <a:font script="Knda" typeface="Tunga"/>
-        <a:font script="Guru" typeface="Raavi"/>
-        <a:font script="Cans" typeface="Euphemia"/>
-        <a:font script="Cher" typeface="Plantagenet Cherokee"/>
-        <a:font script="Yiii" typeface="Microsoft Yi Baiti"/>
-        <a:font script="Tibt" typeface="Microsoft Himalaya"/>
-        <a:font script="Thaa" typeface="MV Boli"/>
-        <a:font script="Deva" typeface="Mangal"/>
-        <a:font script="Telu" typeface="Gautami"/>
-        <a:font script="Taml" typeface="Latha"/>
-        <a:font script="Syrc" typeface="Estrangelo Edessa"/>
-        <a:font script="Orya" typeface="Kalinga"/>
-        <a:font script="Mlym" typeface="Kartika"/>
-        <a:font script="Laoo" typeface="DokChampa"/>
-        <a:font script="Sinh" typeface="Iskoola Pota"/>
-        <a:font script="Mong" typeface="Mongolian Baiti"/>
-        <a:font script="Viet" typeface="Times New Roman"/>
-        <a:font script="Uigh" typeface="Microsoft Uighur"/>
-        <a:font script="Geor" typeface="Sylfaen"/>
-      </a:majorFont>
-      <a:minorFont>
-        <a:latin typeface="Arial"/>
-        <a:ea typeface=""/>
-        <a:cs typeface=""/>
-        <a:font script="Jpan" typeface="ＭＳ Ｐゴシック"/>
-        <a:font script="Hang" typeface="맑은 고딕"/>
-        <a:font script="Hans" typeface="宋体"/>
-        <a:font script="Hant" typeface="新細明體"/>
-        <a:font script="Arab" typeface="Arial"/>
-        <a:font script="Hebr" typeface="Arial"/>
-        <a:font script="Thai" typeface="Cordia New"/>
-        <a:font script="Ethi" typeface="Nyala"/>
-        <a:font script="Beng" typeface="Vrinda"/>
-        <a:font script="Gujr" typeface="Shruti"/>
-        <a:font script="Khmr" typeface="DaunPenh"/>
-        <a:font script="Knda" typeface="Tunga"/>
-        <a:font script="Guru" typeface="Raavi"/>
-        <a:font script="Cans" typeface="Euphemia"/>
-        <a:font script="Cher" typeface="Plantagenet Cherokee"/>
-        <a:font script="Yiii" typeface="Microsoft Yi Baiti"/>
-        <a:font script="Tibt" typeface="Microsoft Himalaya"/>
-        <a:font script="Thaa" typeface="MV Boli"/>
-        <a:font script="Deva" typeface="Mangal"/>
-        <a:font script="Telu" typeface="Gautami"/>
-        <a:font script="Taml" typeface="Latha"/>
-        <a:font script="Syrc" typeface="Estrangelo Edessa"/>
-        <a:font script="Orya" typeface="Kalinga"/>
-        <a:font script="Mlym" typeface="Kartika"/>
-        <a:font script="Laoo" typeface="DokChampa"/>
-        <a:font script="Sinh" typeface="Iskoola Pota"/>
-        <a:font script="Mong" typeface="Mongolian Baiti"/>
-        <a:font script="Viet" typeface="Arial"/>
-        <a:font script="Uigh" typeface="Microsoft Uighur"/>
-        <a:font script="Geor" typeface="Sylfaen"/>
-      </a:minorFont>
-    </a:fontScheme>
-    <a:fmtScheme name="Office">
-      <a:fillStyleLst>
-        <a:solidFill>
-          <a:schemeClr val="phClr"/>
-        </a:solidFill>
-        <a:gradFill rotWithShape="1">
-          <a:gsLst>
-            <a:gs pos="0">
-              <a:schemeClr val="phClr">
-                <a:tint val="50000"/>
-                <a:satMod val="300000"/>
-              </a:schemeClr>
-            </a:gs>
-            <a:gs pos="35000">
-              <a:schemeClr val="phClr">
-                <a:tint val="37000"/>
-                <a:satMod val="300000"/>
-              </a:schemeClr>
-            </a:gs>
-            <a:gs pos="100000">
-              <a:schemeClr val="phClr">
-                <a:tint val="15000"/>
-                <a:satMod val="350000"/>
-              </a:schemeClr>
-            </a:gs>
-          </a:gsLst>
-          <a:lin ang="16200000" scaled="1"/>
-        </a:gradFill>
-        <a:gradFill rotWithShape="1">
-          <a:gsLst>
-            <a:gs pos="0">
-              <a:schemeClr val="phClr">
-                <a:tint val="100000"/>
-                <a:shade val="100000"/>
-                <a:satMod val="130000"/>
-              </a:schemeClr>
-            </a:gs>
-            <a:gs pos="100000">
-              <a:schemeClr val="phClr">
-                <a:tint val="50000"/>
-                <a:shade val="100000"/>
-                <a:satMod val="350000"/>
-              </a:schemeClr>
-            </a:gs>
-          </a:gsLst>
-          <a:lin ang="16200000" scaled="0"/>
-        </a:gradFill>
-      </a:fillStyleLst>
-      <a:lnStyleLst>
-        <a:ln w="9525" cap="flat" cmpd="sng" algn="ctr">
-          <a:solidFill>
-            <a:schemeClr val="phClr">
-              <a:shade val="95000"/>
-              <a:satMod val="105000"/>
-            </a:schemeClr>
-          </a:solidFill>
-          <a:prstDash val="solid"/>
-        </a:ln>
-        <a:ln w="25400" cap="flat" cmpd="sng" algn="ctr">
-          <a:solidFill>
-            <a:schemeClr val="phClr"/>
-          </a:solidFill>
-          <a:prstDash val="solid"/>
-        </a:ln>
-        <a:ln w="38100" cap="flat" cmpd="sng" algn="ctr">
-          <a:solidFill>
-            <a:schemeClr val="phClr"/>
-          </a:solidFill>
-          <a:prstDash val="solid"/>
-        </a:ln>
-      </a:lnStyleLst>
-      <a:effectStyleLst>
-        <a:effectStyle>
-          <a:effectLst>
-            <a:outerShdw blurRad="40000" dist="20000" dir="5400000" rotWithShape="0">
-              <a:srgbClr val="000000">
-                <a:alpha val="38000"/>
-              </a:srgbClr>
-            </a:outerShdw>
-          </a:effectLst>
-        </a:effectStyle>
-        <a:effectStyle>
-          <a:effectLst>
-            <a:outerShdw blurRad="40000" dist="23000" dir="5400000" rotWithShape="0">
-              <a:srgbClr val="000000">
-                <a:alpha val="35000"/>
-              </a:srgbClr>
-            </a:outerShdw>
-          </a:effectLst>
-        </a:effectStyle>
-        <a:effectStyle>
-          <a:effectLst>
-            <a:outerShdw blurRad="40000" dist="23000" dir="5400000" rotWithShape="0">
-              <a:srgbClr val="000000">
-                <a:alpha val="35000"/>
-              </a:srgbClr>
-            </a:outerShdw>
-          </a:effectLst>
-          <a:scene3d>
-            <a:camera prst="orthographicFront">
-              <a:rot lat="0" lon="0" rev="0"/>
-            </a:camera>
-            <a:lightRig rig="threePt" dir="t">
-              <a:rot lat="0" lon="0" rev="1200000"/>
-            </a:lightRig>
-          </a:scene3d>
-          <a:sp3d>
-            <a:bevelT w="63500" h="25400"/>
-          </a:sp3d>
-        </a:effectStyle>
-      </a:effectStyleLst>
-      <a:bgFillStyleLst>
-        <a:solidFill>
-          <a:schemeClr val="phClr"/>
-        </a:solidFill>
-        <a:gradFill rotWithShape="1">
-          <a:gsLst>
-            <a:gs pos="0">
-              <a:schemeClr val="phClr">
-                <a:tint val="40000"/>
-                <a:satMod val="350000"/>
-              </a:schemeClr>
-            </a:gs>
-            <a:gs pos="40000">
-              <a:schemeClr val="phClr">
-                <a:tint val="45000"/>
-                <a:shade val="99000"/>
-                <a:satMod val="350000"/>
-              </a:schemeClr>
-            </a:gs>
-            <a:gs pos="100000">
-              <a:schemeClr val="phClr">
-                <a:shade val="20000"/>
-                <a:satMod val="255000"/>
-              </a:schemeClr>
-            </a:gs>
-          </a:gsLst>
-          <a:path path="circle">
-            <a:fillToRect l="50000" t="-80000" r="50000" b="180000"/>
-          </a:path>
-        </a:gradFill>
-        <a:gradFill rotWithShape="1">
-          <a:gsLst>
-            <a:gs pos="0">
-              <a:schemeClr val="phClr">
-                <a:tint val="80000"/>
-                <a:satMod val="300000"/>
-              </a:schemeClr>
-            </a:gs>
-            <a:gs pos="100000">
-              <a:schemeClr val="phClr">
-                <a:shade val="30000"/>
-                <a:satMod val="200000"/>
-              </a:schemeClr>
-            </a:gs>
-          </a:gsLst>
-          <a:path path="circle">
-            <a:fillToRect l="50000" t="50000" r="50000" b="50000"/>
-          </a:path>
-        </a:gradFill>
-      </a:bgFillStyleLst>
-    </a:fmtScheme>
-  </a:themeElements>
+  <a:objectDefaults/>
+  <a:extraClrSchemeLst/>
+  <a:extLst>
+    <a:ext uri="{05A4C25C-085E-4340-85A3-A5531E510DB2}">
+      <thm15:themeFamily xmlns:thm15="http://schemas.microsoft.com/office/thememl/2012/main" name="Office Theme" id="{62F939B6-93AF-4DB8-9C6B-D6C7DFDC589F}" vid="{4A3C46E8-61CC-4603-A589-7422A47A8E4A}"/>
+    </a:ext>
+  </a:extLst>
 </a:theme>
 </file>
--- a/ppt/1-Python面向对象课程介绍.pptx
+++ b/ppt/1-Python面向对象课程介绍.pptx
@@ -13,7 +13,7 @@
     <p:sldId id="258" r:id="rId6"/>
     <p:sldId id="259" r:id="rId7"/>
   </p:sldIdLst>
-  <p:sldSz cx="9144000" cy="5143500"/>
+  <p:sldSz cx="9144000" cy="5143500" type="screen16x9"/>
   <p:notesSz cx="6858000" cy="9144000"/>
   <p:defaultTextStyle>
     <a:defPPr marR="0" lvl="0" algn="l" rtl="0">
@@ -42,10 +42,10 @@
         <a:solidFill>
           <a:srgbClr val="000000"/>
         </a:solidFill>
-        <a:latin typeface="Arial"/>
-        <a:ea typeface="Arial"/>
-        <a:cs typeface="Arial"/>
-        <a:sym typeface="Arial"/>
+        <a:latin typeface="Arial" panose="02080604020202020204" charset="0"/>
+        <a:ea typeface="Arial" panose="02080604020202020204" charset="0"/>
+        <a:cs typeface="Arial" panose="02080604020202020204" charset="0"/>
+        <a:sym typeface="Arial" panose="02080604020202020204" charset="0"/>
       </a:defRPr>
     </a:lvl1pPr>
     <a:lvl2pPr marR="0" lvl="1" algn="l" rtl="0">
@@ -63,10 +63,10 @@
         <a:solidFill>
           <a:srgbClr val="000000"/>
         </a:solidFill>
-        <a:latin typeface="Arial"/>
-        <a:ea typeface="Arial"/>
-        <a:cs typeface="Arial"/>
-        <a:sym typeface="Arial"/>
+        <a:latin typeface="Arial" panose="02080604020202020204" charset="0"/>
+        <a:ea typeface="Arial" panose="02080604020202020204" charset="0"/>
+        <a:cs typeface="Arial" panose="02080604020202020204" charset="0"/>
+        <a:sym typeface="Arial" panose="02080604020202020204" charset="0"/>
       </a:defRPr>
     </a:lvl2pPr>
     <a:lvl3pPr marR="0" lvl="2" algn="l" rtl="0">
@@ -84,10 +84,10 @@
         <a:solidFill>
           <a:srgbClr val="000000"/>
         </a:solidFill>
-        <a:latin typeface="Arial"/>
-        <a:ea typeface="Arial"/>
-        <a:cs typeface="Arial"/>
-        <a:sym typeface="Arial"/>
+        <a:latin typeface="Arial" panose="02080604020202020204" charset="0"/>
+        <a:ea typeface="Arial" panose="02080604020202020204" charset="0"/>
+        <a:cs typeface="Arial" panose="02080604020202020204" charset="0"/>
+        <a:sym typeface="Arial" panose="02080604020202020204" charset="0"/>
       </a:defRPr>
     </a:lvl3pPr>
     <a:lvl4pPr marR="0" lvl="3" algn="l" rtl="0">
@@ -105,10 +105,10 @@
         <a:solidFill>
           <a:srgbClr val="000000"/>
         </a:solidFill>
-        <a:latin typeface="Arial"/>
-        <a:ea typeface="Arial"/>
-        <a:cs typeface="Arial"/>
-        <a:sym typeface="Arial"/>
+        <a:latin typeface="Arial" panose="02080604020202020204" charset="0"/>
+        <a:ea typeface="Arial" panose="02080604020202020204" charset="0"/>
+        <a:cs typeface="Arial" panose="02080604020202020204" charset="0"/>
+        <a:sym typeface="Arial" panose="02080604020202020204" charset="0"/>
       </a:defRPr>
     </a:lvl4pPr>
     <a:lvl5pPr marR="0" lvl="4" algn="l" rtl="0">
@@ -126,10 +126,10 @@
         <a:solidFill>
           <a:srgbClr val="000000"/>
         </a:solidFill>
-        <a:latin typeface="Arial"/>
-        <a:ea typeface="Arial"/>
-        <a:cs typeface="Arial"/>
-        <a:sym typeface="Arial"/>
+        <a:latin typeface="Arial" panose="02080604020202020204" charset="0"/>
+        <a:ea typeface="Arial" panose="02080604020202020204" charset="0"/>
+        <a:cs typeface="Arial" panose="02080604020202020204" charset="0"/>
+        <a:sym typeface="Arial" panose="02080604020202020204" charset="0"/>
       </a:defRPr>
     </a:lvl5pPr>
     <a:lvl6pPr marR="0" lvl="5" algn="l" rtl="0">
@@ -147,10 +147,10 @@
         <a:solidFill>
           <a:srgbClr val="000000"/>
         </a:solidFill>
-        <a:latin typeface="Arial"/>
-        <a:ea typeface="Arial"/>
-        <a:cs typeface="Arial"/>
-        <a:sym typeface="Arial"/>
+        <a:latin typeface="Arial" panose="02080604020202020204" charset="0"/>
+        <a:ea typeface="Arial" panose="02080604020202020204" charset="0"/>
+        <a:cs typeface="Arial" panose="02080604020202020204" charset="0"/>
+        <a:sym typeface="Arial" panose="02080604020202020204" charset="0"/>
       </a:defRPr>
     </a:lvl6pPr>
     <a:lvl7pPr marR="0" lvl="6" algn="l" rtl="0">
@@ -168,10 +168,10 @@
         <a:solidFill>
           <a:srgbClr val="000000"/>
         </a:solidFill>
-        <a:latin typeface="Arial"/>
-        <a:ea typeface="Arial"/>
-        <a:cs typeface="Arial"/>
-        <a:sym typeface="Arial"/>
+        <a:latin typeface="Arial" panose="02080604020202020204" charset="0"/>
+        <a:ea typeface="Arial" panose="02080604020202020204" charset="0"/>
+        <a:cs typeface="Arial" panose="02080604020202020204" charset="0"/>
+        <a:sym typeface="Arial" panose="02080604020202020204" charset="0"/>
       </a:defRPr>
     </a:lvl7pPr>
     <a:lvl8pPr marR="0" lvl="7" algn="l" rtl="0">
@@ -189,10 +189,10 @@
         <a:solidFill>
           <a:srgbClr val="000000"/>
         </a:solidFill>
-        <a:latin typeface="Arial"/>
-        <a:ea typeface="Arial"/>
-        <a:cs typeface="Arial"/>
-        <a:sym typeface="Arial"/>
+        <a:latin typeface="Arial" panose="02080604020202020204" charset="0"/>
+        <a:ea typeface="Arial" panose="02080604020202020204" charset="0"/>
+        <a:cs typeface="Arial" panose="02080604020202020204" charset="0"/>
+        <a:sym typeface="Arial" panose="02080604020202020204" charset="0"/>
       </a:defRPr>
     </a:lvl8pPr>
     <a:lvl9pPr marR="0" lvl="8" algn="l" rtl="0">
@@ -210,10 +210,10 @@
         <a:solidFill>
           <a:srgbClr val="000000"/>
         </a:solidFill>
-        <a:latin typeface="Arial"/>
-        <a:ea typeface="Arial"/>
-        <a:cs typeface="Arial"/>
-        <a:sym typeface="Arial"/>
+        <a:latin typeface="Arial" panose="02080604020202020204" charset="0"/>
+        <a:ea typeface="Arial" panose="02080604020202020204" charset="0"/>
+        <a:cs typeface="Arial" panose="02080604020202020204" charset="0"/>
+        <a:sym typeface="Arial" panose="02080604020202020204" charset="0"/>
       </a:defRPr>
     </a:lvl9pPr>
   </p:defaultTextStyle>
@@ -233,7 +233,7 @@
     </p:bg>
     <p:spTree>
       <p:nvGrpSpPr>
-        <p:cNvPr id="2" name="Shape 2"/>
+        <p:cNvPr id="1" name="Shape 2"/>
         <p:cNvGrpSpPr/>
         <p:nvPr/>
       </p:nvGrpSpPr>
@@ -248,7 +248,9 @@
       <p:sp>
         <p:nvSpPr>
           <p:cNvPr id="3" name="Shape 3"/>
-          <p:cNvSpPr/>
+          <p:cNvSpPr>
+            <a:spLocks noGrp="1" noRot="1" noChangeAspect="1"/>
+          </p:cNvSpPr>
           <p:nvPr>
             <p:ph type="sldImg" idx="2"/>
           </p:nvPr>
@@ -263,6 +265,7 @@
             <a:gdLst/>
             <a:ahLst/>
             <a:cxnLst/>
+            <a:rect l="0" t="0" r="0" b="0"/>
             <a:pathLst>
               <a:path w="120000" h="120000" extrusionOk="0">
                 <a:moveTo>
@@ -296,7 +299,9 @@
       <p:sp>
         <p:nvSpPr>
           <p:cNvPr id="4" name="Shape 4"/>
-          <p:cNvSpPr txBox="1"/>
+          <p:cNvSpPr txBox="1">
+            <a:spLocks noGrp="1"/>
+          </p:cNvSpPr>
           <p:nvPr>
             <p:ph type="body" idx="1"/>
           </p:nvPr>
@@ -326,10 +331,10 @@
                 <a:solidFill>
                   <a:schemeClr val="dk1"/>
                 </a:solidFill>
-                <a:latin typeface="Arial"/>
-                <a:ea typeface="Arial"/>
-                <a:cs typeface="Arial"/>
-                <a:sym typeface="Arial"/>
+                <a:latin typeface="Arial" panose="02080604020202020204" charset="0"/>
+                <a:ea typeface="Arial" panose="02080604020202020204" charset="0"/>
+                <a:cs typeface="Arial" panose="02080604020202020204" charset="0"/>
+                <a:sym typeface="Arial" panose="02080604020202020204" charset="0"/>
               </a:defRPr>
             </a:lvl1pPr>
             <a:lvl2pPr marL="457200" marR="0" lvl="1" indent="0" algn="l" rtl="0">
@@ -341,10 +346,10 @@
                 <a:solidFill>
                   <a:schemeClr val="dk1"/>
                 </a:solidFill>
-                <a:latin typeface="Arial"/>
-                <a:ea typeface="Arial"/>
-                <a:cs typeface="Arial"/>
-                <a:sym typeface="Arial"/>
+                <a:latin typeface="Arial" panose="02080604020202020204" charset="0"/>
+                <a:ea typeface="Arial" panose="02080604020202020204" charset="0"/>
+                <a:cs typeface="Arial" panose="02080604020202020204" charset="0"/>
+                <a:sym typeface="Arial" panose="02080604020202020204" charset="0"/>
               </a:defRPr>
             </a:lvl2pPr>
             <a:lvl3pPr marL="914400" marR="0" lvl="2" indent="0" algn="l" rtl="0">
@@ -356,10 +361,10 @@
                 <a:solidFill>
                   <a:schemeClr val="dk1"/>
                 </a:solidFill>
-                <a:latin typeface="Arial"/>
-                <a:ea typeface="Arial"/>
-                <a:cs typeface="Arial"/>
-                <a:sym typeface="Arial"/>
+                <a:latin typeface="Arial" panose="02080604020202020204" charset="0"/>
+                <a:ea typeface="Arial" panose="02080604020202020204" charset="0"/>
+                <a:cs typeface="Arial" panose="02080604020202020204" charset="0"/>
+                <a:sym typeface="Arial" panose="02080604020202020204" charset="0"/>
               </a:defRPr>
             </a:lvl3pPr>
             <a:lvl4pPr marL="1371600" marR="0" lvl="3" indent="0" algn="l" rtl="0">
@@ -371,10 +376,10 @@
                 <a:solidFill>
                   <a:schemeClr val="dk1"/>
                 </a:solidFill>
-                <a:latin typeface="Arial"/>
-                <a:ea typeface="Arial"/>
-                <a:cs typeface="Arial"/>
-                <a:sym typeface="Arial"/>
+                <a:latin typeface="Arial" panose="02080604020202020204" charset="0"/>
+                <a:ea typeface="Arial" panose="02080604020202020204" charset="0"/>
+                <a:cs typeface="Arial" panose="02080604020202020204" charset="0"/>
+                <a:sym typeface="Arial" panose="02080604020202020204" charset="0"/>
               </a:defRPr>
             </a:lvl4pPr>
             <a:lvl5pPr marL="1828800" marR="0" lvl="4" indent="0" algn="l" rtl="0">
@@ -386,10 +391,10 @@
                 <a:solidFill>
                   <a:schemeClr val="dk1"/>
                 </a:solidFill>
-                <a:latin typeface="Arial"/>
-                <a:ea typeface="Arial"/>
-                <a:cs typeface="Arial"/>
-                <a:sym typeface="Arial"/>
+                <a:latin typeface="Arial" panose="02080604020202020204" charset="0"/>
+                <a:ea typeface="Arial" panose="02080604020202020204" charset="0"/>
+                <a:cs typeface="Arial" panose="02080604020202020204" charset="0"/>
+                <a:sym typeface="Arial" panose="02080604020202020204" charset="0"/>
               </a:defRPr>
             </a:lvl5pPr>
             <a:lvl6pPr marL="2286000" marR="0" lvl="5" indent="0" algn="l" rtl="0">
@@ -401,10 +406,10 @@
                 <a:solidFill>
                   <a:schemeClr val="dk1"/>
                 </a:solidFill>
-                <a:latin typeface="Arial"/>
-                <a:ea typeface="Arial"/>
-                <a:cs typeface="Arial"/>
-                <a:sym typeface="Arial"/>
+                <a:latin typeface="Arial" panose="02080604020202020204" charset="0"/>
+                <a:ea typeface="Arial" panose="02080604020202020204" charset="0"/>
+                <a:cs typeface="Arial" panose="02080604020202020204" charset="0"/>
+                <a:sym typeface="Arial" panose="02080604020202020204" charset="0"/>
               </a:defRPr>
             </a:lvl6pPr>
             <a:lvl7pPr marL="2743200" marR="0" lvl="6" indent="0" algn="l" rtl="0">
@@ -416,10 +421,10 @@
                 <a:solidFill>
                   <a:schemeClr val="dk1"/>
                 </a:solidFill>
-                <a:latin typeface="Arial"/>
-                <a:ea typeface="Arial"/>
-                <a:cs typeface="Arial"/>
-                <a:sym typeface="Arial"/>
+                <a:latin typeface="Arial" panose="02080604020202020204" charset="0"/>
+                <a:ea typeface="Arial" panose="02080604020202020204" charset="0"/>
+                <a:cs typeface="Arial" panose="02080604020202020204" charset="0"/>
+                <a:sym typeface="Arial" panose="02080604020202020204" charset="0"/>
               </a:defRPr>
             </a:lvl7pPr>
             <a:lvl8pPr marL="3200400" marR="0" lvl="7" indent="0" algn="l" rtl="0">
@@ -431,10 +436,10 @@
                 <a:solidFill>
                   <a:schemeClr val="dk1"/>
                 </a:solidFill>
-                <a:latin typeface="Arial"/>
-                <a:ea typeface="Arial"/>
-                <a:cs typeface="Arial"/>
-                <a:sym typeface="Arial"/>
+                <a:latin typeface="Arial" panose="02080604020202020204" charset="0"/>
+                <a:ea typeface="Arial" panose="02080604020202020204" charset="0"/>
+                <a:cs typeface="Arial" panose="02080604020202020204" charset="0"/>
+                <a:sym typeface="Arial" panose="02080604020202020204" charset="0"/>
               </a:defRPr>
             </a:lvl8pPr>
             <a:lvl9pPr marL="3657600" marR="0" lvl="8" indent="0" algn="l" rtl="0">
@@ -446,10 +451,10 @@
                 <a:solidFill>
                   <a:schemeClr val="dk1"/>
                 </a:solidFill>
-                <a:latin typeface="Arial"/>
-                <a:ea typeface="Arial"/>
-                <a:cs typeface="Arial"/>
-                <a:sym typeface="Arial"/>
+                <a:latin typeface="Arial" panose="02080604020202020204" charset="0"/>
+                <a:ea typeface="Arial" panose="02080604020202020204" charset="0"/>
+                <a:cs typeface="Arial" panose="02080604020202020204" charset="0"/>
+                <a:sym typeface="Arial" panose="02080604020202020204" charset="0"/>
               </a:defRPr>
             </a:lvl9pPr>
           </a:lstStyle>
@@ -468,7 +473,7 @@
   <p:cSld>
     <p:spTree>
       <p:nvGrpSpPr>
-        <p:cNvPr id="50" name="Shape 50"/>
+        <p:cNvPr id="1" name="Shape 50"/>
         <p:cNvGrpSpPr/>
         <p:nvPr/>
       </p:nvGrpSpPr>
@@ -483,7 +488,9 @@
       <p:sp>
         <p:nvSpPr>
           <p:cNvPr id="51" name="Shape 51"/>
-          <p:cNvSpPr/>
+          <p:cNvSpPr>
+            <a:spLocks noGrp="1" noRot="1" noChangeAspect="1"/>
+          </p:cNvSpPr>
           <p:nvPr>
             <p:ph type="sldImg" idx="2"/>
           </p:nvPr>
@@ -498,6 +505,7 @@
             <a:gdLst/>
             <a:ahLst/>
             <a:cxnLst/>
+            <a:rect l="0" t="0" r="0" b="0"/>
             <a:pathLst>
               <a:path w="120000" h="120000" extrusionOk="0">
                 <a:moveTo>
@@ -531,7 +539,9 @@
       <p:sp>
         <p:nvSpPr>
           <p:cNvPr id="52" name="Shape 52"/>
-          <p:cNvSpPr txBox="1"/>
+          <p:cNvSpPr txBox="1">
+            <a:spLocks noGrp="1"/>
+          </p:cNvSpPr>
           <p:nvPr>
             <p:ph type="body" idx="1"/>
           </p:nvPr>
@@ -563,17 +573,17 @@
                 <a:schemeClr val="dk1"/>
               </a:buClr>
               <a:buSzPct val="25000"/>
-              <a:buFont typeface="Arial"/>
+              <a:buFont typeface="Arial" panose="02080604020202020204" charset="0"/>
               <a:buNone/>
             </a:pPr>
             <a:endParaRPr sz="1100" b="0" i="0" u="none" strike="noStrike" cap="none">
               <a:solidFill>
                 <a:schemeClr val="dk1"/>
               </a:solidFill>
-              <a:latin typeface="Arial"/>
-              <a:ea typeface="Arial"/>
-              <a:cs typeface="Arial"/>
-              <a:sym typeface="Arial"/>
+              <a:latin typeface="Arial" panose="02080604020202020204" charset="0"/>
+              <a:ea typeface="Arial" panose="02080604020202020204" charset="0"/>
+              <a:cs typeface="Arial" panose="02080604020202020204" charset="0"/>
+              <a:sym typeface="Arial" panose="02080604020202020204" charset="0"/>
             </a:endParaRPr>
           </a:p>
         </p:txBody>
@@ -591,7 +601,7 @@
   <p:cSld>
     <p:spTree>
       <p:nvGrpSpPr>
-        <p:cNvPr id="56" name="Shape 56"/>
+        <p:cNvPr id="1" name="Shape 56"/>
         <p:cNvGrpSpPr/>
         <p:nvPr/>
       </p:nvGrpSpPr>
@@ -606,7 +616,9 @@
       <p:sp>
         <p:nvSpPr>
           <p:cNvPr id="57" name="Shape 57"/>
-          <p:cNvSpPr/>
+          <p:cNvSpPr>
+            <a:spLocks noGrp="1" noRot="1" noChangeAspect="1"/>
+          </p:cNvSpPr>
           <p:nvPr>
             <p:ph type="sldImg" idx="2"/>
           </p:nvPr>
@@ -621,6 +633,7 @@
             <a:gdLst/>
             <a:ahLst/>
             <a:cxnLst/>
+            <a:rect l="0" t="0" r="0" b="0"/>
             <a:pathLst>
               <a:path w="120000" h="120000" extrusionOk="0">
                 <a:moveTo>
@@ -654,7 +667,9 @@
       <p:sp>
         <p:nvSpPr>
           <p:cNvPr id="58" name="Shape 58"/>
-          <p:cNvSpPr txBox="1"/>
+          <p:cNvSpPr txBox="1">
+            <a:spLocks noGrp="1"/>
+          </p:cNvSpPr>
           <p:nvPr>
             <p:ph type="body" idx="1"/>
           </p:nvPr>
@@ -686,7 +701,7 @@
                 <a:schemeClr val="dk1"/>
               </a:buClr>
               <a:buSzPct val="25000"/>
-              <a:buFont typeface="Arial"/>
+              <a:buFont typeface="Arial" panose="02080604020202020204" charset="0"/>
               <a:buNone/>
             </a:pPr>
             <a:r>
@@ -694,22 +709,13 @@
                 <a:solidFill>
                   <a:schemeClr val="dk1"/>
                 </a:solidFill>
-                <a:latin typeface="Arial"/>
-                <a:ea typeface="Arial"/>
-                <a:cs typeface="Arial"/>
-                <a:sym typeface="Arial"/>
+                <a:latin typeface="Arial" panose="02080604020202020204" charset="0"/>
+                <a:ea typeface="Arial" panose="02080604020202020204" charset="0"/>
+                <a:cs typeface="Arial" panose="02080604020202020204" charset="0"/>
+                <a:sym typeface="Arial" panose="02080604020202020204" charset="0"/>
               </a:rPr>
               <a:t>我们要说的不是大自然里面的对象</a:t>
             </a:r>
-            <a:endParaRPr lang="en-GB" sz="1100" b="0" i="0" u="none" strike="noStrike" cap="none">
-              <a:solidFill>
-                <a:schemeClr val="dk1"/>
-              </a:solidFill>
-              <a:latin typeface="Arial"/>
-              <a:ea typeface="Arial"/>
-              <a:cs typeface="Arial"/>
-              <a:sym typeface="Arial"/>
-            </a:endParaRPr>
           </a:p>
         </p:txBody>
       </p:sp>
@@ -726,7 +732,7 @@
   <p:cSld>
     <p:spTree>
       <p:nvGrpSpPr>
-        <p:cNvPr id="61" name="Shape 61"/>
+        <p:cNvPr id="1" name="Shape 61"/>
         <p:cNvGrpSpPr/>
         <p:nvPr/>
       </p:nvGrpSpPr>
@@ -741,7 +747,9 @@
       <p:sp>
         <p:nvSpPr>
           <p:cNvPr id="62" name="Shape 62"/>
-          <p:cNvSpPr/>
+          <p:cNvSpPr>
+            <a:spLocks noGrp="1" noRot="1" noChangeAspect="1"/>
+          </p:cNvSpPr>
           <p:nvPr>
             <p:ph type="sldImg" idx="2"/>
           </p:nvPr>
@@ -756,6 +764,7 @@
             <a:gdLst/>
             <a:ahLst/>
             <a:cxnLst/>
+            <a:rect l="0" t="0" r="0" b="0"/>
             <a:pathLst>
               <a:path w="120000" h="120000" extrusionOk="0">
                 <a:moveTo>
@@ -789,7 +798,9 @@
       <p:sp>
         <p:nvSpPr>
           <p:cNvPr id="63" name="Shape 63"/>
-          <p:cNvSpPr txBox="1"/>
+          <p:cNvSpPr txBox="1">
+            <a:spLocks noGrp="1"/>
+          </p:cNvSpPr>
           <p:nvPr>
             <p:ph type="body" idx="1"/>
           </p:nvPr>
@@ -821,7 +832,7 @@
                 <a:schemeClr val="dk1"/>
               </a:buClr>
               <a:buSzPct val="25000"/>
-              <a:buFont typeface="Arial"/>
+              <a:buFont typeface="Arial" panose="02080604020202020204" charset="0"/>
               <a:buNone/>
             </a:pPr>
             <a:r>
@@ -829,22 +840,13 @@
                 <a:solidFill>
                   <a:schemeClr val="dk1"/>
                 </a:solidFill>
-                <a:latin typeface="Arial"/>
-                <a:ea typeface="Arial"/>
-                <a:cs typeface="Arial"/>
-                <a:sym typeface="Arial"/>
+                <a:latin typeface="Arial" panose="02080604020202020204" charset="0"/>
+                <a:ea typeface="Arial" panose="02080604020202020204" charset="0"/>
+                <a:cs typeface="Arial" panose="02080604020202020204" charset="0"/>
+                <a:sym typeface="Arial" panose="02080604020202020204" charset="0"/>
               </a:rPr>
               <a:t>而是在软件开发里的面向对象。面向对象是目前在程序开发里使用的最主流的编程思想。它把对象作为程序的基本单元，把数据和一些功能封装在里面，能够实现很好的复用性，灵活性和扩展性</a:t>
             </a:r>
-            <a:endParaRPr lang="en-GB" sz="1100" b="0" i="0" u="none" strike="noStrike" cap="none">
-              <a:solidFill>
-                <a:schemeClr val="dk1"/>
-              </a:solidFill>
-              <a:latin typeface="Arial"/>
-              <a:ea typeface="Arial"/>
-              <a:cs typeface="Arial"/>
-              <a:sym typeface="Arial"/>
-            </a:endParaRPr>
           </a:p>
         </p:txBody>
       </p:sp>
@@ -861,7 +863,7 @@
   <p:cSld>
     <p:spTree>
       <p:nvGrpSpPr>
-        <p:cNvPr id="67" name="Shape 67"/>
+        <p:cNvPr id="1" name="Shape 67"/>
         <p:cNvGrpSpPr/>
         <p:nvPr/>
       </p:nvGrpSpPr>
@@ -876,7 +878,9 @@
       <p:sp>
         <p:nvSpPr>
           <p:cNvPr id="68" name="Shape 68"/>
-          <p:cNvSpPr/>
+          <p:cNvSpPr>
+            <a:spLocks noGrp="1" noRot="1" noChangeAspect="1"/>
+          </p:cNvSpPr>
           <p:nvPr>
             <p:ph type="sldImg" idx="2"/>
           </p:nvPr>
@@ -891,6 +895,7 @@
             <a:gdLst/>
             <a:ahLst/>
             <a:cxnLst/>
+            <a:rect l="0" t="0" r="0" b="0"/>
             <a:pathLst>
               <a:path w="120000" h="120000" extrusionOk="0">
                 <a:moveTo>
@@ -924,7 +929,9 @@
       <p:sp>
         <p:nvSpPr>
           <p:cNvPr id="69" name="Shape 69"/>
-          <p:cNvSpPr txBox="1"/>
+          <p:cNvSpPr txBox="1">
+            <a:spLocks noGrp="1"/>
+          </p:cNvSpPr>
           <p:nvPr>
             <p:ph type="body" idx="1"/>
           </p:nvPr>
@@ -956,17 +963,17 @@
                 <a:schemeClr val="dk1"/>
               </a:buClr>
               <a:buSzPct val="25000"/>
-              <a:buFont typeface="Arial"/>
+              <a:buFont typeface="Arial" panose="02080604020202020204" charset="0"/>
               <a:buNone/>
             </a:pPr>
             <a:endParaRPr sz="1100" b="0" i="0" u="none" strike="noStrike" cap="none">
               <a:solidFill>
                 <a:schemeClr val="dk1"/>
               </a:solidFill>
-              <a:latin typeface="Arial"/>
-              <a:ea typeface="Arial"/>
-              <a:cs typeface="Arial"/>
-              <a:sym typeface="Arial"/>
+              <a:latin typeface="Arial" panose="02080604020202020204" charset="0"/>
+              <a:ea typeface="Arial" panose="02080604020202020204" charset="0"/>
+              <a:cs typeface="Arial" panose="02080604020202020204" charset="0"/>
+              <a:sym typeface="Arial" panose="02080604020202020204" charset="0"/>
             </a:endParaRPr>
           </a:p>
         </p:txBody>
@@ -984,7 +991,7 @@
   <p:cSld name="Title slide">
     <p:spTree>
       <p:nvGrpSpPr>
-        <p:cNvPr id="9" name="Shape 9"/>
+        <p:cNvPr id="1" name="Shape 9"/>
         <p:cNvGrpSpPr/>
         <p:nvPr/>
       </p:nvGrpSpPr>
@@ -999,7 +1006,9 @@
       <p:sp>
         <p:nvSpPr>
           <p:cNvPr id="10" name="Shape 10"/>
-          <p:cNvSpPr txBox="1"/>
+          <p:cNvSpPr txBox="1">
+            <a:spLocks noGrp="1"/>
+          </p:cNvSpPr>
           <p:nvPr>
             <p:ph type="ctrTitle"/>
           </p:nvPr>
@@ -1033,16 +1042,16 @@
               <a:buClr>
                 <a:schemeClr val="dk1"/>
               </a:buClr>
-              <a:buFont typeface="Arial"/>
+              <a:buFont typeface="Arial" panose="02080604020202020204" charset="0"/>
               <a:buNone/>
               <a:defRPr sz="5200" b="0" i="0" u="none" strike="noStrike" cap="none">
                 <a:solidFill>
                   <a:schemeClr val="dk1"/>
                 </a:solidFill>
-                <a:latin typeface="Arial"/>
-                <a:ea typeface="Arial"/>
-                <a:cs typeface="Arial"/>
-                <a:sym typeface="Arial"/>
+                <a:latin typeface="Arial" panose="02080604020202020204" charset="0"/>
+                <a:ea typeface="Arial" panose="02080604020202020204" charset="0"/>
+                <a:cs typeface="Arial" panose="02080604020202020204" charset="0"/>
+                <a:sym typeface="Arial" panose="02080604020202020204" charset="0"/>
               </a:defRPr>
             </a:lvl1pPr>
             <a:lvl2pPr lvl="1" indent="0" algn="ctr">
@@ -1052,7 +1061,7 @@
               <a:buClr>
                 <a:schemeClr val="dk1"/>
               </a:buClr>
-              <a:buFont typeface="Arial"/>
+              <a:buFont typeface="Arial" panose="02080604020202020204" charset="0"/>
               <a:buNone/>
               <a:defRPr sz="5200">
                 <a:solidFill>
@@ -1067,7 +1076,7 @@
               <a:buClr>
                 <a:schemeClr val="dk1"/>
               </a:buClr>
-              <a:buFont typeface="Arial"/>
+              <a:buFont typeface="Arial" panose="02080604020202020204" charset="0"/>
               <a:buNone/>
               <a:defRPr sz="5200">
                 <a:solidFill>
@@ -1082,7 +1091,7 @@
               <a:buClr>
                 <a:schemeClr val="dk1"/>
               </a:buClr>
-              <a:buFont typeface="Arial"/>
+              <a:buFont typeface="Arial" panose="02080604020202020204" charset="0"/>
               <a:buNone/>
               <a:defRPr sz="5200">
                 <a:solidFill>
@@ -1097,7 +1106,7 @@
               <a:buClr>
                 <a:schemeClr val="dk1"/>
               </a:buClr>
-              <a:buFont typeface="Arial"/>
+              <a:buFont typeface="Arial" panose="02080604020202020204" charset="0"/>
               <a:buNone/>
               <a:defRPr sz="5200">
                 <a:solidFill>
@@ -1112,7 +1121,7 @@
               <a:buClr>
                 <a:schemeClr val="dk1"/>
               </a:buClr>
-              <a:buFont typeface="Arial"/>
+              <a:buFont typeface="Arial" panose="02080604020202020204" charset="0"/>
               <a:buNone/>
               <a:defRPr sz="5200">
                 <a:solidFill>
@@ -1127,7 +1136,7 @@
               <a:buClr>
                 <a:schemeClr val="dk1"/>
               </a:buClr>
-              <a:buFont typeface="Arial"/>
+              <a:buFont typeface="Arial" panose="02080604020202020204" charset="0"/>
               <a:buNone/>
               <a:defRPr sz="5200">
                 <a:solidFill>
@@ -1142,7 +1151,7 @@
               <a:buClr>
                 <a:schemeClr val="dk1"/>
               </a:buClr>
-              <a:buFont typeface="Arial"/>
+              <a:buFont typeface="Arial" panose="02080604020202020204" charset="0"/>
               <a:buNone/>
               <a:defRPr sz="5200">
                 <a:solidFill>
@@ -1157,7 +1166,7 @@
               <a:buClr>
                 <a:schemeClr val="dk1"/>
               </a:buClr>
-              <a:buFont typeface="Arial"/>
+              <a:buFont typeface="Arial" panose="02080604020202020204" charset="0"/>
               <a:buNone/>
               <a:defRPr sz="5200">
                 <a:solidFill>
@@ -1172,7 +1181,9 @@
       <p:sp>
         <p:nvSpPr>
           <p:cNvPr id="11" name="Shape 11"/>
-          <p:cNvSpPr txBox="1"/>
+          <p:cNvSpPr txBox="1">
+            <a:spLocks noGrp="1"/>
+          </p:cNvSpPr>
           <p:nvPr>
             <p:ph type="subTitle" idx="1"/>
           </p:nvPr>
@@ -1206,16 +1217,16 @@
               <a:buClr>
                 <a:schemeClr val="dk2"/>
               </a:buClr>
-              <a:buFont typeface="Arial"/>
+              <a:buFont typeface="Arial" panose="02080604020202020204" charset="0"/>
               <a:buNone/>
               <a:defRPr sz="2800" b="0" i="0" u="none" strike="noStrike" cap="none">
                 <a:solidFill>
                   <a:schemeClr val="dk2"/>
                 </a:solidFill>
-                <a:latin typeface="Arial"/>
-                <a:ea typeface="Arial"/>
-                <a:cs typeface="Arial"/>
-                <a:sym typeface="Arial"/>
+                <a:latin typeface="Arial" panose="02080604020202020204" charset="0"/>
+                <a:ea typeface="Arial" panose="02080604020202020204" charset="0"/>
+                <a:cs typeface="Arial" panose="02080604020202020204" charset="0"/>
+                <a:sym typeface="Arial" panose="02080604020202020204" charset="0"/>
               </a:defRPr>
             </a:lvl1pPr>
             <a:lvl2pPr marL="457200" marR="0" lvl="1" indent="0" algn="ctr" rtl="0">
@@ -1231,16 +1242,16 @@
               <a:buClr>
                 <a:schemeClr val="dk2"/>
               </a:buClr>
-              <a:buFont typeface="Arial"/>
+              <a:buFont typeface="Arial" panose="02080604020202020204" charset="0"/>
               <a:buNone/>
               <a:defRPr sz="2800" b="0" i="0" u="none" strike="noStrike" cap="none">
                 <a:solidFill>
                   <a:schemeClr val="dk2"/>
                 </a:solidFill>
-                <a:latin typeface="Arial"/>
-                <a:ea typeface="Arial"/>
-                <a:cs typeface="Arial"/>
-                <a:sym typeface="Arial"/>
+                <a:latin typeface="Arial" panose="02080604020202020204" charset="0"/>
+                <a:ea typeface="Arial" panose="02080604020202020204" charset="0"/>
+                <a:cs typeface="Arial" panose="02080604020202020204" charset="0"/>
+                <a:sym typeface="Arial" panose="02080604020202020204" charset="0"/>
               </a:defRPr>
             </a:lvl2pPr>
             <a:lvl3pPr marL="914400" marR="0" lvl="2" indent="0" algn="ctr" rtl="0">
@@ -1256,16 +1267,16 @@
               <a:buClr>
                 <a:schemeClr val="dk2"/>
               </a:buClr>
-              <a:buFont typeface="Arial"/>
+              <a:buFont typeface="Arial" panose="02080604020202020204" charset="0"/>
               <a:buNone/>
               <a:defRPr sz="2800" b="0" i="0" u="none" strike="noStrike" cap="none">
                 <a:solidFill>
                   <a:schemeClr val="dk2"/>
                 </a:solidFill>
-                <a:latin typeface="Arial"/>
-                <a:ea typeface="Arial"/>
-                <a:cs typeface="Arial"/>
-                <a:sym typeface="Arial"/>
+                <a:latin typeface="Arial" panose="02080604020202020204" charset="0"/>
+                <a:ea typeface="Arial" panose="02080604020202020204" charset="0"/>
+                <a:cs typeface="Arial" panose="02080604020202020204" charset="0"/>
+                <a:sym typeface="Arial" panose="02080604020202020204" charset="0"/>
               </a:defRPr>
             </a:lvl3pPr>
             <a:lvl4pPr marL="1371600" marR="0" lvl="3" indent="0" algn="ctr" rtl="0">
@@ -1281,16 +1292,16 @@
               <a:buClr>
                 <a:schemeClr val="dk2"/>
               </a:buClr>
-              <a:buFont typeface="Arial"/>
+              <a:buFont typeface="Arial" panose="02080604020202020204" charset="0"/>
               <a:buNone/>
               <a:defRPr sz="2800" b="0" i="0" u="none" strike="noStrike" cap="none">
                 <a:solidFill>
                   <a:schemeClr val="dk2"/>
                 </a:solidFill>
-                <a:latin typeface="Arial"/>
-                <a:ea typeface="Arial"/>
-                <a:cs typeface="Arial"/>
-                <a:sym typeface="Arial"/>
+                <a:latin typeface="Arial" panose="02080604020202020204" charset="0"/>
+                <a:ea typeface="Arial" panose="02080604020202020204" charset="0"/>
+                <a:cs typeface="Arial" panose="02080604020202020204" charset="0"/>
+                <a:sym typeface="Arial" panose="02080604020202020204" charset="0"/>
               </a:defRPr>
             </a:lvl4pPr>
             <a:lvl5pPr marL="1828800" marR="0" lvl="4" indent="0" algn="ctr" rtl="0">
@@ -1306,16 +1317,16 @@
               <a:buClr>
                 <a:schemeClr val="dk2"/>
               </a:buClr>
-              <a:buFont typeface="Arial"/>
+              <a:buFont typeface="Arial" panose="02080604020202020204" charset="0"/>
               <a:buNone/>
               <a:defRPr sz="2800" b="0" i="0" u="none" strike="noStrike" cap="none">
                 <a:solidFill>
                   <a:schemeClr val="dk2"/>
                 </a:solidFill>
-                <a:latin typeface="Arial"/>
-                <a:ea typeface="Arial"/>
-                <a:cs typeface="Arial"/>
-                <a:sym typeface="Arial"/>
+                <a:latin typeface="Arial" panose="02080604020202020204" charset="0"/>
+                <a:ea typeface="Arial" panose="02080604020202020204" charset="0"/>
+                <a:cs typeface="Arial" panose="02080604020202020204" charset="0"/>
+                <a:sym typeface="Arial" panose="02080604020202020204" charset="0"/>
               </a:defRPr>
             </a:lvl5pPr>
             <a:lvl6pPr marL="2286000" marR="0" lvl="5" indent="0" algn="ctr" rtl="0">
@@ -1331,16 +1342,16 @@
               <a:buClr>
                 <a:schemeClr val="dk2"/>
               </a:buClr>
-              <a:buFont typeface="Arial"/>
+              <a:buFont typeface="Arial" panose="02080604020202020204" charset="0"/>
               <a:buNone/>
               <a:defRPr sz="2800" b="0" i="0" u="none" strike="noStrike" cap="none">
                 <a:solidFill>
                   <a:schemeClr val="dk2"/>
                 </a:solidFill>
-                <a:latin typeface="Arial"/>
-                <a:ea typeface="Arial"/>
-                <a:cs typeface="Arial"/>
-                <a:sym typeface="Arial"/>
+                <a:latin typeface="Arial" panose="02080604020202020204" charset="0"/>
+                <a:ea typeface="Arial" panose="02080604020202020204" charset="0"/>
+                <a:cs typeface="Arial" panose="02080604020202020204" charset="0"/>
+                <a:sym typeface="Arial" panose="02080604020202020204" charset="0"/>
               </a:defRPr>
             </a:lvl6pPr>
             <a:lvl7pPr marL="2743200" marR="0" lvl="6" indent="0" algn="ctr" rtl="0">
@@ -1356,16 +1367,16 @@
               <a:buClr>
                 <a:schemeClr val="dk2"/>
               </a:buClr>
-              <a:buFont typeface="Arial"/>
+              <a:buFont typeface="Arial" panose="02080604020202020204" charset="0"/>
               <a:buNone/>
               <a:defRPr sz="2800" b="0" i="0" u="none" strike="noStrike" cap="none">
                 <a:solidFill>
                   <a:schemeClr val="dk2"/>
                 </a:solidFill>
-                <a:latin typeface="Arial"/>
-                <a:ea typeface="Arial"/>
-                <a:cs typeface="Arial"/>
-                <a:sym typeface="Arial"/>
+                <a:latin typeface="Arial" panose="02080604020202020204" charset="0"/>
+                <a:ea typeface="Arial" panose="02080604020202020204" charset="0"/>
+                <a:cs typeface="Arial" panose="02080604020202020204" charset="0"/>
+                <a:sym typeface="Arial" panose="02080604020202020204" charset="0"/>
               </a:defRPr>
             </a:lvl7pPr>
             <a:lvl8pPr marL="3200400" marR="0" lvl="7" indent="0" algn="ctr" rtl="0">
@@ -1381,16 +1392,16 @@
               <a:buClr>
                 <a:schemeClr val="dk2"/>
               </a:buClr>
-              <a:buFont typeface="Arial"/>
+              <a:buFont typeface="Arial" panose="02080604020202020204" charset="0"/>
               <a:buNone/>
               <a:defRPr sz="2800" b="0" i="0" u="none" strike="noStrike" cap="none">
                 <a:solidFill>
                   <a:schemeClr val="dk2"/>
                 </a:solidFill>
-                <a:latin typeface="Arial"/>
-                <a:ea typeface="Arial"/>
-                <a:cs typeface="Arial"/>
-                <a:sym typeface="Arial"/>
+                <a:latin typeface="Arial" panose="02080604020202020204" charset="0"/>
+                <a:ea typeface="Arial" panose="02080604020202020204" charset="0"/>
+                <a:cs typeface="Arial" panose="02080604020202020204" charset="0"/>
+                <a:sym typeface="Arial" panose="02080604020202020204" charset="0"/>
               </a:defRPr>
             </a:lvl8pPr>
             <a:lvl9pPr marL="3657600" marR="0" lvl="8" indent="0" algn="ctr" rtl="0">
@@ -1406,16 +1417,16 @@
               <a:buClr>
                 <a:schemeClr val="dk2"/>
               </a:buClr>
-              <a:buFont typeface="Arial"/>
+              <a:buFont typeface="Arial" panose="02080604020202020204" charset="0"/>
               <a:buNone/>
               <a:defRPr sz="2800" b="0" i="0" u="none" strike="noStrike" cap="none">
                 <a:solidFill>
                   <a:schemeClr val="dk2"/>
                 </a:solidFill>
-                <a:latin typeface="Arial"/>
-                <a:ea typeface="Arial"/>
-                <a:cs typeface="Arial"/>
-                <a:sym typeface="Arial"/>
+                <a:latin typeface="Arial" panose="02080604020202020204" charset="0"/>
+                <a:ea typeface="Arial" panose="02080604020202020204" charset="0"/>
+                <a:cs typeface="Arial" panose="02080604020202020204" charset="0"/>
+                <a:sym typeface="Arial" panose="02080604020202020204" charset="0"/>
               </a:defRPr>
             </a:lvl9pPr>
           </a:lstStyle>
@@ -1425,7 +1436,9 @@
       <p:sp>
         <p:nvSpPr>
           <p:cNvPr id="12" name="Shape 12"/>
-          <p:cNvSpPr txBox="1"/>
+          <p:cNvSpPr txBox="1">
+            <a:spLocks noGrp="1"/>
+          </p:cNvSpPr>
           <p:nvPr>
             <p:ph type="sldNum" idx="12"/>
           </p:nvPr>
@@ -1463,7 +1476,7 @@
                 <a:srgbClr val="000000"/>
               </a:buClr>
               <a:buSzPct val="25000"/>
-              <a:buFont typeface="Arial"/>
+              <a:buFont typeface="Arial" panose="02080604020202020204" charset="0"/>
               <a:buNone/>
             </a:pPr>
             <a:fld id="{00000000-1234-1234-1234-123412341234}" type="slidenum">
@@ -1471,20 +1484,20 @@
                 <a:solidFill>
                   <a:srgbClr val="000000"/>
                 </a:solidFill>
-                <a:latin typeface="Arial"/>
-                <a:ea typeface="Arial"/>
-                <a:cs typeface="Arial"/>
-                <a:sym typeface="Arial"/>
+                <a:latin typeface="Arial" panose="02080604020202020204" charset="0"/>
+                <a:ea typeface="Arial" panose="02080604020202020204" charset="0"/>
+                <a:cs typeface="Arial" panose="02080604020202020204" charset="0"/>
+                <a:sym typeface="Arial" panose="02080604020202020204" charset="0"/>
               </a:rPr>
             </a:fld>
             <a:endParaRPr lang="en-GB" sz="1400" b="0" i="0" u="none" strike="noStrike" cap="none">
               <a:solidFill>
                 <a:srgbClr val="000000"/>
               </a:solidFill>
-              <a:latin typeface="Arial"/>
-              <a:ea typeface="Arial"/>
-              <a:cs typeface="Arial"/>
-              <a:sym typeface="Arial"/>
+              <a:latin typeface="Arial" panose="02080604020202020204" charset="0"/>
+              <a:ea typeface="Arial" panose="02080604020202020204" charset="0"/>
+              <a:cs typeface="Arial" panose="02080604020202020204" charset="0"/>
+              <a:sym typeface="Arial" panose="02080604020202020204" charset="0"/>
             </a:endParaRPr>
           </a:p>
         </p:txBody>
@@ -1502,7 +1515,7 @@
   <p:cSld name="Big number">
     <p:spTree>
       <p:nvGrpSpPr>
-        <p:cNvPr id="44" name="Shape 44"/>
+        <p:cNvPr id="1" name="Shape 44"/>
         <p:cNvGrpSpPr/>
         <p:nvPr/>
       </p:nvGrpSpPr>
@@ -1517,7 +1530,9 @@
       <p:sp>
         <p:nvSpPr>
           <p:cNvPr id="45" name="Shape 45"/>
-          <p:cNvSpPr txBox="1"/>
+          <p:cNvSpPr txBox="1">
+            <a:spLocks noGrp="1"/>
+          </p:cNvSpPr>
           <p:nvPr>
             <p:ph type="title"/>
           </p:nvPr>
@@ -1551,16 +1566,16 @@
               <a:buClr>
                 <a:schemeClr val="dk1"/>
               </a:buClr>
-              <a:buFont typeface="Arial"/>
+              <a:buFont typeface="Arial" panose="02080604020202020204" charset="0"/>
               <a:buNone/>
               <a:defRPr sz="12000" b="0" i="0" u="none" strike="noStrike" cap="none">
                 <a:solidFill>
                   <a:schemeClr val="dk1"/>
                 </a:solidFill>
-                <a:latin typeface="Arial"/>
-                <a:ea typeface="Arial"/>
-                <a:cs typeface="Arial"/>
-                <a:sym typeface="Arial"/>
+                <a:latin typeface="Arial" panose="02080604020202020204" charset="0"/>
+                <a:ea typeface="Arial" panose="02080604020202020204" charset="0"/>
+                <a:cs typeface="Arial" panose="02080604020202020204" charset="0"/>
+                <a:sym typeface="Arial" panose="02080604020202020204" charset="0"/>
               </a:defRPr>
             </a:lvl1pPr>
             <a:lvl2pPr lvl="1" indent="0" algn="ctr">
@@ -1570,7 +1585,7 @@
               <a:buClr>
                 <a:schemeClr val="dk1"/>
               </a:buClr>
-              <a:buFont typeface="Arial"/>
+              <a:buFont typeface="Arial" panose="02080604020202020204" charset="0"/>
               <a:buNone/>
               <a:defRPr sz="12000">
                 <a:solidFill>
@@ -1585,7 +1600,7 @@
               <a:buClr>
                 <a:schemeClr val="dk1"/>
               </a:buClr>
-              <a:buFont typeface="Arial"/>
+              <a:buFont typeface="Arial" panose="02080604020202020204" charset="0"/>
               <a:buNone/>
               <a:defRPr sz="12000">
                 <a:solidFill>
@@ -1600,7 +1615,7 @@
               <a:buClr>
                 <a:schemeClr val="dk1"/>
               </a:buClr>
-              <a:buFont typeface="Arial"/>
+              <a:buFont typeface="Arial" panose="02080604020202020204" charset="0"/>
               <a:buNone/>
               <a:defRPr sz="12000">
                 <a:solidFill>
@@ -1615,7 +1630,7 @@
               <a:buClr>
                 <a:schemeClr val="dk1"/>
               </a:buClr>
-              <a:buFont typeface="Arial"/>
+              <a:buFont typeface="Arial" panose="02080604020202020204" charset="0"/>
               <a:buNone/>
               <a:defRPr sz="12000">
                 <a:solidFill>
@@ -1630,7 +1645,7 @@
               <a:buClr>
                 <a:schemeClr val="dk1"/>
               </a:buClr>
-              <a:buFont typeface="Arial"/>
+              <a:buFont typeface="Arial" panose="02080604020202020204" charset="0"/>
               <a:buNone/>
               <a:defRPr sz="12000">
                 <a:solidFill>
@@ -1645,7 +1660,7 @@
               <a:buClr>
                 <a:schemeClr val="dk1"/>
               </a:buClr>
-              <a:buFont typeface="Arial"/>
+              <a:buFont typeface="Arial" panose="02080604020202020204" charset="0"/>
               <a:buNone/>
               <a:defRPr sz="12000">
                 <a:solidFill>
@@ -1660,7 +1675,7 @@
               <a:buClr>
                 <a:schemeClr val="dk1"/>
               </a:buClr>
-              <a:buFont typeface="Arial"/>
+              <a:buFont typeface="Arial" panose="02080604020202020204" charset="0"/>
               <a:buNone/>
               <a:defRPr sz="12000">
                 <a:solidFill>
@@ -1675,7 +1690,7 @@
               <a:buClr>
                 <a:schemeClr val="dk1"/>
               </a:buClr>
-              <a:buFont typeface="Arial"/>
+              <a:buFont typeface="Arial" panose="02080604020202020204" charset="0"/>
               <a:buNone/>
               <a:defRPr sz="12000">
                 <a:solidFill>
@@ -1690,7 +1705,9 @@
       <p:sp>
         <p:nvSpPr>
           <p:cNvPr id="46" name="Shape 46"/>
-          <p:cNvSpPr txBox="1"/>
+          <p:cNvSpPr txBox="1">
+            <a:spLocks noGrp="1"/>
+          </p:cNvSpPr>
           <p:nvPr>
             <p:ph type="body" idx="1"/>
           </p:nvPr>
@@ -1724,16 +1741,16 @@
               <a:buClr>
                 <a:schemeClr val="dk2"/>
               </a:buClr>
-              <a:buFont typeface="Arial"/>
+              <a:buFont typeface="Arial" panose="02080604020202020204" charset="0"/>
               <a:buNone/>
               <a:defRPr sz="1800" b="0" i="0" u="none" strike="noStrike" cap="none">
                 <a:solidFill>
                   <a:schemeClr val="dk2"/>
                 </a:solidFill>
-                <a:latin typeface="Arial"/>
-                <a:ea typeface="Arial"/>
-                <a:cs typeface="Arial"/>
-                <a:sym typeface="Arial"/>
+                <a:latin typeface="Arial" panose="02080604020202020204" charset="0"/>
+                <a:ea typeface="Arial" panose="02080604020202020204" charset="0"/>
+                <a:cs typeface="Arial" panose="02080604020202020204" charset="0"/>
+                <a:sym typeface="Arial" panose="02080604020202020204" charset="0"/>
               </a:defRPr>
             </a:lvl1pPr>
             <a:lvl2pPr marL="457200" marR="0" lvl="1" indent="0" algn="ctr" rtl="0">
@@ -1749,16 +1766,16 @@
               <a:buClr>
                 <a:schemeClr val="dk2"/>
               </a:buClr>
-              <a:buFont typeface="Arial"/>
+              <a:buFont typeface="Arial" panose="02080604020202020204" charset="0"/>
               <a:buNone/>
               <a:defRPr sz="1400" b="0" i="0" u="none" strike="noStrike" cap="none">
                 <a:solidFill>
                   <a:schemeClr val="dk2"/>
                 </a:solidFill>
-                <a:latin typeface="Arial"/>
-                <a:ea typeface="Arial"/>
-                <a:cs typeface="Arial"/>
-                <a:sym typeface="Arial"/>
+                <a:latin typeface="Arial" panose="02080604020202020204" charset="0"/>
+                <a:ea typeface="Arial" panose="02080604020202020204" charset="0"/>
+                <a:cs typeface="Arial" panose="02080604020202020204" charset="0"/>
+                <a:sym typeface="Arial" panose="02080604020202020204" charset="0"/>
               </a:defRPr>
             </a:lvl2pPr>
             <a:lvl3pPr marL="914400" marR="0" lvl="2" indent="0" algn="ctr" rtl="0">
@@ -1774,16 +1791,16 @@
               <a:buClr>
                 <a:schemeClr val="dk2"/>
               </a:buClr>
-              <a:buFont typeface="Arial"/>
+              <a:buFont typeface="Arial" panose="02080604020202020204" charset="0"/>
               <a:buNone/>
               <a:defRPr sz="1400" b="0" i="0" u="none" strike="noStrike" cap="none">
                 <a:solidFill>
                   <a:schemeClr val="dk2"/>
                 </a:solidFill>
-                <a:latin typeface="Arial"/>
-                <a:ea typeface="Arial"/>
-                <a:cs typeface="Arial"/>
-                <a:sym typeface="Arial"/>
+                <a:latin typeface="Arial" panose="02080604020202020204" charset="0"/>
+                <a:ea typeface="Arial" panose="02080604020202020204" charset="0"/>
+                <a:cs typeface="Arial" panose="02080604020202020204" charset="0"/>
+                <a:sym typeface="Arial" panose="02080604020202020204" charset="0"/>
               </a:defRPr>
             </a:lvl3pPr>
             <a:lvl4pPr marL="1371600" marR="0" lvl="3" indent="0" algn="ctr" rtl="0">
@@ -1799,16 +1816,16 @@
               <a:buClr>
                 <a:schemeClr val="dk2"/>
               </a:buClr>
-              <a:buFont typeface="Arial"/>
+              <a:buFont typeface="Arial" panose="02080604020202020204" charset="0"/>
               <a:buNone/>
               <a:defRPr sz="1400" b="0" i="0" u="none" strike="noStrike" cap="none">
                 <a:solidFill>
                   <a:schemeClr val="dk2"/>
                 </a:solidFill>
-                <a:latin typeface="Arial"/>
-                <a:ea typeface="Arial"/>
-                <a:cs typeface="Arial"/>
-                <a:sym typeface="Arial"/>
+                <a:latin typeface="Arial" panose="02080604020202020204" charset="0"/>
+                <a:ea typeface="Arial" panose="02080604020202020204" charset="0"/>
+                <a:cs typeface="Arial" panose="02080604020202020204" charset="0"/>
+                <a:sym typeface="Arial" panose="02080604020202020204" charset="0"/>
               </a:defRPr>
             </a:lvl4pPr>
             <a:lvl5pPr marL="1828800" marR="0" lvl="4" indent="0" algn="ctr" rtl="0">
@@ -1824,16 +1841,16 @@
               <a:buClr>
                 <a:schemeClr val="dk2"/>
               </a:buClr>
-              <a:buFont typeface="Arial"/>
+              <a:buFont typeface="Arial" panose="02080604020202020204" charset="0"/>
               <a:buNone/>
               <a:defRPr sz="1400" b="0" i="0" u="none" strike="noStrike" cap="none">
                 <a:solidFill>
                   <a:schemeClr val="dk2"/>
                 </a:solidFill>
-                <a:latin typeface="Arial"/>
-                <a:ea typeface="Arial"/>
-                <a:cs typeface="Arial"/>
-                <a:sym typeface="Arial"/>
+                <a:latin typeface="Arial" panose="02080604020202020204" charset="0"/>
+                <a:ea typeface="Arial" panose="02080604020202020204" charset="0"/>
+                <a:cs typeface="Arial" panose="02080604020202020204" charset="0"/>
+                <a:sym typeface="Arial" panose="02080604020202020204" charset="0"/>
               </a:defRPr>
             </a:lvl5pPr>
             <a:lvl6pPr marL="2286000" marR="0" lvl="5" indent="0" algn="ctr" rtl="0">
@@ -1849,16 +1866,16 @@
               <a:buClr>
                 <a:schemeClr val="dk2"/>
               </a:buClr>
-              <a:buFont typeface="Arial"/>
+              <a:buFont typeface="Arial" panose="02080604020202020204" charset="0"/>
               <a:buNone/>
               <a:defRPr sz="1400" b="0" i="0" u="none" strike="noStrike" cap="none">
                 <a:solidFill>
                   <a:schemeClr val="dk2"/>
                 </a:solidFill>
-                <a:latin typeface="Arial"/>
-                <a:ea typeface="Arial"/>
-                <a:cs typeface="Arial"/>
-                <a:sym typeface="Arial"/>
+                <a:latin typeface="Arial" panose="02080604020202020204" charset="0"/>
+                <a:ea typeface="Arial" panose="02080604020202020204" charset="0"/>
+                <a:cs typeface="Arial" panose="02080604020202020204" charset="0"/>
+                <a:sym typeface="Arial" panose="02080604020202020204" charset="0"/>
               </a:defRPr>
             </a:lvl6pPr>
             <a:lvl7pPr marL="2743200" marR="0" lvl="6" indent="0" algn="ctr" rtl="0">
@@ -1874,16 +1891,16 @@
               <a:buClr>
                 <a:schemeClr val="dk2"/>
               </a:buClr>
-              <a:buFont typeface="Arial"/>
+              <a:buFont typeface="Arial" panose="02080604020202020204" charset="0"/>
               <a:buNone/>
               <a:defRPr sz="1400" b="0" i="0" u="none" strike="noStrike" cap="none">
                 <a:solidFill>
                   <a:schemeClr val="dk2"/>
                 </a:solidFill>
-                <a:latin typeface="Arial"/>
-                <a:ea typeface="Arial"/>
-                <a:cs typeface="Arial"/>
-                <a:sym typeface="Arial"/>
+                <a:latin typeface="Arial" panose="02080604020202020204" charset="0"/>
+                <a:ea typeface="Arial" panose="02080604020202020204" charset="0"/>
+                <a:cs typeface="Arial" panose="02080604020202020204" charset="0"/>
+                <a:sym typeface="Arial" panose="02080604020202020204" charset="0"/>
               </a:defRPr>
             </a:lvl7pPr>
             <a:lvl8pPr marL="3200400" marR="0" lvl="7" indent="0" algn="ctr" rtl="0">
@@ -1899,16 +1916,16 @@
               <a:buClr>
                 <a:schemeClr val="dk2"/>
               </a:buClr>
-              <a:buFont typeface="Arial"/>
+              <a:buFont typeface="Arial" panose="02080604020202020204" charset="0"/>
               <a:buNone/>
               <a:defRPr sz="1400" b="0" i="0" u="none" strike="noStrike" cap="none">
                 <a:solidFill>
                   <a:schemeClr val="dk2"/>
                 </a:solidFill>
-                <a:latin typeface="Arial"/>
-                <a:ea typeface="Arial"/>
-                <a:cs typeface="Arial"/>
-                <a:sym typeface="Arial"/>
+                <a:latin typeface="Arial" panose="02080604020202020204" charset="0"/>
+                <a:ea typeface="Arial" panose="02080604020202020204" charset="0"/>
+                <a:cs typeface="Arial" panose="02080604020202020204" charset="0"/>
+                <a:sym typeface="Arial" panose="02080604020202020204" charset="0"/>
               </a:defRPr>
             </a:lvl8pPr>
             <a:lvl9pPr marL="3657600" marR="0" lvl="8" indent="0" algn="ctr" rtl="0">
@@ -1924,16 +1941,16 @@
               <a:buClr>
                 <a:schemeClr val="dk2"/>
               </a:buClr>
-              <a:buFont typeface="Arial"/>
+              <a:buFont typeface="Arial" panose="02080604020202020204" charset="0"/>
               <a:buNone/>
               <a:defRPr sz="1400" b="0" i="0" u="none" strike="noStrike" cap="none">
                 <a:solidFill>
                   <a:schemeClr val="dk2"/>
                 </a:solidFill>
-                <a:latin typeface="Arial"/>
-                <a:ea typeface="Arial"/>
-                <a:cs typeface="Arial"/>
-                <a:sym typeface="Arial"/>
+                <a:latin typeface="Arial" panose="02080604020202020204" charset="0"/>
+                <a:ea typeface="Arial" panose="02080604020202020204" charset="0"/>
+                <a:cs typeface="Arial" panose="02080604020202020204" charset="0"/>
+                <a:sym typeface="Arial" panose="02080604020202020204" charset="0"/>
               </a:defRPr>
             </a:lvl9pPr>
           </a:lstStyle>
@@ -1943,7 +1960,9 @@
       <p:sp>
         <p:nvSpPr>
           <p:cNvPr id="47" name="Shape 47"/>
-          <p:cNvSpPr txBox="1"/>
+          <p:cNvSpPr txBox="1">
+            <a:spLocks noGrp="1"/>
+          </p:cNvSpPr>
           <p:nvPr>
             <p:ph type="sldNum" idx="12"/>
           </p:nvPr>
@@ -1981,7 +2000,7 @@
                 <a:srgbClr val="000000"/>
               </a:buClr>
               <a:buSzPct val="25000"/>
-              <a:buFont typeface="Arial"/>
+              <a:buFont typeface="Arial" panose="02080604020202020204" charset="0"/>
               <a:buNone/>
             </a:pPr>
             <a:fld id="{00000000-1234-1234-1234-123412341234}" type="slidenum">
@@ -1989,20 +2008,20 @@
                 <a:solidFill>
                   <a:srgbClr val="000000"/>
                 </a:solidFill>
-                <a:latin typeface="Arial"/>
-                <a:ea typeface="Arial"/>
-                <a:cs typeface="Arial"/>
-                <a:sym typeface="Arial"/>
+                <a:latin typeface="Arial" panose="02080604020202020204" charset="0"/>
+                <a:ea typeface="Arial" panose="02080604020202020204" charset="0"/>
+                <a:cs typeface="Arial" panose="02080604020202020204" charset="0"/>
+                <a:sym typeface="Arial" panose="02080604020202020204" charset="0"/>
               </a:rPr>
             </a:fld>
             <a:endParaRPr lang="en-GB" sz="1400" b="0" i="0" u="none" strike="noStrike" cap="none">
               <a:solidFill>
                 <a:srgbClr val="000000"/>
               </a:solidFill>
-              <a:latin typeface="Arial"/>
-              <a:ea typeface="Arial"/>
-              <a:cs typeface="Arial"/>
-              <a:sym typeface="Arial"/>
+              <a:latin typeface="Arial" panose="02080604020202020204" charset="0"/>
+              <a:ea typeface="Arial" panose="02080604020202020204" charset="0"/>
+              <a:cs typeface="Arial" panose="02080604020202020204" charset="0"/>
+              <a:sym typeface="Arial" panose="02080604020202020204" charset="0"/>
             </a:endParaRPr>
           </a:p>
         </p:txBody>
@@ -2020,7 +2039,7 @@
   <p:cSld name="Blank">
     <p:spTree>
       <p:nvGrpSpPr>
-        <p:cNvPr id="48" name="Shape 48"/>
+        <p:cNvPr id="1" name="Shape 48"/>
         <p:cNvGrpSpPr/>
         <p:nvPr/>
       </p:nvGrpSpPr>
@@ -2035,7 +2054,9 @@
       <p:sp>
         <p:nvSpPr>
           <p:cNvPr id="49" name="Shape 49"/>
-          <p:cNvSpPr txBox="1"/>
+          <p:cNvSpPr txBox="1">
+            <a:spLocks noGrp="1"/>
+          </p:cNvSpPr>
           <p:nvPr>
             <p:ph type="sldNum" idx="12"/>
           </p:nvPr>
@@ -2073,7 +2094,7 @@
                 <a:srgbClr val="000000"/>
               </a:buClr>
               <a:buSzPct val="25000"/>
-              <a:buFont typeface="Arial"/>
+              <a:buFont typeface="Arial" panose="02080604020202020204" charset="0"/>
               <a:buNone/>
             </a:pPr>
             <a:fld id="{00000000-1234-1234-1234-123412341234}" type="slidenum">
@@ -2081,20 +2102,20 @@
                 <a:solidFill>
                   <a:srgbClr val="000000"/>
                 </a:solidFill>
-                <a:latin typeface="Arial"/>
-                <a:ea typeface="Arial"/>
-                <a:cs typeface="Arial"/>
-                <a:sym typeface="Arial"/>
+                <a:latin typeface="Arial" panose="02080604020202020204" charset="0"/>
+                <a:ea typeface="Arial" panose="02080604020202020204" charset="0"/>
+                <a:cs typeface="Arial" panose="02080604020202020204" charset="0"/>
+                <a:sym typeface="Arial" panose="02080604020202020204" charset="0"/>
               </a:rPr>
             </a:fld>
             <a:endParaRPr lang="en-GB" sz="1400" b="0" i="0" u="none" strike="noStrike" cap="none">
               <a:solidFill>
                 <a:srgbClr val="000000"/>
               </a:solidFill>
-              <a:latin typeface="Arial"/>
-              <a:ea typeface="Arial"/>
-              <a:cs typeface="Arial"/>
-              <a:sym typeface="Arial"/>
+              <a:latin typeface="Arial" panose="02080604020202020204" charset="0"/>
+              <a:ea typeface="Arial" panose="02080604020202020204" charset="0"/>
+              <a:cs typeface="Arial" panose="02080604020202020204" charset="0"/>
+              <a:sym typeface="Arial" panose="02080604020202020204" charset="0"/>
             </a:endParaRPr>
           </a:p>
         </p:txBody>
@@ -2112,7 +2133,7 @@
   <p:cSld name="Title and body">
     <p:spTree>
       <p:nvGrpSpPr>
-        <p:cNvPr id="13" name="Shape 13"/>
+        <p:cNvPr id="1" name="Shape 13"/>
         <p:cNvGrpSpPr/>
         <p:nvPr/>
       </p:nvGrpSpPr>
@@ -2127,7 +2148,9 @@
       <p:sp>
         <p:nvSpPr>
           <p:cNvPr id="14" name="Shape 14"/>
-          <p:cNvSpPr txBox="1"/>
+          <p:cNvSpPr txBox="1">
+            <a:spLocks noGrp="1"/>
+          </p:cNvSpPr>
           <p:nvPr>
             <p:ph type="title"/>
           </p:nvPr>
@@ -2161,16 +2184,16 @@
               <a:buClr>
                 <a:schemeClr val="dk1"/>
               </a:buClr>
-              <a:buFont typeface="Arial"/>
+              <a:buFont typeface="Arial" panose="02080604020202020204" charset="0"/>
               <a:buNone/>
               <a:defRPr sz="2800" b="0" i="0" u="none" strike="noStrike" cap="none">
                 <a:solidFill>
                   <a:schemeClr val="dk1"/>
                 </a:solidFill>
-                <a:latin typeface="Arial"/>
-                <a:ea typeface="Arial"/>
-                <a:cs typeface="Arial"/>
-                <a:sym typeface="Arial"/>
+                <a:latin typeface="Arial" panose="02080604020202020204" charset="0"/>
+                <a:ea typeface="Arial" panose="02080604020202020204" charset="0"/>
+                <a:cs typeface="Arial" panose="02080604020202020204" charset="0"/>
+                <a:sym typeface="Arial" panose="02080604020202020204" charset="0"/>
               </a:defRPr>
             </a:lvl1pPr>
             <a:lvl2pPr lvl="1" indent="0">
@@ -2180,7 +2203,7 @@
               <a:buClr>
                 <a:schemeClr val="dk1"/>
               </a:buClr>
-              <a:buFont typeface="Arial"/>
+              <a:buFont typeface="Arial" panose="02080604020202020204" charset="0"/>
               <a:buNone/>
               <a:defRPr sz="2800">
                 <a:solidFill>
@@ -2195,7 +2218,7 @@
               <a:buClr>
                 <a:schemeClr val="dk1"/>
               </a:buClr>
-              <a:buFont typeface="Arial"/>
+              <a:buFont typeface="Arial" panose="02080604020202020204" charset="0"/>
               <a:buNone/>
               <a:defRPr sz="2800">
                 <a:solidFill>
@@ -2210,7 +2233,7 @@
               <a:buClr>
                 <a:schemeClr val="dk1"/>
               </a:buClr>
-              <a:buFont typeface="Arial"/>
+              <a:buFont typeface="Arial" panose="02080604020202020204" charset="0"/>
               <a:buNone/>
               <a:defRPr sz="2800">
                 <a:solidFill>
@@ -2225,7 +2248,7 @@
               <a:buClr>
                 <a:schemeClr val="dk1"/>
               </a:buClr>
-              <a:buFont typeface="Arial"/>
+              <a:buFont typeface="Arial" panose="02080604020202020204" charset="0"/>
               <a:buNone/>
               <a:defRPr sz="2800">
                 <a:solidFill>
@@ -2240,7 +2263,7 @@
               <a:buClr>
                 <a:schemeClr val="dk1"/>
               </a:buClr>
-              <a:buFont typeface="Arial"/>
+              <a:buFont typeface="Arial" panose="02080604020202020204" charset="0"/>
               <a:buNone/>
               <a:defRPr sz="2800">
                 <a:solidFill>
@@ -2255,7 +2278,7 @@
               <a:buClr>
                 <a:schemeClr val="dk1"/>
               </a:buClr>
-              <a:buFont typeface="Arial"/>
+              <a:buFont typeface="Arial" panose="02080604020202020204" charset="0"/>
               <a:buNone/>
               <a:defRPr sz="2800">
                 <a:solidFill>
@@ -2270,7 +2293,7 @@
               <a:buClr>
                 <a:schemeClr val="dk1"/>
               </a:buClr>
-              <a:buFont typeface="Arial"/>
+              <a:buFont typeface="Arial" panose="02080604020202020204" charset="0"/>
               <a:buNone/>
               <a:defRPr sz="2800">
                 <a:solidFill>
@@ -2285,7 +2308,7 @@
               <a:buClr>
                 <a:schemeClr val="dk1"/>
               </a:buClr>
-              <a:buFont typeface="Arial"/>
+              <a:buFont typeface="Arial" panose="02080604020202020204" charset="0"/>
               <a:buNone/>
               <a:defRPr sz="2800">
                 <a:solidFill>
@@ -2300,7 +2323,9 @@
       <p:sp>
         <p:nvSpPr>
           <p:cNvPr id="15" name="Shape 15"/>
-          <p:cNvSpPr txBox="1"/>
+          <p:cNvSpPr txBox="1">
+            <a:spLocks noGrp="1"/>
+          </p:cNvSpPr>
           <p:nvPr>
             <p:ph type="body" idx="1"/>
           </p:nvPr>
@@ -2334,16 +2359,16 @@
               <a:buClr>
                 <a:schemeClr val="dk2"/>
               </a:buClr>
-              <a:buFont typeface="Arial"/>
+              <a:buFont typeface="Arial" panose="02080604020202020204" charset="0"/>
               <a:buNone/>
               <a:defRPr sz="1800" b="0" i="0" u="none" strike="noStrike" cap="none">
                 <a:solidFill>
                   <a:schemeClr val="dk2"/>
                 </a:solidFill>
-                <a:latin typeface="Arial"/>
-                <a:ea typeface="Arial"/>
-                <a:cs typeface="Arial"/>
-                <a:sym typeface="Arial"/>
+                <a:latin typeface="Arial" panose="02080604020202020204" charset="0"/>
+                <a:ea typeface="Arial" panose="02080604020202020204" charset="0"/>
+                <a:cs typeface="Arial" panose="02080604020202020204" charset="0"/>
+                <a:sym typeface="Arial" panose="02080604020202020204" charset="0"/>
               </a:defRPr>
             </a:lvl1pPr>
             <a:lvl2pPr marL="457200" marR="0" lvl="1" indent="0" algn="l" rtl="0">
@@ -2359,16 +2384,16 @@
               <a:buClr>
                 <a:schemeClr val="dk2"/>
               </a:buClr>
-              <a:buFont typeface="Arial"/>
+              <a:buFont typeface="Arial" panose="02080604020202020204" charset="0"/>
               <a:buNone/>
               <a:defRPr sz="1400" b="0" i="0" u="none" strike="noStrike" cap="none">
                 <a:solidFill>
                   <a:schemeClr val="dk2"/>
                 </a:solidFill>
-                <a:latin typeface="Arial"/>
-                <a:ea typeface="Arial"/>
-                <a:cs typeface="Arial"/>
-                <a:sym typeface="Arial"/>
+                <a:latin typeface="Arial" panose="02080604020202020204" charset="0"/>
+                <a:ea typeface="Arial" panose="02080604020202020204" charset="0"/>
+                <a:cs typeface="Arial" panose="02080604020202020204" charset="0"/>
+                <a:sym typeface="Arial" panose="02080604020202020204" charset="0"/>
               </a:defRPr>
             </a:lvl2pPr>
             <a:lvl3pPr marL="914400" marR="0" lvl="2" indent="0" algn="l" rtl="0">
@@ -2384,16 +2409,16 @@
               <a:buClr>
                 <a:schemeClr val="dk2"/>
               </a:buClr>
-              <a:buFont typeface="Arial"/>
+              <a:buFont typeface="Arial" panose="02080604020202020204" charset="0"/>
               <a:buNone/>
               <a:defRPr sz="1400" b="0" i="0" u="none" strike="noStrike" cap="none">
                 <a:solidFill>
                   <a:schemeClr val="dk2"/>
                 </a:solidFill>
-                <a:latin typeface="Arial"/>
-                <a:ea typeface="Arial"/>
-                <a:cs typeface="Arial"/>
-                <a:sym typeface="Arial"/>
+                <a:latin typeface="Arial" panose="02080604020202020204" charset="0"/>
+                <a:ea typeface="Arial" panose="02080604020202020204" charset="0"/>
+                <a:cs typeface="Arial" panose="02080604020202020204" charset="0"/>
+                <a:sym typeface="Arial" panose="02080604020202020204" charset="0"/>
               </a:defRPr>
             </a:lvl3pPr>
             <a:lvl4pPr marL="1371600" marR="0" lvl="3" indent="0" algn="l" rtl="0">
@@ -2409,16 +2434,16 @@
               <a:buClr>
                 <a:schemeClr val="dk2"/>
               </a:buClr>
-              <a:buFont typeface="Arial"/>
+              <a:buFont typeface="Arial" panose="02080604020202020204" charset="0"/>
               <a:buNone/>
               <a:defRPr sz="1400" b="0" i="0" u="none" strike="noStrike" cap="none">
                 <a:solidFill>
                   <a:schemeClr val="dk2"/>
                 </a:solidFill>
-                <a:latin typeface="Arial"/>
-                <a:ea typeface="Arial"/>
-                <a:cs typeface="Arial"/>
-                <a:sym typeface="Arial"/>
+                <a:latin typeface="Arial" panose="02080604020202020204" charset="0"/>
+                <a:ea typeface="Arial" panose="02080604020202020204" charset="0"/>
+                <a:cs typeface="Arial" panose="02080604020202020204" charset="0"/>
+                <a:sym typeface="Arial" panose="02080604020202020204" charset="0"/>
               </a:defRPr>
             </a:lvl4pPr>
             <a:lvl5pPr marL="1828800" marR="0" lvl="4" indent="0" algn="l" rtl="0">
@@ -2434,16 +2459,16 @@
               <a:buClr>
                 <a:schemeClr val="dk2"/>
               </a:buClr>
-              <a:buFont typeface="Arial"/>
+              <a:buFont typeface="Arial" panose="02080604020202020204" charset="0"/>
               <a:buNone/>
               <a:defRPr sz="1400" b="0" i="0" u="none" strike="noStrike" cap="none">
                 <a:solidFill>
                   <a:schemeClr val="dk2"/>
                 </a:solidFill>
-                <a:latin typeface="Arial"/>
-                <a:ea typeface="Arial"/>
-                <a:cs typeface="Arial"/>
-                <a:sym typeface="Arial"/>
+                <a:latin typeface="Arial" panose="02080604020202020204" charset="0"/>
+                <a:ea typeface="Arial" panose="02080604020202020204" charset="0"/>
+                <a:cs typeface="Arial" panose="02080604020202020204" charset="0"/>
+                <a:sym typeface="Arial" panose="02080604020202020204" charset="0"/>
               </a:defRPr>
             </a:lvl5pPr>
             <a:lvl6pPr marL="2286000" marR="0" lvl="5" indent="0" algn="l" rtl="0">
@@ -2459,16 +2484,16 @@
               <a:buClr>
                 <a:schemeClr val="dk2"/>
               </a:buClr>
-              <a:buFont typeface="Arial"/>
+              <a:buFont typeface="Arial" panose="02080604020202020204" charset="0"/>
               <a:buNone/>
               <a:defRPr sz="1400" b="0" i="0" u="none" strike="noStrike" cap="none">
                 <a:solidFill>
                   <a:schemeClr val="dk2"/>
                 </a:solidFill>
-                <a:latin typeface="Arial"/>
-                <a:ea typeface="Arial"/>
-                <a:cs typeface="Arial"/>
-                <a:sym typeface="Arial"/>
+                <a:latin typeface="Arial" panose="02080604020202020204" charset="0"/>
+                <a:ea typeface="Arial" panose="02080604020202020204" charset="0"/>
+                <a:cs typeface="Arial" panose="02080604020202020204" charset="0"/>
+                <a:sym typeface="Arial" panose="02080604020202020204" charset="0"/>
               </a:defRPr>
             </a:lvl6pPr>
             <a:lvl7pPr marL="2743200" marR="0" lvl="6" indent="0" algn="l" rtl="0">
@@ -2484,16 +2509,16 @@
               <a:buClr>
                 <a:schemeClr val="dk2"/>
               </a:buClr>
-              <a:buFont typeface="Arial"/>
+              <a:buFont typeface="Arial" panose="02080604020202020204" charset="0"/>
               <a:buNone/>
               <a:defRPr sz="1400" b="0" i="0" u="none" strike="noStrike" cap="none">
                 <a:solidFill>
                   <a:schemeClr val="dk2"/>
                 </a:solidFill>
-                <a:latin typeface="Arial"/>
-                <a:ea typeface="Arial"/>
-                <a:cs typeface="Arial"/>
-                <a:sym typeface="Arial"/>
+                <a:latin typeface="Arial" panose="02080604020202020204" charset="0"/>
+                <a:ea typeface="Arial" panose="02080604020202020204" charset="0"/>
+                <a:cs typeface="Arial" panose="02080604020202020204" charset="0"/>
+                <a:sym typeface="Arial" panose="02080604020202020204" charset="0"/>
               </a:defRPr>
             </a:lvl7pPr>
             <a:lvl8pPr marL="3200400" marR="0" lvl="7" indent="0" algn="l" rtl="0">
@@ -2509,16 +2534,16 @@
               <a:buClr>
                 <a:schemeClr val="dk2"/>
               </a:buClr>
-              <a:buFont typeface="Arial"/>
+              <a:buFont typeface="Arial" panose="02080604020202020204" charset="0"/>
               <a:buNone/>
               <a:defRPr sz="1400" b="0" i="0" u="none" strike="noStrike" cap="none">
                 <a:solidFill>
                   <a:schemeClr val="dk2"/>
                 </a:solidFill>
-                <a:latin typeface="Arial"/>
-                <a:ea typeface="Arial"/>
-                <a:cs typeface="Arial"/>
-                <a:sym typeface="Arial"/>
+                <a:latin typeface="Arial" panose="02080604020202020204" charset="0"/>
+                <a:ea typeface="Arial" panose="02080604020202020204" charset="0"/>
+                <a:cs typeface="Arial" panose="02080604020202020204" charset="0"/>
+                <a:sym typeface="Arial" panose="02080604020202020204" charset="0"/>
               </a:defRPr>
             </a:lvl8pPr>
             <a:lvl9pPr marL="3657600" marR="0" lvl="8" indent="0" algn="l" rtl="0">
@@ -2534,16 +2559,16 @@
               <a:buClr>
                 <a:schemeClr val="dk2"/>
               </a:buClr>
-              <a:buFont typeface="Arial"/>
+              <a:buFont typeface="Arial" panose="02080604020202020204" charset="0"/>
               <a:buNone/>
               <a:defRPr sz="1400" b="0" i="0" u="none" strike="noStrike" cap="none">
                 <a:solidFill>
                   <a:schemeClr val="dk2"/>
                 </a:solidFill>
-                <a:latin typeface="Arial"/>
-                <a:ea typeface="Arial"/>
-                <a:cs typeface="Arial"/>
-                <a:sym typeface="Arial"/>
+                <a:latin typeface="Arial" panose="02080604020202020204" charset="0"/>
+                <a:ea typeface="Arial" panose="02080604020202020204" charset="0"/>
+                <a:cs typeface="Arial" panose="02080604020202020204" charset="0"/>
+                <a:sym typeface="Arial" panose="02080604020202020204" charset="0"/>
               </a:defRPr>
             </a:lvl9pPr>
           </a:lstStyle>
@@ -2553,7 +2578,9 @@
       <p:sp>
         <p:nvSpPr>
           <p:cNvPr id="16" name="Shape 16"/>
-          <p:cNvSpPr txBox="1"/>
+          <p:cNvSpPr txBox="1">
+            <a:spLocks noGrp="1"/>
+          </p:cNvSpPr>
           <p:nvPr>
             <p:ph type="sldNum" idx="12"/>
           </p:nvPr>
@@ -2591,7 +2618,7 @@
                 <a:srgbClr val="000000"/>
               </a:buClr>
               <a:buSzPct val="25000"/>
-              <a:buFont typeface="Arial"/>
+              <a:buFont typeface="Arial" panose="02080604020202020204" charset="0"/>
               <a:buNone/>
             </a:pPr>
             <a:fld id="{00000000-1234-1234-1234-123412341234}" type="slidenum">
@@ -2599,20 +2626,20 @@
                 <a:solidFill>
                   <a:srgbClr val="000000"/>
                 </a:solidFill>
-                <a:latin typeface="Arial"/>
-                <a:ea typeface="Arial"/>
-                <a:cs typeface="Arial"/>
-                <a:sym typeface="Arial"/>
+                <a:latin typeface="Arial" panose="02080604020202020204" charset="0"/>
+                <a:ea typeface="Arial" panose="02080604020202020204" charset="0"/>
+                <a:cs typeface="Arial" panose="02080604020202020204" charset="0"/>
+                <a:sym typeface="Arial" panose="02080604020202020204" charset="0"/>
               </a:rPr>
             </a:fld>
             <a:endParaRPr lang="en-GB" sz="1400" b="0" i="0" u="none" strike="noStrike" cap="none">
               <a:solidFill>
                 <a:srgbClr val="000000"/>
               </a:solidFill>
-              <a:latin typeface="Arial"/>
-              <a:ea typeface="Arial"/>
-              <a:cs typeface="Arial"/>
-              <a:sym typeface="Arial"/>
+              <a:latin typeface="Arial" panose="02080604020202020204" charset="0"/>
+              <a:ea typeface="Arial" panose="02080604020202020204" charset="0"/>
+              <a:cs typeface="Arial" panose="02080604020202020204" charset="0"/>
+              <a:sym typeface="Arial" panose="02080604020202020204" charset="0"/>
             </a:endParaRPr>
           </a:p>
         </p:txBody>
@@ -2630,7 +2657,7 @@
   <p:cSld name="Section header">
     <p:spTree>
       <p:nvGrpSpPr>
-        <p:cNvPr id="17" name="Shape 17"/>
+        <p:cNvPr id="1" name="Shape 17"/>
         <p:cNvGrpSpPr/>
         <p:nvPr/>
       </p:nvGrpSpPr>
@@ -2645,7 +2672,9 @@
       <p:sp>
         <p:nvSpPr>
           <p:cNvPr id="18" name="Shape 18"/>
-          <p:cNvSpPr txBox="1"/>
+          <p:cNvSpPr txBox="1">
+            <a:spLocks noGrp="1"/>
+          </p:cNvSpPr>
           <p:nvPr>
             <p:ph type="title"/>
           </p:nvPr>
@@ -2679,16 +2708,16 @@
               <a:buClr>
                 <a:schemeClr val="dk1"/>
               </a:buClr>
-              <a:buFont typeface="Arial"/>
+              <a:buFont typeface="Arial" panose="02080604020202020204" charset="0"/>
               <a:buNone/>
               <a:defRPr sz="3600" b="0" i="0" u="none" strike="noStrike" cap="none">
                 <a:solidFill>
                   <a:schemeClr val="dk1"/>
                 </a:solidFill>
-                <a:latin typeface="Arial"/>
-                <a:ea typeface="Arial"/>
-                <a:cs typeface="Arial"/>
-                <a:sym typeface="Arial"/>
+                <a:latin typeface="Arial" panose="02080604020202020204" charset="0"/>
+                <a:ea typeface="Arial" panose="02080604020202020204" charset="0"/>
+                <a:cs typeface="Arial" panose="02080604020202020204" charset="0"/>
+                <a:sym typeface="Arial" panose="02080604020202020204" charset="0"/>
               </a:defRPr>
             </a:lvl1pPr>
             <a:lvl2pPr lvl="1" indent="0" algn="ctr">
@@ -2698,7 +2727,7 @@
               <a:buClr>
                 <a:schemeClr val="dk1"/>
               </a:buClr>
-              <a:buFont typeface="Arial"/>
+              <a:buFont typeface="Arial" panose="02080604020202020204" charset="0"/>
               <a:buNone/>
               <a:defRPr sz="3600">
                 <a:solidFill>
@@ -2713,7 +2742,7 @@
               <a:buClr>
                 <a:schemeClr val="dk1"/>
               </a:buClr>
-              <a:buFont typeface="Arial"/>
+              <a:buFont typeface="Arial" panose="02080604020202020204" charset="0"/>
               <a:buNone/>
               <a:defRPr sz="3600">
                 <a:solidFill>
@@ -2728,7 +2757,7 @@
               <a:buClr>
                 <a:schemeClr val="dk1"/>
               </a:buClr>
-              <a:buFont typeface="Arial"/>
+              <a:buFont typeface="Arial" panose="02080604020202020204" charset="0"/>
               <a:buNone/>
               <a:defRPr sz="3600">
                 <a:solidFill>
@@ -2743,7 +2772,7 @@
               <a:buClr>
                 <a:schemeClr val="dk1"/>
               </a:buClr>
-              <a:buFont typeface="Arial"/>
+              <a:buFont typeface="Arial" panose="02080604020202020204" charset="0"/>
               <a:buNone/>
               <a:defRPr sz="3600">
                 <a:solidFill>
@@ -2758,7 +2787,7 @@
               <a:buClr>
                 <a:schemeClr val="dk1"/>
               </a:buClr>
-              <a:buFont typeface="Arial"/>
+              <a:buFont typeface="Arial" panose="02080604020202020204" charset="0"/>
               <a:buNone/>
               <a:defRPr sz="3600">
                 <a:solidFill>
@@ -2773,7 +2802,7 @@
               <a:buClr>
                 <a:schemeClr val="dk1"/>
               </a:buClr>
-              <a:buFont typeface="Arial"/>
+              <a:buFont typeface="Arial" panose="02080604020202020204" charset="0"/>
               <a:buNone/>
               <a:defRPr sz="3600">
                 <a:solidFill>
@@ -2788,7 +2817,7 @@
               <a:buClr>
                 <a:schemeClr val="dk1"/>
               </a:buClr>
-              <a:buFont typeface="Arial"/>
+              <a:buFont typeface="Arial" panose="02080604020202020204" charset="0"/>
               <a:buNone/>
               <a:defRPr sz="3600">
                 <a:solidFill>
@@ -2803,7 +2832,7 @@
               <a:buClr>
                 <a:schemeClr val="dk1"/>
               </a:buClr>
-              <a:buFont typeface="Arial"/>
+              <a:buFont typeface="Arial" panose="02080604020202020204" charset="0"/>
               <a:buNone/>
               <a:defRPr sz="3600">
                 <a:solidFill>
@@ -2818,7 +2847,9 @@
       <p:sp>
         <p:nvSpPr>
           <p:cNvPr id="19" name="Shape 19"/>
-          <p:cNvSpPr txBox="1"/>
+          <p:cNvSpPr txBox="1">
+            <a:spLocks noGrp="1"/>
+          </p:cNvSpPr>
           <p:nvPr>
             <p:ph type="sldNum" idx="12"/>
           </p:nvPr>
@@ -2856,7 +2887,7 @@
                 <a:srgbClr val="000000"/>
               </a:buClr>
               <a:buSzPct val="25000"/>
-              <a:buFont typeface="Arial"/>
+              <a:buFont typeface="Arial" panose="02080604020202020204" charset="0"/>
               <a:buNone/>
             </a:pPr>
             <a:fld id="{00000000-1234-1234-1234-123412341234}" type="slidenum">
@@ -2864,20 +2895,20 @@
                 <a:solidFill>
                   <a:srgbClr val="000000"/>
                 </a:solidFill>
-                <a:latin typeface="Arial"/>
-                <a:ea typeface="Arial"/>
-                <a:cs typeface="Arial"/>
-                <a:sym typeface="Arial"/>
+                <a:latin typeface="Arial" panose="02080604020202020204" charset="0"/>
+                <a:ea typeface="Arial" panose="02080604020202020204" charset="0"/>
+                <a:cs typeface="Arial" panose="02080604020202020204" charset="0"/>
+                <a:sym typeface="Arial" panose="02080604020202020204" charset="0"/>
               </a:rPr>
             </a:fld>
             <a:endParaRPr lang="en-GB" sz="1400" b="0" i="0" u="none" strike="noStrike" cap="none">
               <a:solidFill>
                 <a:srgbClr val="000000"/>
               </a:solidFill>
-              <a:latin typeface="Arial"/>
-              <a:ea typeface="Arial"/>
-              <a:cs typeface="Arial"/>
-              <a:sym typeface="Arial"/>
+              <a:latin typeface="Arial" panose="02080604020202020204" charset="0"/>
+              <a:ea typeface="Arial" panose="02080604020202020204" charset="0"/>
+              <a:cs typeface="Arial" panose="02080604020202020204" charset="0"/>
+              <a:sym typeface="Arial" panose="02080604020202020204" charset="0"/>
             </a:endParaRPr>
           </a:p>
         </p:txBody>
@@ -2895,7 +2926,7 @@
   <p:cSld name="Title and two columns">
     <p:spTree>
       <p:nvGrpSpPr>
-        <p:cNvPr id="20" name="Shape 20"/>
+        <p:cNvPr id="1" name="Shape 20"/>
         <p:cNvGrpSpPr/>
         <p:nvPr/>
       </p:nvGrpSpPr>
@@ -2910,7 +2941,9 @@
       <p:sp>
         <p:nvSpPr>
           <p:cNvPr id="21" name="Shape 21"/>
-          <p:cNvSpPr txBox="1"/>
+          <p:cNvSpPr txBox="1">
+            <a:spLocks noGrp="1"/>
+          </p:cNvSpPr>
           <p:nvPr>
             <p:ph type="title"/>
           </p:nvPr>
@@ -2944,16 +2977,16 @@
               <a:buClr>
                 <a:schemeClr val="dk1"/>
               </a:buClr>
-              <a:buFont typeface="Arial"/>
+              <a:buFont typeface="Arial" panose="02080604020202020204" charset="0"/>
               <a:buNone/>
               <a:defRPr sz="2800" b="0" i="0" u="none" strike="noStrike" cap="none">
                 <a:solidFill>
                   <a:schemeClr val="dk1"/>
                 </a:solidFill>
-                <a:latin typeface="Arial"/>
-                <a:ea typeface="Arial"/>
-                <a:cs typeface="Arial"/>
-                <a:sym typeface="Arial"/>
+                <a:latin typeface="Arial" panose="02080604020202020204" charset="0"/>
+                <a:ea typeface="Arial" panose="02080604020202020204" charset="0"/>
+                <a:cs typeface="Arial" panose="02080604020202020204" charset="0"/>
+                <a:sym typeface="Arial" panose="02080604020202020204" charset="0"/>
               </a:defRPr>
             </a:lvl1pPr>
             <a:lvl2pPr lvl="1" indent="0">
@@ -2963,7 +2996,7 @@
               <a:buClr>
                 <a:schemeClr val="dk1"/>
               </a:buClr>
-              <a:buFont typeface="Arial"/>
+              <a:buFont typeface="Arial" panose="02080604020202020204" charset="0"/>
               <a:buNone/>
               <a:defRPr sz="2800">
                 <a:solidFill>
@@ -2978,7 +3011,7 @@
               <a:buClr>
                 <a:schemeClr val="dk1"/>
               </a:buClr>
-              <a:buFont typeface="Arial"/>
+              <a:buFont typeface="Arial" panose="02080604020202020204" charset="0"/>
               <a:buNone/>
               <a:defRPr sz="2800">
                 <a:solidFill>
@@ -2993,7 +3026,7 @@
               <a:buClr>
                 <a:schemeClr val="dk1"/>
               </a:buClr>
-              <a:buFont typeface="Arial"/>
+              <a:buFont typeface="Arial" panose="02080604020202020204" charset="0"/>
               <a:buNone/>
               <a:defRPr sz="2800">
                 <a:solidFill>
@@ -3008,7 +3041,7 @@
               <a:buClr>
                 <a:schemeClr val="dk1"/>
               </a:buClr>
-              <a:buFont typeface="Arial"/>
+              <a:buFont typeface="Arial" panose="02080604020202020204" charset="0"/>
               <a:buNone/>
               <a:defRPr sz="2800">
                 <a:solidFill>
@@ -3023,7 +3056,7 @@
               <a:buClr>
                 <a:schemeClr val="dk1"/>
               </a:buClr>
-              <a:buFont typeface="Arial"/>
+              <a:buFont typeface="Arial" panose="02080604020202020204" charset="0"/>
               <a:buNone/>
               <a:defRPr sz="2800">
                 <a:solidFill>
@@ -3038,7 +3071,7 @@
               <a:buClr>
                 <a:schemeClr val="dk1"/>
               </a:buClr>
-              <a:buFont typeface="Arial"/>
+              <a:buFont typeface="Arial" panose="02080604020202020204" charset="0"/>
               <a:buNone/>
               <a:defRPr sz="2800">
                 <a:solidFill>
@@ -3053,7 +3086,7 @@
               <a:buClr>
                 <a:schemeClr val="dk1"/>
               </a:buClr>
-              <a:buFont typeface="Arial"/>
+              <a:buFont typeface="Arial" panose="02080604020202020204" charset="0"/>
               <a:buNone/>
               <a:defRPr sz="2800">
                 <a:solidFill>
@@ -3068,7 +3101,7 @@
               <a:buClr>
                 <a:schemeClr val="dk1"/>
               </a:buClr>
-              <a:buFont typeface="Arial"/>
+              <a:buFont typeface="Arial" panose="02080604020202020204" charset="0"/>
               <a:buNone/>
               <a:defRPr sz="2800">
                 <a:solidFill>
@@ -3083,7 +3116,9 @@
       <p:sp>
         <p:nvSpPr>
           <p:cNvPr id="22" name="Shape 22"/>
-          <p:cNvSpPr txBox="1"/>
+          <p:cNvSpPr txBox="1">
+            <a:spLocks noGrp="1"/>
+          </p:cNvSpPr>
           <p:nvPr>
             <p:ph type="body" idx="1"/>
           </p:nvPr>
@@ -3117,16 +3152,16 @@
               <a:buClr>
                 <a:schemeClr val="dk2"/>
               </a:buClr>
-              <a:buFont typeface="Arial"/>
+              <a:buFont typeface="Arial" panose="02080604020202020204" charset="0"/>
               <a:buNone/>
               <a:defRPr sz="1400" b="0" i="0" u="none" strike="noStrike" cap="none">
                 <a:solidFill>
                   <a:schemeClr val="dk2"/>
                 </a:solidFill>
-                <a:latin typeface="Arial"/>
-                <a:ea typeface="Arial"/>
-                <a:cs typeface="Arial"/>
-                <a:sym typeface="Arial"/>
+                <a:latin typeface="Arial" panose="02080604020202020204" charset="0"/>
+                <a:ea typeface="Arial" panose="02080604020202020204" charset="0"/>
+                <a:cs typeface="Arial" panose="02080604020202020204" charset="0"/>
+                <a:sym typeface="Arial" panose="02080604020202020204" charset="0"/>
               </a:defRPr>
             </a:lvl1pPr>
             <a:lvl2pPr marL="457200" marR="0" lvl="1" indent="0" algn="l" rtl="0">
@@ -3142,16 +3177,16 @@
               <a:buClr>
                 <a:schemeClr val="dk2"/>
               </a:buClr>
-              <a:buFont typeface="Arial"/>
+              <a:buFont typeface="Arial" panose="02080604020202020204" charset="0"/>
               <a:buNone/>
               <a:defRPr sz="1200" b="0" i="0" u="none" strike="noStrike" cap="none">
                 <a:solidFill>
                   <a:schemeClr val="dk2"/>
                 </a:solidFill>
-                <a:latin typeface="Arial"/>
-                <a:ea typeface="Arial"/>
-                <a:cs typeface="Arial"/>
-                <a:sym typeface="Arial"/>
+                <a:latin typeface="Arial" panose="02080604020202020204" charset="0"/>
+                <a:ea typeface="Arial" panose="02080604020202020204" charset="0"/>
+                <a:cs typeface="Arial" panose="02080604020202020204" charset="0"/>
+                <a:sym typeface="Arial" panose="02080604020202020204" charset="0"/>
               </a:defRPr>
             </a:lvl2pPr>
             <a:lvl3pPr marL="914400" marR="0" lvl="2" indent="0" algn="l" rtl="0">
@@ -3167,16 +3202,16 @@
               <a:buClr>
                 <a:schemeClr val="dk2"/>
               </a:buClr>
-              <a:buFont typeface="Arial"/>
+              <a:buFont typeface="Arial" panose="02080604020202020204" charset="0"/>
               <a:buNone/>
               <a:defRPr sz="1200" b="0" i="0" u="none" strike="noStrike" cap="none">
                 <a:solidFill>
                   <a:schemeClr val="dk2"/>
                 </a:solidFill>
-                <a:latin typeface="Arial"/>
-                <a:ea typeface="Arial"/>
-                <a:cs typeface="Arial"/>
-                <a:sym typeface="Arial"/>
+                <a:latin typeface="Arial" panose="02080604020202020204" charset="0"/>
+                <a:ea typeface="Arial" panose="02080604020202020204" charset="0"/>
+                <a:cs typeface="Arial" panose="02080604020202020204" charset="0"/>
+                <a:sym typeface="Arial" panose="02080604020202020204" charset="0"/>
               </a:defRPr>
             </a:lvl3pPr>
             <a:lvl4pPr marL="1371600" marR="0" lvl="3" indent="0" algn="l" rtl="0">
@@ -3192,16 +3227,16 @@
               <a:buClr>
                 <a:schemeClr val="dk2"/>
               </a:buClr>
-              <a:buFont typeface="Arial"/>
+              <a:buFont typeface="Arial" panose="02080604020202020204" charset="0"/>
               <a:buNone/>
               <a:defRPr sz="1200" b="0" i="0" u="none" strike="noStrike" cap="none">
                 <a:solidFill>
                   <a:schemeClr val="dk2"/>
                 </a:solidFill>
-                <a:latin typeface="Arial"/>
-                <a:ea typeface="Arial"/>
-                <a:cs typeface="Arial"/>
-                <a:sym typeface="Arial"/>
+                <a:latin typeface="Arial" panose="02080604020202020204" charset="0"/>
+                <a:ea typeface="Arial" panose="02080604020202020204" charset="0"/>
+                <a:cs typeface="Arial" panose="02080604020202020204" charset="0"/>
+                <a:sym typeface="Arial" panose="02080604020202020204" charset="0"/>
               </a:defRPr>
             </a:lvl4pPr>
             <a:lvl5pPr marL="1828800" marR="0" lvl="4" indent="0" algn="l" rtl="0">
@@ -3217,16 +3252,16 @@
               <a:buClr>
                 <a:schemeClr val="dk2"/>
               </a:buClr>
-              <a:buFont typeface="Arial"/>
+              <a:buFont typeface="Arial" panose="02080604020202020204" charset="0"/>
               <a:buNone/>
               <a:defRPr sz="1200" b="0" i="0" u="none" strike="noStrike" cap="none">
                 <a:solidFill>
                   <a:schemeClr val="dk2"/>
                 </a:solidFill>
-                <a:latin typeface="Arial"/>
-                <a:ea typeface="Arial"/>
-                <a:cs typeface="Arial"/>
-                <a:sym typeface="Arial"/>
+                <a:latin typeface="Arial" panose="02080604020202020204" charset="0"/>
+                <a:ea typeface="Arial" panose="02080604020202020204" charset="0"/>
+                <a:cs typeface="Arial" panose="02080604020202020204" charset="0"/>
+                <a:sym typeface="Arial" panose="02080604020202020204" charset="0"/>
               </a:defRPr>
             </a:lvl5pPr>
             <a:lvl6pPr marL="2286000" marR="0" lvl="5" indent="0" algn="l" rtl="0">
@@ -3242,16 +3277,16 @@
               <a:buClr>
                 <a:schemeClr val="dk2"/>
               </a:buClr>
-              <a:buFont typeface="Arial"/>
+              <a:buFont typeface="Arial" panose="02080604020202020204" charset="0"/>
               <a:buNone/>
               <a:defRPr sz="1200" b="0" i="0" u="none" strike="noStrike" cap="none">
                 <a:solidFill>
                   <a:schemeClr val="dk2"/>
                 </a:solidFill>
-                <a:latin typeface="Arial"/>
-                <a:ea typeface="Arial"/>
-                <a:cs typeface="Arial"/>
-                <a:sym typeface="Arial"/>
+                <a:latin typeface="Arial" panose="02080604020202020204" charset="0"/>
+                <a:ea typeface="Arial" panose="02080604020202020204" charset="0"/>
+                <a:cs typeface="Arial" panose="02080604020202020204" charset="0"/>
+                <a:sym typeface="Arial" panose="02080604020202020204" charset="0"/>
               </a:defRPr>
             </a:lvl6pPr>
             <a:lvl7pPr marL="2743200" marR="0" lvl="6" indent="0" algn="l" rtl="0">
@@ -3267,16 +3302,16 @@
               <a:buClr>
                 <a:schemeClr val="dk2"/>
               </a:buClr>
-              <a:buFont typeface="Arial"/>
+              <a:buFont typeface="Arial" panose="02080604020202020204" charset="0"/>
               <a:buNone/>
               <a:defRPr sz="1200" b="0" i="0" u="none" strike="noStrike" cap="none">
                 <a:solidFill>
                   <a:schemeClr val="dk2"/>
                 </a:solidFill>
-                <a:latin typeface="Arial"/>
-                <a:ea typeface="Arial"/>
-                <a:cs typeface="Arial"/>
-                <a:sym typeface="Arial"/>
+                <a:latin typeface="Arial" panose="02080604020202020204" charset="0"/>
+                <a:ea typeface="Arial" panose="02080604020202020204" charset="0"/>
+                <a:cs typeface="Arial" panose="02080604020202020204" charset="0"/>
+                <a:sym typeface="Arial" panose="02080604020202020204" charset="0"/>
               </a:defRPr>
             </a:lvl7pPr>
             <a:lvl8pPr marL="3200400" marR="0" lvl="7" indent="0" algn="l" rtl="0">
@@ -3292,16 +3327,16 @@
               <a:buClr>
                 <a:schemeClr val="dk2"/>
               </a:buClr>
-              <a:buFont typeface="Arial"/>
+              <a:buFont typeface="Arial" panose="02080604020202020204" charset="0"/>
               <a:buNone/>
               <a:defRPr sz="1200" b="0" i="0" u="none" strike="noStrike" cap="none">
                 <a:solidFill>
                   <a:schemeClr val="dk2"/>
                 </a:solidFill>
-                <a:latin typeface="Arial"/>
-                <a:ea typeface="Arial"/>
-                <a:cs typeface="Arial"/>
-                <a:sym typeface="Arial"/>
+                <a:latin typeface="Arial" panose="02080604020202020204" charset="0"/>
+                <a:ea typeface="Arial" panose="02080604020202020204" charset="0"/>
+                <a:cs typeface="Arial" panose="02080604020202020204" charset="0"/>
+                <a:sym typeface="Arial" panose="02080604020202020204" charset="0"/>
               </a:defRPr>
             </a:lvl8pPr>
             <a:lvl9pPr marL="3657600" marR="0" lvl="8" indent="0" algn="l" rtl="0">
@@ -3317,16 +3352,16 @@
               <a:buClr>
                 <a:schemeClr val="dk2"/>
               </a:buClr>
-              <a:buFont typeface="Arial"/>
+              <a:buFont typeface="Arial" panose="02080604020202020204" charset="0"/>
               <a:buNone/>
               <a:defRPr sz="1200" b="0" i="0" u="none" strike="noStrike" cap="none">
                 <a:solidFill>
                   <a:schemeClr val="dk2"/>
                 </a:solidFill>
-                <a:latin typeface="Arial"/>
-                <a:ea typeface="Arial"/>
-                <a:cs typeface="Arial"/>
-                <a:sym typeface="Arial"/>
+                <a:latin typeface="Arial" panose="02080604020202020204" charset="0"/>
+                <a:ea typeface="Arial" panose="02080604020202020204" charset="0"/>
+                <a:cs typeface="Arial" panose="02080604020202020204" charset="0"/>
+                <a:sym typeface="Arial" panose="02080604020202020204" charset="0"/>
               </a:defRPr>
             </a:lvl9pPr>
           </a:lstStyle>
@@ -3336,7 +3371,9 @@
       <p:sp>
         <p:nvSpPr>
           <p:cNvPr id="23" name="Shape 23"/>
-          <p:cNvSpPr txBox="1"/>
+          <p:cNvSpPr txBox="1">
+            <a:spLocks noGrp="1"/>
+          </p:cNvSpPr>
           <p:nvPr>
             <p:ph type="body" idx="2"/>
           </p:nvPr>
@@ -3370,16 +3407,16 @@
               <a:buClr>
                 <a:schemeClr val="dk2"/>
               </a:buClr>
-              <a:buFont typeface="Arial"/>
+              <a:buFont typeface="Arial" panose="02080604020202020204" charset="0"/>
               <a:buNone/>
               <a:defRPr sz="1400" b="0" i="0" u="none" strike="noStrike" cap="none">
                 <a:solidFill>
                   <a:schemeClr val="dk2"/>
                 </a:solidFill>
-                <a:latin typeface="Arial"/>
-                <a:ea typeface="Arial"/>
-                <a:cs typeface="Arial"/>
-                <a:sym typeface="Arial"/>
+                <a:latin typeface="Arial" panose="02080604020202020204" charset="0"/>
+                <a:ea typeface="Arial" panose="02080604020202020204" charset="0"/>
+                <a:cs typeface="Arial" panose="02080604020202020204" charset="0"/>
+                <a:sym typeface="Arial" panose="02080604020202020204" charset="0"/>
               </a:defRPr>
             </a:lvl1pPr>
             <a:lvl2pPr marL="457200" marR="0" lvl="1" indent="0" algn="l" rtl="0">
@@ -3395,16 +3432,16 @@
               <a:buClr>
                 <a:schemeClr val="dk2"/>
               </a:buClr>
-              <a:buFont typeface="Arial"/>
+              <a:buFont typeface="Arial" panose="02080604020202020204" charset="0"/>
               <a:buNone/>
               <a:defRPr sz="1200" b="0" i="0" u="none" strike="noStrike" cap="none">
                 <a:solidFill>
                   <a:schemeClr val="dk2"/>
                 </a:solidFill>
-                <a:latin typeface="Arial"/>
-                <a:ea typeface="Arial"/>
-                <a:cs typeface="Arial"/>
-                <a:sym typeface="Arial"/>
+                <a:latin typeface="Arial" panose="02080604020202020204" charset="0"/>
+                <a:ea typeface="Arial" panose="02080604020202020204" charset="0"/>
+                <a:cs typeface="Arial" panose="02080604020202020204" charset="0"/>
+                <a:sym typeface="Arial" panose="02080604020202020204" charset="0"/>
               </a:defRPr>
             </a:lvl2pPr>
             <a:lvl3pPr marL="914400" marR="0" lvl="2" indent="0" algn="l" rtl="0">
@@ -3420,16 +3457,16 @@
               <a:buClr>
                 <a:schemeClr val="dk2"/>
               </a:buClr>
-              <a:buFont typeface="Arial"/>
+              <a:buFont typeface="Arial" panose="02080604020202020204" charset="0"/>
               <a:buNone/>
               <a:defRPr sz="1200" b="0" i="0" u="none" strike="noStrike" cap="none">
                 <a:solidFill>
                   <a:schemeClr val="dk2"/>
                 </a:solidFill>
-                <a:latin typeface="Arial"/>
-                <a:ea typeface="Arial"/>
-                <a:cs typeface="Arial"/>
-                <a:sym typeface="Arial"/>
+                <a:latin typeface="Arial" panose="02080604020202020204" charset="0"/>
+                <a:ea typeface="Arial" panose="02080604020202020204" charset="0"/>
+                <a:cs typeface="Arial" panose="02080604020202020204" charset="0"/>
+                <a:sym typeface="Arial" panose="02080604020202020204" charset="0"/>
               </a:defRPr>
             </a:lvl3pPr>
             <a:lvl4pPr marL="1371600" marR="0" lvl="3" indent="0" algn="l" rtl="0">
@@ -3445,16 +3482,16 @@
               <a:buClr>
                 <a:schemeClr val="dk2"/>
               </a:buClr>
-              <a:buFont typeface="Arial"/>
+              <a:buFont typeface="Arial" panose="02080604020202020204" charset="0"/>
               <a:buNone/>
               <a:defRPr sz="1200" b="0" i="0" u="none" strike="noStrike" cap="none">
                 <a:solidFill>
                   <a:schemeClr val="dk2"/>
                 </a:solidFill>
-                <a:latin typeface="Arial"/>
-                <a:ea typeface="Arial"/>
-                <a:cs typeface="Arial"/>
-                <a:sym typeface="Arial"/>
+                <a:latin typeface="Arial" panose="02080604020202020204" charset="0"/>
+                <a:ea typeface="Arial" panose="02080604020202020204" charset="0"/>
+                <a:cs typeface="Arial" panose="02080604020202020204" charset="0"/>
+                <a:sym typeface="Arial" panose="02080604020202020204" charset="0"/>
               </a:defRPr>
             </a:lvl4pPr>
             <a:lvl5pPr marL="1828800" marR="0" lvl="4" indent="0" algn="l" rtl="0">
@@ -3470,16 +3507,16 @@
               <a:buClr>
                 <a:schemeClr val="dk2"/>
               </a:buClr>
-              <a:buFont typeface="Arial"/>
+              <a:buFont typeface="Arial" panose="02080604020202020204" charset="0"/>
               <a:buNone/>
               <a:defRPr sz="1200" b="0" i="0" u="none" strike="noStrike" cap="none">
                 <a:solidFill>
                   <a:schemeClr val="dk2"/>
                 </a:solidFill>
-                <a:latin typeface="Arial"/>
-                <a:ea typeface="Arial"/>
-                <a:cs typeface="Arial"/>
-                <a:sym typeface="Arial"/>
+                <a:latin typeface="Arial" panose="02080604020202020204" charset="0"/>
+                <a:ea typeface="Arial" panose="02080604020202020204" charset="0"/>
+                <a:cs typeface="Arial" panose="02080604020202020204" charset="0"/>
+                <a:sym typeface="Arial" panose="02080604020202020204" charset="0"/>
               </a:defRPr>
             </a:lvl5pPr>
             <a:lvl6pPr marL="2286000" marR="0" lvl="5" indent="0" algn="l" rtl="0">
@@ -3495,16 +3532,16 @@
               <a:buClr>
                 <a:schemeClr val="dk2"/>
               </a:buClr>
-              <a:buFont typeface="Arial"/>
+              <a:buFont typeface="Arial" panose="02080604020202020204" charset="0"/>
               <a:buNone/>
               <a:defRPr sz="1200" b="0" i="0" u="none" strike="noStrike" cap="none">
                 <a:solidFill>
                   <a:schemeClr val="dk2"/>
                 </a:solidFill>
-                <a:latin typeface="Arial"/>
-                <a:ea typeface="Arial"/>
-                <a:cs typeface="Arial"/>
-                <a:sym typeface="Arial"/>
+                <a:latin typeface="Arial" panose="02080604020202020204" charset="0"/>
+                <a:ea typeface="Arial" panose="02080604020202020204" charset="0"/>
+                <a:cs typeface="Arial" panose="02080604020202020204" charset="0"/>
+                <a:sym typeface="Arial" panose="02080604020202020204" charset="0"/>
               </a:defRPr>
             </a:lvl6pPr>
             <a:lvl7pPr marL="2743200" marR="0" lvl="6" indent="0" algn="l" rtl="0">
@@ -3520,16 +3557,16 @@
               <a:buClr>
                 <a:schemeClr val="dk2"/>
               </a:buClr>
-              <a:buFont typeface="Arial"/>
+              <a:buFont typeface="Arial" panose="02080604020202020204" charset="0"/>
               <a:buNone/>
               <a:defRPr sz="1200" b="0" i="0" u="none" strike="noStrike" cap="none">
                 <a:solidFill>
                   <a:schemeClr val="dk2"/>
                 </a:solidFill>
-                <a:latin typeface="Arial"/>
-                <a:ea typeface="Arial"/>
-                <a:cs typeface="Arial"/>
-                <a:sym typeface="Arial"/>
+                <a:latin typeface="Arial" panose="02080604020202020204" charset="0"/>
+                <a:ea typeface="Arial" panose="02080604020202020204" charset="0"/>
+                <a:cs typeface="Arial" panose="02080604020202020204" charset="0"/>
+                <a:sym typeface="Arial" panose="02080604020202020204" charset="0"/>
               </a:defRPr>
             </a:lvl7pPr>
             <a:lvl8pPr marL="3200400" marR="0" lvl="7" indent="0" algn="l" rtl="0">
@@ -3545,16 +3582,16 @@
               <a:buClr>
                 <a:schemeClr val="dk2"/>
               </a:buClr>
-              <a:buFont typeface="Arial"/>
+              <a:buFont typeface="Arial" panose="02080604020202020204" charset="0"/>
               <a:buNone/>
               <a:defRPr sz="1200" b="0" i="0" u="none" strike="noStrike" cap="none">
                 <a:solidFill>
                   <a:schemeClr val="dk2"/>
                 </a:solidFill>
-                <a:latin typeface="Arial"/>
-                <a:ea typeface="Arial"/>
-                <a:cs typeface="Arial"/>
-                <a:sym typeface="Arial"/>
+                <a:latin typeface="Arial" panose="02080604020202020204" charset="0"/>
+                <a:ea typeface="Arial" panose="02080604020202020204" charset="0"/>
+                <a:cs typeface="Arial" panose="02080604020202020204" charset="0"/>
+                <a:sym typeface="Arial" panose="02080604020202020204" charset="0"/>
               </a:defRPr>
             </a:lvl8pPr>
             <a:lvl9pPr marL="3657600" marR="0" lvl="8" indent="0" algn="l" rtl="0">
@@ -3570,16 +3607,16 @@
               <a:buClr>
                 <a:schemeClr val="dk2"/>
               </a:buClr>
-              <a:buFont typeface="Arial"/>
+              <a:buFont typeface="Arial" panose="02080604020202020204" charset="0"/>
               <a:buNone/>
               <a:defRPr sz="1200" b="0" i="0" u="none" strike="noStrike" cap="none">
                 <a:solidFill>
                   <a:schemeClr val="dk2"/>
                 </a:solidFill>
-                <a:latin typeface="Arial"/>
-                <a:ea typeface="Arial"/>
-                <a:cs typeface="Arial"/>
-                <a:sym typeface="Arial"/>
+                <a:latin typeface="Arial" panose="02080604020202020204" charset="0"/>
+                <a:ea typeface="Arial" panose="02080604020202020204" charset="0"/>
+                <a:cs typeface="Arial" panose="02080604020202020204" charset="0"/>
+                <a:sym typeface="Arial" panose="02080604020202020204" charset="0"/>
               </a:defRPr>
             </a:lvl9pPr>
           </a:lstStyle>
@@ -3589,7 +3626,9 @@
       <p:sp>
         <p:nvSpPr>
           <p:cNvPr id="24" name="Shape 24"/>
-          <p:cNvSpPr txBox="1"/>
+          <p:cNvSpPr txBox="1">
+            <a:spLocks noGrp="1"/>
+          </p:cNvSpPr>
           <p:nvPr>
             <p:ph type="sldNum" idx="12"/>
           </p:nvPr>
@@ -3627,7 +3666,7 @@
                 <a:srgbClr val="000000"/>
               </a:buClr>
               <a:buSzPct val="25000"/>
-              <a:buFont typeface="Arial"/>
+              <a:buFont typeface="Arial" panose="02080604020202020204" charset="0"/>
               <a:buNone/>
             </a:pPr>
             <a:fld id="{00000000-1234-1234-1234-123412341234}" type="slidenum">
@@ -3635,20 +3674,20 @@
                 <a:solidFill>
                   <a:srgbClr val="000000"/>
                 </a:solidFill>
-                <a:latin typeface="Arial"/>
-                <a:ea typeface="Arial"/>
-                <a:cs typeface="Arial"/>
-                <a:sym typeface="Arial"/>
+                <a:latin typeface="Arial" panose="02080604020202020204" charset="0"/>
+                <a:ea typeface="Arial" panose="02080604020202020204" charset="0"/>
+                <a:cs typeface="Arial" panose="02080604020202020204" charset="0"/>
+                <a:sym typeface="Arial" panose="02080604020202020204" charset="0"/>
               </a:rPr>
             </a:fld>
             <a:endParaRPr lang="en-GB" sz="1400" b="0" i="0" u="none" strike="noStrike" cap="none">
               <a:solidFill>
                 <a:srgbClr val="000000"/>
               </a:solidFill>
-              <a:latin typeface="Arial"/>
-              <a:ea typeface="Arial"/>
-              <a:cs typeface="Arial"/>
-              <a:sym typeface="Arial"/>
+              <a:latin typeface="Arial" panose="02080604020202020204" charset="0"/>
+              <a:ea typeface="Arial" panose="02080604020202020204" charset="0"/>
+              <a:cs typeface="Arial" panose="02080604020202020204" charset="0"/>
+              <a:sym typeface="Arial" panose="02080604020202020204" charset="0"/>
             </a:endParaRPr>
           </a:p>
         </p:txBody>
@@ -3666,7 +3705,7 @@
   <p:cSld name="Title only">
     <p:spTree>
       <p:nvGrpSpPr>
-        <p:cNvPr id="25" name="Shape 25"/>
+        <p:cNvPr id="1" name="Shape 25"/>
         <p:cNvGrpSpPr/>
         <p:nvPr/>
       </p:nvGrpSpPr>
@@ -3681,7 +3720,9 @@
       <p:sp>
         <p:nvSpPr>
           <p:cNvPr id="26" name="Shape 26"/>
-          <p:cNvSpPr txBox="1"/>
+          <p:cNvSpPr txBox="1">
+            <a:spLocks noGrp="1"/>
+          </p:cNvSpPr>
           <p:nvPr>
             <p:ph type="title"/>
           </p:nvPr>
@@ -3715,16 +3756,16 @@
               <a:buClr>
                 <a:schemeClr val="dk1"/>
               </a:buClr>
-              <a:buFont typeface="Arial"/>
+              <a:buFont typeface="Arial" panose="02080604020202020204" charset="0"/>
               <a:buNone/>
               <a:defRPr sz="2800" b="0" i="0" u="none" strike="noStrike" cap="none">
                 <a:solidFill>
                   <a:schemeClr val="dk1"/>
                 </a:solidFill>
-                <a:latin typeface="Arial"/>
-                <a:ea typeface="Arial"/>
-                <a:cs typeface="Arial"/>
-                <a:sym typeface="Arial"/>
+                <a:latin typeface="Arial" panose="02080604020202020204" charset="0"/>
+                <a:ea typeface="Arial" panose="02080604020202020204" charset="0"/>
+                <a:cs typeface="Arial" panose="02080604020202020204" charset="0"/>
+                <a:sym typeface="Arial" panose="02080604020202020204" charset="0"/>
               </a:defRPr>
             </a:lvl1pPr>
             <a:lvl2pPr lvl="1" indent="0">
@@ -3734,7 +3775,7 @@
               <a:buClr>
                 <a:schemeClr val="dk1"/>
               </a:buClr>
-              <a:buFont typeface="Arial"/>
+              <a:buFont typeface="Arial" panose="02080604020202020204" charset="0"/>
               <a:buNone/>
               <a:defRPr sz="2800">
                 <a:solidFill>
@@ -3749,7 +3790,7 @@
               <a:buClr>
                 <a:schemeClr val="dk1"/>
               </a:buClr>
-              <a:buFont typeface="Arial"/>
+              <a:buFont typeface="Arial" panose="02080604020202020204" charset="0"/>
               <a:buNone/>
               <a:defRPr sz="2800">
                 <a:solidFill>
@@ -3764,7 +3805,7 @@
               <a:buClr>
                 <a:schemeClr val="dk1"/>
               </a:buClr>
-              <a:buFont typeface="Arial"/>
+              <a:buFont typeface="Arial" panose="02080604020202020204" charset="0"/>
               <a:buNone/>
               <a:defRPr sz="2800">
                 <a:solidFill>
@@ -3779,7 +3820,7 @@
               <a:buClr>
                 <a:schemeClr val="dk1"/>
               </a:buClr>
-              <a:buFont typeface="Arial"/>
+              <a:buFont typeface="Arial" panose="02080604020202020204" charset="0"/>
               <a:buNone/>
               <a:defRPr sz="2800">
                 <a:solidFill>
@@ -3794,7 +3835,7 @@
               <a:buClr>
                 <a:schemeClr val="dk1"/>
               </a:buClr>
-              <a:buFont typeface="Arial"/>
+              <a:buFont typeface="Arial" panose="02080604020202020204" charset="0"/>
               <a:buNone/>
               <a:defRPr sz="2800">
                 <a:solidFill>
@@ -3809,7 +3850,7 @@
               <a:buClr>
                 <a:schemeClr val="dk1"/>
               </a:buClr>
-              <a:buFont typeface="Arial"/>
+              <a:buFont typeface="Arial" panose="02080604020202020204" charset="0"/>
               <a:buNone/>
               <a:defRPr sz="2800">
                 <a:solidFill>
@@ -3824,7 +3865,7 @@
               <a:buClr>
                 <a:schemeClr val="dk1"/>
               </a:buClr>
-              <a:buFont typeface="Arial"/>
+              <a:buFont typeface="Arial" panose="02080604020202020204" charset="0"/>
               <a:buNone/>
               <a:defRPr sz="2800">
                 <a:solidFill>
@@ -3839,7 +3880,7 @@
               <a:buClr>
                 <a:schemeClr val="dk1"/>
               </a:buClr>
-              <a:buFont typeface="Arial"/>
+              <a:buFont typeface="Arial" panose="02080604020202020204" charset="0"/>
               <a:buNone/>
               <a:defRPr sz="2800">
                 <a:solidFill>
@@ -3854,7 +3895,9 @@
       <p:sp>
         <p:nvSpPr>
           <p:cNvPr id="27" name="Shape 27"/>
-          <p:cNvSpPr txBox="1"/>
+          <p:cNvSpPr txBox="1">
+            <a:spLocks noGrp="1"/>
+          </p:cNvSpPr>
           <p:nvPr>
             <p:ph type="sldNum" idx="12"/>
           </p:nvPr>
@@ -3892,7 +3935,7 @@
                 <a:srgbClr val="000000"/>
               </a:buClr>
               <a:buSzPct val="25000"/>
-              <a:buFont typeface="Arial"/>
+              <a:buFont typeface="Arial" panose="02080604020202020204" charset="0"/>
               <a:buNone/>
             </a:pPr>
             <a:fld id="{00000000-1234-1234-1234-123412341234}" type="slidenum">
@@ -3900,20 +3943,20 @@
                 <a:solidFill>
                   <a:srgbClr val="000000"/>
                 </a:solidFill>
-                <a:latin typeface="Arial"/>
-                <a:ea typeface="Arial"/>
-                <a:cs typeface="Arial"/>
-                <a:sym typeface="Arial"/>
+                <a:latin typeface="Arial" panose="02080604020202020204" charset="0"/>
+                <a:ea typeface="Arial" panose="02080604020202020204" charset="0"/>
+                <a:cs typeface="Arial" panose="02080604020202020204" charset="0"/>
+                <a:sym typeface="Arial" panose="02080604020202020204" charset="0"/>
               </a:rPr>
             </a:fld>
             <a:endParaRPr lang="en-GB" sz="1400" b="0" i="0" u="none" strike="noStrike" cap="none">
               <a:solidFill>
                 <a:srgbClr val="000000"/>
               </a:solidFill>
-              <a:latin typeface="Arial"/>
-              <a:ea typeface="Arial"/>
-              <a:cs typeface="Arial"/>
-              <a:sym typeface="Arial"/>
+              <a:latin typeface="Arial" panose="02080604020202020204" charset="0"/>
+              <a:ea typeface="Arial" panose="02080604020202020204" charset="0"/>
+              <a:cs typeface="Arial" panose="02080604020202020204" charset="0"/>
+              <a:sym typeface="Arial" panose="02080604020202020204" charset="0"/>
             </a:endParaRPr>
           </a:p>
         </p:txBody>
@@ -3931,7 +3974,7 @@
   <p:cSld name="One column text">
     <p:spTree>
       <p:nvGrpSpPr>
-        <p:cNvPr id="28" name="Shape 28"/>
+        <p:cNvPr id="1" name="Shape 28"/>
         <p:cNvGrpSpPr/>
         <p:nvPr/>
       </p:nvGrpSpPr>
@@ -3946,7 +3989,9 @@
       <p:sp>
         <p:nvSpPr>
           <p:cNvPr id="29" name="Shape 29"/>
-          <p:cNvSpPr txBox="1"/>
+          <p:cNvSpPr txBox="1">
+            <a:spLocks noGrp="1"/>
+          </p:cNvSpPr>
           <p:nvPr>
             <p:ph type="title"/>
           </p:nvPr>
@@ -3980,16 +4025,16 @@
               <a:buClr>
                 <a:schemeClr val="dk1"/>
               </a:buClr>
-              <a:buFont typeface="Arial"/>
+              <a:buFont typeface="Arial" panose="02080604020202020204" charset="0"/>
               <a:buNone/>
               <a:defRPr sz="2400" b="0" i="0" u="none" strike="noStrike" cap="none">
                 <a:solidFill>
                   <a:schemeClr val="dk1"/>
                 </a:solidFill>
-                <a:latin typeface="Arial"/>
-                <a:ea typeface="Arial"/>
-                <a:cs typeface="Arial"/>
-                <a:sym typeface="Arial"/>
+                <a:latin typeface="Arial" panose="02080604020202020204" charset="0"/>
+                <a:ea typeface="Arial" panose="02080604020202020204" charset="0"/>
+                <a:cs typeface="Arial" panose="02080604020202020204" charset="0"/>
+                <a:sym typeface="Arial" panose="02080604020202020204" charset="0"/>
               </a:defRPr>
             </a:lvl1pPr>
             <a:lvl2pPr lvl="1" indent="0">
@@ -3999,7 +4044,7 @@
               <a:buClr>
                 <a:schemeClr val="dk1"/>
               </a:buClr>
-              <a:buFont typeface="Arial"/>
+              <a:buFont typeface="Arial" panose="02080604020202020204" charset="0"/>
               <a:buNone/>
               <a:defRPr sz="2400">
                 <a:solidFill>
@@ -4014,7 +4059,7 @@
               <a:buClr>
                 <a:schemeClr val="dk1"/>
               </a:buClr>
-              <a:buFont typeface="Arial"/>
+              <a:buFont typeface="Arial" panose="02080604020202020204" charset="0"/>
               <a:buNone/>
               <a:defRPr sz="2400">
                 <a:solidFill>
@@ -4029,7 +4074,7 @@
               <a:buClr>
                 <a:schemeClr val="dk1"/>
               </a:buClr>
-              <a:buFont typeface="Arial"/>
+              <a:buFont typeface="Arial" panose="02080604020202020204" charset="0"/>
               <a:buNone/>
               <a:defRPr sz="2400">
                 <a:solidFill>
@@ -4044,7 +4089,7 @@
               <a:buClr>
                 <a:schemeClr val="dk1"/>
               </a:buClr>
-              <a:buFont typeface="Arial"/>
+              <a:buFont typeface="Arial" panose="02080604020202020204" charset="0"/>
               <a:buNone/>
               <a:defRPr sz="2400">
                 <a:solidFill>
@@ -4059,7 +4104,7 @@
               <a:buClr>
                 <a:schemeClr val="dk1"/>
               </a:buClr>
-              <a:buFont typeface="Arial"/>
+              <a:buFont typeface="Arial" panose="02080604020202020204" charset="0"/>
               <a:buNone/>
               <a:defRPr sz="2400">
                 <a:solidFill>
@@ -4074,7 +4119,7 @@
               <a:buClr>
                 <a:schemeClr val="dk1"/>
               </a:buClr>
-              <a:buFont typeface="Arial"/>
+              <a:buFont typeface="Arial" panose="02080604020202020204" charset="0"/>
               <a:buNone/>
               <a:defRPr sz="2400">
                 <a:solidFill>
@@ -4089,7 +4134,7 @@
               <a:buClr>
                 <a:schemeClr val="dk1"/>
               </a:buClr>
-              <a:buFont typeface="Arial"/>
+              <a:buFont typeface="Arial" panose="02080604020202020204" charset="0"/>
               <a:buNone/>
               <a:defRPr sz="2400">
                 <a:solidFill>
@@ -4104,7 +4149,7 @@
               <a:buClr>
                 <a:schemeClr val="dk1"/>
               </a:buClr>
-              <a:buFont typeface="Arial"/>
+              <a:buFont typeface="Arial" panose="02080604020202020204" charset="0"/>
               <a:buNone/>
               <a:defRPr sz="2400">
                 <a:solidFill>
@@ -4119,7 +4164,9 @@
       <p:sp>
         <p:nvSpPr>
           <p:cNvPr id="30" name="Shape 30"/>
-          <p:cNvSpPr txBox="1"/>
+          <p:cNvSpPr txBox="1">
+            <a:spLocks noGrp="1"/>
+          </p:cNvSpPr>
           <p:nvPr>
             <p:ph type="body" idx="1"/>
           </p:nvPr>
@@ -4153,16 +4200,16 @@
               <a:buClr>
                 <a:schemeClr val="dk2"/>
               </a:buClr>
-              <a:buFont typeface="Arial"/>
+              <a:buFont typeface="Arial" panose="02080604020202020204" charset="0"/>
               <a:buNone/>
               <a:defRPr sz="1200" b="0" i="0" u="none" strike="noStrike" cap="none">
                 <a:solidFill>
                   <a:schemeClr val="dk2"/>
                 </a:solidFill>
-                <a:latin typeface="Arial"/>
-                <a:ea typeface="Arial"/>
-                <a:cs typeface="Arial"/>
-                <a:sym typeface="Arial"/>
+                <a:latin typeface="Arial" panose="02080604020202020204" charset="0"/>
+                <a:ea typeface="Arial" panose="02080604020202020204" charset="0"/>
+                <a:cs typeface="Arial" panose="02080604020202020204" charset="0"/>
+                <a:sym typeface="Arial" panose="02080604020202020204" charset="0"/>
               </a:defRPr>
             </a:lvl1pPr>
             <a:lvl2pPr marL="457200" marR="0" lvl="1" indent="0" algn="l" rtl="0">
@@ -4178,16 +4225,16 @@
               <a:buClr>
                 <a:schemeClr val="dk2"/>
               </a:buClr>
-              <a:buFont typeface="Arial"/>
+              <a:buFont typeface="Arial" panose="02080604020202020204" charset="0"/>
               <a:buNone/>
               <a:defRPr sz="1200" b="0" i="0" u="none" strike="noStrike" cap="none">
                 <a:solidFill>
                   <a:schemeClr val="dk2"/>
                 </a:solidFill>
-                <a:latin typeface="Arial"/>
-                <a:ea typeface="Arial"/>
-                <a:cs typeface="Arial"/>
-                <a:sym typeface="Arial"/>
+                <a:latin typeface="Arial" panose="02080604020202020204" charset="0"/>
+                <a:ea typeface="Arial" panose="02080604020202020204" charset="0"/>
+                <a:cs typeface="Arial" panose="02080604020202020204" charset="0"/>
+                <a:sym typeface="Arial" panose="02080604020202020204" charset="0"/>
               </a:defRPr>
             </a:lvl2pPr>
             <a:lvl3pPr marL="914400" marR="0" lvl="2" indent="0" algn="l" rtl="0">
@@ -4203,16 +4250,16 @@
               <a:buClr>
                 <a:schemeClr val="dk2"/>
               </a:buClr>
-              <a:buFont typeface="Arial"/>
+              <a:buFont typeface="Arial" panose="02080604020202020204" charset="0"/>
               <a:buNone/>
               <a:defRPr sz="1200" b="0" i="0" u="none" strike="noStrike" cap="none">
                 <a:solidFill>
                   <a:schemeClr val="dk2"/>
                 </a:solidFill>
-                <a:latin typeface="Arial"/>
-                <a:ea typeface="Arial"/>
-                <a:cs typeface="Arial"/>
-                <a:sym typeface="Arial"/>
+                <a:latin typeface="Arial" panose="02080604020202020204" charset="0"/>
+                <a:ea typeface="Arial" panose="02080604020202020204" charset="0"/>
+                <a:cs typeface="Arial" panose="02080604020202020204" charset="0"/>
+                <a:sym typeface="Arial" panose="02080604020202020204" charset="0"/>
               </a:defRPr>
             </a:lvl3pPr>
             <a:lvl4pPr marL="1371600" marR="0" lvl="3" indent="0" algn="l" rtl="0">
@@ -4228,16 +4275,16 @@
               <a:buClr>
                 <a:schemeClr val="dk2"/>
               </a:buClr>
-              <a:buFont typeface="Arial"/>
+              <a:buFont typeface="Arial" panose="02080604020202020204" charset="0"/>
               <a:buNone/>
               <a:defRPr sz="1200" b="0" i="0" u="none" strike="noStrike" cap="none">
                 <a:solidFill>
                   <a:schemeClr val="dk2"/>
                 </a:solidFill>
-                <a:latin typeface="Arial"/>
-                <a:ea typeface="Arial"/>
-                <a:cs typeface="Arial"/>
-                <a:sym typeface="Arial"/>
+                <a:latin typeface="Arial" panose="02080604020202020204" charset="0"/>
+                <a:ea typeface="Arial" panose="02080604020202020204" charset="0"/>
+                <a:cs typeface="Arial" panose="02080604020202020204" charset="0"/>
+                <a:sym typeface="Arial" panose="02080604020202020204" charset="0"/>
               </a:defRPr>
             </a:lvl4pPr>
             <a:lvl5pPr marL="1828800" marR="0" lvl="4" indent="0" algn="l" rtl="0">
@@ -4253,16 +4300,16 @@
               <a:buClr>
                 <a:schemeClr val="dk2"/>
               </a:buClr>
-              <a:buFont typeface="Arial"/>
+              <a:buFont typeface="Arial" panose="02080604020202020204" charset="0"/>
               <a:buNone/>
               <a:defRPr sz="1200" b="0" i="0" u="none" strike="noStrike" cap="none">
                 <a:solidFill>
                   <a:schemeClr val="dk2"/>
                 </a:solidFill>
-                <a:latin typeface="Arial"/>
-                <a:ea typeface="Arial"/>
-                <a:cs typeface="Arial"/>
-                <a:sym typeface="Arial"/>
+                <a:latin typeface="Arial" panose="02080604020202020204" charset="0"/>
+                <a:ea typeface="Arial" panose="02080604020202020204" charset="0"/>
+                <a:cs typeface="Arial" panose="02080604020202020204" charset="0"/>
+                <a:sym typeface="Arial" panose="02080604020202020204" charset="0"/>
               </a:defRPr>
             </a:lvl5pPr>
             <a:lvl6pPr marL="2286000" marR="0" lvl="5" indent="0" algn="l" rtl="0">
@@ -4278,16 +4325,16 @@
               <a:buClr>
                 <a:schemeClr val="dk2"/>
               </a:buClr>
-              <a:buFont typeface="Arial"/>
+              <a:buFont typeface="Arial" panose="02080604020202020204" charset="0"/>
               <a:buNone/>
               <a:defRPr sz="1200" b="0" i="0" u="none" strike="noStrike" cap="none">
                 <a:solidFill>
                   <a:schemeClr val="dk2"/>
                 </a:solidFill>
-                <a:latin typeface="Arial"/>
-                <a:ea typeface="Arial"/>
-                <a:cs typeface="Arial"/>
-                <a:sym typeface="Arial"/>
+                <a:latin typeface="Arial" panose="02080604020202020204" charset="0"/>
+                <a:ea typeface="Arial" panose="02080604020202020204" charset="0"/>
+                <a:cs typeface="Arial" panose="02080604020202020204" charset="0"/>
+                <a:sym typeface="Arial" panose="02080604020202020204" charset="0"/>
               </a:defRPr>
             </a:lvl6pPr>
             <a:lvl7pPr marL="2743200" marR="0" lvl="6" indent="0" algn="l" rtl="0">
@@ -4303,16 +4350,16 @@
               <a:buClr>
                 <a:schemeClr val="dk2"/>
               </a:buClr>
-              <a:buFont typeface="Arial"/>
+              <a:buFont typeface="Arial" panose="02080604020202020204" charset="0"/>
               <a:buNone/>
               <a:defRPr sz="1200" b="0" i="0" u="none" strike="noStrike" cap="none">
                 <a:solidFill>
                   <a:schemeClr val="dk2"/>
                 </a:solidFill>
-                <a:latin typeface="Arial"/>
-                <a:ea typeface="Arial"/>
-                <a:cs typeface="Arial"/>
-                <a:sym typeface="Arial"/>
+                <a:latin typeface="Arial" panose="02080604020202020204" charset="0"/>
+                <a:ea typeface="Arial" panose="02080604020202020204" charset="0"/>
+                <a:cs typeface="Arial" panose="02080604020202020204" charset="0"/>
+                <a:sym typeface="Arial" panose="02080604020202020204" charset="0"/>
               </a:defRPr>
             </a:lvl7pPr>
             <a:lvl8pPr marL="3200400" marR="0" lvl="7" indent="0" algn="l" rtl="0">
@@ -4328,16 +4375,16 @@
               <a:buClr>
                 <a:schemeClr val="dk2"/>
               </a:buClr>
-              <a:buFont typeface="Arial"/>
+              <a:buFont typeface="Arial" panose="02080604020202020204" charset="0"/>
               <a:buNone/>
               <a:defRPr sz="1200" b="0" i="0" u="none" strike="noStrike" cap="none">
                 <a:solidFill>
                   <a:schemeClr val="dk2"/>
                 </a:solidFill>
-                <a:latin typeface="Arial"/>
-                <a:ea typeface="Arial"/>
-                <a:cs typeface="Arial"/>
-                <a:sym typeface="Arial"/>
+                <a:latin typeface="Arial" panose="02080604020202020204" charset="0"/>
+                <a:ea typeface="Arial" panose="02080604020202020204" charset="0"/>
+                <a:cs typeface="Arial" panose="02080604020202020204" charset="0"/>
+                <a:sym typeface="Arial" panose="02080604020202020204" charset="0"/>
               </a:defRPr>
             </a:lvl8pPr>
             <a:lvl9pPr marL="3657600" marR="0" lvl="8" indent="0" algn="l" rtl="0">
@@ -4353,16 +4400,16 @@
               <a:buClr>
                 <a:schemeClr val="dk2"/>
               </a:buClr>
-              <a:buFont typeface="Arial"/>
+              <a:buFont typeface="Arial" panose="02080604020202020204" charset="0"/>
               <a:buNone/>
               <a:defRPr sz="1200" b="0" i="0" u="none" strike="noStrike" cap="none">
                 <a:solidFill>
                   <a:schemeClr val="dk2"/>
                 </a:solidFill>
-                <a:latin typeface="Arial"/>
-                <a:ea typeface="Arial"/>
-                <a:cs typeface="Arial"/>
-                <a:sym typeface="Arial"/>
+                <a:latin typeface="Arial" panose="02080604020202020204" charset="0"/>
+                <a:ea typeface="Arial" panose="02080604020202020204" charset="0"/>
+                <a:cs typeface="Arial" panose="02080604020202020204" charset="0"/>
+                <a:sym typeface="Arial" panose="02080604020202020204" charset="0"/>
               </a:defRPr>
             </a:lvl9pPr>
           </a:lstStyle>
@@ -4372,7 +4419,9 @@
       <p:sp>
         <p:nvSpPr>
           <p:cNvPr id="31" name="Shape 31"/>
-          <p:cNvSpPr txBox="1"/>
+          <p:cNvSpPr txBox="1">
+            <a:spLocks noGrp="1"/>
+          </p:cNvSpPr>
           <p:nvPr>
             <p:ph type="sldNum" idx="12"/>
           </p:nvPr>
@@ -4410,7 +4459,7 @@
                 <a:srgbClr val="000000"/>
               </a:buClr>
               <a:buSzPct val="25000"/>
-              <a:buFont typeface="Arial"/>
+              <a:buFont typeface="Arial" panose="02080604020202020204" charset="0"/>
               <a:buNone/>
             </a:pPr>
             <a:fld id="{00000000-1234-1234-1234-123412341234}" type="slidenum">
@@ -4418,20 +4467,20 @@
                 <a:solidFill>
                   <a:srgbClr val="000000"/>
                 </a:solidFill>
-                <a:latin typeface="Arial"/>
-                <a:ea typeface="Arial"/>
-                <a:cs typeface="Arial"/>
-                <a:sym typeface="Arial"/>
+                <a:latin typeface="Arial" panose="02080604020202020204" charset="0"/>
+                <a:ea typeface="Arial" panose="02080604020202020204" charset="0"/>
+                <a:cs typeface="Arial" panose="02080604020202020204" charset="0"/>
+                <a:sym typeface="Arial" panose="02080604020202020204" charset="0"/>
               </a:rPr>
             </a:fld>
             <a:endParaRPr lang="en-GB" sz="1400" b="0" i="0" u="none" strike="noStrike" cap="none">
               <a:solidFill>
                 <a:srgbClr val="000000"/>
               </a:solidFill>
-              <a:latin typeface="Arial"/>
-              <a:ea typeface="Arial"/>
-              <a:cs typeface="Arial"/>
-              <a:sym typeface="Arial"/>
+              <a:latin typeface="Arial" panose="02080604020202020204" charset="0"/>
+              <a:ea typeface="Arial" panose="02080604020202020204" charset="0"/>
+              <a:cs typeface="Arial" panose="02080604020202020204" charset="0"/>
+              <a:sym typeface="Arial" panose="02080604020202020204" charset="0"/>
             </a:endParaRPr>
           </a:p>
         </p:txBody>
@@ -4449,7 +4498,7 @@
   <p:cSld name="Main point">
     <p:spTree>
       <p:nvGrpSpPr>
-        <p:cNvPr id="32" name="Shape 32"/>
+        <p:cNvPr id="1" name="Shape 32"/>
         <p:cNvGrpSpPr/>
         <p:nvPr/>
       </p:nvGrpSpPr>
@@ -4464,7 +4513,9 @@
       <p:sp>
         <p:nvSpPr>
           <p:cNvPr id="33" name="Shape 33"/>
-          <p:cNvSpPr txBox="1"/>
+          <p:cNvSpPr txBox="1">
+            <a:spLocks noGrp="1"/>
+          </p:cNvSpPr>
           <p:nvPr>
             <p:ph type="title"/>
           </p:nvPr>
@@ -4498,16 +4549,16 @@
               <a:buClr>
                 <a:schemeClr val="dk1"/>
               </a:buClr>
-              <a:buFont typeface="Arial"/>
+              <a:buFont typeface="Arial" panose="02080604020202020204" charset="0"/>
               <a:buNone/>
               <a:defRPr sz="4800" b="0" i="0" u="none" strike="noStrike" cap="none">
                 <a:solidFill>
                   <a:schemeClr val="dk1"/>
                 </a:solidFill>
-                <a:latin typeface="Arial"/>
-                <a:ea typeface="Arial"/>
-                <a:cs typeface="Arial"/>
-                <a:sym typeface="Arial"/>
+                <a:latin typeface="Arial" panose="02080604020202020204" charset="0"/>
+                <a:ea typeface="Arial" panose="02080604020202020204" charset="0"/>
+                <a:cs typeface="Arial" panose="02080604020202020204" charset="0"/>
+                <a:sym typeface="Arial" panose="02080604020202020204" charset="0"/>
               </a:defRPr>
             </a:lvl1pPr>
             <a:lvl2pPr lvl="1" indent="0">
@@ -4517,7 +4568,7 @@
               <a:buClr>
                 <a:schemeClr val="dk1"/>
               </a:buClr>
-              <a:buFont typeface="Arial"/>
+              <a:buFont typeface="Arial" panose="02080604020202020204" charset="0"/>
               <a:buNone/>
               <a:defRPr sz="4800">
                 <a:solidFill>
@@ -4532,7 +4583,7 @@
               <a:buClr>
                 <a:schemeClr val="dk1"/>
               </a:buClr>
-              <a:buFont typeface="Arial"/>
+              <a:buFont typeface="Arial" panose="02080604020202020204" charset="0"/>
               <a:buNone/>
               <a:defRPr sz="4800">
                 <a:solidFill>
@@ -4547,7 +4598,7 @@
               <a:buClr>
                 <a:schemeClr val="dk1"/>
               </a:buClr>
-              <a:buFont typeface="Arial"/>
+              <a:buFont typeface="Arial" panose="02080604020202020204" charset="0"/>
               <a:buNone/>
               <a:defRPr sz="4800">
                 <a:solidFill>
@@ -4562,7 +4613,7 @@
               <a:buClr>
                 <a:schemeClr val="dk1"/>
               </a:buClr>
-              <a:buFont typeface="Arial"/>
+              <a:buFont typeface="Arial" panose="02080604020202020204" charset="0"/>
               <a:buNone/>
               <a:defRPr sz="4800">
                 <a:solidFill>
@@ -4577,7 +4628,7 @@
               <a:buClr>
                 <a:schemeClr val="dk1"/>
               </a:buClr>
-              <a:buFont typeface="Arial"/>
+              <a:buFont typeface="Arial" panose="02080604020202020204" charset="0"/>
               <a:buNone/>
               <a:defRPr sz="4800">
                 <a:solidFill>
@@ -4592,7 +4643,7 @@
               <a:buClr>
                 <a:schemeClr val="dk1"/>
               </a:buClr>
-              <a:buFont typeface="Arial"/>
+              <a:buFont typeface="Arial" panose="02080604020202020204" charset="0"/>
               <a:buNone/>
               <a:defRPr sz="4800">
                 <a:solidFill>
@@ -4607,7 +4658,7 @@
               <a:buClr>
                 <a:schemeClr val="dk1"/>
               </a:buClr>
-              <a:buFont typeface="Arial"/>
+              <a:buFont typeface="Arial" panose="02080604020202020204" charset="0"/>
               <a:buNone/>
               <a:defRPr sz="4800">
                 <a:solidFill>
@@ -4622,7 +4673,7 @@
               <a:buClr>
                 <a:schemeClr val="dk1"/>
               </a:buClr>
-              <a:buFont typeface="Arial"/>
+              <a:buFont typeface="Arial" panose="02080604020202020204" charset="0"/>
               <a:buNone/>
               <a:defRPr sz="4800">
                 <a:solidFill>
@@ -4637,7 +4688,9 @@
       <p:sp>
         <p:nvSpPr>
           <p:cNvPr id="34" name="Shape 34"/>
-          <p:cNvSpPr txBox="1"/>
+          <p:cNvSpPr txBox="1">
+            <a:spLocks noGrp="1"/>
+          </p:cNvSpPr>
           <p:nvPr>
             <p:ph type="sldNum" idx="12"/>
           </p:nvPr>
@@ -4675,7 +4728,7 @@
                 <a:srgbClr val="000000"/>
               </a:buClr>
               <a:buSzPct val="25000"/>
-              <a:buFont typeface="Arial"/>
+              <a:buFont typeface="Arial" panose="02080604020202020204" charset="0"/>
               <a:buNone/>
             </a:pPr>
             <a:fld id="{00000000-1234-1234-1234-123412341234}" type="slidenum">
@@ -4683,20 +4736,20 @@
                 <a:solidFill>
                   <a:srgbClr val="000000"/>
                 </a:solidFill>
-                <a:latin typeface="Arial"/>
-                <a:ea typeface="Arial"/>
-                <a:cs typeface="Arial"/>
-                <a:sym typeface="Arial"/>
+                <a:latin typeface="Arial" panose="02080604020202020204" charset="0"/>
+                <a:ea typeface="Arial" panose="02080604020202020204" charset="0"/>
+                <a:cs typeface="Arial" panose="02080604020202020204" charset="0"/>
+                <a:sym typeface="Arial" panose="02080604020202020204" charset="0"/>
               </a:rPr>
             </a:fld>
             <a:endParaRPr lang="en-GB" sz="1400" b="0" i="0" u="none" strike="noStrike" cap="none">
               <a:solidFill>
                 <a:srgbClr val="000000"/>
               </a:solidFill>
-              <a:latin typeface="Arial"/>
-              <a:ea typeface="Arial"/>
-              <a:cs typeface="Arial"/>
-              <a:sym typeface="Arial"/>
+              <a:latin typeface="Arial" panose="02080604020202020204" charset="0"/>
+              <a:ea typeface="Arial" panose="02080604020202020204" charset="0"/>
+              <a:cs typeface="Arial" panose="02080604020202020204" charset="0"/>
+              <a:sym typeface="Arial" panose="02080604020202020204" charset="0"/>
             </a:endParaRPr>
           </a:p>
         </p:txBody>
@@ -4714,7 +4767,7 @@
   <p:cSld name="Section title and description">
     <p:spTree>
       <p:nvGrpSpPr>
-        <p:cNvPr id="35" name="Shape 35"/>
+        <p:cNvPr id="1" name="Shape 35"/>
         <p:cNvGrpSpPr/>
         <p:nvPr/>
       </p:nvGrpSpPr>
@@ -4766,17 +4819,17 @@
               <a:buClr>
                 <a:srgbClr val="000000"/>
               </a:buClr>
-              <a:buFont typeface="Arial"/>
+              <a:buFont typeface="Arial" panose="02080604020202020204" charset="0"/>
               <a:buNone/>
             </a:pPr>
             <a:endParaRPr sz="1400" b="0" i="0" u="none" strike="noStrike" cap="none">
               <a:solidFill>
                 <a:srgbClr val="000000"/>
               </a:solidFill>
-              <a:latin typeface="Arial"/>
-              <a:ea typeface="Arial"/>
-              <a:cs typeface="Arial"/>
-              <a:sym typeface="Arial"/>
+              <a:latin typeface="Arial" panose="02080604020202020204" charset="0"/>
+              <a:ea typeface="Arial" panose="02080604020202020204" charset="0"/>
+              <a:cs typeface="Arial" panose="02080604020202020204" charset="0"/>
+              <a:sym typeface="Arial" panose="02080604020202020204" charset="0"/>
             </a:endParaRPr>
           </a:p>
         </p:txBody>
@@ -4784,7 +4837,9 @@
       <p:sp>
         <p:nvSpPr>
           <p:cNvPr id="37" name="Shape 37"/>
-          <p:cNvSpPr txBox="1"/>
+          <p:cNvSpPr txBox="1">
+            <a:spLocks noGrp="1"/>
+          </p:cNvSpPr>
           <p:nvPr>
             <p:ph type="title"/>
           </p:nvPr>
@@ -4818,16 +4873,16 @@
               <a:buClr>
                 <a:schemeClr val="dk1"/>
               </a:buClr>
-              <a:buFont typeface="Arial"/>
+              <a:buFont typeface="Arial" panose="02080604020202020204" charset="0"/>
               <a:buNone/>
               <a:defRPr sz="4200" b="0" i="0" u="none" strike="noStrike" cap="none">
                 <a:solidFill>
                   <a:schemeClr val="dk1"/>
                 </a:solidFill>
-                <a:latin typeface="Arial"/>
-                <a:ea typeface="Arial"/>
-                <a:cs typeface="Arial"/>
-                <a:sym typeface="Arial"/>
+                <a:latin typeface="Arial" panose="02080604020202020204" charset="0"/>
+                <a:ea typeface="Arial" panose="02080604020202020204" charset="0"/>
+                <a:cs typeface="Arial" panose="02080604020202020204" charset="0"/>
+                <a:sym typeface="Arial" panose="02080604020202020204" charset="0"/>
               </a:defRPr>
             </a:lvl1pPr>
             <a:lvl2pPr lvl="1" indent="0" algn="ctr">
@@ -4837,7 +4892,7 @@
               <a:buClr>
                 <a:schemeClr val="dk1"/>
               </a:buClr>
-              <a:buFont typeface="Arial"/>
+              <a:buFont typeface="Arial" panose="02080604020202020204" charset="0"/>
               <a:buNone/>
               <a:defRPr sz="4200">
                 <a:solidFill>
@@ -4852,7 +4907,7 @@
               <a:buClr>
                 <a:schemeClr val="dk1"/>
               </a:buClr>
-              <a:buFont typeface="Arial"/>
+              <a:buFont typeface="Arial" panose="02080604020202020204" charset="0"/>
               <a:buNone/>
               <a:defRPr sz="4200">
                 <a:solidFill>
@@ -4867,7 +4922,7 @@
               <a:buClr>
                 <a:schemeClr val="dk1"/>
               </a:buClr>
-              <a:buFont typeface="Arial"/>
+              <a:buFont typeface="Arial" panose="02080604020202020204" charset="0"/>
               <a:buNone/>
               <a:defRPr sz="4200">
                 <a:solidFill>
@@ -4882,7 +4937,7 @@
               <a:buClr>
                 <a:schemeClr val="dk1"/>
               </a:buClr>
-              <a:buFont typeface="Arial"/>
+              <a:buFont typeface="Arial" panose="02080604020202020204" charset="0"/>
               <a:buNone/>
               <a:defRPr sz="4200">
                 <a:solidFill>
@@ -4897,7 +4952,7 @@
               <a:buClr>
                 <a:schemeClr val="dk1"/>
               </a:buClr>
-              <a:buFont typeface="Arial"/>
+              <a:buFont typeface="Arial" panose="02080604020202020204" charset="0"/>
               <a:buNone/>
               <a:defRPr sz="4200">
                 <a:solidFill>
@@ -4912,7 +4967,7 @@
               <a:buClr>
                 <a:schemeClr val="dk1"/>
               </a:buClr>
-              <a:buFont typeface="Arial"/>
+              <a:buFont typeface="Arial" panose="02080604020202020204" charset="0"/>
               <a:buNone/>
               <a:defRPr sz="4200">
                 <a:solidFill>
@@ -4927,7 +4982,7 @@
               <a:buClr>
                 <a:schemeClr val="dk1"/>
               </a:buClr>
-              <a:buFont typeface="Arial"/>
+              <a:buFont typeface="Arial" panose="02080604020202020204" charset="0"/>
               <a:buNone/>
               <a:defRPr sz="4200">
                 <a:solidFill>
@@ -4942,7 +4997,7 @@
               <a:buClr>
                 <a:schemeClr val="dk1"/>
               </a:buClr>
-              <a:buFont typeface="Arial"/>
+              <a:buFont typeface="Arial" panose="02080604020202020204" charset="0"/>
               <a:buNone/>
               <a:defRPr sz="4200">
                 <a:solidFill>
@@ -4957,7 +5012,9 @@
       <p:sp>
         <p:nvSpPr>
           <p:cNvPr id="38" name="Shape 38"/>
-          <p:cNvSpPr txBox="1"/>
+          <p:cNvSpPr txBox="1">
+            <a:spLocks noGrp="1"/>
+          </p:cNvSpPr>
           <p:nvPr>
             <p:ph type="subTitle" idx="1"/>
           </p:nvPr>
@@ -4991,16 +5048,16 @@
               <a:buClr>
                 <a:schemeClr val="dk2"/>
               </a:buClr>
-              <a:buFont typeface="Arial"/>
+              <a:buFont typeface="Arial" panose="02080604020202020204" charset="0"/>
               <a:buNone/>
               <a:defRPr sz="2100" b="0" i="0" u="none" strike="noStrike" cap="none">
                 <a:solidFill>
                   <a:schemeClr val="dk2"/>
                 </a:solidFill>
-                <a:latin typeface="Arial"/>
-                <a:ea typeface="Arial"/>
-                <a:cs typeface="Arial"/>
-                <a:sym typeface="Arial"/>
+                <a:latin typeface="Arial" panose="02080604020202020204" charset="0"/>
+                <a:ea typeface="Arial" panose="02080604020202020204" charset="0"/>
+                <a:cs typeface="Arial" panose="02080604020202020204" charset="0"/>
+                <a:sym typeface="Arial" panose="02080604020202020204" charset="0"/>
               </a:defRPr>
             </a:lvl1pPr>
             <a:lvl2pPr marL="457200" marR="0" lvl="1" indent="0" algn="ctr" rtl="0">
@@ -5016,16 +5073,16 @@
               <a:buClr>
                 <a:schemeClr val="dk2"/>
               </a:buClr>
-              <a:buFont typeface="Arial"/>
+              <a:buFont typeface="Arial" panose="02080604020202020204" charset="0"/>
               <a:buNone/>
               <a:defRPr sz="2100" b="0" i="0" u="none" strike="noStrike" cap="none">
                 <a:solidFill>
                   <a:schemeClr val="dk2"/>
                 </a:solidFill>
-                <a:latin typeface="Arial"/>
-                <a:ea typeface="Arial"/>
-                <a:cs typeface="Arial"/>
-                <a:sym typeface="Arial"/>
+                <a:latin typeface="Arial" panose="02080604020202020204" charset="0"/>
+                <a:ea typeface="Arial" panose="02080604020202020204" charset="0"/>
+                <a:cs typeface="Arial" panose="02080604020202020204" charset="0"/>
+                <a:sym typeface="Arial" panose="02080604020202020204" charset="0"/>
               </a:defRPr>
             </a:lvl2pPr>
             <a:lvl3pPr marL="914400" marR="0" lvl="2" indent="0" algn="ctr" rtl="0">
@@ -5041,16 +5098,16 @@
               <a:buClr>
                 <a:schemeClr val="dk2"/>
               </a:buClr>
-              <a:buFont typeface="Arial"/>
+              <a:buFont typeface="Arial" panose="02080604020202020204" charset="0"/>
               <a:buNone/>
               <a:defRPr sz="2100" b="0" i="0" u="none" strike="noStrike" cap="none">
                 <a:solidFill>
                   <a:schemeClr val="dk2"/>
                 </a:solidFill>
-                <a:latin typeface="Arial"/>
-                <a:ea typeface="Arial"/>
-                <a:cs typeface="Arial"/>
-                <a:sym typeface="Arial"/>
+                <a:latin typeface="Arial" panose="02080604020202020204" charset="0"/>
+                <a:ea typeface="Arial" panose="02080604020202020204" charset="0"/>
+                <a:cs typeface="Arial" panose="02080604020202020204" charset="0"/>
+                <a:sym typeface="Arial" panose="02080604020202020204" charset="0"/>
               </a:defRPr>
             </a:lvl3pPr>
             <a:lvl4pPr marL="1371600" marR="0" lvl="3" indent="0" algn="ctr" rtl="0">
@@ -5066,16 +5123,16 @@
               <a:buClr>
                 <a:schemeClr val="dk2"/>
               </a:buClr>
-              <a:buFont typeface="Arial"/>
+              <a:buFont typeface="Arial" panose="02080604020202020204" charset="0"/>
               <a:buNone/>
               <a:defRPr sz="2100" b="0" i="0" u="none" strike="noStrike" cap="none">
                 <a:solidFill>
                   <a:schemeClr val="dk2"/>
                 </a:solidFill>
-                <a:latin typeface="Arial"/>
-                <a:ea typeface="Arial"/>
-                <a:cs typeface="Arial"/>
-                <a:sym typeface="Arial"/>
+                <a:latin typeface="Arial" panose="02080604020202020204" charset="0"/>
+                <a:ea typeface="Arial" panose="02080604020202020204" charset="0"/>
+                <a:cs typeface="Arial" panose="02080604020202020204" charset="0"/>
+                <a:sym typeface="Arial" panose="02080604020202020204" charset="0"/>
               </a:defRPr>
             </a:lvl4pPr>
             <a:lvl5pPr marL="1828800" marR="0" lvl="4" indent="0" algn="ctr" rtl="0">
@@ -5091,16 +5148,16 @@
               <a:buClr>
                 <a:schemeClr val="dk2"/>
               </a:buClr>
-              <a:buFont typeface="Arial"/>
+              <a:buFont typeface="Arial" panose="02080604020202020204" charset="0"/>
               <a:buNone/>
               <a:defRPr sz="2100" b="0" i="0" u="none" strike="noStrike" cap="none">
                 <a:solidFill>
                   <a:schemeClr val="dk2"/>
                 </a:solidFill>
-                <a:latin typeface="Arial"/>
-                <a:ea typeface="Arial"/>
-                <a:cs typeface="Arial"/>
-                <a:sym typeface="Arial"/>
+                <a:latin typeface="Arial" panose="02080604020202020204" charset="0"/>
+                <a:ea typeface="Arial" panose="02080604020202020204" charset="0"/>
+                <a:cs typeface="Arial" panose="02080604020202020204" charset="0"/>
+                <a:sym typeface="Arial" panose="02080604020202020204" charset="0"/>
               </a:defRPr>
             </a:lvl5pPr>
             <a:lvl6pPr marL="2286000" marR="0" lvl="5" indent="0" algn="ctr" rtl="0">
@@ -5116,16 +5173,16 @@
               <a:buClr>
                 <a:schemeClr val="dk2"/>
               </a:buClr>
-              <a:buFont typeface="Arial"/>
+              <a:buFont typeface="Arial" panose="02080604020202020204" charset="0"/>
               <a:buNone/>
               <a:defRPr sz="2100" b="0" i="0" u="none" strike="noStrike" cap="none">
                 <a:solidFill>
                   <a:schemeClr val="dk2"/>
                 </a:solidFill>
-                <a:latin typeface="Arial"/>
-                <a:ea typeface="Arial"/>
-                <a:cs typeface="Arial"/>
-                <a:sym typeface="Arial"/>
+                <a:latin typeface="Arial" panose="02080604020202020204" charset="0"/>
+                <a:ea typeface="Arial" panose="02080604020202020204" charset="0"/>
+                <a:cs typeface="Arial" panose="02080604020202020204" charset="0"/>
+                <a:sym typeface="Arial" panose="02080604020202020204" charset="0"/>
               </a:defRPr>
             </a:lvl6pPr>
             <a:lvl7pPr marL="2743200" marR="0" lvl="6" indent="0" algn="ctr" rtl="0">
@@ -5141,16 +5198,16 @@
               <a:buClr>
                 <a:schemeClr val="dk2"/>
               </a:buClr>
-              <a:buFont typeface="Arial"/>
+              <a:buFont typeface="Arial" panose="02080604020202020204" charset="0"/>
               <a:buNone/>
               <a:defRPr sz="2100" b="0" i="0" u="none" strike="noStrike" cap="none">
                 <a:solidFill>
                   <a:schemeClr val="dk2"/>
                 </a:solidFill>
-                <a:latin typeface="Arial"/>
-                <a:ea typeface="Arial"/>
-                <a:cs typeface="Arial"/>
-                <a:sym typeface="Arial"/>
+                <a:latin typeface="Arial" panose="02080604020202020204" charset="0"/>
+                <a:ea typeface="Arial" panose="02080604020202020204" charset="0"/>
+                <a:cs typeface="Arial" panose="02080604020202020204" charset="0"/>
+                <a:sym typeface="Arial" panose="02080604020202020204" charset="0"/>
               </a:defRPr>
             </a:lvl7pPr>
             <a:lvl8pPr marL="3200400" marR="0" lvl="7" indent="0" algn="ctr" rtl="0">
@@ -5166,16 +5223,16 @@
               <a:buClr>
                 <a:schemeClr val="dk2"/>
               </a:buClr>
-              <a:buFont typeface="Arial"/>
+              <a:buFont typeface="Arial" panose="02080604020202020204" charset="0"/>
               <a:buNone/>
               <a:defRPr sz="2100" b="0" i="0" u="none" strike="noStrike" cap="none">
                 <a:solidFill>
                   <a:schemeClr val="dk2"/>
                 </a:solidFill>
-                <a:latin typeface="Arial"/>
-                <a:ea typeface="Arial"/>
-                <a:cs typeface="Arial"/>
-                <a:sym typeface="Arial"/>
+                <a:latin typeface="Arial" panose="02080604020202020204" charset="0"/>
+                <a:ea typeface="Arial" panose="02080604020202020204" charset="0"/>
+                <a:cs typeface="Arial" panose="02080604020202020204" charset="0"/>
+                <a:sym typeface="Arial" panose="02080604020202020204" charset="0"/>
               </a:defRPr>
             </a:lvl8pPr>
             <a:lvl9pPr marL="3657600" marR="0" lvl="8" indent="0" algn="ctr" rtl="0">
@@ -5191,16 +5248,16 @@
               <a:buClr>
                 <a:schemeClr val="dk2"/>
               </a:buClr>
-              <a:buFont typeface="Arial"/>
+              <a:buFont typeface="Arial" panose="02080604020202020204" charset="0"/>
               <a:buNone/>
               <a:defRPr sz="2100" b="0" i="0" u="none" strike="noStrike" cap="none">
                 <a:solidFill>
                   <a:schemeClr val="dk2"/>
                 </a:solidFill>
-                <a:latin typeface="Arial"/>
-                <a:ea typeface="Arial"/>
-                <a:cs typeface="Arial"/>
-                <a:sym typeface="Arial"/>
+                <a:latin typeface="Arial" panose="02080604020202020204" charset="0"/>
+                <a:ea typeface="Arial" panose="02080604020202020204" charset="0"/>
+                <a:cs typeface="Arial" panose="02080604020202020204" charset="0"/>
+                <a:sym typeface="Arial" panose="02080604020202020204" charset="0"/>
               </a:defRPr>
             </a:lvl9pPr>
           </a:lstStyle>
@@ -5210,7 +5267,9 @@
       <p:sp>
         <p:nvSpPr>
           <p:cNvPr id="39" name="Shape 39"/>
-          <p:cNvSpPr txBox="1"/>
+          <p:cNvSpPr txBox="1">
+            <a:spLocks noGrp="1"/>
+          </p:cNvSpPr>
           <p:nvPr>
             <p:ph type="body" idx="2"/>
           </p:nvPr>
@@ -5244,16 +5303,16 @@
               <a:buClr>
                 <a:schemeClr val="dk2"/>
               </a:buClr>
-              <a:buFont typeface="Arial"/>
+              <a:buFont typeface="Arial" panose="02080604020202020204" charset="0"/>
               <a:buNone/>
               <a:defRPr sz="1800" b="0" i="0" u="none" strike="noStrike" cap="none">
                 <a:solidFill>
                   <a:schemeClr val="dk2"/>
                 </a:solidFill>
-                <a:latin typeface="Arial"/>
-                <a:ea typeface="Arial"/>
-                <a:cs typeface="Arial"/>
-                <a:sym typeface="Arial"/>
+                <a:latin typeface="Arial" panose="02080604020202020204" charset="0"/>
+                <a:ea typeface="Arial" panose="02080604020202020204" charset="0"/>
+                <a:cs typeface="Arial" panose="02080604020202020204" charset="0"/>
+                <a:sym typeface="Arial" panose="02080604020202020204" charset="0"/>
               </a:defRPr>
             </a:lvl1pPr>
             <a:lvl2pPr marL="457200" marR="0" lvl="1" indent="0" algn="l" rtl="0">
@@ -5269,16 +5328,16 @@
               <a:buClr>
                 <a:schemeClr val="dk2"/>
               </a:buClr>
-              <a:buFont typeface="Arial"/>
+              <a:buFont typeface="Arial" panose="02080604020202020204" charset="0"/>
               <a:buNone/>
               <a:defRPr sz="1400" b="0" i="0" u="none" strike="noStrike" cap="none">
                 <a:solidFill>
                   <a:schemeClr val="dk2"/>
                 </a:solidFill>
-                <a:latin typeface="Arial"/>
-                <a:ea typeface="Arial"/>
-                <a:cs typeface="Arial"/>
-                <a:sym typeface="Arial"/>
+                <a:latin typeface="Arial" panose="02080604020202020204" charset="0"/>
+                <a:ea typeface="Arial" panose="02080604020202020204" charset="0"/>
+                <a:cs typeface="Arial" panose="02080604020202020204" charset="0"/>
+                <a:sym typeface="Arial" panose="02080604020202020204" charset="0"/>
               </a:defRPr>
             </a:lvl2pPr>
             <a:lvl3pPr marL="914400" marR="0" lvl="2" indent="0" algn="l" rtl="0">
@@ -5294,16 +5353,16 @@
               <a:buClr>
                 <a:schemeClr val="dk2"/>
               </a:buClr>
-              <a:buFont typeface="Arial"/>
+              <a:buFont typeface="Arial" panose="02080604020202020204" charset="0"/>
               <a:buNone/>
               <a:defRPr sz="1400" b="0" i="0" u="none" strike="noStrike" cap="none">
                 <a:solidFill>
                   <a:schemeClr val="dk2"/>
                 </a:solidFill>
-                <a:latin typeface="Arial"/>
-                <a:ea typeface="Arial"/>
-                <a:cs typeface="Arial"/>
-                <a:sym typeface="Arial"/>
+                <a:latin typeface="Arial" panose="02080604020202020204" charset="0"/>
+                <a:ea typeface="Arial" panose="02080604020202020204" charset="0"/>
+                <a:cs typeface="Arial" panose="02080604020202020204" charset="0"/>
+                <a:sym typeface="Arial" panose="02080604020202020204" charset="0"/>
               </a:defRPr>
             </a:lvl3pPr>
             <a:lvl4pPr marL="1371600" marR="0" lvl="3" indent="0" algn="l" rtl="0">
@@ -5319,16 +5378,16 @@
               <a:buClr>
                 <a:schemeClr val="dk2"/>
               </a:buClr>
-              <a:buFont typeface="Arial"/>
+              <a:buFont typeface="Arial" panose="02080604020202020204" charset="0"/>
               <a:buNone/>
               <a:defRPr sz="1400" b="0" i="0" u="none" strike="noStrike" cap="none">
                 <a:solidFill>
                   <a:schemeClr val="dk2"/>
                 </a:solidFill>
-                <a:latin typeface="Arial"/>
-                <a:ea typeface="Arial"/>
-                <a:cs typeface="Arial"/>
-                <a:sym typeface="Arial"/>
+                <a:latin typeface="Arial" panose="02080604020202020204" charset="0"/>
+                <a:ea typeface="Arial" panose="02080604020202020204" charset="0"/>
+                <a:cs typeface="Arial" panose="02080604020202020204" charset="0"/>
+                <a:sym typeface="Arial" panose="02080604020202020204" charset="0"/>
               </a:defRPr>
             </a:lvl4pPr>
             <a:lvl5pPr marL="1828800" marR="0" lvl="4" indent="0" algn="l" rtl="0">
@@ -5344,16 +5403,16 @@
               <a:buClr>
                 <a:schemeClr val="dk2"/>
               </a:buClr>
-              <a:buFont typeface="Arial"/>
+              <a:buFont typeface="Arial" panose="02080604020202020204" charset="0"/>
               <a:buNone/>
               <a:defRPr sz="1400" b="0" i="0" u="none" strike="noStrike" cap="none">
                 <a:solidFill>
                   <a:schemeClr val="dk2"/>
                 </a:solidFill>
-                <a:latin typeface="Arial"/>
-                <a:ea typeface="Arial"/>
-                <a:cs typeface="Arial"/>
-                <a:sym typeface="Arial"/>
+                <a:latin typeface="Arial" panose="02080604020202020204" charset="0"/>
+                <a:ea typeface="Arial" panose="02080604020202020204" charset="0"/>
+                <a:cs typeface="Arial" panose="02080604020202020204" charset="0"/>
+                <a:sym typeface="Arial" panose="02080604020202020204" charset="0"/>
               </a:defRPr>
             </a:lvl5pPr>
             <a:lvl6pPr marL="2286000" marR="0" lvl="5" indent="0" algn="l" rtl="0">
@@ -5369,16 +5428,16 @@
               <a:buClr>
                 <a:schemeClr val="dk2"/>
               </a:buClr>
-              <a:buFont typeface="Arial"/>
+              <a:buFont typeface="Arial" panose="02080604020202020204" charset="0"/>
               <a:buNone/>
               <a:defRPr sz="1400" b="0" i="0" u="none" strike="noStrike" cap="none">
                 <a:solidFill>
                   <a:schemeClr val="dk2"/>
                 </a:solidFill>
-                <a:latin typeface="Arial"/>
-                <a:ea typeface="Arial"/>
-                <a:cs typeface="Arial"/>
-                <a:sym typeface="Arial"/>
+                <a:latin typeface="Arial" panose="02080604020202020204" charset="0"/>
+                <a:ea typeface="Arial" panose="02080604020202020204" charset="0"/>
+                <a:cs typeface="Arial" panose="02080604020202020204" charset="0"/>
+                <a:sym typeface="Arial" panose="02080604020202020204" charset="0"/>
               </a:defRPr>
             </a:lvl6pPr>
             <a:lvl7pPr marL="2743200" marR="0" lvl="6" indent="0" algn="l" rtl="0">
@@ -5394,16 +5453,16 @@
               <a:buClr>
                 <a:schemeClr val="dk2"/>
               </a:buClr>
-              <a:buFont typeface="Arial"/>
+              <a:buFont typeface="Arial" panose="02080604020202020204" charset="0"/>
               <a:buNone/>
               <a:defRPr sz="1400" b="0" i="0" u="none" strike="noStrike" cap="none">
                 <a:solidFill>
                   <a:schemeClr val="dk2"/>
                 </a:solidFill>
-                <a:latin typeface="Arial"/>
-                <a:ea typeface="Arial"/>
-                <a:cs typeface="Arial"/>
-                <a:sym typeface="Arial"/>
+                <a:latin typeface="Arial" panose="02080604020202020204" charset="0"/>
+                <a:ea typeface="Arial" panose="02080604020202020204" charset="0"/>
+                <a:cs typeface="Arial" panose="02080604020202020204" charset="0"/>
+                <a:sym typeface="Arial" panose="02080604020202020204" charset="0"/>
               </a:defRPr>
             </a:lvl7pPr>
             <a:lvl8pPr marL="3200400" marR="0" lvl="7" indent="0" algn="l" rtl="0">
@@ -5419,16 +5478,16 @@
               <a:buClr>
                 <a:schemeClr val="dk2"/>
               </a:buClr>
-              <a:buFont typeface="Arial"/>
+              <a:buFont typeface="Arial" panose="02080604020202020204" charset="0"/>
               <a:buNone/>
               <a:defRPr sz="1400" b="0" i="0" u="none" strike="noStrike" cap="none">
                 <a:solidFill>
                   <a:schemeClr val="dk2"/>
                 </a:solidFill>
-                <a:latin typeface="Arial"/>
-                <a:ea typeface="Arial"/>
-                <a:cs typeface="Arial"/>
-                <a:sym typeface="Arial"/>
+                <a:latin typeface="Arial" panose="02080604020202020204" charset="0"/>
+                <a:ea typeface="Arial" panose="02080604020202020204" charset="0"/>
+                <a:cs typeface="Arial" panose="02080604020202020204" charset="0"/>
+                <a:sym typeface="Arial" panose="02080604020202020204" charset="0"/>
               </a:defRPr>
             </a:lvl8pPr>
             <a:lvl9pPr marL="3657600" marR="0" lvl="8" indent="0" algn="l" rtl="0">
@@ -5444,16 +5503,16 @@
               <a:buClr>
                 <a:schemeClr val="dk2"/>
               </a:buClr>
-              <a:buFont typeface="Arial"/>
+              <a:buFont typeface="Arial" panose="02080604020202020204" charset="0"/>
               <a:buNone/>
               <a:defRPr sz="1400" b="0" i="0" u="none" strike="noStrike" cap="none">
                 <a:solidFill>
                   <a:schemeClr val="dk2"/>
                 </a:solidFill>
-                <a:latin typeface="Arial"/>
-                <a:ea typeface="Arial"/>
-                <a:cs typeface="Arial"/>
-                <a:sym typeface="Arial"/>
+                <a:latin typeface="Arial" panose="02080604020202020204" charset="0"/>
+                <a:ea typeface="Arial" panose="02080604020202020204" charset="0"/>
+                <a:cs typeface="Arial" panose="02080604020202020204" charset="0"/>
+                <a:sym typeface="Arial" panose="02080604020202020204" charset="0"/>
               </a:defRPr>
             </a:lvl9pPr>
           </a:lstStyle>
@@ -5463,7 +5522,9 @@
       <p:sp>
         <p:nvSpPr>
           <p:cNvPr id="40" name="Shape 40"/>
-          <p:cNvSpPr txBox="1"/>
+          <p:cNvSpPr txBox="1">
+            <a:spLocks noGrp="1"/>
+          </p:cNvSpPr>
           <p:nvPr>
             <p:ph type="sldNum" idx="12"/>
           </p:nvPr>
@@ -5501,7 +5562,7 @@
                 <a:srgbClr val="000000"/>
               </a:buClr>
               <a:buSzPct val="25000"/>
-              <a:buFont typeface="Arial"/>
+              <a:buFont typeface="Arial" panose="02080604020202020204" charset="0"/>
               <a:buNone/>
             </a:pPr>
             <a:fld id="{00000000-1234-1234-1234-123412341234}" type="slidenum">
@@ -5509,20 +5570,20 @@
                 <a:solidFill>
                   <a:srgbClr val="000000"/>
                 </a:solidFill>
-                <a:latin typeface="Arial"/>
-                <a:ea typeface="Arial"/>
-                <a:cs typeface="Arial"/>
-                <a:sym typeface="Arial"/>
+                <a:latin typeface="Arial" panose="02080604020202020204" charset="0"/>
+                <a:ea typeface="Arial" panose="02080604020202020204" charset="0"/>
+                <a:cs typeface="Arial" panose="02080604020202020204" charset="0"/>
+                <a:sym typeface="Arial" panose="02080604020202020204" charset="0"/>
               </a:rPr>
             </a:fld>
             <a:endParaRPr lang="en-GB" sz="1400" b="0" i="0" u="none" strike="noStrike" cap="none">
               <a:solidFill>
                 <a:srgbClr val="000000"/>
               </a:solidFill>
-              <a:latin typeface="Arial"/>
-              <a:ea typeface="Arial"/>
-              <a:cs typeface="Arial"/>
-              <a:sym typeface="Arial"/>
+              <a:latin typeface="Arial" panose="02080604020202020204" charset="0"/>
+              <a:ea typeface="Arial" panose="02080604020202020204" charset="0"/>
+              <a:cs typeface="Arial" panose="02080604020202020204" charset="0"/>
+              <a:sym typeface="Arial" panose="02080604020202020204" charset="0"/>
             </a:endParaRPr>
           </a:p>
         </p:txBody>
@@ -5540,7 +5601,7 @@
   <p:cSld name="Caption">
     <p:spTree>
       <p:nvGrpSpPr>
-        <p:cNvPr id="41" name="Shape 41"/>
+        <p:cNvPr id="1" name="Shape 41"/>
         <p:cNvGrpSpPr/>
         <p:nvPr/>
       </p:nvGrpSpPr>
@@ -5555,7 +5616,9 @@
       <p:sp>
         <p:nvSpPr>
           <p:cNvPr id="42" name="Shape 42"/>
-          <p:cNvSpPr txBox="1"/>
+          <p:cNvSpPr txBox="1">
+            <a:spLocks noGrp="1"/>
+          </p:cNvSpPr>
           <p:nvPr>
             <p:ph type="body" idx="1"/>
           </p:nvPr>
@@ -5589,16 +5652,16 @@
               <a:buClr>
                 <a:schemeClr val="dk2"/>
               </a:buClr>
-              <a:buFont typeface="Arial"/>
+              <a:buFont typeface="Arial" panose="02080604020202020204" charset="0"/>
               <a:buNone/>
               <a:defRPr sz="1800" b="0" i="0" u="none" strike="noStrike" cap="none">
                 <a:solidFill>
                   <a:schemeClr val="dk2"/>
                 </a:solidFill>
-                <a:latin typeface="Arial"/>
-                <a:ea typeface="Arial"/>
-                <a:cs typeface="Arial"/>
-                <a:sym typeface="Arial"/>
+                <a:latin typeface="Arial" panose="02080604020202020204" charset="0"/>
+                <a:ea typeface="Arial" panose="02080604020202020204" charset="0"/>
+                <a:cs typeface="Arial" panose="02080604020202020204" charset="0"/>
+                <a:sym typeface="Arial" panose="02080604020202020204" charset="0"/>
               </a:defRPr>
             </a:lvl1pPr>
             <a:lvl2pPr marL="457200" marR="0" lvl="1" indent="0" algn="l" rtl="0">
@@ -5614,16 +5677,16 @@
               <a:buClr>
                 <a:schemeClr val="dk2"/>
               </a:buClr>
-              <a:buFont typeface="Arial"/>
+              <a:buFont typeface="Arial" panose="02080604020202020204" charset="0"/>
               <a:buNone/>
               <a:defRPr sz="1400" b="0" i="0" u="none" strike="noStrike" cap="none">
                 <a:solidFill>
                   <a:schemeClr val="dk2"/>
                 </a:solidFill>
-                <a:latin typeface="Arial"/>
-                <a:ea typeface="Arial"/>
-                <a:cs typeface="Arial"/>
-                <a:sym typeface="Arial"/>
+                <a:latin typeface="Arial" panose="02080604020202020204" charset="0"/>
+                <a:ea typeface="Arial" panose="02080604020202020204" charset="0"/>
+                <a:cs typeface="Arial" panose="02080604020202020204" charset="0"/>
+                <a:sym typeface="Arial" panose="02080604020202020204" charset="0"/>
               </a:defRPr>
             </a:lvl2pPr>
             <a:lvl3pPr marL="914400" marR="0" lvl="2" indent="0" algn="l" rtl="0">
@@ -5639,16 +5702,16 @@
               <a:buClr>
                 <a:schemeClr val="dk2"/>
               </a:buClr>
-              <a:buFont typeface="Arial"/>
+              <a:buFont typeface="Arial" panose="02080604020202020204" charset="0"/>
               <a:buNone/>
               <a:defRPr sz="1400" b="0" i="0" u="none" strike="noStrike" cap="none">
                 <a:solidFill>
                   <a:schemeClr val="dk2"/>
                 </a:solidFill>
-                <a:latin typeface="Arial"/>
-                <a:ea typeface="Arial"/>
-                <a:cs typeface="Arial"/>
-                <a:sym typeface="Arial"/>
+                <a:latin typeface="Arial" panose="02080604020202020204" charset="0"/>
+                <a:ea typeface="Arial" panose="02080604020202020204" charset="0"/>
+                <a:cs typeface="Arial" panose="02080604020202020204" charset="0"/>
+                <a:sym typeface="Arial" panose="02080604020202020204" charset="0"/>
               </a:defRPr>
             </a:lvl3pPr>
             <a:lvl4pPr marL="1371600" marR="0" lvl="3" indent="0" algn="l" rtl="0">
@@ -5664,16 +5727,16 @@
               <a:buClr>
                 <a:schemeClr val="dk2"/>
               </a:buClr>
-              <a:buFont typeface="Arial"/>
+              <a:buFont typeface="Arial" panose="02080604020202020204" charset="0"/>
               <a:buNone/>
               <a:defRPr sz="1400" b="0" i="0" u="none" strike="noStrike" cap="none">
                 <a:solidFill>
                   <a:schemeClr val="dk2"/>
                 </a:solidFill>
-                <a:latin typeface="Arial"/>
-                <a:ea typeface="Arial"/>
-                <a:cs typeface="Arial"/>
-                <a:sym typeface="Arial"/>
+                <a:latin typeface="Arial" panose="02080604020202020204" charset="0"/>
+                <a:ea typeface="Arial" panose="02080604020202020204" charset="0"/>
+                <a:cs typeface="Arial" panose="02080604020202020204" charset="0"/>
+                <a:sym typeface="Arial" panose="02080604020202020204" charset="0"/>
               </a:defRPr>
             </a:lvl4pPr>
             <a:lvl5pPr marL="1828800" marR="0" lvl="4" indent="0" algn="l" rtl="0">
@@ -5689,16 +5752,16 @@
               <a:buClr>
                 <a:schemeClr val="dk2"/>
               </a:buClr>
-              <a:buFont typeface="Arial"/>
+              <a:buFont typeface="Arial" panose="02080604020202020204" charset="0"/>
               <a:buNone/>
               <a:defRPr sz="1400" b="0" i="0" u="none" strike="noStrike" cap="none">
                 <a:solidFill>
                   <a:schemeClr val="dk2"/>
                 </a:solidFill>
-                <a:latin typeface="Arial"/>
-                <a:ea typeface="Arial"/>
-                <a:cs typeface="Arial"/>
-                <a:sym typeface="Arial"/>
+                <a:latin typeface="Arial" panose="02080604020202020204" charset="0"/>
+                <a:ea typeface="Arial" panose="02080604020202020204" charset="0"/>
+                <a:cs typeface="Arial" panose="02080604020202020204" charset="0"/>
+                <a:sym typeface="Arial" panose="02080604020202020204" charset="0"/>
               </a:defRPr>
             </a:lvl5pPr>
             <a:lvl6pPr marL="2286000" marR="0" lvl="5" indent="0" algn="l" rtl="0">
@@ -5714,16 +5777,16 @@
               <a:buClr>
                 <a:schemeClr val="dk2"/>
               </a:buClr>
-              <a:buFont typeface="Arial"/>
+              <a:buFont typeface="Arial" panose="02080604020202020204" charset="0"/>
               <a:buNone/>
               <a:defRPr sz="1400" b="0" i="0" u="none" strike="noStrike" cap="none">
                 <a:solidFill>
                   <a:schemeClr val="dk2"/>
                 </a:solidFill>
-                <a:latin typeface="Arial"/>
-                <a:ea typeface="Arial"/>
-                <a:cs typeface="Arial"/>
-                <a:sym typeface="Arial"/>
+                <a:latin typeface="Arial" panose="02080604020202020204" charset="0"/>
+                <a:ea typeface="Arial" panose="02080604020202020204" charset="0"/>
+                <a:cs typeface="Arial" panose="02080604020202020204" charset="0"/>
+                <a:sym typeface="Arial" panose="02080604020202020204" charset="0"/>
               </a:defRPr>
             </a:lvl6pPr>
             <a:lvl7pPr marL="2743200" marR="0" lvl="6" indent="0" algn="l" rtl="0">
@@ -5739,16 +5802,16 @@
               <a:buClr>
                 <a:schemeClr val="dk2"/>
               </a:buClr>
-              <a:buFont typeface="Arial"/>
+              <a:buFont typeface="Arial" panose="02080604020202020204" charset="0"/>
               <a:buNone/>
               <a:defRPr sz="1400" b="0" i="0" u="none" strike="noStrike" cap="none">
                 <a:solidFill>
                   <a:schemeClr val="dk2"/>
                 </a:solidFill>
-                <a:latin typeface="Arial"/>
-                <a:ea typeface="Arial"/>
-                <a:cs typeface="Arial"/>
-                <a:sym typeface="Arial"/>
+                <a:latin typeface="Arial" panose="02080604020202020204" charset="0"/>
+                <a:ea typeface="Arial" panose="02080604020202020204" charset="0"/>
+                <a:cs typeface="Arial" panose="02080604020202020204" charset="0"/>
+                <a:sym typeface="Arial" panose="02080604020202020204" charset="0"/>
               </a:defRPr>
             </a:lvl7pPr>
             <a:lvl8pPr marL="3200400" marR="0" lvl="7" indent="0" algn="l" rtl="0">
@@ -5764,16 +5827,16 @@
               <a:buClr>
                 <a:schemeClr val="dk2"/>
               </a:buClr>
-              <a:buFont typeface="Arial"/>
+              <a:buFont typeface="Arial" panose="02080604020202020204" charset="0"/>
               <a:buNone/>
               <a:defRPr sz="1400" b="0" i="0" u="none" strike="noStrike" cap="none">
                 <a:solidFill>
                   <a:schemeClr val="dk2"/>
                 </a:solidFill>
-                <a:latin typeface="Arial"/>
-                <a:ea typeface="Arial"/>
-                <a:cs typeface="Arial"/>
-                <a:sym typeface="Arial"/>
+                <a:latin typeface="Arial" panose="02080604020202020204" charset="0"/>
+                <a:ea typeface="Arial" panose="02080604020202020204" charset="0"/>
+                <a:cs typeface="Arial" panose="02080604020202020204" charset="0"/>
+                <a:sym typeface="Arial" panose="02080604020202020204" charset="0"/>
               </a:defRPr>
             </a:lvl8pPr>
             <a:lvl9pPr marL="3657600" marR="0" lvl="8" indent="0" algn="l" rtl="0">
@@ -5789,16 +5852,16 @@
               <a:buClr>
                 <a:schemeClr val="dk2"/>
               </a:buClr>
-              <a:buFont typeface="Arial"/>
+              <a:buFont typeface="Arial" panose="02080604020202020204" charset="0"/>
               <a:buNone/>
               <a:defRPr sz="1400" b="0" i="0" u="none" strike="noStrike" cap="none">
                 <a:solidFill>
                   <a:schemeClr val="dk2"/>
                 </a:solidFill>
-                <a:latin typeface="Arial"/>
-                <a:ea typeface="Arial"/>
-                <a:cs typeface="Arial"/>
-                <a:sym typeface="Arial"/>
+                <a:latin typeface="Arial" panose="02080604020202020204" charset="0"/>
+                <a:ea typeface="Arial" panose="02080604020202020204" charset="0"/>
+                <a:cs typeface="Arial" panose="02080604020202020204" charset="0"/>
+                <a:sym typeface="Arial" panose="02080604020202020204" charset="0"/>
               </a:defRPr>
             </a:lvl9pPr>
           </a:lstStyle>
@@ -5808,7 +5871,9 @@
       <p:sp>
         <p:nvSpPr>
           <p:cNvPr id="43" name="Shape 43"/>
-          <p:cNvSpPr txBox="1"/>
+          <p:cNvSpPr txBox="1">
+            <a:spLocks noGrp="1"/>
+          </p:cNvSpPr>
           <p:nvPr>
             <p:ph type="sldNum" idx="12"/>
           </p:nvPr>
@@ -5846,7 +5911,7 @@
                 <a:srgbClr val="000000"/>
               </a:buClr>
               <a:buSzPct val="25000"/>
-              <a:buFont typeface="Arial"/>
+              <a:buFont typeface="Arial" panose="02080604020202020204" charset="0"/>
               <a:buNone/>
             </a:pPr>
             <a:fld id="{00000000-1234-1234-1234-123412341234}" type="slidenum">
@@ -5854,20 +5919,20 @@
                 <a:solidFill>
                   <a:srgbClr val="000000"/>
                 </a:solidFill>
-                <a:latin typeface="Arial"/>
-                <a:ea typeface="Arial"/>
-                <a:cs typeface="Arial"/>
-                <a:sym typeface="Arial"/>
+                <a:latin typeface="Arial" panose="02080604020202020204" charset="0"/>
+                <a:ea typeface="Arial" panose="02080604020202020204" charset="0"/>
+                <a:cs typeface="Arial" panose="02080604020202020204" charset="0"/>
+                <a:sym typeface="Arial" panose="02080604020202020204" charset="0"/>
               </a:rPr>
             </a:fld>
             <a:endParaRPr lang="en-GB" sz="1400" b="0" i="0" u="none" strike="noStrike" cap="none">
               <a:solidFill>
                 <a:srgbClr val="000000"/>
               </a:solidFill>
-              <a:latin typeface="Arial"/>
-              <a:ea typeface="Arial"/>
-              <a:cs typeface="Arial"/>
-              <a:sym typeface="Arial"/>
+              <a:latin typeface="Arial" panose="02080604020202020204" charset="0"/>
+              <a:ea typeface="Arial" panose="02080604020202020204" charset="0"/>
+              <a:cs typeface="Arial" panose="02080604020202020204" charset="0"/>
+              <a:sym typeface="Arial" panose="02080604020202020204" charset="0"/>
             </a:endParaRPr>
           </a:p>
         </p:txBody>
@@ -5893,7 +5958,7 @@
     </p:bg>
     <p:spTree>
       <p:nvGrpSpPr>
-        <p:cNvPr id="5" name="Shape 5"/>
+        <p:cNvPr id="1" name="Shape 5"/>
         <p:cNvGrpSpPr/>
         <p:nvPr/>
       </p:nvGrpSpPr>
@@ -5908,7 +5973,9 @@
       <p:sp>
         <p:nvSpPr>
           <p:cNvPr id="6" name="Shape 6"/>
-          <p:cNvSpPr txBox="1"/>
+          <p:cNvSpPr txBox="1">
+            <a:spLocks noGrp="1"/>
+          </p:cNvSpPr>
           <p:nvPr>
             <p:ph type="title"/>
           </p:nvPr>
@@ -5942,16 +6009,16 @@
               <a:buClr>
                 <a:schemeClr val="dk1"/>
               </a:buClr>
-              <a:buFont typeface="Arial"/>
+              <a:buFont typeface="Arial" panose="02080604020202020204" charset="0"/>
               <a:buNone/>
               <a:defRPr sz="2800" b="0" i="0" u="none" strike="noStrike" cap="none">
                 <a:solidFill>
                   <a:schemeClr val="dk1"/>
                 </a:solidFill>
-                <a:latin typeface="Arial"/>
-                <a:ea typeface="Arial"/>
-                <a:cs typeface="Arial"/>
-                <a:sym typeface="Arial"/>
+                <a:latin typeface="Arial" panose="02080604020202020204" charset="0"/>
+                <a:ea typeface="Arial" panose="02080604020202020204" charset="0"/>
+                <a:cs typeface="Arial" panose="02080604020202020204" charset="0"/>
+                <a:sym typeface="Arial" panose="02080604020202020204" charset="0"/>
               </a:defRPr>
             </a:lvl1pPr>
             <a:lvl2pPr lvl="1" indent="0">
@@ -5961,7 +6028,7 @@
               <a:buClr>
                 <a:schemeClr val="dk1"/>
               </a:buClr>
-              <a:buFont typeface="Arial"/>
+              <a:buFont typeface="Arial" panose="02080604020202020204" charset="0"/>
               <a:buNone/>
               <a:defRPr sz="2800">
                 <a:solidFill>
@@ -5976,7 +6043,7 @@
               <a:buClr>
                 <a:schemeClr val="dk1"/>
               </a:buClr>
-              <a:buFont typeface="Arial"/>
+              <a:buFont typeface="Arial" panose="02080604020202020204" charset="0"/>
               <a:buNone/>
               <a:defRPr sz="2800">
                 <a:solidFill>
@@ -5991,7 +6058,7 @@
               <a:buClr>
                 <a:schemeClr val="dk1"/>
               </a:buClr>
-              <a:buFont typeface="Arial"/>
+              <a:buFont typeface="Arial" panose="02080604020202020204" charset="0"/>
               <a:buNone/>
               <a:defRPr sz="2800">
                 <a:solidFill>
@@ -6006,7 +6073,7 @@
               <a:buClr>
                 <a:schemeClr val="dk1"/>
               </a:buClr>
-              <a:buFont typeface="Arial"/>
+              <a:buFont typeface="Arial" panose="02080604020202020204" charset="0"/>
               <a:buNone/>
               <a:defRPr sz="2800">
                 <a:solidFill>
@@ -6021,7 +6088,7 @@
               <a:buClr>
                 <a:schemeClr val="dk1"/>
               </a:buClr>
-              <a:buFont typeface="Arial"/>
+              <a:buFont typeface="Arial" panose="02080604020202020204" charset="0"/>
               <a:buNone/>
               <a:defRPr sz="2800">
                 <a:solidFill>
@@ -6036,7 +6103,7 @@
               <a:buClr>
                 <a:schemeClr val="dk1"/>
               </a:buClr>
-              <a:buFont typeface="Arial"/>
+              <a:buFont typeface="Arial" panose="02080604020202020204" charset="0"/>
               <a:buNone/>
               <a:defRPr sz="2800">
                 <a:solidFill>
@@ -6051,7 +6118,7 @@
               <a:buClr>
                 <a:schemeClr val="dk1"/>
               </a:buClr>
-              <a:buFont typeface="Arial"/>
+              <a:buFont typeface="Arial" panose="02080604020202020204" charset="0"/>
               <a:buNone/>
               <a:defRPr sz="2800">
                 <a:solidFill>
@@ -6066,7 +6133,7 @@
               <a:buClr>
                 <a:schemeClr val="dk1"/>
               </a:buClr>
-              <a:buFont typeface="Arial"/>
+              <a:buFont typeface="Arial" panose="02080604020202020204" charset="0"/>
               <a:buNone/>
               <a:defRPr sz="2800">
                 <a:solidFill>
@@ -6081,7 +6148,9 @@
       <p:sp>
         <p:nvSpPr>
           <p:cNvPr id="7" name="Shape 7"/>
-          <p:cNvSpPr txBox="1"/>
+          <p:cNvSpPr txBox="1">
+            <a:spLocks noGrp="1"/>
+          </p:cNvSpPr>
           <p:nvPr>
             <p:ph type="body" idx="1"/>
           </p:nvPr>
@@ -6115,16 +6184,16 @@
               <a:buClr>
                 <a:schemeClr val="dk2"/>
               </a:buClr>
-              <a:buFont typeface="Arial"/>
+              <a:buFont typeface="Arial" panose="02080604020202020204" charset="0"/>
               <a:buNone/>
               <a:defRPr sz="1800" b="0" i="0" u="none" strike="noStrike" cap="none">
                 <a:solidFill>
                   <a:schemeClr val="dk2"/>
                 </a:solidFill>
-                <a:latin typeface="Arial"/>
-                <a:ea typeface="Arial"/>
-                <a:cs typeface="Arial"/>
-                <a:sym typeface="Arial"/>
+                <a:latin typeface="Arial" panose="02080604020202020204" charset="0"/>
+                <a:ea typeface="Arial" panose="02080604020202020204" charset="0"/>
+                <a:cs typeface="Arial" panose="02080604020202020204" charset="0"/>
+                <a:sym typeface="Arial" panose="02080604020202020204" charset="0"/>
               </a:defRPr>
             </a:lvl1pPr>
             <a:lvl2pPr marL="457200" marR="0" lvl="1" indent="0" algn="l" rtl="0">
@@ -6140,16 +6209,16 @@
               <a:buClr>
                 <a:schemeClr val="dk2"/>
               </a:buClr>
-              <a:buFont typeface="Arial"/>
+              <a:buFont typeface="Arial" panose="02080604020202020204" charset="0"/>
               <a:buNone/>
               <a:defRPr sz="1400" b="0" i="0" u="none" strike="noStrike" cap="none">
                 <a:solidFill>
                   <a:schemeClr val="dk2"/>
                 </a:solidFill>
-                <a:latin typeface="Arial"/>
-                <a:ea typeface="Arial"/>
-                <a:cs typeface="Arial"/>
-                <a:sym typeface="Arial"/>
+                <a:latin typeface="Arial" panose="02080604020202020204" charset="0"/>
+                <a:ea typeface="Arial" panose="02080604020202020204" charset="0"/>
+                <a:cs typeface="Arial" panose="02080604020202020204" charset="0"/>
+                <a:sym typeface="Arial" panose="02080604020202020204" charset="0"/>
               </a:defRPr>
             </a:lvl2pPr>
             <a:lvl3pPr marL="914400" marR="0" lvl="2" indent="0" algn="l" rtl="0">
@@ -6165,16 +6234,16 @@
               <a:buClr>
                 <a:schemeClr val="dk2"/>
               </a:buClr>
-              <a:buFont typeface="Arial"/>
+              <a:buFont typeface="Arial" panose="02080604020202020204" charset="0"/>
               <a:buNone/>
               <a:defRPr sz="1400" b="0" i="0" u="none" strike="noStrike" cap="none">
                 <a:solidFill>
                   <a:schemeClr val="dk2"/>
                 </a:solidFill>
-                <a:latin typeface="Arial"/>
-                <a:ea typeface="Arial"/>
-                <a:cs typeface="Arial"/>
-                <a:sym typeface="Arial"/>
+                <a:latin typeface="Arial" panose="02080604020202020204" charset="0"/>
+                <a:ea typeface="Arial" panose="02080604020202020204" charset="0"/>
+                <a:cs typeface="Arial" panose="02080604020202020204" charset="0"/>
+                <a:sym typeface="Arial" panose="02080604020202020204" charset="0"/>
               </a:defRPr>
             </a:lvl3pPr>
             <a:lvl4pPr marL="1371600" marR="0" lvl="3" indent="0" algn="l" rtl="0">
@@ -6190,16 +6259,16 @@
               <a:buClr>
                 <a:schemeClr val="dk2"/>
               </a:buClr>
-              <a:buFont typeface="Arial"/>
+              <a:buFont typeface="Arial" panose="02080604020202020204" charset="0"/>
               <a:buNone/>
               <a:defRPr sz="1400" b="0" i="0" u="none" strike="noStrike" cap="none">
                 <a:solidFill>
                   <a:schemeClr val="dk2"/>
                 </a:solidFill>
-                <a:latin typeface="Arial"/>
-                <a:ea typeface="Arial"/>
-                <a:cs typeface="Arial"/>
-                <a:sym typeface="Arial"/>
+                <a:latin typeface="Arial" panose="02080604020202020204" charset="0"/>
+                <a:ea typeface="Arial" panose="02080604020202020204" charset="0"/>
+                <a:cs typeface="Arial" panose="02080604020202020204" charset="0"/>
+                <a:sym typeface="Arial" panose="02080604020202020204" charset="0"/>
               </a:defRPr>
             </a:lvl4pPr>
             <a:lvl5pPr marL="1828800" marR="0" lvl="4" indent="0" algn="l" rtl="0">
@@ -6215,16 +6284,16 @@
               <a:buClr>
                 <a:schemeClr val="dk2"/>
               </a:buClr>
-              <a:buFont typeface="Arial"/>
+              <a:buFont typeface="Arial" panose="02080604020202020204" charset="0"/>
               <a:buNone/>
               <a:defRPr sz="1400" b="0" i="0" u="none" strike="noStrike" cap="none">
                 <a:solidFill>
                   <a:schemeClr val="dk2"/>
                 </a:solidFill>
-                <a:latin typeface="Arial"/>
-                <a:ea typeface="Arial"/>
-                <a:cs typeface="Arial"/>
-                <a:sym typeface="Arial"/>
+                <a:latin typeface="Arial" panose="02080604020202020204" charset="0"/>
+                <a:ea typeface="Arial" panose="02080604020202020204" charset="0"/>
+                <a:cs typeface="Arial" panose="02080604020202020204" charset="0"/>
+                <a:sym typeface="Arial" panose="02080604020202020204" charset="0"/>
               </a:defRPr>
             </a:lvl5pPr>
             <a:lvl6pPr marL="2286000" marR="0" lvl="5" indent="0" algn="l" rtl="0">
@@ -6240,16 +6309,16 @@
               <a:buClr>
                 <a:schemeClr val="dk2"/>
               </a:buClr>
-              <a:buFont typeface="Arial"/>
+              <a:buFont typeface="Arial" panose="02080604020202020204" charset="0"/>
               <a:buNone/>
               <a:defRPr sz="1400" b="0" i="0" u="none" strike="noStrike" cap="none">
                 <a:solidFill>
                   <a:schemeClr val="dk2"/>
                 </a:solidFill>
-                <a:latin typeface="Arial"/>
-                <a:ea typeface="Arial"/>
-                <a:cs typeface="Arial"/>
-                <a:sym typeface="Arial"/>
+                <a:latin typeface="Arial" panose="02080604020202020204" charset="0"/>
+                <a:ea typeface="Arial" panose="02080604020202020204" charset="0"/>
+                <a:cs typeface="Arial" panose="02080604020202020204" charset="0"/>
+                <a:sym typeface="Arial" panose="02080604020202020204" charset="0"/>
               </a:defRPr>
             </a:lvl6pPr>
             <a:lvl7pPr marL="2743200" marR="0" lvl="6" indent="0" algn="l" rtl="0">
@@ -6265,16 +6334,16 @@
               <a:buClr>
                 <a:schemeClr val="dk2"/>
               </a:buClr>
-              <a:buFont typeface="Arial"/>
+              <a:buFont typeface="Arial" panose="02080604020202020204" charset="0"/>
               <a:buNone/>
               <a:defRPr sz="1400" b="0" i="0" u="none" strike="noStrike" cap="none">
                 <a:solidFill>
                   <a:schemeClr val="dk2"/>
                 </a:solidFill>
-                <a:latin typeface="Arial"/>
-                <a:ea typeface="Arial"/>
-                <a:cs typeface="Arial"/>
-                <a:sym typeface="Arial"/>
+                <a:latin typeface="Arial" panose="02080604020202020204" charset="0"/>
+                <a:ea typeface="Arial" panose="02080604020202020204" charset="0"/>
+                <a:cs typeface="Arial" panose="02080604020202020204" charset="0"/>
+                <a:sym typeface="Arial" panose="02080604020202020204" charset="0"/>
               </a:defRPr>
             </a:lvl7pPr>
             <a:lvl8pPr marL="3200400" marR="0" lvl="7" indent="0" algn="l" rtl="0">
@@ -6290,16 +6359,16 @@
               <a:buClr>
                 <a:schemeClr val="dk2"/>
               </a:buClr>
-              <a:buFont typeface="Arial"/>
+              <a:buFont typeface="Arial" panose="02080604020202020204" charset="0"/>
               <a:buNone/>
               <a:defRPr sz="1400" b="0" i="0" u="none" strike="noStrike" cap="none">
                 <a:solidFill>
                   <a:schemeClr val="dk2"/>
                 </a:solidFill>
-                <a:latin typeface="Arial"/>
-                <a:ea typeface="Arial"/>
-                <a:cs typeface="Arial"/>
-                <a:sym typeface="Arial"/>
+                <a:latin typeface="Arial" panose="02080604020202020204" charset="0"/>
+                <a:ea typeface="Arial" panose="02080604020202020204" charset="0"/>
+                <a:cs typeface="Arial" panose="02080604020202020204" charset="0"/>
+                <a:sym typeface="Arial" panose="02080604020202020204" charset="0"/>
               </a:defRPr>
             </a:lvl8pPr>
             <a:lvl9pPr marL="3657600" marR="0" lvl="8" indent="0" algn="l" rtl="0">
@@ -6315,16 +6384,16 @@
               <a:buClr>
                 <a:schemeClr val="dk2"/>
               </a:buClr>
-              <a:buFont typeface="Arial"/>
+              <a:buFont typeface="Arial" panose="02080604020202020204" charset="0"/>
               <a:buNone/>
               <a:defRPr sz="1400" b="0" i="0" u="none" strike="noStrike" cap="none">
                 <a:solidFill>
                   <a:schemeClr val="dk2"/>
                 </a:solidFill>
-                <a:latin typeface="Arial"/>
-                <a:ea typeface="Arial"/>
-                <a:cs typeface="Arial"/>
-                <a:sym typeface="Arial"/>
+                <a:latin typeface="Arial" panose="02080604020202020204" charset="0"/>
+                <a:ea typeface="Arial" panose="02080604020202020204" charset="0"/>
+                <a:cs typeface="Arial" panose="02080604020202020204" charset="0"/>
+                <a:sym typeface="Arial" panose="02080604020202020204" charset="0"/>
               </a:defRPr>
             </a:lvl9pPr>
           </a:lstStyle>
@@ -6334,7 +6403,9 @@
       <p:sp>
         <p:nvSpPr>
           <p:cNvPr id="8" name="Shape 8"/>
-          <p:cNvSpPr txBox="1"/>
+          <p:cNvSpPr txBox="1">
+            <a:spLocks noGrp="1"/>
+          </p:cNvSpPr>
           <p:nvPr>
             <p:ph type="sldNum" idx="12"/>
           </p:nvPr>
@@ -6372,7 +6443,7 @@
                 <a:schemeClr val="dk2"/>
               </a:buClr>
               <a:buSzPct val="25000"/>
-              <a:buFont typeface="Arial"/>
+              <a:buFont typeface="Arial" panose="02080604020202020204" charset="0"/>
               <a:buNone/>
             </a:pPr>
             <a:fld id="{00000000-1234-1234-1234-123412341234}" type="slidenum">
@@ -6380,20 +6451,20 @@
                 <a:solidFill>
                   <a:schemeClr val="dk2"/>
                 </a:solidFill>
-                <a:latin typeface="Arial"/>
-                <a:ea typeface="Arial"/>
-                <a:cs typeface="Arial"/>
-                <a:sym typeface="Arial"/>
+                <a:latin typeface="Arial" panose="02080604020202020204" charset="0"/>
+                <a:ea typeface="Arial" panose="02080604020202020204" charset="0"/>
+                <a:cs typeface="Arial" panose="02080604020202020204" charset="0"/>
+                <a:sym typeface="Arial" panose="02080604020202020204" charset="0"/>
               </a:rPr>
             </a:fld>
             <a:endParaRPr lang="en-GB" sz="1000" b="0" i="0" u="none" strike="noStrike" cap="none">
               <a:solidFill>
                 <a:schemeClr val="dk2"/>
               </a:solidFill>
-              <a:latin typeface="Arial"/>
-              <a:ea typeface="Arial"/>
-              <a:cs typeface="Arial"/>
-              <a:sym typeface="Arial"/>
+              <a:latin typeface="Arial" panose="02080604020202020204" charset="0"/>
+              <a:ea typeface="Arial" panose="02080604020202020204" charset="0"/>
+              <a:cs typeface="Arial" panose="02080604020202020204" charset="0"/>
+              <a:sym typeface="Arial" panose="02080604020202020204" charset="0"/>
             </a:endParaRPr>
           </a:p>
         </p:txBody>
@@ -6443,10 +6514,10 @@
           <a:solidFill>
             <a:srgbClr val="000000"/>
           </a:solidFill>
-          <a:latin typeface="Arial"/>
-          <a:ea typeface="Arial"/>
-          <a:cs typeface="Arial"/>
-          <a:sym typeface="Arial"/>
+          <a:latin typeface="Arial" panose="02080604020202020204" charset="0"/>
+          <a:ea typeface="Arial" panose="02080604020202020204" charset="0"/>
+          <a:cs typeface="Arial" panose="02080604020202020204" charset="0"/>
+          <a:sym typeface="Arial" panose="02080604020202020204" charset="0"/>
         </a:defRPr>
       </a:lvl1pPr>
     </p:titleStyle>
@@ -6477,10 +6548,10 @@
           <a:solidFill>
             <a:srgbClr val="000000"/>
           </a:solidFill>
-          <a:latin typeface="Arial"/>
-          <a:ea typeface="Arial"/>
-          <a:cs typeface="Arial"/>
-          <a:sym typeface="Arial"/>
+          <a:latin typeface="Arial" panose="02080604020202020204" charset="0"/>
+          <a:ea typeface="Arial" panose="02080604020202020204" charset="0"/>
+          <a:cs typeface="Arial" panose="02080604020202020204" charset="0"/>
+          <a:sym typeface="Arial" panose="02080604020202020204" charset="0"/>
         </a:defRPr>
       </a:lvl1pPr>
       <a:lvl2pPr marR="0" lvl="1" algn="l" rtl="0">
@@ -6498,10 +6569,10 @@
           <a:solidFill>
             <a:srgbClr val="000000"/>
           </a:solidFill>
-          <a:latin typeface="Arial"/>
-          <a:ea typeface="Arial"/>
-          <a:cs typeface="Arial"/>
-          <a:sym typeface="Arial"/>
+          <a:latin typeface="Arial" panose="02080604020202020204" charset="0"/>
+          <a:ea typeface="Arial" panose="02080604020202020204" charset="0"/>
+          <a:cs typeface="Arial" panose="02080604020202020204" charset="0"/>
+          <a:sym typeface="Arial" panose="02080604020202020204" charset="0"/>
         </a:defRPr>
       </a:lvl2pPr>
       <a:lvl3pPr marR="0" lvl="2" algn="l" rtl="0">
@@ -6519,10 +6590,10 @@
           <a:solidFill>
             <a:srgbClr val="000000"/>
           </a:solidFill>
-          <a:latin typeface="Arial"/>
-          <a:ea typeface="Arial"/>
-          <a:cs typeface="Arial"/>
-          <a:sym typeface="Arial"/>
+          <a:latin typeface="Arial" panose="02080604020202020204" charset="0"/>
+          <a:ea typeface="Arial" panose="02080604020202020204" charset="0"/>
+          <a:cs typeface="Arial" panose="02080604020202020204" charset="0"/>
+          <a:sym typeface="Arial" panose="02080604020202020204" charset="0"/>
         </a:defRPr>
       </a:lvl3pPr>
       <a:lvl4pPr marR="0" lvl="3" algn="l" rtl="0">
@@ -6540,10 +6611,10 @@
           <a:solidFill>
             <a:srgbClr val="000000"/>
           </a:solidFill>
-          <a:latin typeface="Arial"/>
-          <a:ea typeface="Arial"/>
-          <a:cs typeface="Arial"/>
-          <a:sym typeface="Arial"/>
+          <a:latin typeface="Arial" panose="02080604020202020204" charset="0"/>
+          <a:ea typeface="Arial" panose="02080604020202020204" charset="0"/>
+          <a:cs typeface="Arial" panose="02080604020202020204" charset="0"/>
+          <a:sym typeface="Arial" panose="02080604020202020204" charset="0"/>
         </a:defRPr>
       </a:lvl4pPr>
       <a:lvl5pPr marR="0" lvl="4" algn="l" rtl="0">
@@ -6561,10 +6632,10 @@
           <a:solidFill>
             <a:srgbClr val="000000"/>
           </a:solidFill>
-          <a:latin typeface="Arial"/>
-          <a:ea typeface="Arial"/>
-          <a:cs typeface="Arial"/>
-          <a:sym typeface="Arial"/>
+          <a:latin typeface="Arial" panose="02080604020202020204" charset="0"/>
+          <a:ea typeface="Arial" panose="02080604020202020204" charset="0"/>
+          <a:cs typeface="Arial" panose="02080604020202020204" charset="0"/>
+          <a:sym typeface="Arial" panose="02080604020202020204" charset="0"/>
         </a:defRPr>
       </a:lvl5pPr>
       <a:lvl6pPr marR="0" lvl="5" algn="l" rtl="0">
@@ -6582,10 +6653,10 @@
           <a:solidFill>
             <a:srgbClr val="000000"/>
           </a:solidFill>
-          <a:latin typeface="Arial"/>
-          <a:ea typeface="Arial"/>
-          <a:cs typeface="Arial"/>
-          <a:sym typeface="Arial"/>
+          <a:latin typeface="Arial" panose="02080604020202020204" charset="0"/>
+          <a:ea typeface="Arial" panose="02080604020202020204" charset="0"/>
+          <a:cs typeface="Arial" panose="02080604020202020204" charset="0"/>
+          <a:sym typeface="Arial" panose="02080604020202020204" charset="0"/>
         </a:defRPr>
       </a:lvl6pPr>
       <a:lvl7pPr marR="0" lvl="6" algn="l" rtl="0">
@@ -6603,10 +6674,10 @@
           <a:solidFill>
             <a:srgbClr val="000000"/>
           </a:solidFill>
-          <a:latin typeface="Arial"/>
-          <a:ea typeface="Arial"/>
-          <a:cs typeface="Arial"/>
-          <a:sym typeface="Arial"/>
+          <a:latin typeface="Arial" panose="02080604020202020204" charset="0"/>
+          <a:ea typeface="Arial" panose="02080604020202020204" charset="0"/>
+          <a:cs typeface="Arial" panose="02080604020202020204" charset="0"/>
+          <a:sym typeface="Arial" panose="02080604020202020204" charset="0"/>
         </a:defRPr>
       </a:lvl7pPr>
       <a:lvl8pPr marR="0" lvl="7" algn="l" rtl="0">
@@ -6624,10 +6695,10 @@
           <a:solidFill>
             <a:srgbClr val="000000"/>
           </a:solidFill>
-          <a:latin typeface="Arial"/>
-          <a:ea typeface="Arial"/>
-          <a:cs typeface="Arial"/>
-          <a:sym typeface="Arial"/>
+          <a:latin typeface="Arial" panose="02080604020202020204" charset="0"/>
+          <a:ea typeface="Arial" panose="02080604020202020204" charset="0"/>
+          <a:cs typeface="Arial" panose="02080604020202020204" charset="0"/>
+          <a:sym typeface="Arial" panose="02080604020202020204" charset="0"/>
         </a:defRPr>
       </a:lvl8pPr>
       <a:lvl9pPr marR="0" lvl="8" algn="l" rtl="0">
@@ -6645,10 +6716,10 @@
           <a:solidFill>
             <a:srgbClr val="000000"/>
           </a:solidFill>
-          <a:latin typeface="Arial"/>
-          <a:ea typeface="Arial"/>
-          <a:cs typeface="Arial"/>
-          <a:sym typeface="Arial"/>
+          <a:latin typeface="Arial" panose="02080604020202020204" charset="0"/>
+          <a:ea typeface="Arial" panose="02080604020202020204" charset="0"/>
+          <a:cs typeface="Arial" panose="02080604020202020204" charset="0"/>
+          <a:sym typeface="Arial" panose="02080604020202020204" charset="0"/>
         </a:defRPr>
       </a:lvl9pPr>
     </p:bodyStyle>
@@ -6679,10 +6750,10 @@
           <a:solidFill>
             <a:srgbClr val="000000"/>
           </a:solidFill>
-          <a:latin typeface="Arial"/>
-          <a:ea typeface="Arial"/>
-          <a:cs typeface="Arial"/>
-          <a:sym typeface="Arial"/>
+          <a:latin typeface="Arial" panose="02080604020202020204" charset="0"/>
+          <a:ea typeface="Arial" panose="02080604020202020204" charset="0"/>
+          <a:cs typeface="Arial" panose="02080604020202020204" charset="0"/>
+          <a:sym typeface="Arial" panose="02080604020202020204" charset="0"/>
         </a:defRPr>
       </a:lvl1pPr>
       <a:lvl2pPr marR="0" lvl="1" algn="l" rtl="0">
@@ -6700,10 +6771,10 @@
           <a:solidFill>
             <a:srgbClr val="000000"/>
           </a:solidFill>
-          <a:latin typeface="Arial"/>
-          <a:ea typeface="Arial"/>
-          <a:cs typeface="Arial"/>
-          <a:sym typeface="Arial"/>
+          <a:latin typeface="Arial" panose="02080604020202020204" charset="0"/>
+          <a:ea typeface="Arial" panose="02080604020202020204" charset="0"/>
+          <a:cs typeface="Arial" panose="02080604020202020204" charset="0"/>
+          <a:sym typeface="Arial" panose="02080604020202020204" charset="0"/>
         </a:defRPr>
       </a:lvl2pPr>
       <a:lvl3pPr marR="0" lvl="2" algn="l" rtl="0">
@@ -6721,10 +6792,10 @@
           <a:solidFill>
             <a:srgbClr val="000000"/>
           </a:solidFill>
-          <a:latin typeface="Arial"/>
-          <a:ea typeface="Arial"/>
-          <a:cs typeface="Arial"/>
-          <a:sym typeface="Arial"/>
+          <a:latin typeface="Arial" panose="02080604020202020204" charset="0"/>
+          <a:ea typeface="Arial" panose="02080604020202020204" charset="0"/>
+          <a:cs typeface="Arial" panose="02080604020202020204" charset="0"/>
+          <a:sym typeface="Arial" panose="02080604020202020204" charset="0"/>
         </a:defRPr>
       </a:lvl3pPr>
       <a:lvl4pPr marR="0" lvl="3" algn="l" rtl="0">
@@ -6742,10 +6813,10 @@
           <a:solidFill>
             <a:srgbClr val="000000"/>
           </a:solidFill>
-          <a:latin typeface="Arial"/>
-          <a:ea typeface="Arial"/>
-          <a:cs typeface="Arial"/>
-          <a:sym typeface="Arial"/>
+          <a:latin typeface="Arial" panose="02080604020202020204" charset="0"/>
+          <a:ea typeface="Arial" panose="02080604020202020204" charset="0"/>
+          <a:cs typeface="Arial" panose="02080604020202020204" charset="0"/>
+          <a:sym typeface="Arial" panose="02080604020202020204" charset="0"/>
         </a:defRPr>
       </a:lvl4pPr>
       <a:lvl5pPr marR="0" lvl="4" algn="l" rtl="0">
@@ -6763,10 +6834,10 @@
           <a:solidFill>
             <a:srgbClr val="000000"/>
           </a:solidFill>
-          <a:latin typeface="Arial"/>
-          <a:ea typeface="Arial"/>
-          <a:cs typeface="Arial"/>
-          <a:sym typeface="Arial"/>
+          <a:latin typeface="Arial" panose="02080604020202020204" charset="0"/>
+          <a:ea typeface="Arial" panose="02080604020202020204" charset="0"/>
+          <a:cs typeface="Arial" panose="02080604020202020204" charset="0"/>
+          <a:sym typeface="Arial" panose="02080604020202020204" charset="0"/>
         </a:defRPr>
       </a:lvl5pPr>
       <a:lvl6pPr marR="0" lvl="5" algn="l" rtl="0">
@@ -6784,10 +6855,10 @@
           <a:solidFill>
             <a:srgbClr val="000000"/>
           </a:solidFill>
-          <a:latin typeface="Arial"/>
-          <a:ea typeface="Arial"/>
-          <a:cs typeface="Arial"/>
-          <a:sym typeface="Arial"/>
+          <a:latin typeface="Arial" panose="02080604020202020204" charset="0"/>
+          <a:ea typeface="Arial" panose="02080604020202020204" charset="0"/>
+          <a:cs typeface="Arial" panose="02080604020202020204" charset="0"/>
+          <a:sym typeface="Arial" panose="02080604020202020204" charset="0"/>
         </a:defRPr>
       </a:lvl6pPr>
       <a:lvl7pPr marR="0" lvl="6" algn="l" rtl="0">
@@ -6805,10 +6876,10 @@
           <a:solidFill>
             <a:srgbClr val="000000"/>
           </a:solidFill>
-          <a:latin typeface="Arial"/>
-          <a:ea typeface="Arial"/>
-          <a:cs typeface="Arial"/>
-          <a:sym typeface="Arial"/>
+          <a:latin typeface="Arial" panose="02080604020202020204" charset="0"/>
+          <a:ea typeface="Arial" panose="02080604020202020204" charset="0"/>
+          <a:cs typeface="Arial" panose="02080604020202020204" charset="0"/>
+          <a:sym typeface="Arial" panose="02080604020202020204" charset="0"/>
         </a:defRPr>
       </a:lvl7pPr>
       <a:lvl8pPr marR="0" lvl="7" algn="l" rtl="0">
@@ -6826,10 +6897,10 @@
           <a:solidFill>
             <a:srgbClr val="000000"/>
           </a:solidFill>
-          <a:latin typeface="Arial"/>
-          <a:ea typeface="Arial"/>
-          <a:cs typeface="Arial"/>
-          <a:sym typeface="Arial"/>
+          <a:latin typeface="Arial" panose="02080604020202020204" charset="0"/>
+          <a:ea typeface="Arial" panose="02080604020202020204" charset="0"/>
+          <a:cs typeface="Arial" panose="02080604020202020204" charset="0"/>
+          <a:sym typeface="Arial" panose="02080604020202020204" charset="0"/>
         </a:defRPr>
       </a:lvl8pPr>
       <a:lvl9pPr marR="0" lvl="8" algn="l" rtl="0">
@@ -6847,10 +6918,10 @@
           <a:solidFill>
             <a:srgbClr val="000000"/>
           </a:solidFill>
-          <a:latin typeface="Arial"/>
-          <a:ea typeface="Arial"/>
-          <a:cs typeface="Arial"/>
-          <a:sym typeface="Arial"/>
+          <a:latin typeface="Arial" panose="02080604020202020204" charset="0"/>
+          <a:ea typeface="Arial" panose="02080604020202020204" charset="0"/>
+          <a:cs typeface="Arial" panose="02080604020202020204" charset="0"/>
+          <a:sym typeface="Arial" panose="02080604020202020204" charset="0"/>
         </a:defRPr>
       </a:lvl9pPr>
     </p:otherStyle>
@@ -6863,7 +6934,7 @@
   <p:cSld>
     <p:spTree>
       <p:nvGrpSpPr>
-        <p:cNvPr id="53" name="Shape 53"/>
+        <p:cNvPr id="1" name="Shape 53"/>
         <p:cNvGrpSpPr/>
         <p:nvPr/>
       </p:nvGrpSpPr>
@@ -6878,7 +6949,9 @@
       <p:sp>
         <p:nvSpPr>
           <p:cNvPr id="54" name="Shape 54"/>
-          <p:cNvSpPr txBox="1"/>
+          <p:cNvSpPr txBox="1">
+            <a:spLocks noGrp="1"/>
+          </p:cNvSpPr>
           <p:nvPr>
             <p:ph type="ctrTitle"/>
           </p:nvPr>
@@ -6916,29 +6989,29 @@
                 <a:schemeClr val="dk1"/>
               </a:buClr>
               <a:buSzPct val="25000"/>
-              <a:buFont typeface="Arial"/>
+              <a:buFont typeface="Arial" panose="02080604020202020204" charset="0"/>
               <a:buNone/>
             </a:pPr>
             <a:r>
-              <a:rPr lang="en-GB" sz="3000" b="1" i="0" u="none" strike="noStrike" cap="none">
+              <a:rPr lang="en-GB" sz="3000" b="1" i="0" u="none" strike="noStrike" cap="none" dirty="0" err="1">
                 <a:solidFill>
                   <a:srgbClr val="C9394A"/>
                 </a:solidFill>
                 <a:latin typeface="微软雅黑" charset="0"/>
                 <a:ea typeface="微软雅黑" charset="0"/>
-                <a:cs typeface="Arial"/>
-                <a:sym typeface="Arial"/>
+                <a:cs typeface="Arial" panose="02080604020202020204" charset="0"/>
+                <a:sym typeface="Arial" panose="02080604020202020204" charset="0"/>
               </a:rPr>
               <a:t>Python面向对象</a:t>
             </a:r>
-            <a:endParaRPr lang="en-GB" sz="3000" b="1" i="0" u="none" strike="noStrike" cap="none">
+            <a:endParaRPr lang="en-GB" sz="3000" b="1" i="0" u="none" strike="noStrike" cap="none" dirty="0">
               <a:solidFill>
                 <a:srgbClr val="C9394A"/>
               </a:solidFill>
               <a:latin typeface="微软雅黑" charset="0"/>
               <a:ea typeface="微软雅黑" charset="0"/>
-              <a:cs typeface="Arial"/>
-              <a:sym typeface="Arial"/>
+              <a:cs typeface="Arial" panose="02080604020202020204" charset="0"/>
+              <a:sym typeface="Arial" panose="02080604020202020204" charset="0"/>
             </a:endParaRPr>
           </a:p>
         </p:txBody>
@@ -6946,7 +7019,9 @@
       <p:sp>
         <p:nvSpPr>
           <p:cNvPr id="55" name="Shape 55"/>
-          <p:cNvSpPr txBox="1"/>
+          <p:cNvSpPr txBox="1">
+            <a:spLocks noGrp="1"/>
+          </p:cNvSpPr>
           <p:nvPr>
             <p:ph type="subTitle" idx="1"/>
           </p:nvPr>
@@ -6984,7 +7059,7 @@
                 <a:schemeClr val="dk2"/>
               </a:buClr>
               <a:buSzPct val="25000"/>
-              <a:buFont typeface="Arial"/>
+              <a:buFont typeface="Arial" panose="02080604020202020204" charset="0"/>
               <a:buNone/>
             </a:pPr>
             <a:r>
@@ -6994,20 +7069,11 @@
                 </a:solidFill>
                 <a:latin typeface="微软雅黑" charset="0"/>
                 <a:ea typeface="微软雅黑" charset="0"/>
-                <a:cs typeface="Arial"/>
-                <a:sym typeface="Arial"/>
+                <a:cs typeface="Arial" panose="02080604020202020204" charset="0"/>
+                <a:sym typeface="Arial" panose="02080604020202020204" charset="0"/>
               </a:rPr>
               <a:t>By 剑圣</a:t>
             </a:r>
-            <a:endParaRPr lang="en-GB" sz="2000" b="0" i="0" u="none" strike="noStrike" cap="none">
-              <a:solidFill>
-                <a:schemeClr val="dk2"/>
-              </a:solidFill>
-              <a:latin typeface="微软雅黑" charset="0"/>
-              <a:ea typeface="微软雅黑" charset="0"/>
-              <a:cs typeface="Arial"/>
-              <a:sym typeface="Arial"/>
-            </a:endParaRPr>
           </a:p>
         </p:txBody>
       </p:sp>
@@ -7027,7 +7093,7 @@
   <p:cSld>
     <p:spTree>
       <p:nvGrpSpPr>
-        <p:cNvPr id="59" name="Shape 59"/>
+        <p:cNvPr id="1" name="Shape 59"/>
         <p:cNvGrpSpPr/>
         <p:nvPr/>
       </p:nvGrpSpPr>
@@ -7082,7 +7148,7 @@
   <p:cSld>
     <p:spTree>
       <p:nvGrpSpPr>
-        <p:cNvPr id="64" name="Shape 64"/>
+        <p:cNvPr id="1" name="Shape 64"/>
         <p:cNvGrpSpPr/>
         <p:nvPr/>
       </p:nvGrpSpPr>
@@ -7124,103 +7190,9 @@
       <p:sp>
         <p:nvSpPr>
           <p:cNvPr id="66" name="Shape 66"/>
-          <p:cNvSpPr txBox="1"/>
-          <p:nvPr>
-            <p:ph type="title"/>
-          </p:nvPr>
-        </p:nvSpPr>
-        <p:spPr>
-          <a:xfrm>
-            <a:off x="311700" y="445025"/>
-            <a:ext cx="8520599" cy="572699"/>
-          </a:xfrm>
-          <a:prstGeom prst="rect">
-            <a:avLst/>
-          </a:prstGeom>
-          <a:noFill/>
-          <a:ln>
-            <a:noFill/>
-          </a:ln>
-        </p:spPr>
-        <p:txBody>
-          <a:bodyPr lIns="91425" tIns="91425" rIns="91425" bIns="91425" anchor="t" anchorCtr="0">
-            <a:noAutofit/>
-          </a:bodyPr>
-          <a:lstStyle/>
-          <a:p>
-            <a:pPr marL="0" marR="0" lvl="0" indent="0" algn="l" rtl="0">
-              <a:lnSpc>
-                <a:spcPct val="100000"/>
-              </a:lnSpc>
-              <a:spcBef>
-                <a:spcPts val="0"/>
-              </a:spcBef>
-              <a:spcAft>
-                <a:spcPts val="0"/>
-              </a:spcAft>
-              <a:buClr>
-                <a:schemeClr val="dk1"/>
-              </a:buClr>
-              <a:buSzPct val="25000"/>
-              <a:buFont typeface="Arial"/>
-              <a:buNone/>
-            </a:pPr>
-            <a:r>
-              <a:rPr lang="en-GB" sz="3000" b="0" i="0" u="none" strike="noStrike" cap="none">
-                <a:solidFill>
-                  <a:srgbClr val="C9394A"/>
-                </a:solidFill>
-                <a:latin typeface="微软雅黑" charset="0"/>
-                <a:ea typeface="微软雅黑" charset="0"/>
-                <a:cs typeface="Arial"/>
-                <a:sym typeface="Arial"/>
-              </a:rPr>
-              <a:t>Object Oriented Programming</a:t>
-            </a:r>
-            <a:endParaRPr lang="en-GB" sz="3000" b="0" i="0" u="none" strike="noStrike" cap="none">
-              <a:solidFill>
-                <a:srgbClr val="C9394A"/>
-              </a:solidFill>
-              <a:latin typeface="微软雅黑" charset="0"/>
-              <a:ea typeface="微软雅黑" charset="0"/>
-              <a:cs typeface="Arial"/>
-              <a:sym typeface="Arial"/>
-            </a:endParaRPr>
-          </a:p>
-        </p:txBody>
-      </p:sp>
-    </p:spTree>
-  </p:cSld>
-  <p:clrMapOvr>
-    <a:masterClrMapping/>
-  </p:clrMapOvr>
-  <p:transition spd="slow">
-    <p:fade/>
-  </p:transition>
-</p:sld>
-</file>
-
-<file path=ppt/slides/slide4.xml><?xml version="1.0" encoding="utf-8"?>
-<p:sld xmlns:a="http://schemas.openxmlformats.org/drawingml/2006/main" xmlns:r="http://schemas.openxmlformats.org/officeDocument/2006/relationships" xmlns:p="http://schemas.openxmlformats.org/presentationml/2006/main">
-  <p:cSld>
-    <p:spTree>
-      <p:nvGrpSpPr>
-        <p:cNvPr id="70" name="Shape 70"/>
-        <p:cNvGrpSpPr/>
-        <p:nvPr/>
-      </p:nvGrpSpPr>
-      <p:grpSpPr>
-        <a:xfrm>
-          <a:off x="0" y="0"/>
-          <a:ext cx="0" cy="0"/>
-          <a:chOff x="0" y="0"/>
-          <a:chExt cx="0" cy="0"/>
-        </a:xfrm>
-      </p:grpSpPr>
-      <p:sp>
-        <p:nvSpPr>
-          <p:cNvPr id="71" name="Shape 71"/>
-          <p:cNvSpPr txBox="1"/>
+          <p:cNvSpPr txBox="1">
+            <a:spLocks noGrp="1"/>
+          </p:cNvSpPr>
           <p:nvPr>
             <p:ph type="title"/>
           </p:nvPr>
@@ -7258,29 +7230,118 @@
                 <a:schemeClr val="dk1"/>
               </a:buClr>
               <a:buSzPct val="25000"/>
-              <a:buFont typeface="Arial"/>
+              <a:buFont typeface="Arial" panose="02080604020202020204" charset="0"/>
               <a:buNone/>
             </a:pPr>
             <a:r>
-              <a:rPr lang="en-GB" sz="3000" b="1" i="0" u="none" strike="noStrike" cap="none">
-                <a:solidFill>
-                  <a:srgbClr val="C00000"/>
+              <a:rPr lang="en-GB" sz="3000" b="0" i="0" u="none" strike="noStrike" cap="none">
+                <a:solidFill>
+                  <a:srgbClr val="C9394A"/>
                 </a:solidFill>
                 <a:latin typeface="微软雅黑" charset="0"/>
                 <a:ea typeface="微软雅黑" charset="0"/>
-                <a:cs typeface="Arial"/>
-                <a:sym typeface="Arial"/>
+                <a:cs typeface="Arial" panose="02080604020202020204" charset="0"/>
+                <a:sym typeface="Arial" panose="02080604020202020204" charset="0"/>
+              </a:rPr>
+              <a:t>Object Oriented Programming</a:t>
+            </a:r>
+          </a:p>
+        </p:txBody>
+      </p:sp>
+    </p:spTree>
+  </p:cSld>
+  <p:clrMapOvr>
+    <a:masterClrMapping/>
+  </p:clrMapOvr>
+  <p:transition spd="slow">
+    <p:fade/>
+  </p:transition>
+</p:sld>
+</file>
+
+<file path=ppt/slides/slide4.xml><?xml version="1.0" encoding="utf-8"?>
+<p:sld xmlns:a="http://schemas.openxmlformats.org/drawingml/2006/main" xmlns:r="http://schemas.openxmlformats.org/officeDocument/2006/relationships" xmlns:p="http://schemas.openxmlformats.org/presentationml/2006/main">
+  <p:cSld>
+    <p:spTree>
+      <p:nvGrpSpPr>
+        <p:cNvPr id="1" name="Shape 70"/>
+        <p:cNvGrpSpPr/>
+        <p:nvPr/>
+      </p:nvGrpSpPr>
+      <p:grpSpPr>
+        <a:xfrm>
+          <a:off x="0" y="0"/>
+          <a:ext cx="0" cy="0"/>
+          <a:chOff x="0" y="0"/>
+          <a:chExt cx="0" cy="0"/>
+        </a:xfrm>
+      </p:grpSpPr>
+      <p:sp>
+        <p:nvSpPr>
+          <p:cNvPr id="71" name="Shape 71"/>
+          <p:cNvSpPr txBox="1">
+            <a:spLocks noGrp="1"/>
+          </p:cNvSpPr>
+          <p:nvPr>
+            <p:ph type="title"/>
+          </p:nvPr>
+        </p:nvSpPr>
+        <p:spPr>
+          <a:xfrm>
+            <a:off x="311700" y="445025"/>
+            <a:ext cx="8520599" cy="572699"/>
+          </a:xfrm>
+          <a:prstGeom prst="rect">
+            <a:avLst/>
+          </a:prstGeom>
+          <a:noFill/>
+          <a:ln>
+            <a:noFill/>
+          </a:ln>
+        </p:spPr>
+        <p:txBody>
+          <a:bodyPr lIns="91425" tIns="91425" rIns="91425" bIns="91425" anchor="t" anchorCtr="0">
+            <a:noAutofit/>
+          </a:bodyPr>
+          <a:lstStyle/>
+          <a:p>
+            <a:pPr marL="0" marR="0" lvl="0" indent="0" algn="ctr" rtl="0">
+              <a:lnSpc>
+                <a:spcPct val="100000"/>
+              </a:lnSpc>
+              <a:spcBef>
+                <a:spcPts val="0"/>
+              </a:spcBef>
+              <a:spcAft>
+                <a:spcPts val="0"/>
+              </a:spcAft>
+              <a:buClr>
+                <a:schemeClr val="dk1"/>
+              </a:buClr>
+              <a:buSzPct val="25000"/>
+              <a:buFont typeface="Arial" panose="02080604020202020204" charset="0"/>
+              <a:buNone/>
+            </a:pPr>
+            <a:r>
+              <a:rPr lang="en-GB" sz="3000" b="1" i="0" u="none" strike="noStrike" cap="none" dirty="0" err="1">
+                <a:solidFill>
+                  <a:srgbClr val="C9394A"/>
+                </a:solidFill>
+                <a:latin typeface="微软雅黑" charset="0"/>
+                <a:ea typeface="微软雅黑" charset="0"/>
+                <a:cs typeface="Arial" panose="02080604020202020204" charset="0"/>
+                <a:sym typeface="Arial" panose="02080604020202020204" charset="0"/>
               </a:rPr>
               <a:t>课程内容</a:t>
             </a:r>
-            <a:endParaRPr lang="en-GB" sz="3000" b="1" i="0" u="none" strike="noStrike" cap="none">
+            <a:endParaRPr lang="en-GB" sz="3000" b="1" i="0" u="none" strike="noStrike" cap="none" dirty="0">
               <a:solidFill>
-                <a:srgbClr val="C00000"/>
+                <a:srgbClr val="C9394A"/>
               </a:solidFill>
               <a:latin typeface="微软雅黑" charset="0"/>
               <a:ea typeface="微软雅黑" charset="0"/>
-              <a:cs typeface="Arial"/>
-              <a:sym typeface="Arial"/>
+              <a:cs typeface="Arial" panose="02080604020202020204" charset="0"/>
+              <a:sym typeface="Arial" panose="02080604020202020204" charset="0"/>
             </a:endParaRPr>
           </a:p>
         </p:txBody>
@@ -7288,7 +7349,9 @@
       <p:sp>
         <p:nvSpPr>
           <p:cNvPr id="72" name="Shape 72"/>
-          <p:cNvSpPr txBox="1"/>
+          <p:cNvSpPr txBox="1">
+            <a:spLocks noGrp="1"/>
+          </p:cNvSpPr>
           <p:nvPr>
             <p:ph type="body" idx="1"/>
           </p:nvPr>
@@ -7326,41 +7389,41 @@
                 <a:schemeClr val="dk2"/>
               </a:buClr>
               <a:buSzPct val="25000"/>
-              <a:buFont typeface="Wingdings" charset="0"/>
+              <a:buFont typeface="Wingdings" panose="05000000000000000000" charset="2"/>
               <a:buChar char="l"/>
             </a:pPr>
             <a:r>
-              <a:rPr lang="en-GB" sz="2200" b="0" i="0" u="none" strike="noStrike" cap="none">
+              <a:rPr lang="en-GB" sz="2200" b="0" i="0" u="none" strike="noStrike" cap="none" dirty="0">
                 <a:solidFill>
                   <a:srgbClr val="262626"/>
                 </a:solidFill>
-                <a:latin typeface="Arial"/>
-                <a:ea typeface="Arial"/>
-                <a:cs typeface="Arial"/>
-                <a:sym typeface="Arial"/>
+                <a:latin typeface="Arial" panose="02080604020202020204" charset="0"/>
+                <a:ea typeface="Arial" panose="02080604020202020204" charset="0"/>
+                <a:cs typeface="Arial" panose="02080604020202020204" charset="0"/>
+                <a:sym typeface="Arial" panose="02080604020202020204" charset="0"/>
               </a:rPr>
               <a:t> </a:t>
             </a:r>
             <a:r>
-              <a:rPr lang="en-GB" sz="2200" i="0" u="none" strike="noStrike" cap="none">
+              <a:rPr lang="en-GB" sz="2200" i="0" u="none" strike="noStrike" cap="none" dirty="0" err="1">
                 <a:solidFill>
                   <a:srgbClr val="262626"/>
                 </a:solidFill>
                 <a:latin typeface="微软雅黑" charset="0"/>
                 <a:ea typeface="微软雅黑" charset="0"/>
-                <a:cs typeface="Arial"/>
-                <a:sym typeface="Arial"/>
+                <a:cs typeface="Arial" panose="02080604020202020204" charset="0"/>
+                <a:sym typeface="Arial" panose="02080604020202020204" charset="0"/>
               </a:rPr>
               <a:t>面向对象理论</a:t>
             </a:r>
-            <a:endParaRPr lang="en-GB" sz="2200" i="0" u="none" strike="noStrike" cap="none">
+            <a:endParaRPr lang="en-GB" sz="2200" i="0" u="none" strike="noStrike" cap="none" dirty="0">
               <a:solidFill>
                 <a:srgbClr val="262626"/>
               </a:solidFill>
               <a:latin typeface="微软雅黑" charset="0"/>
               <a:ea typeface="微软雅黑" charset="0"/>
-              <a:cs typeface="Arial"/>
-              <a:sym typeface="Arial"/>
+              <a:cs typeface="Arial" panose="02080604020202020204" charset="0"/>
+              <a:sym typeface="Arial" panose="02080604020202020204" charset="0"/>
             </a:endParaRPr>
           </a:p>
           <a:p>
@@ -7378,29 +7441,29 @@
                 <a:schemeClr val="dk2"/>
               </a:buClr>
               <a:buSzPct val="25000"/>
-              <a:buFont typeface="Wingdings" charset="0"/>
+              <a:buFont typeface="Wingdings" panose="05000000000000000000" charset="2"/>
               <a:buChar char="l"/>
             </a:pPr>
             <a:r>
-              <a:rPr lang="en-GB" sz="2200" i="0" u="none" strike="noStrike" cap="none">
+              <a:rPr lang="en-GB" sz="2200" i="0" u="none" strike="noStrike" cap="none" dirty="0" err="1">
                 <a:solidFill>
                   <a:srgbClr val="262626"/>
                 </a:solidFill>
                 <a:latin typeface="微软雅黑" charset="0"/>
                 <a:ea typeface="微软雅黑" charset="0"/>
-                <a:cs typeface="Arial"/>
-                <a:sym typeface="Arial"/>
+                <a:cs typeface="Arial" panose="02080604020202020204" charset="0"/>
+                <a:sym typeface="Arial" panose="02080604020202020204" charset="0"/>
               </a:rPr>
               <a:t>Python面向对象基础</a:t>
             </a:r>
-            <a:endParaRPr lang="en-GB" sz="2200" i="0" u="none" strike="noStrike" cap="none">
+            <a:endParaRPr lang="en-GB" sz="2200" i="0" u="none" strike="noStrike" cap="none" dirty="0">
               <a:solidFill>
                 <a:srgbClr val="262626"/>
               </a:solidFill>
               <a:latin typeface="微软雅黑" charset="0"/>
               <a:ea typeface="微软雅黑" charset="0"/>
-              <a:cs typeface="Arial"/>
-              <a:sym typeface="Arial"/>
+              <a:cs typeface="Arial" panose="02080604020202020204" charset="0"/>
+              <a:sym typeface="Arial" panose="02080604020202020204" charset="0"/>
             </a:endParaRPr>
           </a:p>
           <a:p>
@@ -7418,29 +7481,29 @@
                 <a:schemeClr val="dk2"/>
               </a:buClr>
               <a:buSzPct val="25000"/>
-              <a:buFont typeface="Wingdings" charset="0"/>
+              <a:buFont typeface="Wingdings" panose="05000000000000000000" charset="2"/>
               <a:buChar char="l"/>
             </a:pPr>
             <a:r>
-              <a:rPr lang="en-GB" sz="2200" i="0" u="none" strike="noStrike" cap="none">
+              <a:rPr lang="en-GB" sz="2200" i="0" u="none" strike="noStrike" cap="none" dirty="0" err="1">
                 <a:solidFill>
                   <a:srgbClr val="262626"/>
                 </a:solidFill>
                 <a:latin typeface="微软雅黑" charset="0"/>
                 <a:ea typeface="微软雅黑" charset="0"/>
-                <a:cs typeface="Arial"/>
-                <a:sym typeface="Arial"/>
+                <a:cs typeface="Arial" panose="02080604020202020204" charset="0"/>
+                <a:sym typeface="Arial" panose="02080604020202020204" charset="0"/>
               </a:rPr>
               <a:t>深入Python面向对象</a:t>
             </a:r>
-            <a:endParaRPr lang="en-GB" sz="2200" i="0" u="none" strike="noStrike" cap="none">
+            <a:endParaRPr lang="en-GB" sz="2200" i="0" u="none" strike="noStrike" cap="none" dirty="0">
               <a:solidFill>
                 <a:srgbClr val="262626"/>
               </a:solidFill>
               <a:latin typeface="微软雅黑" charset="0"/>
               <a:ea typeface="微软雅黑" charset="0"/>
-              <a:cs typeface="Arial"/>
-              <a:sym typeface="Arial"/>
+              <a:cs typeface="Arial" panose="02080604020202020204" charset="0"/>
+              <a:sym typeface="Arial" panose="02080604020202020204" charset="0"/>
             </a:endParaRPr>
           </a:p>
         </p:txBody>

--- a/ppt/1-Python面向对象课程介绍.pptx
+++ b/ppt/1-Python面向对象课程介绍.pptx
@@ -7389,8 +7389,8 @@
                 <a:schemeClr val="dk2"/>
               </a:buClr>
               <a:buSzPct val="25000"/>
-              <a:buFont typeface="Wingdings" panose="05000000000000000000" charset="2"/>
-              <a:buChar char="l"/>
+              <a:buFont typeface="Arial" panose="02080604020202020204" charset="0"/>
+              <a:buChar char="•"/>
             </a:pPr>
             <a:r>
               <a:rPr lang="en-GB" sz="2200" b="0" i="0" u="none" strike="noStrike" cap="none" dirty="0">
@@ -7441,8 +7441,8 @@
                 <a:schemeClr val="dk2"/>
               </a:buClr>
               <a:buSzPct val="25000"/>
-              <a:buFont typeface="Wingdings" panose="05000000000000000000" charset="2"/>
-              <a:buChar char="l"/>
+              <a:buFont typeface="Arial" panose="02080604020202020204" charset="0"/>
+              <a:buChar char="•"/>
             </a:pPr>
             <a:r>
               <a:rPr lang="en-GB" sz="2200" i="0" u="none" strike="noStrike" cap="none" dirty="0" err="1">
@@ -7481,8 +7481,8 @@
                 <a:schemeClr val="dk2"/>
               </a:buClr>
               <a:buSzPct val="25000"/>
-              <a:buFont typeface="Wingdings" panose="05000000000000000000" charset="2"/>
-              <a:buChar char="l"/>
+              <a:buFont typeface="Arial" panose="02080604020202020204" charset="0"/>
+              <a:buChar char="•"/>
             </a:pPr>
             <a:r>
               <a:rPr lang="en-GB" sz="2200" i="0" u="none" strike="noStrike" cap="none" dirty="0" err="1">
